--- a/notes/csc402-ln004.pptx
+++ b/notes/csc402-ln004.pptx
@@ -9153,11 +9153,7 @@
           <a:p>
             <a:r>
               <a:rPr lang="en-US"/>
-              <a:t>Assignment </a:t>
-            </a:r>
-            <a:r>
-              <a:rPr lang="en-US" dirty="0"/>
-              <a:t>#3 </a:t>
+              <a:t>Assignment #2 </a:t>
             </a:r>
             <a:r>
               <a:rPr lang="mr-IN" dirty="0"/>

--- a/notes/csc402-ln004.pptx
+++ b/notes/csc402-ln004.pptx
@@ -5,7 +5,7 @@
     <p:sldMasterId id="2147483649" r:id="rId1"/>
   </p:sldMasterIdLst>
   <p:notesMasterIdLst>
-    <p:notesMasterId r:id="rId18"/>
+    <p:notesMasterId r:id="rId17"/>
   </p:notesMasterIdLst>
   <p:sldIdLst>
     <p:sldId id="262" r:id="rId2"/>
@@ -23,7 +23,6 @@
     <p:sldId id="311" r:id="rId14"/>
     <p:sldId id="312" r:id="rId15"/>
     <p:sldId id="313" r:id="rId16"/>
-    <p:sldId id="280" r:id="rId17"/>
   </p:sldIdLst>
   <p:sldSz cx="9144000" cy="6858000" type="screen4x3"/>
   <p:notesSz cx="6858000" cy="9144000"/>
@@ -220,17 +219,17 @@
           </a:ln>
           <a:extLst>
             <a:ext uri="{FAA26D3D-D897-4be2-8F04-BA451C77F1D7}">
-              <ma14:placeholderFlag xmlns:ma14="http://schemas.microsoft.com/office/mac/drawingml/2011/main" xmlns="" val="1"/>
+              <ma14:placeholderFlag xmlns="" xmlns:ma14="http://schemas.microsoft.com/office/mac/drawingml/2011/main" val="1"/>
             </a:ext>
             <a:ext uri="{909E8E84-426E-40dd-AFC4-6F175D3DCCD1}">
-              <a14:hiddenFill xmlns="" xmlns:a14="http://schemas.microsoft.com/office/drawing/2010/main">
+              <a14:hiddenFill xmlns:a14="http://schemas.microsoft.com/office/drawing/2010/main" xmlns="">
                 <a:solidFill>
                   <a:schemeClr val="accent1"/>
                 </a:solidFill>
               </a14:hiddenFill>
             </a:ext>
             <a:ext uri="{91240B29-F687-4f45-9708-019B960494DF}">
-              <a14:hiddenLine xmlns="" xmlns:a14="http://schemas.microsoft.com/office/drawing/2010/main" w="9525">
+              <a14:hiddenLine xmlns:a14="http://schemas.microsoft.com/office/drawing/2010/main" xmlns="" w="9525">
                 <a:solidFill>
                   <a:schemeClr val="tx1"/>
                 </a:solidFill>
@@ -283,17 +282,17 @@
           </a:ln>
           <a:extLst>
             <a:ext uri="{FAA26D3D-D897-4be2-8F04-BA451C77F1D7}">
-              <ma14:placeholderFlag xmlns:ma14="http://schemas.microsoft.com/office/mac/drawingml/2011/main" xmlns="" val="1"/>
+              <ma14:placeholderFlag xmlns="" xmlns:ma14="http://schemas.microsoft.com/office/mac/drawingml/2011/main" val="1"/>
             </a:ext>
             <a:ext uri="{909E8E84-426E-40dd-AFC4-6F175D3DCCD1}">
-              <a14:hiddenFill xmlns="" xmlns:a14="http://schemas.microsoft.com/office/drawing/2010/main">
+              <a14:hiddenFill xmlns:a14="http://schemas.microsoft.com/office/drawing/2010/main" xmlns="">
                 <a:solidFill>
                   <a:schemeClr val="accent1"/>
                 </a:solidFill>
               </a14:hiddenFill>
             </a:ext>
             <a:ext uri="{91240B29-F687-4f45-9708-019B960494DF}">
-              <a14:hiddenLine xmlns="" xmlns:a14="http://schemas.microsoft.com/office/drawing/2010/main" w="9525">
+              <a14:hiddenLine xmlns:a14="http://schemas.microsoft.com/office/drawing/2010/main" xmlns="" w="9525">
                 <a:solidFill>
                   <a:schemeClr val="tx1"/>
                 </a:solidFill>
@@ -352,7 +351,7 @@
           <a:effectLst/>
           <a:extLst>
             <a:ext uri="{AF507438-7753-43e0-B8FC-AC1667EBCBE1}">
-              <a14:hiddenEffects xmlns="" xmlns:a14="http://schemas.microsoft.com/office/drawing/2010/main">
+              <a14:hiddenEffects xmlns:a14="http://schemas.microsoft.com/office/drawing/2010/main" xmlns="">
                 <a:effectLst>
                   <a:outerShdw blurRad="63500" dist="38099" dir="2700000" algn="ctr" rotWithShape="0">
                     <a:srgbClr val="000000">
@@ -363,7 +362,7 @@
               </a14:hiddenEffects>
             </a:ext>
             <a:ext uri="{53640926-AAD7-44d8-BBD7-CCE9431645EC}">
-              <a14:shadowObscured xmlns="" xmlns:a14="http://schemas.microsoft.com/office/drawing/2010/main" val="1"/>
+              <a14:shadowObscured xmlns:a14="http://schemas.microsoft.com/office/drawing/2010/main" xmlns="" val="1"/>
             </a:ext>
           </a:extLst>
         </p:spPr>
@@ -392,17 +391,17 @@
           </a:ln>
           <a:extLst>
             <a:ext uri="{FAA26D3D-D897-4be2-8F04-BA451C77F1D7}">
-              <ma14:placeholderFlag xmlns:ma14="http://schemas.microsoft.com/office/mac/drawingml/2011/main" xmlns="" val="1"/>
+              <ma14:placeholderFlag xmlns="" xmlns:ma14="http://schemas.microsoft.com/office/mac/drawingml/2011/main" val="1"/>
             </a:ext>
             <a:ext uri="{909E8E84-426E-40dd-AFC4-6F175D3DCCD1}">
-              <a14:hiddenFill xmlns="" xmlns:a14="http://schemas.microsoft.com/office/drawing/2010/main">
+              <a14:hiddenFill xmlns:a14="http://schemas.microsoft.com/office/drawing/2010/main" xmlns="">
                 <a:solidFill>
                   <a:schemeClr val="accent1"/>
                 </a:solidFill>
               </a14:hiddenFill>
             </a:ext>
             <a:ext uri="{91240B29-F687-4f45-9708-019B960494DF}">
-              <a14:hiddenLine xmlns="" xmlns:a14="http://schemas.microsoft.com/office/drawing/2010/main" w="9525">
+              <a14:hiddenLine xmlns:a14="http://schemas.microsoft.com/office/drawing/2010/main" xmlns="" w="9525">
                 <a:solidFill>
                   <a:schemeClr val="tx1"/>
                 </a:solidFill>
@@ -481,17 +480,17 @@
           </a:ln>
           <a:extLst>
             <a:ext uri="{FAA26D3D-D897-4be2-8F04-BA451C77F1D7}">
-              <ma14:placeholderFlag xmlns:ma14="http://schemas.microsoft.com/office/mac/drawingml/2011/main" xmlns="" val="1"/>
+              <ma14:placeholderFlag xmlns="" xmlns:ma14="http://schemas.microsoft.com/office/mac/drawingml/2011/main" val="1"/>
             </a:ext>
             <a:ext uri="{909E8E84-426E-40dd-AFC4-6F175D3DCCD1}">
-              <a14:hiddenFill xmlns="" xmlns:a14="http://schemas.microsoft.com/office/drawing/2010/main">
+              <a14:hiddenFill xmlns:a14="http://schemas.microsoft.com/office/drawing/2010/main" xmlns="">
                 <a:solidFill>
                   <a:schemeClr val="accent1"/>
                 </a:solidFill>
               </a14:hiddenFill>
             </a:ext>
             <a:ext uri="{91240B29-F687-4f45-9708-019B960494DF}">
-              <a14:hiddenLine xmlns="" xmlns:a14="http://schemas.microsoft.com/office/drawing/2010/main" w="9525">
+              <a14:hiddenLine xmlns:a14="http://schemas.microsoft.com/office/drawing/2010/main" xmlns="" w="9525">
                 <a:solidFill>
                   <a:schemeClr val="tx1"/>
                 </a:solidFill>
@@ -544,17 +543,17 @@
           </a:ln>
           <a:extLst>
             <a:ext uri="{FAA26D3D-D897-4be2-8F04-BA451C77F1D7}">
-              <ma14:placeholderFlag xmlns:ma14="http://schemas.microsoft.com/office/mac/drawingml/2011/main" xmlns="" val="1"/>
+              <ma14:placeholderFlag xmlns="" xmlns:ma14="http://schemas.microsoft.com/office/mac/drawingml/2011/main" val="1"/>
             </a:ext>
             <a:ext uri="{909E8E84-426E-40dd-AFC4-6F175D3DCCD1}">
-              <a14:hiddenFill xmlns="" xmlns:a14="http://schemas.microsoft.com/office/drawing/2010/main">
+              <a14:hiddenFill xmlns:a14="http://schemas.microsoft.com/office/drawing/2010/main" xmlns="">
                 <a:solidFill>
                   <a:schemeClr val="accent1"/>
                 </a:solidFill>
               </a14:hiddenFill>
             </a:ext>
             <a:ext uri="{91240B29-F687-4f45-9708-019B960494DF}">
-              <a14:hiddenLine xmlns="" xmlns:a14="http://schemas.microsoft.com/office/drawing/2010/main" w="9525">
+              <a14:hiddenLine xmlns:a14="http://schemas.microsoft.com/office/drawing/2010/main" xmlns="" w="9525">
                 <a:solidFill>
                   <a:schemeClr val="tx1"/>
                 </a:solidFill>
@@ -795,7 +794,7 @@
           </a:ln>
           <a:extLst>
             <a:ext uri="{FAA26D3D-D897-4be2-8F04-BA451C77F1D7}">
-              <ma14:placeholderFlag xmlns:ma14="http://schemas.microsoft.com/office/mac/drawingml/2011/main" xmlns="" val="1"/>
+              <ma14:placeholderFlag xmlns="" xmlns:ma14="http://schemas.microsoft.com/office/mac/drawingml/2011/main" val="1"/>
             </a:ext>
           </a:extLst>
         </p:spPr>
@@ -831,7 +830,7 @@
           </a:ln>
           <a:extLst>
             <a:ext uri="{FAA26D3D-D897-4be2-8F04-BA451C77F1D7}">
-              <ma14:placeholderFlag xmlns:ma14="http://schemas.microsoft.com/office/mac/drawingml/2011/main" xmlns="" val="1"/>
+              <ma14:placeholderFlag xmlns="" xmlns:ma14="http://schemas.microsoft.com/office/mac/drawingml/2011/main" val="1"/>
             </a:ext>
           </a:extLst>
         </p:spPr>
@@ -925,7 +924,7 @@
           </a:ln>
           <a:extLst>
             <a:ext uri="{FAA26D3D-D897-4be2-8F04-BA451C77F1D7}">
-              <ma14:placeholderFlag xmlns:ma14="http://schemas.microsoft.com/office/mac/drawingml/2011/main" xmlns="" val="1"/>
+              <ma14:placeholderFlag xmlns="" xmlns:ma14="http://schemas.microsoft.com/office/mac/drawingml/2011/main" val="1"/>
             </a:ext>
           </a:extLst>
         </p:spPr>
@@ -961,7 +960,7 @@
           </a:ln>
           <a:extLst>
             <a:ext uri="{FAA26D3D-D897-4be2-8F04-BA451C77F1D7}">
-              <ma14:placeholderFlag xmlns:ma14="http://schemas.microsoft.com/office/mac/drawingml/2011/main" xmlns="" val="1"/>
+              <ma14:placeholderFlag xmlns="" xmlns:ma14="http://schemas.microsoft.com/office/mac/drawingml/2011/main" val="1"/>
             </a:ext>
           </a:extLst>
         </p:spPr>
@@ -1038,7 +1037,7 @@
           <a:ln/>
           <a:extLst>
             <a:ext uri="{FAA26D3D-D897-4be2-8F04-BA451C77F1D7}">
-              <ma14:placeholderFlag xmlns:ma14="http://schemas.microsoft.com/office/mac/drawingml/2011/main" xmlns="" val="1"/>
+              <ma14:placeholderFlag xmlns="" xmlns:ma14="http://schemas.microsoft.com/office/mac/drawingml/2011/main" val="1"/>
             </a:ext>
           </a:extLst>
         </p:spPr>
@@ -1115,12 +1114,12 @@
           <a:effectLst/>
           <a:extLst>
             <a:ext uri="{909E8E84-426E-40dd-AFC4-6F175D3DCCD1}">
-              <a14:hiddenFill xmlns="" xmlns:a14="http://schemas.microsoft.com/office/drawing/2010/main">
+              <a14:hiddenFill xmlns:a14="http://schemas.microsoft.com/office/drawing/2010/main" xmlns="">
                 <a:noFill/>
               </a14:hiddenFill>
             </a:ext>
             <a:ext uri="{AF507438-7753-43e0-B8FC-AC1667EBCBE1}">
-              <a14:hiddenEffects xmlns="" xmlns:a14="http://schemas.microsoft.com/office/drawing/2010/main">
+              <a14:hiddenEffects xmlns:a14="http://schemas.microsoft.com/office/drawing/2010/main" xmlns="">
                 <a:effectLst>
                   <a:outerShdw blurRad="63500" dist="38099" dir="2700000" algn="ctr" rotWithShape="0">
                     <a:schemeClr val="bg2">
@@ -1321,7 +1320,7 @@
             <a:effectLst/>
             <a:extLst>
               <a:ext uri="{91240B29-F687-4f45-9708-019B960494DF}">
-                <a14:hiddenLine xmlns="" xmlns:a14="http://schemas.microsoft.com/office/drawing/2010/main" w="9525">
+                <a14:hiddenLine xmlns:a14="http://schemas.microsoft.com/office/drawing/2010/main" xmlns="" w="9525">
                   <a:solidFill>
                     <a:schemeClr val="tx1"/>
                   </a:solidFill>
@@ -1331,7 +1330,7 @@
                 </a14:hiddenLine>
               </a:ext>
               <a:ext uri="{AF507438-7753-43e0-B8FC-AC1667EBCBE1}">
-                <a14:hiddenEffects xmlns="" xmlns:a14="http://schemas.microsoft.com/office/drawing/2010/main">
+                <a14:hiddenEffects xmlns:a14="http://schemas.microsoft.com/office/drawing/2010/main" xmlns="">
                   <a:effectLst>
                     <a:outerShdw blurRad="63500" dist="38099" dir="2700000" algn="ctr" rotWithShape="0">
                       <a:schemeClr val="bg2">
@@ -1376,7 +1375,7 @@
             <a:effectLst/>
             <a:extLst>
               <a:ext uri="{91240B29-F687-4f45-9708-019B960494DF}">
-                <a14:hiddenLine xmlns="" xmlns:a14="http://schemas.microsoft.com/office/drawing/2010/main" w="9525">
+                <a14:hiddenLine xmlns:a14="http://schemas.microsoft.com/office/drawing/2010/main" xmlns="" w="9525">
                   <a:solidFill>
                     <a:schemeClr val="tx1"/>
                   </a:solidFill>
@@ -1386,7 +1385,7 @@
                 </a14:hiddenLine>
               </a:ext>
               <a:ext uri="{AF507438-7753-43e0-B8FC-AC1667EBCBE1}">
-                <a14:hiddenEffects xmlns="" xmlns:a14="http://schemas.microsoft.com/office/drawing/2010/main">
+                <a14:hiddenEffects xmlns:a14="http://schemas.microsoft.com/office/drawing/2010/main" xmlns="">
                   <a:effectLst>
                     <a:outerShdw blurRad="63500" dist="38099" dir="2700000" algn="ctr" rotWithShape="0">
                       <a:schemeClr val="bg2">
@@ -1431,7 +1430,7 @@
             <a:effectLst/>
             <a:extLst>
               <a:ext uri="{91240B29-F687-4f45-9708-019B960494DF}">
-                <a14:hiddenLine xmlns="" xmlns:a14="http://schemas.microsoft.com/office/drawing/2010/main" w="9525">
+                <a14:hiddenLine xmlns:a14="http://schemas.microsoft.com/office/drawing/2010/main" xmlns="" w="9525">
                   <a:solidFill>
                     <a:schemeClr val="tx1"/>
                   </a:solidFill>
@@ -1441,7 +1440,7 @@
                 </a14:hiddenLine>
               </a:ext>
               <a:ext uri="{AF507438-7753-43e0-B8FC-AC1667EBCBE1}">
-                <a14:hiddenEffects xmlns="" xmlns:a14="http://schemas.microsoft.com/office/drawing/2010/main">
+                <a14:hiddenEffects xmlns:a14="http://schemas.microsoft.com/office/drawing/2010/main" xmlns="">
                   <a:effectLst>
                     <a:outerShdw blurRad="63500" dist="38099" dir="2700000" algn="ctr" rotWithShape="0">
                       <a:schemeClr val="bg2">
@@ -1486,7 +1485,7 @@
             <a:effectLst/>
             <a:extLst>
               <a:ext uri="{91240B29-F687-4f45-9708-019B960494DF}">
-                <a14:hiddenLine xmlns="" xmlns:a14="http://schemas.microsoft.com/office/drawing/2010/main" w="9525">
+                <a14:hiddenLine xmlns:a14="http://schemas.microsoft.com/office/drawing/2010/main" xmlns="" w="9525">
                   <a:solidFill>
                     <a:schemeClr val="tx1"/>
                   </a:solidFill>
@@ -1496,7 +1495,7 @@
                 </a14:hiddenLine>
               </a:ext>
               <a:ext uri="{AF507438-7753-43e0-B8FC-AC1667EBCBE1}">
-                <a14:hiddenEffects xmlns="" xmlns:a14="http://schemas.microsoft.com/office/drawing/2010/main">
+                <a14:hiddenEffects xmlns:a14="http://schemas.microsoft.com/office/drawing/2010/main" xmlns="">
                   <a:effectLst>
                     <a:outerShdw blurRad="63500" dist="38099" dir="2700000" algn="ctr" rotWithShape="0">
                       <a:schemeClr val="bg2">
@@ -1541,7 +1540,7 @@
             <a:effectLst/>
             <a:extLst>
               <a:ext uri="{91240B29-F687-4f45-9708-019B960494DF}">
-                <a14:hiddenLine xmlns="" xmlns:a14="http://schemas.microsoft.com/office/drawing/2010/main" w="9525">
+                <a14:hiddenLine xmlns:a14="http://schemas.microsoft.com/office/drawing/2010/main" xmlns="" w="9525">
                   <a:solidFill>
                     <a:schemeClr val="tx1"/>
                   </a:solidFill>
@@ -1551,7 +1550,7 @@
                 </a14:hiddenLine>
               </a:ext>
               <a:ext uri="{AF507438-7753-43e0-B8FC-AC1667EBCBE1}">
-                <a14:hiddenEffects xmlns="" xmlns:a14="http://schemas.microsoft.com/office/drawing/2010/main">
+                <a14:hiddenEffects xmlns:a14="http://schemas.microsoft.com/office/drawing/2010/main" xmlns="">
                   <a:effectLst>
                     <a:outerShdw blurRad="63500" dist="38099" dir="2700000" algn="ctr" rotWithShape="0">
                       <a:schemeClr val="bg2">
@@ -1596,7 +1595,7 @@
             <a:effectLst/>
             <a:extLst>
               <a:ext uri="{91240B29-F687-4f45-9708-019B960494DF}">
-                <a14:hiddenLine xmlns="" xmlns:a14="http://schemas.microsoft.com/office/drawing/2010/main" w="9525">
+                <a14:hiddenLine xmlns:a14="http://schemas.microsoft.com/office/drawing/2010/main" xmlns="" w="9525">
                   <a:solidFill>
                     <a:schemeClr val="tx1"/>
                   </a:solidFill>
@@ -1606,7 +1605,7 @@
                 </a14:hiddenLine>
               </a:ext>
               <a:ext uri="{AF507438-7753-43e0-B8FC-AC1667EBCBE1}">
-                <a14:hiddenEffects xmlns="" xmlns:a14="http://schemas.microsoft.com/office/drawing/2010/main">
+                <a14:hiddenEffects xmlns:a14="http://schemas.microsoft.com/office/drawing/2010/main" xmlns="">
                   <a:effectLst>
                     <a:outerShdw blurRad="63500" dist="38099" dir="2700000" algn="ctr" rotWithShape="0">
                       <a:schemeClr val="bg2">
@@ -1651,7 +1650,7 @@
             <a:effectLst/>
             <a:extLst>
               <a:ext uri="{91240B29-F687-4f45-9708-019B960494DF}">
-                <a14:hiddenLine xmlns="" xmlns:a14="http://schemas.microsoft.com/office/drawing/2010/main" w="9525">
+                <a14:hiddenLine xmlns:a14="http://schemas.microsoft.com/office/drawing/2010/main" xmlns="" w="9525">
                   <a:solidFill>
                     <a:schemeClr val="tx1"/>
                   </a:solidFill>
@@ -1661,7 +1660,7 @@
                 </a14:hiddenLine>
               </a:ext>
               <a:ext uri="{AF507438-7753-43e0-B8FC-AC1667EBCBE1}">
-                <a14:hiddenEffects xmlns="" xmlns:a14="http://schemas.microsoft.com/office/drawing/2010/main">
+                <a14:hiddenEffects xmlns:a14="http://schemas.microsoft.com/office/drawing/2010/main" xmlns="">
                   <a:effectLst>
                     <a:outerShdw blurRad="63500" dist="38099" dir="2700000" algn="ctr" rotWithShape="0">
                       <a:schemeClr val="bg2">
@@ -1706,7 +1705,7 @@
             <a:effectLst/>
             <a:extLst>
               <a:ext uri="{91240B29-F687-4f45-9708-019B960494DF}">
-                <a14:hiddenLine xmlns="" xmlns:a14="http://schemas.microsoft.com/office/drawing/2010/main" w="9525">
+                <a14:hiddenLine xmlns:a14="http://schemas.microsoft.com/office/drawing/2010/main" xmlns="" w="9525">
                   <a:solidFill>
                     <a:schemeClr val="tx1"/>
                   </a:solidFill>
@@ -1716,7 +1715,7 @@
                 </a14:hiddenLine>
               </a:ext>
               <a:ext uri="{AF507438-7753-43e0-B8FC-AC1667EBCBE1}">
-                <a14:hiddenEffects xmlns="" xmlns:a14="http://schemas.microsoft.com/office/drawing/2010/main">
+                <a14:hiddenEffects xmlns:a14="http://schemas.microsoft.com/office/drawing/2010/main" xmlns="">
                   <a:effectLst>
                     <a:outerShdw blurRad="63500" dist="38099" dir="2700000" algn="ctr" rotWithShape="0">
                       <a:schemeClr val="bg2">
@@ -1761,7 +1760,7 @@
             <a:effectLst/>
             <a:extLst>
               <a:ext uri="{91240B29-F687-4f45-9708-019B960494DF}">
-                <a14:hiddenLine xmlns="" xmlns:a14="http://schemas.microsoft.com/office/drawing/2010/main" w="9525">
+                <a14:hiddenLine xmlns:a14="http://schemas.microsoft.com/office/drawing/2010/main" xmlns="" w="9525">
                   <a:solidFill>
                     <a:schemeClr val="tx1"/>
                   </a:solidFill>
@@ -1771,7 +1770,7 @@
                 </a14:hiddenLine>
               </a:ext>
               <a:ext uri="{AF507438-7753-43e0-B8FC-AC1667EBCBE1}">
-                <a14:hiddenEffects xmlns="" xmlns:a14="http://schemas.microsoft.com/office/drawing/2010/main">
+                <a14:hiddenEffects xmlns:a14="http://schemas.microsoft.com/office/drawing/2010/main" xmlns="">
                   <a:effectLst>
                     <a:outerShdw blurRad="63500" dist="38099" dir="2700000" algn="ctr" rotWithShape="0">
                       <a:schemeClr val="bg2">
@@ -1816,7 +1815,7 @@
             <a:effectLst/>
             <a:extLst>
               <a:ext uri="{91240B29-F687-4f45-9708-019B960494DF}">
-                <a14:hiddenLine xmlns="" xmlns:a14="http://schemas.microsoft.com/office/drawing/2010/main" w="9525">
+                <a14:hiddenLine xmlns:a14="http://schemas.microsoft.com/office/drawing/2010/main" xmlns="" w="9525">
                   <a:solidFill>
                     <a:schemeClr val="tx1"/>
                   </a:solidFill>
@@ -1826,7 +1825,7 @@
                 </a14:hiddenLine>
               </a:ext>
               <a:ext uri="{AF507438-7753-43e0-B8FC-AC1667EBCBE1}">
-                <a14:hiddenEffects xmlns="" xmlns:a14="http://schemas.microsoft.com/office/drawing/2010/main">
+                <a14:hiddenEffects xmlns:a14="http://schemas.microsoft.com/office/drawing/2010/main" xmlns="">
                   <a:effectLst>
                     <a:outerShdw blurRad="63500" dist="38099" dir="2700000" algn="ctr" rotWithShape="0">
                       <a:schemeClr val="bg2">
@@ -1871,7 +1870,7 @@
             <a:effectLst/>
             <a:extLst>
               <a:ext uri="{91240B29-F687-4f45-9708-019B960494DF}">
-                <a14:hiddenLine xmlns="" xmlns:a14="http://schemas.microsoft.com/office/drawing/2010/main" w="9525">
+                <a14:hiddenLine xmlns:a14="http://schemas.microsoft.com/office/drawing/2010/main" xmlns="" w="9525">
                   <a:solidFill>
                     <a:schemeClr val="tx1"/>
                   </a:solidFill>
@@ -1881,7 +1880,7 @@
                 </a14:hiddenLine>
               </a:ext>
               <a:ext uri="{AF507438-7753-43e0-B8FC-AC1667EBCBE1}">
-                <a14:hiddenEffects xmlns="" xmlns:a14="http://schemas.microsoft.com/office/drawing/2010/main">
+                <a14:hiddenEffects xmlns:a14="http://schemas.microsoft.com/office/drawing/2010/main" xmlns="">
                   <a:effectLst>
                     <a:outerShdw blurRad="63500" dist="38099" dir="2700000" algn="ctr" rotWithShape="0">
                       <a:schemeClr val="bg2">
@@ -1926,7 +1925,7 @@
             <a:effectLst/>
             <a:extLst>
               <a:ext uri="{91240B29-F687-4f45-9708-019B960494DF}">
-                <a14:hiddenLine xmlns="" xmlns:a14="http://schemas.microsoft.com/office/drawing/2010/main" w="9525">
+                <a14:hiddenLine xmlns:a14="http://schemas.microsoft.com/office/drawing/2010/main" xmlns="" w="9525">
                   <a:solidFill>
                     <a:schemeClr val="tx1"/>
                   </a:solidFill>
@@ -1936,7 +1935,7 @@
                 </a14:hiddenLine>
               </a:ext>
               <a:ext uri="{AF507438-7753-43e0-B8FC-AC1667EBCBE1}">
-                <a14:hiddenEffects xmlns="" xmlns:a14="http://schemas.microsoft.com/office/drawing/2010/main">
+                <a14:hiddenEffects xmlns:a14="http://schemas.microsoft.com/office/drawing/2010/main" xmlns="">
                   <a:effectLst>
                     <a:outerShdw blurRad="63500" dist="38099" dir="2700000" algn="ctr" rotWithShape="0">
                       <a:schemeClr val="bg2">
@@ -1981,7 +1980,7 @@
             <a:effectLst/>
             <a:extLst>
               <a:ext uri="{91240B29-F687-4f45-9708-019B960494DF}">
-                <a14:hiddenLine xmlns="" xmlns:a14="http://schemas.microsoft.com/office/drawing/2010/main" w="9525">
+                <a14:hiddenLine xmlns:a14="http://schemas.microsoft.com/office/drawing/2010/main" xmlns="" w="9525">
                   <a:solidFill>
                     <a:schemeClr val="tx1"/>
                   </a:solidFill>
@@ -1991,7 +1990,7 @@
                 </a14:hiddenLine>
               </a:ext>
               <a:ext uri="{AF507438-7753-43e0-B8FC-AC1667EBCBE1}">
-                <a14:hiddenEffects xmlns="" xmlns:a14="http://schemas.microsoft.com/office/drawing/2010/main">
+                <a14:hiddenEffects xmlns:a14="http://schemas.microsoft.com/office/drawing/2010/main" xmlns="">
                   <a:effectLst>
                     <a:outerShdw blurRad="63500" dist="38099" dir="2700000" algn="ctr" rotWithShape="0">
                       <a:schemeClr val="bg2">
@@ -2036,7 +2035,7 @@
             <a:effectLst/>
             <a:extLst>
               <a:ext uri="{91240B29-F687-4f45-9708-019B960494DF}">
-                <a14:hiddenLine xmlns="" xmlns:a14="http://schemas.microsoft.com/office/drawing/2010/main" w="9525">
+                <a14:hiddenLine xmlns:a14="http://schemas.microsoft.com/office/drawing/2010/main" xmlns="" w="9525">
                   <a:solidFill>
                     <a:schemeClr val="tx1"/>
                   </a:solidFill>
@@ -2046,7 +2045,7 @@
                 </a14:hiddenLine>
               </a:ext>
               <a:ext uri="{AF507438-7753-43e0-B8FC-AC1667EBCBE1}">
-                <a14:hiddenEffects xmlns="" xmlns:a14="http://schemas.microsoft.com/office/drawing/2010/main">
+                <a14:hiddenEffects xmlns:a14="http://schemas.microsoft.com/office/drawing/2010/main" xmlns="">
                   <a:effectLst>
                     <a:outerShdw blurRad="63500" dist="38099" dir="2700000" algn="ctr" rotWithShape="0">
                       <a:schemeClr val="bg2">
@@ -2091,7 +2090,7 @@
             <a:effectLst/>
             <a:extLst>
               <a:ext uri="{91240B29-F687-4f45-9708-019B960494DF}">
-                <a14:hiddenLine xmlns="" xmlns:a14="http://schemas.microsoft.com/office/drawing/2010/main" w="9525">
+                <a14:hiddenLine xmlns:a14="http://schemas.microsoft.com/office/drawing/2010/main" xmlns="" w="9525">
                   <a:solidFill>
                     <a:schemeClr val="tx1"/>
                   </a:solidFill>
@@ -2101,7 +2100,7 @@
                 </a14:hiddenLine>
               </a:ext>
               <a:ext uri="{AF507438-7753-43e0-B8FC-AC1667EBCBE1}">
-                <a14:hiddenEffects xmlns="" xmlns:a14="http://schemas.microsoft.com/office/drawing/2010/main">
+                <a14:hiddenEffects xmlns:a14="http://schemas.microsoft.com/office/drawing/2010/main" xmlns="">
                   <a:effectLst>
                     <a:outerShdw blurRad="63500" dist="38099" dir="2700000" algn="ctr" rotWithShape="0">
                       <a:schemeClr val="bg2">
@@ -2146,7 +2145,7 @@
             <a:effectLst/>
             <a:extLst>
               <a:ext uri="{91240B29-F687-4f45-9708-019B960494DF}">
-                <a14:hiddenLine xmlns="" xmlns:a14="http://schemas.microsoft.com/office/drawing/2010/main" w="9525">
+                <a14:hiddenLine xmlns:a14="http://schemas.microsoft.com/office/drawing/2010/main" xmlns="" w="9525">
                   <a:solidFill>
                     <a:schemeClr val="tx1"/>
                   </a:solidFill>
@@ -2156,7 +2155,7 @@
                 </a14:hiddenLine>
               </a:ext>
               <a:ext uri="{AF507438-7753-43e0-B8FC-AC1667EBCBE1}">
-                <a14:hiddenEffects xmlns="" xmlns:a14="http://schemas.microsoft.com/office/drawing/2010/main">
+                <a14:hiddenEffects xmlns:a14="http://schemas.microsoft.com/office/drawing/2010/main" xmlns="">
                   <a:effectLst>
                     <a:outerShdw blurRad="63500" dist="38099" dir="2700000" algn="ctr" rotWithShape="0">
                       <a:schemeClr val="bg2">
@@ -2201,7 +2200,7 @@
             <a:effectLst/>
             <a:extLst>
               <a:ext uri="{91240B29-F687-4f45-9708-019B960494DF}">
-                <a14:hiddenLine xmlns="" xmlns:a14="http://schemas.microsoft.com/office/drawing/2010/main" w="9525">
+                <a14:hiddenLine xmlns:a14="http://schemas.microsoft.com/office/drawing/2010/main" xmlns="" w="9525">
                   <a:solidFill>
                     <a:schemeClr val="tx1"/>
                   </a:solidFill>
@@ -2211,7 +2210,7 @@
                 </a14:hiddenLine>
               </a:ext>
               <a:ext uri="{AF507438-7753-43e0-B8FC-AC1667EBCBE1}">
-                <a14:hiddenEffects xmlns="" xmlns:a14="http://schemas.microsoft.com/office/drawing/2010/main">
+                <a14:hiddenEffects xmlns:a14="http://schemas.microsoft.com/office/drawing/2010/main" xmlns="">
                   <a:effectLst>
                     <a:outerShdw blurRad="63500" dist="38099" dir="2700000" algn="ctr" rotWithShape="0">
                       <a:schemeClr val="bg2">
@@ -2256,7 +2255,7 @@
             <a:effectLst/>
             <a:extLst>
               <a:ext uri="{91240B29-F687-4f45-9708-019B960494DF}">
-                <a14:hiddenLine xmlns="" xmlns:a14="http://schemas.microsoft.com/office/drawing/2010/main" w="9525">
+                <a14:hiddenLine xmlns:a14="http://schemas.microsoft.com/office/drawing/2010/main" xmlns="" w="9525">
                   <a:solidFill>
                     <a:schemeClr val="tx1"/>
                   </a:solidFill>
@@ -2266,7 +2265,7 @@
                 </a14:hiddenLine>
               </a:ext>
               <a:ext uri="{AF507438-7753-43e0-B8FC-AC1667EBCBE1}">
-                <a14:hiddenEffects xmlns="" xmlns:a14="http://schemas.microsoft.com/office/drawing/2010/main">
+                <a14:hiddenEffects xmlns:a14="http://schemas.microsoft.com/office/drawing/2010/main" xmlns="">
                   <a:effectLst>
                     <a:outerShdw blurRad="63500" dist="38099" dir="2700000" algn="ctr" rotWithShape="0">
                       <a:schemeClr val="bg2">
@@ -2311,7 +2310,7 @@
             <a:effectLst/>
             <a:extLst>
               <a:ext uri="{91240B29-F687-4f45-9708-019B960494DF}">
-                <a14:hiddenLine xmlns="" xmlns:a14="http://schemas.microsoft.com/office/drawing/2010/main" w="9525">
+                <a14:hiddenLine xmlns:a14="http://schemas.microsoft.com/office/drawing/2010/main" xmlns="" w="9525">
                   <a:solidFill>
                     <a:schemeClr val="tx1"/>
                   </a:solidFill>
@@ -2321,7 +2320,7 @@
                 </a14:hiddenLine>
               </a:ext>
               <a:ext uri="{AF507438-7753-43e0-B8FC-AC1667EBCBE1}">
-                <a14:hiddenEffects xmlns="" xmlns:a14="http://schemas.microsoft.com/office/drawing/2010/main">
+                <a14:hiddenEffects xmlns:a14="http://schemas.microsoft.com/office/drawing/2010/main" xmlns="">
                   <a:effectLst>
                     <a:outerShdw blurRad="63500" dist="38099" dir="2700000" algn="ctr" rotWithShape="0">
                       <a:schemeClr val="bg2">
@@ -2366,7 +2365,7 @@
             <a:effectLst/>
             <a:extLst>
               <a:ext uri="{91240B29-F687-4f45-9708-019B960494DF}">
-                <a14:hiddenLine xmlns="" xmlns:a14="http://schemas.microsoft.com/office/drawing/2010/main" w="9525">
+                <a14:hiddenLine xmlns:a14="http://schemas.microsoft.com/office/drawing/2010/main" xmlns="" w="9525">
                   <a:solidFill>
                     <a:schemeClr val="tx1"/>
                   </a:solidFill>
@@ -2376,7 +2375,7 @@
                 </a14:hiddenLine>
               </a:ext>
               <a:ext uri="{AF507438-7753-43e0-B8FC-AC1667EBCBE1}">
-                <a14:hiddenEffects xmlns="" xmlns:a14="http://schemas.microsoft.com/office/drawing/2010/main">
+                <a14:hiddenEffects xmlns:a14="http://schemas.microsoft.com/office/drawing/2010/main" xmlns="">
                   <a:effectLst>
                     <a:outerShdw blurRad="63500" dist="38099" dir="2700000" algn="ctr" rotWithShape="0">
                       <a:schemeClr val="bg2">
@@ -2421,7 +2420,7 @@
             <a:effectLst/>
             <a:extLst>
               <a:ext uri="{91240B29-F687-4f45-9708-019B960494DF}">
-                <a14:hiddenLine xmlns="" xmlns:a14="http://schemas.microsoft.com/office/drawing/2010/main" w="9525">
+                <a14:hiddenLine xmlns:a14="http://schemas.microsoft.com/office/drawing/2010/main" xmlns="" w="9525">
                   <a:solidFill>
                     <a:schemeClr val="tx1"/>
                   </a:solidFill>
@@ -2431,7 +2430,7 @@
                 </a14:hiddenLine>
               </a:ext>
               <a:ext uri="{AF507438-7753-43e0-B8FC-AC1667EBCBE1}">
-                <a14:hiddenEffects xmlns="" xmlns:a14="http://schemas.microsoft.com/office/drawing/2010/main">
+                <a14:hiddenEffects xmlns:a14="http://schemas.microsoft.com/office/drawing/2010/main" xmlns="">
                   <a:effectLst>
                     <a:outerShdw blurRad="63500" dist="38099" dir="2700000" algn="ctr" rotWithShape="0">
                       <a:schemeClr val="bg2">
@@ -2476,7 +2475,7 @@
             <a:effectLst/>
             <a:extLst>
               <a:ext uri="{91240B29-F687-4f45-9708-019B960494DF}">
-                <a14:hiddenLine xmlns="" xmlns:a14="http://schemas.microsoft.com/office/drawing/2010/main" w="9525">
+                <a14:hiddenLine xmlns:a14="http://schemas.microsoft.com/office/drawing/2010/main" xmlns="" w="9525">
                   <a:solidFill>
                     <a:schemeClr val="tx1"/>
                   </a:solidFill>
@@ -2486,7 +2485,7 @@
                 </a14:hiddenLine>
               </a:ext>
               <a:ext uri="{AF507438-7753-43e0-B8FC-AC1667EBCBE1}">
-                <a14:hiddenEffects xmlns="" xmlns:a14="http://schemas.microsoft.com/office/drawing/2010/main">
+                <a14:hiddenEffects xmlns:a14="http://schemas.microsoft.com/office/drawing/2010/main" xmlns="">
                   <a:effectLst>
                     <a:outerShdw blurRad="63500" dist="38099" dir="2700000" algn="ctr" rotWithShape="0">
                       <a:schemeClr val="bg2">
@@ -2531,7 +2530,7 @@
             <a:effectLst/>
             <a:extLst>
               <a:ext uri="{91240B29-F687-4f45-9708-019B960494DF}">
-                <a14:hiddenLine xmlns="" xmlns:a14="http://schemas.microsoft.com/office/drawing/2010/main" w="9525">
+                <a14:hiddenLine xmlns:a14="http://schemas.microsoft.com/office/drawing/2010/main" xmlns="" w="9525">
                   <a:solidFill>
                     <a:schemeClr val="tx1"/>
                   </a:solidFill>
@@ -2541,7 +2540,7 @@
                 </a14:hiddenLine>
               </a:ext>
               <a:ext uri="{AF507438-7753-43e0-B8FC-AC1667EBCBE1}">
-                <a14:hiddenEffects xmlns="" xmlns:a14="http://schemas.microsoft.com/office/drawing/2010/main">
+                <a14:hiddenEffects xmlns:a14="http://schemas.microsoft.com/office/drawing/2010/main" xmlns="">
                   <a:effectLst>
                     <a:outerShdw blurRad="63500" dist="38099" dir="2700000" algn="ctr" rotWithShape="0">
                       <a:schemeClr val="bg2">
@@ -2586,7 +2585,7 @@
             <a:effectLst/>
             <a:extLst>
               <a:ext uri="{91240B29-F687-4f45-9708-019B960494DF}">
-                <a14:hiddenLine xmlns="" xmlns:a14="http://schemas.microsoft.com/office/drawing/2010/main" w="9525">
+                <a14:hiddenLine xmlns:a14="http://schemas.microsoft.com/office/drawing/2010/main" xmlns="" w="9525">
                   <a:solidFill>
                     <a:schemeClr val="tx1"/>
                   </a:solidFill>
@@ -2596,7 +2595,7 @@
                 </a14:hiddenLine>
               </a:ext>
               <a:ext uri="{AF507438-7753-43e0-B8FC-AC1667EBCBE1}">
-                <a14:hiddenEffects xmlns="" xmlns:a14="http://schemas.microsoft.com/office/drawing/2010/main">
+                <a14:hiddenEffects xmlns:a14="http://schemas.microsoft.com/office/drawing/2010/main" xmlns="">
                   <a:effectLst>
                     <a:outerShdw blurRad="63500" dist="38099" dir="2700000" algn="ctr" rotWithShape="0">
                       <a:schemeClr val="bg2">
@@ -2641,7 +2640,7 @@
             <a:effectLst/>
             <a:extLst>
               <a:ext uri="{91240B29-F687-4f45-9708-019B960494DF}">
-                <a14:hiddenLine xmlns="" xmlns:a14="http://schemas.microsoft.com/office/drawing/2010/main" w="9525">
+                <a14:hiddenLine xmlns:a14="http://schemas.microsoft.com/office/drawing/2010/main" xmlns="" w="9525">
                   <a:solidFill>
                     <a:schemeClr val="tx1"/>
                   </a:solidFill>
@@ -2651,7 +2650,7 @@
                 </a14:hiddenLine>
               </a:ext>
               <a:ext uri="{AF507438-7753-43e0-B8FC-AC1667EBCBE1}">
-                <a14:hiddenEffects xmlns="" xmlns:a14="http://schemas.microsoft.com/office/drawing/2010/main">
+                <a14:hiddenEffects xmlns:a14="http://schemas.microsoft.com/office/drawing/2010/main" xmlns="">
                   <a:effectLst>
                     <a:outerShdw blurRad="63500" dist="38099" dir="2700000" algn="ctr" rotWithShape="0">
                       <a:schemeClr val="bg2">
@@ -2696,7 +2695,7 @@
             <a:effectLst/>
             <a:extLst>
               <a:ext uri="{91240B29-F687-4f45-9708-019B960494DF}">
-                <a14:hiddenLine xmlns="" xmlns:a14="http://schemas.microsoft.com/office/drawing/2010/main" w="9525">
+                <a14:hiddenLine xmlns:a14="http://schemas.microsoft.com/office/drawing/2010/main" xmlns="" w="9525">
                   <a:solidFill>
                     <a:schemeClr val="tx1"/>
                   </a:solidFill>
@@ -2706,7 +2705,7 @@
                 </a14:hiddenLine>
               </a:ext>
               <a:ext uri="{AF507438-7753-43e0-B8FC-AC1667EBCBE1}">
-                <a14:hiddenEffects xmlns="" xmlns:a14="http://schemas.microsoft.com/office/drawing/2010/main">
+                <a14:hiddenEffects xmlns:a14="http://schemas.microsoft.com/office/drawing/2010/main" xmlns="">
                   <a:effectLst>
                     <a:outerShdw blurRad="63500" dist="38099" dir="2700000" algn="ctr" rotWithShape="0">
                       <a:schemeClr val="bg2">
@@ -2751,7 +2750,7 @@
             <a:effectLst/>
             <a:extLst>
               <a:ext uri="{91240B29-F687-4f45-9708-019B960494DF}">
-                <a14:hiddenLine xmlns="" xmlns:a14="http://schemas.microsoft.com/office/drawing/2010/main" w="9525">
+                <a14:hiddenLine xmlns:a14="http://schemas.microsoft.com/office/drawing/2010/main" xmlns="" w="9525">
                   <a:solidFill>
                     <a:schemeClr val="tx1"/>
                   </a:solidFill>
@@ -2761,7 +2760,7 @@
                 </a14:hiddenLine>
               </a:ext>
               <a:ext uri="{AF507438-7753-43e0-B8FC-AC1667EBCBE1}">
-                <a14:hiddenEffects xmlns="" xmlns:a14="http://schemas.microsoft.com/office/drawing/2010/main">
+                <a14:hiddenEffects xmlns:a14="http://schemas.microsoft.com/office/drawing/2010/main" xmlns="">
                   <a:effectLst>
                     <a:outerShdw blurRad="63500" dist="38099" dir="2700000" algn="ctr" rotWithShape="0">
                       <a:schemeClr val="bg2">
@@ -2806,7 +2805,7 @@
             <a:effectLst/>
             <a:extLst>
               <a:ext uri="{91240B29-F687-4f45-9708-019B960494DF}">
-                <a14:hiddenLine xmlns="" xmlns:a14="http://schemas.microsoft.com/office/drawing/2010/main" w="9525">
+                <a14:hiddenLine xmlns:a14="http://schemas.microsoft.com/office/drawing/2010/main" xmlns="" w="9525">
                   <a:solidFill>
                     <a:schemeClr val="tx1"/>
                   </a:solidFill>
@@ -2816,7 +2815,7 @@
                 </a14:hiddenLine>
               </a:ext>
               <a:ext uri="{AF507438-7753-43e0-B8FC-AC1667EBCBE1}">
-                <a14:hiddenEffects xmlns="" xmlns:a14="http://schemas.microsoft.com/office/drawing/2010/main">
+                <a14:hiddenEffects xmlns:a14="http://schemas.microsoft.com/office/drawing/2010/main" xmlns="">
                   <a:effectLst>
                     <a:outerShdw blurRad="63500" dist="38099" dir="2700000" algn="ctr" rotWithShape="0">
                       <a:schemeClr val="bg2">
@@ -2861,7 +2860,7 @@
             <a:effectLst/>
             <a:extLst>
               <a:ext uri="{91240B29-F687-4f45-9708-019B960494DF}">
-                <a14:hiddenLine xmlns="" xmlns:a14="http://schemas.microsoft.com/office/drawing/2010/main" w="9525">
+                <a14:hiddenLine xmlns:a14="http://schemas.microsoft.com/office/drawing/2010/main" xmlns="" w="9525">
                   <a:solidFill>
                     <a:schemeClr val="tx1"/>
                   </a:solidFill>
@@ -2871,7 +2870,7 @@
                 </a14:hiddenLine>
               </a:ext>
               <a:ext uri="{AF507438-7753-43e0-B8FC-AC1667EBCBE1}">
-                <a14:hiddenEffects xmlns="" xmlns:a14="http://schemas.microsoft.com/office/drawing/2010/main">
+                <a14:hiddenEffects xmlns:a14="http://schemas.microsoft.com/office/drawing/2010/main" xmlns="">
                   <a:effectLst>
                     <a:outerShdw blurRad="63500" dist="38099" dir="2700000" algn="ctr" rotWithShape="0">
                       <a:schemeClr val="bg2">
@@ -2916,7 +2915,7 @@
             <a:effectLst/>
             <a:extLst>
               <a:ext uri="{91240B29-F687-4f45-9708-019B960494DF}">
-                <a14:hiddenLine xmlns="" xmlns:a14="http://schemas.microsoft.com/office/drawing/2010/main" w="9525">
+                <a14:hiddenLine xmlns:a14="http://schemas.microsoft.com/office/drawing/2010/main" xmlns="" w="9525">
                   <a:solidFill>
                     <a:schemeClr val="tx1"/>
                   </a:solidFill>
@@ -2926,7 +2925,7 @@
                 </a14:hiddenLine>
               </a:ext>
               <a:ext uri="{AF507438-7753-43e0-B8FC-AC1667EBCBE1}">
-                <a14:hiddenEffects xmlns="" xmlns:a14="http://schemas.microsoft.com/office/drawing/2010/main">
+                <a14:hiddenEffects xmlns:a14="http://schemas.microsoft.com/office/drawing/2010/main" xmlns="">
                   <a:effectLst>
                     <a:outerShdw blurRad="63500" dist="38099" dir="2700000" algn="ctr" rotWithShape="0">
                       <a:schemeClr val="bg2">
@@ -2971,7 +2970,7 @@
             <a:effectLst/>
             <a:extLst>
               <a:ext uri="{91240B29-F687-4f45-9708-019B960494DF}">
-                <a14:hiddenLine xmlns="" xmlns:a14="http://schemas.microsoft.com/office/drawing/2010/main" w="9525">
+                <a14:hiddenLine xmlns:a14="http://schemas.microsoft.com/office/drawing/2010/main" xmlns="" w="9525">
                   <a:solidFill>
                     <a:schemeClr val="tx1"/>
                   </a:solidFill>
@@ -2981,7 +2980,7 @@
                 </a14:hiddenLine>
               </a:ext>
               <a:ext uri="{AF507438-7753-43e0-B8FC-AC1667EBCBE1}">
-                <a14:hiddenEffects xmlns="" xmlns:a14="http://schemas.microsoft.com/office/drawing/2010/main">
+                <a14:hiddenEffects xmlns:a14="http://schemas.microsoft.com/office/drawing/2010/main" xmlns="">
                   <a:effectLst>
                     <a:outerShdw blurRad="63500" dist="38099" dir="2700000" algn="ctr" rotWithShape="0">
                       <a:schemeClr val="bg2">
@@ -3030,12 +3029,12 @@
           <a:effectLst/>
           <a:extLst>
             <a:ext uri="{909E8E84-426E-40dd-AFC4-6F175D3DCCD1}">
-              <a14:hiddenFill xmlns="" xmlns:a14="http://schemas.microsoft.com/office/drawing/2010/main">
+              <a14:hiddenFill xmlns:a14="http://schemas.microsoft.com/office/drawing/2010/main" xmlns="">
                 <a:noFill/>
               </a14:hiddenFill>
             </a:ext>
             <a:ext uri="{AF507438-7753-43e0-B8FC-AC1667EBCBE1}">
-              <a14:hiddenEffects xmlns="" xmlns:a14="http://schemas.microsoft.com/office/drawing/2010/main">
+              <a14:hiddenEffects xmlns:a14="http://schemas.microsoft.com/office/drawing/2010/main" xmlns="">
                 <a:effectLst>
                   <a:outerShdw blurRad="63500" dist="38099" dir="2700000" algn="ctr" rotWithShape="0">
                     <a:schemeClr val="bg2">
@@ -5359,12 +5358,12 @@
           <a:effectLst/>
           <a:extLst>
             <a:ext uri="{909E8E84-426E-40dd-AFC4-6F175D3DCCD1}">
-              <a14:hiddenFill xmlns="" xmlns:a14="http://schemas.microsoft.com/office/drawing/2010/main">
+              <a14:hiddenFill xmlns:a14="http://schemas.microsoft.com/office/drawing/2010/main" xmlns="">
                 <a:noFill/>
               </a14:hiddenFill>
             </a:ext>
             <a:ext uri="{AF507438-7753-43e0-B8FC-AC1667EBCBE1}">
-              <a14:hiddenEffects xmlns="" xmlns:a14="http://schemas.microsoft.com/office/drawing/2010/main">
+              <a14:hiddenEffects xmlns:a14="http://schemas.microsoft.com/office/drawing/2010/main" xmlns="">
                 <a:effectLst>
                   <a:outerShdw blurRad="63500" dist="38099" dir="2700000" algn="ctr" rotWithShape="0">
                     <a:schemeClr val="bg2">
@@ -5409,17 +5408,17 @@
           <a:effectLst/>
           <a:extLst>
             <a:ext uri="{FAA26D3D-D897-4be2-8F04-BA451C77F1D7}">
-              <ma14:placeholderFlag xmlns:ma14="http://schemas.microsoft.com/office/mac/drawingml/2011/main" xmlns="" val="1"/>
+              <ma14:placeholderFlag xmlns="" xmlns:ma14="http://schemas.microsoft.com/office/mac/drawingml/2011/main" val="1"/>
             </a:ext>
             <a:ext uri="{909E8E84-426E-40dd-AFC4-6F175D3DCCD1}">
-              <a14:hiddenFill xmlns="" xmlns:a14="http://schemas.microsoft.com/office/drawing/2010/main">
+              <a14:hiddenFill xmlns:a14="http://schemas.microsoft.com/office/drawing/2010/main" xmlns="">
                 <a:solidFill>
                   <a:schemeClr val="accent1"/>
                 </a:solidFill>
               </a14:hiddenFill>
             </a:ext>
             <a:ext uri="{91240B29-F687-4f45-9708-019B960494DF}">
-              <a14:hiddenLine xmlns="" xmlns:a14="http://schemas.microsoft.com/office/drawing/2010/main" w="9525">
+              <a14:hiddenLine xmlns:a14="http://schemas.microsoft.com/office/drawing/2010/main" xmlns="" w="9525">
                 <a:solidFill>
                   <a:schemeClr val="tx1"/>
                 </a:solidFill>
@@ -5429,7 +5428,7 @@
               </a14:hiddenLine>
             </a:ext>
             <a:ext uri="{AF507438-7753-43e0-B8FC-AC1667EBCBE1}">
-              <a14:hiddenEffects xmlns="" xmlns:a14="http://schemas.microsoft.com/office/drawing/2010/main">
+              <a14:hiddenEffects xmlns:a14="http://schemas.microsoft.com/office/drawing/2010/main" xmlns="">
                 <a:effectLst>
                   <a:outerShdw blurRad="63500" dist="38099" dir="2700000" algn="ctr" rotWithShape="0">
                     <a:schemeClr val="bg2">
@@ -5482,17 +5481,17 @@
           <a:effectLst/>
           <a:extLst>
             <a:ext uri="{FAA26D3D-D897-4be2-8F04-BA451C77F1D7}">
-              <ma14:placeholderFlag xmlns:ma14="http://schemas.microsoft.com/office/mac/drawingml/2011/main" xmlns="" val="1"/>
+              <ma14:placeholderFlag xmlns="" xmlns:ma14="http://schemas.microsoft.com/office/mac/drawingml/2011/main" val="1"/>
             </a:ext>
             <a:ext uri="{909E8E84-426E-40dd-AFC4-6F175D3DCCD1}">
-              <a14:hiddenFill xmlns="" xmlns:a14="http://schemas.microsoft.com/office/drawing/2010/main">
+              <a14:hiddenFill xmlns:a14="http://schemas.microsoft.com/office/drawing/2010/main" xmlns="">
                 <a:solidFill>
                   <a:schemeClr val="accent1"/>
                 </a:solidFill>
               </a14:hiddenFill>
             </a:ext>
             <a:ext uri="{91240B29-F687-4f45-9708-019B960494DF}">
-              <a14:hiddenLine xmlns="" xmlns:a14="http://schemas.microsoft.com/office/drawing/2010/main" w="9525">
+              <a14:hiddenLine xmlns:a14="http://schemas.microsoft.com/office/drawing/2010/main" xmlns="" w="9525">
                 <a:solidFill>
                   <a:schemeClr val="tx1"/>
                 </a:solidFill>
@@ -5502,7 +5501,7 @@
               </a14:hiddenLine>
             </a:ext>
             <a:ext uri="{AF507438-7753-43e0-B8FC-AC1667EBCBE1}">
-              <a14:hiddenEffects xmlns="" xmlns:a14="http://schemas.microsoft.com/office/drawing/2010/main">
+              <a14:hiddenEffects xmlns:a14="http://schemas.microsoft.com/office/drawing/2010/main" xmlns="">
                 <a:effectLst>
                   <a:outerShdw blurRad="63500" dist="38099" dir="2700000" algn="ctr" rotWithShape="0">
                     <a:schemeClr val="bg2">
@@ -5583,17 +5582,17 @@
           <a:effectLst/>
           <a:extLst>
             <a:ext uri="{FAA26D3D-D897-4be2-8F04-BA451C77F1D7}">
-              <ma14:placeholderFlag xmlns:ma14="http://schemas.microsoft.com/office/mac/drawingml/2011/main" xmlns="" val="1"/>
+              <ma14:placeholderFlag xmlns="" xmlns:ma14="http://schemas.microsoft.com/office/mac/drawingml/2011/main" val="1"/>
             </a:ext>
             <a:ext uri="{909E8E84-426E-40dd-AFC4-6F175D3DCCD1}">
-              <a14:hiddenFill xmlns="" xmlns:a14="http://schemas.microsoft.com/office/drawing/2010/main">
+              <a14:hiddenFill xmlns:a14="http://schemas.microsoft.com/office/drawing/2010/main" xmlns="">
                 <a:solidFill>
                   <a:schemeClr val="accent1"/>
                 </a:solidFill>
               </a14:hiddenFill>
             </a:ext>
             <a:ext uri="{91240B29-F687-4f45-9708-019B960494DF}">
-              <a14:hiddenLine xmlns="" xmlns:a14="http://schemas.microsoft.com/office/drawing/2010/main" w="9525">
+              <a14:hiddenLine xmlns:a14="http://schemas.microsoft.com/office/drawing/2010/main" xmlns="" w="9525">
                 <a:solidFill>
                   <a:schemeClr val="tx1"/>
                 </a:solidFill>
@@ -5603,7 +5602,7 @@
               </a14:hiddenLine>
             </a:ext>
             <a:ext uri="{AF507438-7753-43e0-B8FC-AC1667EBCBE1}">
-              <a14:hiddenEffects xmlns="" xmlns:a14="http://schemas.microsoft.com/office/drawing/2010/main">
+              <a14:hiddenEffects xmlns:a14="http://schemas.microsoft.com/office/drawing/2010/main" xmlns="">
                 <a:effectLst>
                   <a:outerShdw blurRad="63500" dist="38099" dir="2700000" algn="ctr" rotWithShape="0">
                     <a:schemeClr val="bg2">
@@ -5658,17 +5657,17 @@
           <a:effectLst/>
           <a:extLst>
             <a:ext uri="{FAA26D3D-D897-4be2-8F04-BA451C77F1D7}">
-              <ma14:placeholderFlag xmlns:ma14="http://schemas.microsoft.com/office/mac/drawingml/2011/main" xmlns="" val="1"/>
+              <ma14:placeholderFlag xmlns="" xmlns:ma14="http://schemas.microsoft.com/office/mac/drawingml/2011/main" val="1"/>
             </a:ext>
             <a:ext uri="{909E8E84-426E-40dd-AFC4-6F175D3DCCD1}">
-              <a14:hiddenFill xmlns="" xmlns:a14="http://schemas.microsoft.com/office/drawing/2010/main">
+              <a14:hiddenFill xmlns:a14="http://schemas.microsoft.com/office/drawing/2010/main" xmlns="">
                 <a:solidFill>
                   <a:schemeClr val="accent1"/>
                 </a:solidFill>
               </a14:hiddenFill>
             </a:ext>
             <a:ext uri="{91240B29-F687-4f45-9708-019B960494DF}">
-              <a14:hiddenLine xmlns="" xmlns:a14="http://schemas.microsoft.com/office/drawing/2010/main" w="9525">
+              <a14:hiddenLine xmlns:a14="http://schemas.microsoft.com/office/drawing/2010/main" xmlns="" w="9525">
                 <a:solidFill>
                   <a:schemeClr val="tx1"/>
                 </a:solidFill>
@@ -5678,7 +5677,7 @@
               </a14:hiddenLine>
             </a:ext>
             <a:ext uri="{AF507438-7753-43e0-B8FC-AC1667EBCBE1}">
-              <a14:hiddenEffects xmlns="" xmlns:a14="http://schemas.microsoft.com/office/drawing/2010/main">
+              <a14:hiddenEffects xmlns:a14="http://schemas.microsoft.com/office/drawing/2010/main" xmlns="">
                 <a:effectLst>
                   <a:outerShdw blurRad="63500" dist="38099" dir="2700000" algn="ctr" rotWithShape="0">
                     <a:schemeClr val="bg2">
@@ -5733,17 +5732,17 @@
           <a:effectLst/>
           <a:extLst>
             <a:ext uri="{FAA26D3D-D897-4be2-8F04-BA451C77F1D7}">
-              <ma14:placeholderFlag xmlns:ma14="http://schemas.microsoft.com/office/mac/drawingml/2011/main" xmlns="" val="1"/>
+              <ma14:placeholderFlag xmlns="" xmlns:ma14="http://schemas.microsoft.com/office/mac/drawingml/2011/main" val="1"/>
             </a:ext>
             <a:ext uri="{909E8E84-426E-40dd-AFC4-6F175D3DCCD1}">
-              <a14:hiddenFill xmlns="" xmlns:a14="http://schemas.microsoft.com/office/drawing/2010/main">
+              <a14:hiddenFill xmlns:a14="http://schemas.microsoft.com/office/drawing/2010/main" xmlns="">
                 <a:solidFill>
                   <a:schemeClr val="accent1"/>
                 </a:solidFill>
               </a14:hiddenFill>
             </a:ext>
             <a:ext uri="{91240B29-F687-4f45-9708-019B960494DF}">
-              <a14:hiddenLine xmlns="" xmlns:a14="http://schemas.microsoft.com/office/drawing/2010/main" w="9525">
+              <a14:hiddenLine xmlns:a14="http://schemas.microsoft.com/office/drawing/2010/main" xmlns="" w="9525">
                 <a:solidFill>
                   <a:schemeClr val="tx1"/>
                 </a:solidFill>
@@ -5753,7 +5752,7 @@
               </a14:hiddenLine>
             </a:ext>
             <a:ext uri="{AF507438-7753-43e0-B8FC-AC1667EBCBE1}">
-              <a14:hiddenEffects xmlns="" xmlns:a14="http://schemas.microsoft.com/office/drawing/2010/main">
+              <a14:hiddenEffects xmlns:a14="http://schemas.microsoft.com/office/drawing/2010/main" xmlns="">
                 <a:effectLst>
                   <a:outerShdw blurRad="63500" dist="38099" dir="2700000" algn="ctr" rotWithShape="0">
                     <a:schemeClr val="bg2">
@@ -5829,7 +5828,7 @@
             <a:effectLst/>
             <a:extLst>
               <a:ext uri="{91240B29-F687-4f45-9708-019B960494DF}">
-                <a14:hiddenLine xmlns="" xmlns:a14="http://schemas.microsoft.com/office/drawing/2010/main" w="9525">
+                <a14:hiddenLine xmlns:a14="http://schemas.microsoft.com/office/drawing/2010/main" xmlns="" w="9525">
                   <a:solidFill>
                     <a:schemeClr val="tx1"/>
                   </a:solidFill>
@@ -5839,7 +5838,7 @@
                 </a14:hiddenLine>
               </a:ext>
               <a:ext uri="{AF507438-7753-43e0-B8FC-AC1667EBCBE1}">
-                <a14:hiddenEffects xmlns="" xmlns:a14="http://schemas.microsoft.com/office/drawing/2010/main">
+                <a14:hiddenEffects xmlns:a14="http://schemas.microsoft.com/office/drawing/2010/main" xmlns="">
                   <a:effectLst>
                     <a:outerShdw blurRad="63500" dist="38099" dir="2700000" algn="ctr" rotWithShape="0">
                       <a:schemeClr val="bg2">
@@ -5884,7 +5883,7 @@
             <a:effectLst/>
             <a:extLst>
               <a:ext uri="{91240B29-F687-4f45-9708-019B960494DF}">
-                <a14:hiddenLine xmlns="" xmlns:a14="http://schemas.microsoft.com/office/drawing/2010/main" w="9525">
+                <a14:hiddenLine xmlns:a14="http://schemas.microsoft.com/office/drawing/2010/main" xmlns="" w="9525">
                   <a:solidFill>
                     <a:schemeClr val="tx1"/>
                   </a:solidFill>
@@ -5894,7 +5893,7 @@
                 </a14:hiddenLine>
               </a:ext>
               <a:ext uri="{AF507438-7753-43e0-B8FC-AC1667EBCBE1}">
-                <a14:hiddenEffects xmlns="" xmlns:a14="http://schemas.microsoft.com/office/drawing/2010/main">
+                <a14:hiddenEffects xmlns:a14="http://schemas.microsoft.com/office/drawing/2010/main" xmlns="">
                   <a:effectLst>
                     <a:outerShdw blurRad="63500" dist="38099" dir="2700000" algn="ctr" rotWithShape="0">
                       <a:schemeClr val="bg2">
@@ -5939,7 +5938,7 @@
             <a:effectLst/>
             <a:extLst>
               <a:ext uri="{91240B29-F687-4f45-9708-019B960494DF}">
-                <a14:hiddenLine xmlns="" xmlns:a14="http://schemas.microsoft.com/office/drawing/2010/main" w="9525">
+                <a14:hiddenLine xmlns:a14="http://schemas.microsoft.com/office/drawing/2010/main" xmlns="" w="9525">
                   <a:solidFill>
                     <a:schemeClr val="tx1"/>
                   </a:solidFill>
@@ -5949,7 +5948,7 @@
                 </a14:hiddenLine>
               </a:ext>
               <a:ext uri="{AF507438-7753-43e0-B8FC-AC1667EBCBE1}">
-                <a14:hiddenEffects xmlns="" xmlns:a14="http://schemas.microsoft.com/office/drawing/2010/main">
+                <a14:hiddenEffects xmlns:a14="http://schemas.microsoft.com/office/drawing/2010/main" xmlns="">
                   <a:effectLst>
                     <a:outerShdw blurRad="63500" dist="38099" dir="2700000" algn="ctr" rotWithShape="0">
                       <a:schemeClr val="bg2">
@@ -5994,7 +5993,7 @@
             <a:effectLst/>
             <a:extLst>
               <a:ext uri="{91240B29-F687-4f45-9708-019B960494DF}">
-                <a14:hiddenLine xmlns="" xmlns:a14="http://schemas.microsoft.com/office/drawing/2010/main" w="9525">
+                <a14:hiddenLine xmlns:a14="http://schemas.microsoft.com/office/drawing/2010/main" xmlns="" w="9525">
                   <a:solidFill>
                     <a:schemeClr val="tx1"/>
                   </a:solidFill>
@@ -6004,7 +6003,7 @@
                 </a14:hiddenLine>
               </a:ext>
               <a:ext uri="{AF507438-7753-43e0-B8FC-AC1667EBCBE1}">
-                <a14:hiddenEffects xmlns="" xmlns:a14="http://schemas.microsoft.com/office/drawing/2010/main">
+                <a14:hiddenEffects xmlns:a14="http://schemas.microsoft.com/office/drawing/2010/main" xmlns="">
                   <a:effectLst>
                     <a:outerShdw blurRad="63500" dist="38099" dir="2700000" algn="ctr" rotWithShape="0">
                       <a:schemeClr val="bg2">
@@ -6049,7 +6048,7 @@
             <a:effectLst/>
             <a:extLst>
               <a:ext uri="{91240B29-F687-4f45-9708-019B960494DF}">
-                <a14:hiddenLine xmlns="" xmlns:a14="http://schemas.microsoft.com/office/drawing/2010/main" w="9525">
+                <a14:hiddenLine xmlns:a14="http://schemas.microsoft.com/office/drawing/2010/main" xmlns="" w="9525">
                   <a:solidFill>
                     <a:schemeClr val="tx1"/>
                   </a:solidFill>
@@ -6059,7 +6058,7 @@
                 </a14:hiddenLine>
               </a:ext>
               <a:ext uri="{AF507438-7753-43e0-B8FC-AC1667EBCBE1}">
-                <a14:hiddenEffects xmlns="" xmlns:a14="http://schemas.microsoft.com/office/drawing/2010/main">
+                <a14:hiddenEffects xmlns:a14="http://schemas.microsoft.com/office/drawing/2010/main" xmlns="">
                   <a:effectLst>
                     <a:outerShdw blurRad="63500" dist="38099" dir="2700000" algn="ctr" rotWithShape="0">
                       <a:schemeClr val="bg2">
@@ -6104,7 +6103,7 @@
             <a:effectLst/>
             <a:extLst>
               <a:ext uri="{91240B29-F687-4f45-9708-019B960494DF}">
-                <a14:hiddenLine xmlns="" xmlns:a14="http://schemas.microsoft.com/office/drawing/2010/main" w="9525">
+                <a14:hiddenLine xmlns:a14="http://schemas.microsoft.com/office/drawing/2010/main" xmlns="" w="9525">
                   <a:solidFill>
                     <a:schemeClr val="tx1"/>
                   </a:solidFill>
@@ -6114,7 +6113,7 @@
                 </a14:hiddenLine>
               </a:ext>
               <a:ext uri="{AF507438-7753-43e0-B8FC-AC1667EBCBE1}">
-                <a14:hiddenEffects xmlns="" xmlns:a14="http://schemas.microsoft.com/office/drawing/2010/main">
+                <a14:hiddenEffects xmlns:a14="http://schemas.microsoft.com/office/drawing/2010/main" xmlns="">
                   <a:effectLst>
                     <a:outerShdw blurRad="63500" dist="38099" dir="2700000" algn="ctr" rotWithShape="0">
                       <a:schemeClr val="bg2">
@@ -6159,7 +6158,7 @@
             <a:effectLst/>
             <a:extLst>
               <a:ext uri="{91240B29-F687-4f45-9708-019B960494DF}">
-                <a14:hiddenLine xmlns="" xmlns:a14="http://schemas.microsoft.com/office/drawing/2010/main" w="9525">
+                <a14:hiddenLine xmlns:a14="http://schemas.microsoft.com/office/drawing/2010/main" xmlns="" w="9525">
                   <a:solidFill>
                     <a:schemeClr val="tx1"/>
                   </a:solidFill>
@@ -6169,7 +6168,7 @@
                 </a14:hiddenLine>
               </a:ext>
               <a:ext uri="{AF507438-7753-43e0-B8FC-AC1667EBCBE1}">
-                <a14:hiddenEffects xmlns="" xmlns:a14="http://schemas.microsoft.com/office/drawing/2010/main">
+                <a14:hiddenEffects xmlns:a14="http://schemas.microsoft.com/office/drawing/2010/main" xmlns="">
                   <a:effectLst>
                     <a:outerShdw blurRad="63500" dist="38099" dir="2700000" algn="ctr" rotWithShape="0">
                       <a:schemeClr val="bg2">
@@ -6214,7 +6213,7 @@
             <a:effectLst/>
             <a:extLst>
               <a:ext uri="{91240B29-F687-4f45-9708-019B960494DF}">
-                <a14:hiddenLine xmlns="" xmlns:a14="http://schemas.microsoft.com/office/drawing/2010/main" w="9525">
+                <a14:hiddenLine xmlns:a14="http://schemas.microsoft.com/office/drawing/2010/main" xmlns="" w="9525">
                   <a:solidFill>
                     <a:schemeClr val="tx1"/>
                   </a:solidFill>
@@ -6224,7 +6223,7 @@
                 </a14:hiddenLine>
               </a:ext>
               <a:ext uri="{AF507438-7753-43e0-B8FC-AC1667EBCBE1}">
-                <a14:hiddenEffects xmlns="" xmlns:a14="http://schemas.microsoft.com/office/drawing/2010/main">
+                <a14:hiddenEffects xmlns:a14="http://schemas.microsoft.com/office/drawing/2010/main" xmlns="">
                   <a:effectLst>
                     <a:outerShdw blurRad="63500" dist="38099" dir="2700000" algn="ctr" rotWithShape="0">
                       <a:schemeClr val="bg2">
@@ -6269,7 +6268,7 @@
             <a:effectLst/>
             <a:extLst>
               <a:ext uri="{91240B29-F687-4f45-9708-019B960494DF}">
-                <a14:hiddenLine xmlns="" xmlns:a14="http://schemas.microsoft.com/office/drawing/2010/main" w="9525">
+                <a14:hiddenLine xmlns:a14="http://schemas.microsoft.com/office/drawing/2010/main" xmlns="" w="9525">
                   <a:solidFill>
                     <a:schemeClr val="tx1"/>
                   </a:solidFill>
@@ -6279,7 +6278,7 @@
                 </a14:hiddenLine>
               </a:ext>
               <a:ext uri="{AF507438-7753-43e0-B8FC-AC1667EBCBE1}">
-                <a14:hiddenEffects xmlns="" xmlns:a14="http://schemas.microsoft.com/office/drawing/2010/main">
+                <a14:hiddenEffects xmlns:a14="http://schemas.microsoft.com/office/drawing/2010/main" xmlns="">
                   <a:effectLst>
                     <a:outerShdw blurRad="63500" dist="38099" dir="2700000" algn="ctr" rotWithShape="0">
                       <a:schemeClr val="bg2">
@@ -6324,7 +6323,7 @@
             <a:effectLst/>
             <a:extLst>
               <a:ext uri="{91240B29-F687-4f45-9708-019B960494DF}">
-                <a14:hiddenLine xmlns="" xmlns:a14="http://schemas.microsoft.com/office/drawing/2010/main" w="9525">
+                <a14:hiddenLine xmlns:a14="http://schemas.microsoft.com/office/drawing/2010/main" xmlns="" w="9525">
                   <a:solidFill>
                     <a:schemeClr val="tx1"/>
                   </a:solidFill>
@@ -6334,7 +6333,7 @@
                 </a14:hiddenLine>
               </a:ext>
               <a:ext uri="{AF507438-7753-43e0-B8FC-AC1667EBCBE1}">
-                <a14:hiddenEffects xmlns="" xmlns:a14="http://schemas.microsoft.com/office/drawing/2010/main">
+                <a14:hiddenEffects xmlns:a14="http://schemas.microsoft.com/office/drawing/2010/main" xmlns="">
                   <a:effectLst>
                     <a:outerShdw blurRad="63500" dist="38099" dir="2700000" algn="ctr" rotWithShape="0">
                       <a:schemeClr val="bg2">
@@ -6379,7 +6378,7 @@
             <a:effectLst/>
             <a:extLst>
               <a:ext uri="{91240B29-F687-4f45-9708-019B960494DF}">
-                <a14:hiddenLine xmlns="" xmlns:a14="http://schemas.microsoft.com/office/drawing/2010/main" w="9525">
+                <a14:hiddenLine xmlns:a14="http://schemas.microsoft.com/office/drawing/2010/main" xmlns="" w="9525">
                   <a:solidFill>
                     <a:schemeClr val="tx1"/>
                   </a:solidFill>
@@ -6389,7 +6388,7 @@
                 </a14:hiddenLine>
               </a:ext>
               <a:ext uri="{AF507438-7753-43e0-B8FC-AC1667EBCBE1}">
-                <a14:hiddenEffects xmlns="" xmlns:a14="http://schemas.microsoft.com/office/drawing/2010/main">
+                <a14:hiddenEffects xmlns:a14="http://schemas.microsoft.com/office/drawing/2010/main" xmlns="">
                   <a:effectLst>
                     <a:outerShdw blurRad="63500" dist="38099" dir="2700000" algn="ctr" rotWithShape="0">
                       <a:schemeClr val="bg2">
@@ -6434,7 +6433,7 @@
             <a:effectLst/>
             <a:extLst>
               <a:ext uri="{91240B29-F687-4f45-9708-019B960494DF}">
-                <a14:hiddenLine xmlns="" xmlns:a14="http://schemas.microsoft.com/office/drawing/2010/main" w="9525">
+                <a14:hiddenLine xmlns:a14="http://schemas.microsoft.com/office/drawing/2010/main" xmlns="" w="9525">
                   <a:solidFill>
                     <a:schemeClr val="tx1"/>
                   </a:solidFill>
@@ -6444,7 +6443,7 @@
                 </a14:hiddenLine>
               </a:ext>
               <a:ext uri="{AF507438-7753-43e0-B8FC-AC1667EBCBE1}">
-                <a14:hiddenEffects xmlns="" xmlns:a14="http://schemas.microsoft.com/office/drawing/2010/main">
+                <a14:hiddenEffects xmlns:a14="http://schemas.microsoft.com/office/drawing/2010/main" xmlns="">
                   <a:effectLst>
                     <a:outerShdw blurRad="63500" dist="38099" dir="2700000" algn="ctr" rotWithShape="0">
                       <a:schemeClr val="bg2">
@@ -6489,7 +6488,7 @@
             <a:effectLst/>
             <a:extLst>
               <a:ext uri="{91240B29-F687-4f45-9708-019B960494DF}">
-                <a14:hiddenLine xmlns="" xmlns:a14="http://schemas.microsoft.com/office/drawing/2010/main" w="9525">
+                <a14:hiddenLine xmlns:a14="http://schemas.microsoft.com/office/drawing/2010/main" xmlns="" w="9525">
                   <a:solidFill>
                     <a:schemeClr val="tx1"/>
                   </a:solidFill>
@@ -6499,7 +6498,7 @@
                 </a14:hiddenLine>
               </a:ext>
               <a:ext uri="{AF507438-7753-43e0-B8FC-AC1667EBCBE1}">
-                <a14:hiddenEffects xmlns="" xmlns:a14="http://schemas.microsoft.com/office/drawing/2010/main">
+                <a14:hiddenEffects xmlns:a14="http://schemas.microsoft.com/office/drawing/2010/main" xmlns="">
                   <a:effectLst>
                     <a:outerShdw blurRad="63500" dist="38099" dir="2700000" algn="ctr" rotWithShape="0">
                       <a:schemeClr val="bg2">
@@ -6544,7 +6543,7 @@
             <a:effectLst/>
             <a:extLst>
               <a:ext uri="{91240B29-F687-4f45-9708-019B960494DF}">
-                <a14:hiddenLine xmlns="" xmlns:a14="http://schemas.microsoft.com/office/drawing/2010/main" w="9525">
+                <a14:hiddenLine xmlns:a14="http://schemas.microsoft.com/office/drawing/2010/main" xmlns="" w="9525">
                   <a:solidFill>
                     <a:schemeClr val="tx1"/>
                   </a:solidFill>
@@ -6554,7 +6553,7 @@
                 </a14:hiddenLine>
               </a:ext>
               <a:ext uri="{AF507438-7753-43e0-B8FC-AC1667EBCBE1}">
-                <a14:hiddenEffects xmlns="" xmlns:a14="http://schemas.microsoft.com/office/drawing/2010/main">
+                <a14:hiddenEffects xmlns:a14="http://schemas.microsoft.com/office/drawing/2010/main" xmlns="">
                   <a:effectLst>
                     <a:outerShdw blurRad="63500" dist="38099" dir="2700000" algn="ctr" rotWithShape="0">
                       <a:schemeClr val="bg2">
@@ -6599,7 +6598,7 @@
             <a:effectLst/>
             <a:extLst>
               <a:ext uri="{91240B29-F687-4f45-9708-019B960494DF}">
-                <a14:hiddenLine xmlns="" xmlns:a14="http://schemas.microsoft.com/office/drawing/2010/main" w="9525">
+                <a14:hiddenLine xmlns:a14="http://schemas.microsoft.com/office/drawing/2010/main" xmlns="" w="9525">
                   <a:solidFill>
                     <a:schemeClr val="tx1"/>
                   </a:solidFill>
@@ -6609,7 +6608,7 @@
                 </a14:hiddenLine>
               </a:ext>
               <a:ext uri="{AF507438-7753-43e0-B8FC-AC1667EBCBE1}">
-                <a14:hiddenEffects xmlns="" xmlns:a14="http://schemas.microsoft.com/office/drawing/2010/main">
+                <a14:hiddenEffects xmlns:a14="http://schemas.microsoft.com/office/drawing/2010/main" xmlns="">
                   <a:effectLst>
                     <a:outerShdw blurRad="63500" dist="38099" dir="2700000" algn="ctr" rotWithShape="0">
                       <a:schemeClr val="bg2">
@@ -6654,7 +6653,7 @@
             <a:effectLst/>
             <a:extLst>
               <a:ext uri="{91240B29-F687-4f45-9708-019B960494DF}">
-                <a14:hiddenLine xmlns="" xmlns:a14="http://schemas.microsoft.com/office/drawing/2010/main" w="9525">
+                <a14:hiddenLine xmlns:a14="http://schemas.microsoft.com/office/drawing/2010/main" xmlns="" w="9525">
                   <a:solidFill>
                     <a:schemeClr val="tx1"/>
                   </a:solidFill>
@@ -6664,7 +6663,7 @@
                 </a14:hiddenLine>
               </a:ext>
               <a:ext uri="{AF507438-7753-43e0-B8FC-AC1667EBCBE1}">
-                <a14:hiddenEffects xmlns="" xmlns:a14="http://schemas.microsoft.com/office/drawing/2010/main">
+                <a14:hiddenEffects xmlns:a14="http://schemas.microsoft.com/office/drawing/2010/main" xmlns="">
                   <a:effectLst>
                     <a:outerShdw blurRad="63500" dist="38099" dir="2700000" algn="ctr" rotWithShape="0">
                       <a:schemeClr val="bg2">
@@ -6709,7 +6708,7 @@
             <a:effectLst/>
             <a:extLst>
               <a:ext uri="{91240B29-F687-4f45-9708-019B960494DF}">
-                <a14:hiddenLine xmlns="" xmlns:a14="http://schemas.microsoft.com/office/drawing/2010/main" w="9525">
+                <a14:hiddenLine xmlns:a14="http://schemas.microsoft.com/office/drawing/2010/main" xmlns="" w="9525">
                   <a:solidFill>
                     <a:schemeClr val="tx1"/>
                   </a:solidFill>
@@ -6719,7 +6718,7 @@
                 </a14:hiddenLine>
               </a:ext>
               <a:ext uri="{AF507438-7753-43e0-B8FC-AC1667EBCBE1}">
-                <a14:hiddenEffects xmlns="" xmlns:a14="http://schemas.microsoft.com/office/drawing/2010/main">
+                <a14:hiddenEffects xmlns:a14="http://schemas.microsoft.com/office/drawing/2010/main" xmlns="">
                   <a:effectLst>
                     <a:outerShdw blurRad="63500" dist="38099" dir="2700000" algn="ctr" rotWithShape="0">
                       <a:schemeClr val="bg2">
@@ -6764,7 +6763,7 @@
             <a:effectLst/>
             <a:extLst>
               <a:ext uri="{91240B29-F687-4f45-9708-019B960494DF}">
-                <a14:hiddenLine xmlns="" xmlns:a14="http://schemas.microsoft.com/office/drawing/2010/main" w="9525">
+                <a14:hiddenLine xmlns:a14="http://schemas.microsoft.com/office/drawing/2010/main" xmlns="" w="9525">
                   <a:solidFill>
                     <a:schemeClr val="tx1"/>
                   </a:solidFill>
@@ -6774,7 +6773,7 @@
                 </a14:hiddenLine>
               </a:ext>
               <a:ext uri="{AF507438-7753-43e0-B8FC-AC1667EBCBE1}">
-                <a14:hiddenEffects xmlns="" xmlns:a14="http://schemas.microsoft.com/office/drawing/2010/main">
+                <a14:hiddenEffects xmlns:a14="http://schemas.microsoft.com/office/drawing/2010/main" xmlns="">
                   <a:effectLst>
                     <a:outerShdw blurRad="63500" dist="38099" dir="2700000" algn="ctr" rotWithShape="0">
                       <a:schemeClr val="bg2">
@@ -6819,7 +6818,7 @@
             <a:effectLst/>
             <a:extLst>
               <a:ext uri="{91240B29-F687-4f45-9708-019B960494DF}">
-                <a14:hiddenLine xmlns="" xmlns:a14="http://schemas.microsoft.com/office/drawing/2010/main" w="9525">
+                <a14:hiddenLine xmlns:a14="http://schemas.microsoft.com/office/drawing/2010/main" xmlns="" w="9525">
                   <a:solidFill>
                     <a:schemeClr val="tx1"/>
                   </a:solidFill>
@@ -6829,7 +6828,7 @@
                 </a14:hiddenLine>
               </a:ext>
               <a:ext uri="{AF507438-7753-43e0-B8FC-AC1667EBCBE1}">
-                <a14:hiddenEffects xmlns="" xmlns:a14="http://schemas.microsoft.com/office/drawing/2010/main">
+                <a14:hiddenEffects xmlns:a14="http://schemas.microsoft.com/office/drawing/2010/main" xmlns="">
                   <a:effectLst>
                     <a:outerShdw blurRad="63500" dist="38099" dir="2700000" algn="ctr" rotWithShape="0">
                       <a:schemeClr val="bg2">
@@ -6874,7 +6873,7 @@
             <a:effectLst/>
             <a:extLst>
               <a:ext uri="{91240B29-F687-4f45-9708-019B960494DF}">
-                <a14:hiddenLine xmlns="" xmlns:a14="http://schemas.microsoft.com/office/drawing/2010/main" w="9525">
+                <a14:hiddenLine xmlns:a14="http://schemas.microsoft.com/office/drawing/2010/main" xmlns="" w="9525">
                   <a:solidFill>
                     <a:schemeClr val="tx1"/>
                   </a:solidFill>
@@ -6884,7 +6883,7 @@
                 </a14:hiddenLine>
               </a:ext>
               <a:ext uri="{AF507438-7753-43e0-B8FC-AC1667EBCBE1}">
-                <a14:hiddenEffects xmlns="" xmlns:a14="http://schemas.microsoft.com/office/drawing/2010/main">
+                <a14:hiddenEffects xmlns:a14="http://schemas.microsoft.com/office/drawing/2010/main" xmlns="">
                   <a:effectLst>
                     <a:outerShdw blurRad="63500" dist="38099" dir="2700000" algn="ctr" rotWithShape="0">
                       <a:schemeClr val="bg2">
@@ -6929,7 +6928,7 @@
             <a:effectLst/>
             <a:extLst>
               <a:ext uri="{91240B29-F687-4f45-9708-019B960494DF}">
-                <a14:hiddenLine xmlns="" xmlns:a14="http://schemas.microsoft.com/office/drawing/2010/main" w="9525">
+                <a14:hiddenLine xmlns:a14="http://schemas.microsoft.com/office/drawing/2010/main" xmlns="" w="9525">
                   <a:solidFill>
                     <a:schemeClr val="tx1"/>
                   </a:solidFill>
@@ -6939,7 +6938,7 @@
                 </a14:hiddenLine>
               </a:ext>
               <a:ext uri="{AF507438-7753-43e0-B8FC-AC1667EBCBE1}">
-                <a14:hiddenEffects xmlns="" xmlns:a14="http://schemas.microsoft.com/office/drawing/2010/main">
+                <a14:hiddenEffects xmlns:a14="http://schemas.microsoft.com/office/drawing/2010/main" xmlns="">
                   <a:effectLst>
                     <a:outerShdw blurRad="63500" dist="38099" dir="2700000" algn="ctr" rotWithShape="0">
                       <a:schemeClr val="bg2">
@@ -6984,7 +6983,7 @@
             <a:effectLst/>
             <a:extLst>
               <a:ext uri="{91240B29-F687-4f45-9708-019B960494DF}">
-                <a14:hiddenLine xmlns="" xmlns:a14="http://schemas.microsoft.com/office/drawing/2010/main" w="9525">
+                <a14:hiddenLine xmlns:a14="http://schemas.microsoft.com/office/drawing/2010/main" xmlns="" w="9525">
                   <a:solidFill>
                     <a:schemeClr val="tx1"/>
                   </a:solidFill>
@@ -6994,7 +6993,7 @@
                 </a14:hiddenLine>
               </a:ext>
               <a:ext uri="{AF507438-7753-43e0-B8FC-AC1667EBCBE1}">
-                <a14:hiddenEffects xmlns="" xmlns:a14="http://schemas.microsoft.com/office/drawing/2010/main">
+                <a14:hiddenEffects xmlns:a14="http://schemas.microsoft.com/office/drawing/2010/main" xmlns="">
                   <a:effectLst>
                     <a:outerShdw blurRad="63500" dist="38099" dir="2700000" algn="ctr" rotWithShape="0">
                       <a:schemeClr val="bg2">
@@ -7039,7 +7038,7 @@
             <a:effectLst/>
             <a:extLst>
               <a:ext uri="{91240B29-F687-4f45-9708-019B960494DF}">
-                <a14:hiddenLine xmlns="" xmlns:a14="http://schemas.microsoft.com/office/drawing/2010/main" w="9525">
+                <a14:hiddenLine xmlns:a14="http://schemas.microsoft.com/office/drawing/2010/main" xmlns="" w="9525">
                   <a:solidFill>
                     <a:schemeClr val="tx1"/>
                   </a:solidFill>
@@ -7049,7 +7048,7 @@
                 </a14:hiddenLine>
               </a:ext>
               <a:ext uri="{AF507438-7753-43e0-B8FC-AC1667EBCBE1}">
-                <a14:hiddenEffects xmlns="" xmlns:a14="http://schemas.microsoft.com/office/drawing/2010/main">
+                <a14:hiddenEffects xmlns:a14="http://schemas.microsoft.com/office/drawing/2010/main" xmlns="">
                   <a:effectLst>
                     <a:outerShdw blurRad="63500" dist="38099" dir="2700000" algn="ctr" rotWithShape="0">
                       <a:schemeClr val="bg2">
@@ -7094,7 +7093,7 @@
             <a:effectLst/>
             <a:extLst>
               <a:ext uri="{91240B29-F687-4f45-9708-019B960494DF}">
-                <a14:hiddenLine xmlns="" xmlns:a14="http://schemas.microsoft.com/office/drawing/2010/main" w="9525">
+                <a14:hiddenLine xmlns:a14="http://schemas.microsoft.com/office/drawing/2010/main" xmlns="" w="9525">
                   <a:solidFill>
                     <a:schemeClr val="tx1"/>
                   </a:solidFill>
@@ -7104,7 +7103,7 @@
                 </a14:hiddenLine>
               </a:ext>
               <a:ext uri="{AF507438-7753-43e0-B8FC-AC1667EBCBE1}">
-                <a14:hiddenEffects xmlns="" xmlns:a14="http://schemas.microsoft.com/office/drawing/2010/main">
+                <a14:hiddenEffects xmlns:a14="http://schemas.microsoft.com/office/drawing/2010/main" xmlns="">
                   <a:effectLst>
                     <a:outerShdw blurRad="63500" dist="38099" dir="2700000" algn="ctr" rotWithShape="0">
                       <a:schemeClr val="bg2">
@@ -7149,7 +7148,7 @@
             <a:effectLst/>
             <a:extLst>
               <a:ext uri="{91240B29-F687-4f45-9708-019B960494DF}">
-                <a14:hiddenLine xmlns="" xmlns:a14="http://schemas.microsoft.com/office/drawing/2010/main" w="9525">
+                <a14:hiddenLine xmlns:a14="http://schemas.microsoft.com/office/drawing/2010/main" xmlns="" w="9525">
                   <a:solidFill>
                     <a:schemeClr val="tx1"/>
                   </a:solidFill>
@@ -7159,7 +7158,7 @@
                 </a14:hiddenLine>
               </a:ext>
               <a:ext uri="{AF507438-7753-43e0-B8FC-AC1667EBCBE1}">
-                <a14:hiddenEffects xmlns="" xmlns:a14="http://schemas.microsoft.com/office/drawing/2010/main">
+                <a14:hiddenEffects xmlns:a14="http://schemas.microsoft.com/office/drawing/2010/main" xmlns="">
                   <a:effectLst>
                     <a:outerShdw blurRad="63500" dist="38099" dir="2700000" algn="ctr" rotWithShape="0">
                       <a:schemeClr val="bg2">
@@ -7204,7 +7203,7 @@
             <a:effectLst/>
             <a:extLst>
               <a:ext uri="{91240B29-F687-4f45-9708-019B960494DF}">
-                <a14:hiddenLine xmlns="" xmlns:a14="http://schemas.microsoft.com/office/drawing/2010/main" w="9525">
+                <a14:hiddenLine xmlns:a14="http://schemas.microsoft.com/office/drawing/2010/main" xmlns="" w="9525">
                   <a:solidFill>
                     <a:schemeClr val="tx1"/>
                   </a:solidFill>
@@ -7214,7 +7213,7 @@
                 </a14:hiddenLine>
               </a:ext>
               <a:ext uri="{AF507438-7753-43e0-B8FC-AC1667EBCBE1}">
-                <a14:hiddenEffects xmlns="" xmlns:a14="http://schemas.microsoft.com/office/drawing/2010/main">
+                <a14:hiddenEffects xmlns:a14="http://schemas.microsoft.com/office/drawing/2010/main" xmlns="">
                   <a:effectLst>
                     <a:outerShdw blurRad="63500" dist="38099" dir="2700000" algn="ctr" rotWithShape="0">
                       <a:schemeClr val="bg2">
@@ -7259,7 +7258,7 @@
             <a:effectLst/>
             <a:extLst>
               <a:ext uri="{91240B29-F687-4f45-9708-019B960494DF}">
-                <a14:hiddenLine xmlns="" xmlns:a14="http://schemas.microsoft.com/office/drawing/2010/main" w="9525">
+                <a14:hiddenLine xmlns:a14="http://schemas.microsoft.com/office/drawing/2010/main" xmlns="" w="9525">
                   <a:solidFill>
                     <a:schemeClr val="tx1"/>
                   </a:solidFill>
@@ -7269,7 +7268,7 @@
                 </a14:hiddenLine>
               </a:ext>
               <a:ext uri="{AF507438-7753-43e0-B8FC-AC1667EBCBE1}">
-                <a14:hiddenEffects xmlns="" xmlns:a14="http://schemas.microsoft.com/office/drawing/2010/main">
+                <a14:hiddenEffects xmlns:a14="http://schemas.microsoft.com/office/drawing/2010/main" xmlns="">
                   <a:effectLst>
                     <a:outerShdw blurRad="63500" dist="38099" dir="2700000" algn="ctr" rotWithShape="0">
                       <a:schemeClr val="bg2">
@@ -7314,7 +7313,7 @@
             <a:effectLst/>
             <a:extLst>
               <a:ext uri="{91240B29-F687-4f45-9708-019B960494DF}">
-                <a14:hiddenLine xmlns="" xmlns:a14="http://schemas.microsoft.com/office/drawing/2010/main" w="9525">
+                <a14:hiddenLine xmlns:a14="http://schemas.microsoft.com/office/drawing/2010/main" xmlns="" w="9525">
                   <a:solidFill>
                     <a:schemeClr val="tx1"/>
                   </a:solidFill>
@@ -7324,7 +7323,7 @@
                 </a14:hiddenLine>
               </a:ext>
               <a:ext uri="{AF507438-7753-43e0-B8FC-AC1667EBCBE1}">
-                <a14:hiddenEffects xmlns="" xmlns:a14="http://schemas.microsoft.com/office/drawing/2010/main">
+                <a14:hiddenEffects xmlns:a14="http://schemas.microsoft.com/office/drawing/2010/main" xmlns="">
                   <a:effectLst>
                     <a:outerShdw blurRad="63500" dist="38099" dir="2700000" algn="ctr" rotWithShape="0">
                       <a:schemeClr val="bg2">
@@ -7369,7 +7368,7 @@
             <a:effectLst/>
             <a:extLst>
               <a:ext uri="{91240B29-F687-4f45-9708-019B960494DF}">
-                <a14:hiddenLine xmlns="" xmlns:a14="http://schemas.microsoft.com/office/drawing/2010/main" w="9525">
+                <a14:hiddenLine xmlns:a14="http://schemas.microsoft.com/office/drawing/2010/main" xmlns="" w="9525">
                   <a:solidFill>
                     <a:schemeClr val="tx1"/>
                   </a:solidFill>
@@ -7379,7 +7378,7 @@
                 </a14:hiddenLine>
               </a:ext>
               <a:ext uri="{AF507438-7753-43e0-B8FC-AC1667EBCBE1}">
-                <a14:hiddenEffects xmlns="" xmlns:a14="http://schemas.microsoft.com/office/drawing/2010/main">
+                <a14:hiddenEffects xmlns:a14="http://schemas.microsoft.com/office/drawing/2010/main" xmlns="">
                   <a:effectLst>
                     <a:outerShdw blurRad="63500" dist="38099" dir="2700000" algn="ctr" rotWithShape="0">
                       <a:schemeClr val="bg2">
@@ -7424,7 +7423,7 @@
             <a:effectLst/>
             <a:extLst>
               <a:ext uri="{91240B29-F687-4f45-9708-019B960494DF}">
-                <a14:hiddenLine xmlns="" xmlns:a14="http://schemas.microsoft.com/office/drawing/2010/main" w="9525">
+                <a14:hiddenLine xmlns:a14="http://schemas.microsoft.com/office/drawing/2010/main" xmlns="" w="9525">
                   <a:solidFill>
                     <a:schemeClr val="tx1"/>
                   </a:solidFill>
@@ -7434,7 +7433,7 @@
                 </a14:hiddenLine>
               </a:ext>
               <a:ext uri="{AF507438-7753-43e0-B8FC-AC1667EBCBE1}">
-                <a14:hiddenEffects xmlns="" xmlns:a14="http://schemas.microsoft.com/office/drawing/2010/main">
+                <a14:hiddenEffects xmlns:a14="http://schemas.microsoft.com/office/drawing/2010/main" xmlns="">
                   <a:effectLst>
                     <a:outerShdw blurRad="63500" dist="38099" dir="2700000" algn="ctr" rotWithShape="0">
                       <a:schemeClr val="bg2">
@@ -7479,7 +7478,7 @@
             <a:effectLst/>
             <a:extLst>
               <a:ext uri="{91240B29-F687-4f45-9708-019B960494DF}">
-                <a14:hiddenLine xmlns="" xmlns:a14="http://schemas.microsoft.com/office/drawing/2010/main" w="9525">
+                <a14:hiddenLine xmlns:a14="http://schemas.microsoft.com/office/drawing/2010/main" xmlns="" w="9525">
                   <a:solidFill>
                     <a:schemeClr val="tx1"/>
                   </a:solidFill>
@@ -7489,7 +7488,7 @@
                 </a14:hiddenLine>
               </a:ext>
               <a:ext uri="{AF507438-7753-43e0-B8FC-AC1667EBCBE1}">
-                <a14:hiddenEffects xmlns="" xmlns:a14="http://schemas.microsoft.com/office/drawing/2010/main">
+                <a14:hiddenEffects xmlns:a14="http://schemas.microsoft.com/office/drawing/2010/main" xmlns="">
                   <a:effectLst>
                     <a:outerShdw blurRad="63500" dist="38099" dir="2700000" algn="ctr" rotWithShape="0">
                       <a:schemeClr val="bg2">
@@ -9097,88 +9096,6 @@
 </p:sld>
 </file>
 
-<file path=ppt/slides/slide16.xml><?xml version="1.0" encoding="utf-8"?>
-<p:sld xmlns:a="http://schemas.openxmlformats.org/drawingml/2006/main" xmlns:r="http://schemas.openxmlformats.org/officeDocument/2006/relationships" xmlns:p="http://schemas.openxmlformats.org/presentationml/2006/main">
-  <p:cSld>
-    <p:spTree>
-      <p:nvGrpSpPr>
-        <p:cNvPr id="1" name=""/>
-        <p:cNvGrpSpPr/>
-        <p:nvPr/>
-      </p:nvGrpSpPr>
-      <p:grpSpPr>
-        <a:xfrm>
-          <a:off x="0" y="0"/>
-          <a:ext cx="0" cy="0"/>
-          <a:chOff x="0" y="0"/>
-          <a:chExt cx="0" cy="0"/>
-        </a:xfrm>
-      </p:grpSpPr>
-      <p:sp>
-        <p:nvSpPr>
-          <p:cNvPr id="2" name="Title 1"/>
-          <p:cNvSpPr>
-            <a:spLocks noGrp="1"/>
-          </p:cNvSpPr>
-          <p:nvPr>
-            <p:ph type="title"/>
-          </p:nvPr>
-        </p:nvSpPr>
-        <p:spPr/>
-        <p:txBody>
-          <a:bodyPr/>
-          <a:lstStyle/>
-          <a:p>
-            <a:r>
-              <a:rPr lang="en-US" dirty="0"/>
-              <a:t>Assignment</a:t>
-            </a:r>
-          </a:p>
-        </p:txBody>
-      </p:sp>
-      <p:sp>
-        <p:nvSpPr>
-          <p:cNvPr id="3" name="Content Placeholder 2"/>
-          <p:cNvSpPr>
-            <a:spLocks noGrp="1"/>
-          </p:cNvSpPr>
-          <p:nvPr>
-            <p:ph idx="1"/>
-          </p:nvPr>
-        </p:nvSpPr>
-        <p:spPr/>
-        <p:txBody>
-          <a:bodyPr/>
-          <a:lstStyle/>
-          <a:p>
-            <a:r>
-              <a:rPr lang="en-US"/>
-              <a:t>Assignment #2 </a:t>
-            </a:r>
-            <a:r>
-              <a:rPr lang="mr-IN" dirty="0"/>
-              <a:t>–</a:t>
-            </a:r>
-            <a:r>
-              <a:rPr lang="en-US" dirty="0"/>
-              <a:t> please see website</a:t>
-            </a:r>
-          </a:p>
-        </p:txBody>
-      </p:sp>
-    </p:spTree>
-    <p:extLst>
-      <p:ext uri="{BB962C8B-B14F-4D97-AF65-F5344CB8AC3E}">
-        <p14:creationId xmlns:p14="http://schemas.microsoft.com/office/powerpoint/2010/main" val="1948931462"/>
-      </p:ext>
-    </p:extLst>
-  </p:cSld>
-  <p:clrMapOvr>
-    <a:masterClrMapping/>
-  </p:clrMapOvr>
-</p:sld>
-</file>
-
 <file path=ppt/slides/slide2.xml><?xml version="1.0" encoding="utf-8"?>
 <p:sld xmlns:a="http://schemas.openxmlformats.org/drawingml/2006/main" xmlns:r="http://schemas.openxmlformats.org/officeDocument/2006/relationships" xmlns:p="http://schemas.openxmlformats.org/presentationml/2006/main">
   <p:cSld>
@@ -9267,14 +9184,14 @@
           </a:ln>
           <a:extLst>
             <a:ext uri="{909E8E84-426E-40dd-AFC4-6F175D3DCCD1}">
-              <a14:hiddenFill xmlns="" xmlns:a14="http://schemas.microsoft.com/office/drawing/2010/main">
+              <a14:hiddenFill xmlns:a14="http://schemas.microsoft.com/office/drawing/2010/main" xmlns="">
                 <a:solidFill>
                   <a:schemeClr val="accent1"/>
                 </a:solidFill>
               </a14:hiddenFill>
             </a:ext>
             <a:ext uri="{91240B29-F687-4f45-9708-019B960494DF}">
-              <a14:hiddenLine xmlns="" xmlns:a14="http://schemas.microsoft.com/office/drawing/2010/main" w="9525">
+              <a14:hiddenLine xmlns:a14="http://schemas.microsoft.com/office/drawing/2010/main" xmlns="" w="9525">
                 <a:solidFill>
                   <a:schemeClr val="tx1"/>
                 </a:solidFill>
@@ -9322,14 +9239,14 @@
           </a:ln>
           <a:extLst>
             <a:ext uri="{909E8E84-426E-40dd-AFC4-6F175D3DCCD1}">
-              <a14:hiddenFill xmlns="" xmlns:a14="http://schemas.microsoft.com/office/drawing/2010/main">
+              <a14:hiddenFill xmlns:a14="http://schemas.microsoft.com/office/drawing/2010/main" xmlns="">
                 <a:solidFill>
                   <a:schemeClr val="accent1"/>
                 </a:solidFill>
               </a14:hiddenFill>
             </a:ext>
             <a:ext uri="{91240B29-F687-4f45-9708-019B960494DF}">
-              <a14:hiddenLine xmlns="" xmlns:a14="http://schemas.microsoft.com/office/drawing/2010/main" w="9525">
+              <a14:hiddenLine xmlns:a14="http://schemas.microsoft.com/office/drawing/2010/main" xmlns="" w="9525">
                 <a:solidFill>
                   <a:schemeClr val="tx1"/>
                 </a:solidFill>
@@ -9377,14 +9294,14 @@
           </a:ln>
           <a:extLst>
             <a:ext uri="{909E8E84-426E-40dd-AFC4-6F175D3DCCD1}">
-              <a14:hiddenFill xmlns="" xmlns:a14="http://schemas.microsoft.com/office/drawing/2010/main">
+              <a14:hiddenFill xmlns:a14="http://schemas.microsoft.com/office/drawing/2010/main" xmlns="">
                 <a:solidFill>
                   <a:schemeClr val="accent1"/>
                 </a:solidFill>
               </a14:hiddenFill>
             </a:ext>
             <a:ext uri="{91240B29-F687-4f45-9708-019B960494DF}">
-              <a14:hiddenLine xmlns="" xmlns:a14="http://schemas.microsoft.com/office/drawing/2010/main" w="9525">
+              <a14:hiddenLine xmlns:a14="http://schemas.microsoft.com/office/drawing/2010/main" xmlns="" w="9525">
                 <a:solidFill>
                   <a:schemeClr val="tx1"/>
                 </a:solidFill>
@@ -9432,14 +9349,14 @@
           </a:ln>
           <a:extLst>
             <a:ext uri="{909E8E84-426E-40dd-AFC4-6F175D3DCCD1}">
-              <a14:hiddenFill xmlns="" xmlns:a14="http://schemas.microsoft.com/office/drawing/2010/main">
+              <a14:hiddenFill xmlns:a14="http://schemas.microsoft.com/office/drawing/2010/main" xmlns="">
                 <a:solidFill>
                   <a:schemeClr val="accent1"/>
                 </a:solidFill>
               </a14:hiddenFill>
             </a:ext>
             <a:ext uri="{91240B29-F687-4f45-9708-019B960494DF}">
-              <a14:hiddenLine xmlns="" xmlns:a14="http://schemas.microsoft.com/office/drawing/2010/main" w="9525">
+              <a14:hiddenLine xmlns:a14="http://schemas.microsoft.com/office/drawing/2010/main" xmlns="" w="9525">
                 <a:solidFill>
                   <a:schemeClr val="tx1"/>
                 </a:solidFill>
@@ -9492,7 +9409,7 @@
           </a:ln>
           <a:extLst>
             <a:ext uri="{909E8E84-426E-40dd-AFC4-6F175D3DCCD1}">
-              <a14:hiddenFill xmlns="" xmlns:a14="http://schemas.microsoft.com/office/drawing/2010/main">
+              <a14:hiddenFill xmlns:a14="http://schemas.microsoft.com/office/drawing/2010/main" xmlns="">
                 <a:noFill/>
               </a14:hiddenFill>
             </a:ext>
@@ -9528,7 +9445,7 @@
           </a:ln>
           <a:extLst>
             <a:ext uri="{909E8E84-426E-40dd-AFC4-6F175D3DCCD1}">
-              <a14:hiddenFill xmlns="" xmlns:a14="http://schemas.microsoft.com/office/drawing/2010/main">
+              <a14:hiddenFill xmlns:a14="http://schemas.microsoft.com/office/drawing/2010/main" xmlns="">
                 <a:noFill/>
               </a14:hiddenFill>
             </a:ext>
@@ -9562,7 +9479,7 @@
           </a:ln>
           <a:extLst>
             <a:ext uri="{909E8E84-426E-40dd-AFC4-6F175D3DCCD1}">
-              <a14:hiddenFill xmlns="" xmlns:a14="http://schemas.microsoft.com/office/drawing/2010/main">
+              <a14:hiddenFill xmlns:a14="http://schemas.microsoft.com/office/drawing/2010/main" xmlns="">
                 <a:noFill/>
               </a14:hiddenFill>
             </a:ext>
@@ -9598,7 +9515,7 @@
           </a:ln>
           <a:extLst>
             <a:ext uri="{909E8E84-426E-40dd-AFC4-6F175D3DCCD1}">
-              <a14:hiddenFill xmlns="" xmlns:a14="http://schemas.microsoft.com/office/drawing/2010/main">
+              <a14:hiddenFill xmlns:a14="http://schemas.microsoft.com/office/drawing/2010/main" xmlns="">
                 <a:noFill/>
               </a14:hiddenFill>
             </a:ext>
@@ -9634,7 +9551,7 @@
           </a:ln>
           <a:extLst>
             <a:ext uri="{909E8E84-426E-40dd-AFC4-6F175D3DCCD1}">
-              <a14:hiddenFill xmlns="" xmlns:a14="http://schemas.microsoft.com/office/drawing/2010/main">
+              <a14:hiddenFill xmlns:a14="http://schemas.microsoft.com/office/drawing/2010/main" xmlns="">
                 <a:noFill/>
               </a14:hiddenFill>
             </a:ext>
@@ -9671,7 +9588,7 @@
           </a:ln>
           <a:extLst>
             <a:ext uri="{909E8E84-426E-40dd-AFC4-6F175D3DCCD1}">
-              <a14:hiddenFill xmlns="" xmlns:a14="http://schemas.microsoft.com/office/drawing/2010/main">
+              <a14:hiddenFill xmlns:a14="http://schemas.microsoft.com/office/drawing/2010/main" xmlns="">
                 <a:solidFill>
                   <a:schemeClr val="accent1"/>
                 </a:solidFill>
@@ -9709,14 +9626,14 @@
           </a:ln>
           <a:extLst>
             <a:ext uri="{909E8E84-426E-40dd-AFC4-6F175D3DCCD1}">
-              <a14:hiddenFill xmlns="" xmlns:a14="http://schemas.microsoft.com/office/drawing/2010/main">
+              <a14:hiddenFill xmlns:a14="http://schemas.microsoft.com/office/drawing/2010/main" xmlns="">
                 <a:solidFill>
                   <a:schemeClr val="accent1"/>
                 </a:solidFill>
               </a14:hiddenFill>
             </a:ext>
             <a:ext uri="{91240B29-F687-4f45-9708-019B960494DF}">
-              <a14:hiddenLine xmlns="" xmlns:a14="http://schemas.microsoft.com/office/drawing/2010/main" w="9525">
+              <a14:hiddenLine xmlns:a14="http://schemas.microsoft.com/office/drawing/2010/main" xmlns="" w="9525">
                 <a:solidFill>
                   <a:schemeClr val="tx1"/>
                 </a:solidFill>
@@ -9772,7 +9689,7 @@
           </a:ln>
           <a:extLst>
             <a:ext uri="{909E8E84-426E-40dd-AFC4-6F175D3DCCD1}">
-              <a14:hiddenFill xmlns="" xmlns:a14="http://schemas.microsoft.com/office/drawing/2010/main">
+              <a14:hiddenFill xmlns:a14="http://schemas.microsoft.com/office/drawing/2010/main" xmlns="">
                 <a:solidFill>
                   <a:schemeClr val="accent1"/>
                 </a:solidFill>
@@ -9810,14 +9727,14 @@
           </a:ln>
           <a:extLst>
             <a:ext uri="{909E8E84-426E-40dd-AFC4-6F175D3DCCD1}">
-              <a14:hiddenFill xmlns="" xmlns:a14="http://schemas.microsoft.com/office/drawing/2010/main">
+              <a14:hiddenFill xmlns:a14="http://schemas.microsoft.com/office/drawing/2010/main" xmlns="">
                 <a:solidFill>
                   <a:schemeClr val="accent1"/>
                 </a:solidFill>
               </a14:hiddenFill>
             </a:ext>
             <a:ext uri="{91240B29-F687-4f45-9708-019B960494DF}">
-              <a14:hiddenLine xmlns="" xmlns:a14="http://schemas.microsoft.com/office/drawing/2010/main" w="9525">
+              <a14:hiddenLine xmlns:a14="http://schemas.microsoft.com/office/drawing/2010/main" xmlns="" w="9525">
                 <a:solidFill>
                   <a:schemeClr val="tx1"/>
                 </a:solidFill>
@@ -10024,7 +9941,7 @@
           <a:effectLst/>
           <a:extLst>
             <a:ext uri="{AF507438-7753-43e0-B8FC-AC1667EBCBE1}">
-              <a14:hiddenEffects xmlns:a14="http://schemas.microsoft.com/office/drawing/2010/main" xmlns="">
+              <a14:hiddenEffects xmlns="" xmlns:a14="http://schemas.microsoft.com/office/drawing/2010/main">
                 <a:effectLst>
                   <a:outerShdw blurRad="63500" dist="38099" dir="2700000" algn="ctr" rotWithShape="0">
                     <a:schemeClr val="bg2">
@@ -11118,7 +11035,7 @@
         <a:effectLst/>
         <a:extLst>
           <a:ext uri="{AF507438-7753-43e0-B8FC-AC1667EBCBE1}">
-            <a14:hiddenEffects xmlns="" xmlns:a14="http://schemas.microsoft.com/office/drawing/2010/main">
+            <a14:hiddenEffects xmlns:a14="http://schemas.microsoft.com/office/drawing/2010/main" xmlns="">
               <a:effectLst>
                 <a:outerShdw blurRad="63500" dist="38099" dir="2700000" algn="ctr" rotWithShape="0">
                   <a:schemeClr val="bg2">
@@ -11195,7 +11112,7 @@
         <a:effectLst/>
         <a:extLst>
           <a:ext uri="{AF507438-7753-43e0-B8FC-AC1667EBCBE1}">
-            <a14:hiddenEffects xmlns="" xmlns:a14="http://schemas.microsoft.com/office/drawing/2010/main">
+            <a14:hiddenEffects xmlns:a14="http://schemas.microsoft.com/office/drawing/2010/main" xmlns="">
               <a:effectLst>
                 <a:outerShdw blurRad="63500" dist="38099" dir="2700000" algn="ctr" rotWithShape="0">
                   <a:schemeClr val="bg2">

--- a/notes/csc402-ln004.pptx
+++ b/notes/csc402-ln004.pptx
@@ -219,17 +219,17 @@
           </a:ln>
           <a:extLst>
             <a:ext uri="{FAA26D3D-D897-4be2-8F04-BA451C77F1D7}">
-              <ma14:placeholderFlag xmlns="" xmlns:ma14="http://schemas.microsoft.com/office/mac/drawingml/2011/main" val="1"/>
+              <ma14:placeholderFlag xmlns:ma14="http://schemas.microsoft.com/office/mac/drawingml/2011/main" xmlns="" val="1"/>
             </a:ext>
             <a:ext uri="{909E8E84-426E-40dd-AFC4-6F175D3DCCD1}">
-              <a14:hiddenFill xmlns:a14="http://schemas.microsoft.com/office/drawing/2010/main" xmlns="">
+              <a14:hiddenFill xmlns="" xmlns:a14="http://schemas.microsoft.com/office/drawing/2010/main">
                 <a:solidFill>
                   <a:schemeClr val="accent1"/>
                 </a:solidFill>
               </a14:hiddenFill>
             </a:ext>
             <a:ext uri="{91240B29-F687-4f45-9708-019B960494DF}">
-              <a14:hiddenLine xmlns:a14="http://schemas.microsoft.com/office/drawing/2010/main" xmlns="" w="9525">
+              <a14:hiddenLine xmlns="" xmlns:a14="http://schemas.microsoft.com/office/drawing/2010/main" w="9525">
                 <a:solidFill>
                   <a:schemeClr val="tx1"/>
                 </a:solidFill>
@@ -282,17 +282,17 @@
           </a:ln>
           <a:extLst>
             <a:ext uri="{FAA26D3D-D897-4be2-8F04-BA451C77F1D7}">
-              <ma14:placeholderFlag xmlns="" xmlns:ma14="http://schemas.microsoft.com/office/mac/drawingml/2011/main" val="1"/>
+              <ma14:placeholderFlag xmlns:ma14="http://schemas.microsoft.com/office/mac/drawingml/2011/main" xmlns="" val="1"/>
             </a:ext>
             <a:ext uri="{909E8E84-426E-40dd-AFC4-6F175D3DCCD1}">
-              <a14:hiddenFill xmlns:a14="http://schemas.microsoft.com/office/drawing/2010/main" xmlns="">
+              <a14:hiddenFill xmlns="" xmlns:a14="http://schemas.microsoft.com/office/drawing/2010/main">
                 <a:solidFill>
                   <a:schemeClr val="accent1"/>
                 </a:solidFill>
               </a14:hiddenFill>
             </a:ext>
             <a:ext uri="{91240B29-F687-4f45-9708-019B960494DF}">
-              <a14:hiddenLine xmlns:a14="http://schemas.microsoft.com/office/drawing/2010/main" xmlns="" w="9525">
+              <a14:hiddenLine xmlns="" xmlns:a14="http://schemas.microsoft.com/office/drawing/2010/main" w="9525">
                 <a:solidFill>
                   <a:schemeClr val="tx1"/>
                 </a:solidFill>
@@ -351,7 +351,7 @@
           <a:effectLst/>
           <a:extLst>
             <a:ext uri="{AF507438-7753-43e0-B8FC-AC1667EBCBE1}">
-              <a14:hiddenEffects xmlns:a14="http://schemas.microsoft.com/office/drawing/2010/main" xmlns="">
+              <a14:hiddenEffects xmlns="" xmlns:a14="http://schemas.microsoft.com/office/drawing/2010/main">
                 <a:effectLst>
                   <a:outerShdw blurRad="63500" dist="38099" dir="2700000" algn="ctr" rotWithShape="0">
                     <a:srgbClr val="000000">
@@ -362,7 +362,7 @@
               </a14:hiddenEffects>
             </a:ext>
             <a:ext uri="{53640926-AAD7-44d8-BBD7-CCE9431645EC}">
-              <a14:shadowObscured xmlns:a14="http://schemas.microsoft.com/office/drawing/2010/main" xmlns="" val="1"/>
+              <a14:shadowObscured xmlns="" xmlns:a14="http://schemas.microsoft.com/office/drawing/2010/main" val="1"/>
             </a:ext>
           </a:extLst>
         </p:spPr>
@@ -391,17 +391,17 @@
           </a:ln>
           <a:extLst>
             <a:ext uri="{FAA26D3D-D897-4be2-8F04-BA451C77F1D7}">
-              <ma14:placeholderFlag xmlns="" xmlns:ma14="http://schemas.microsoft.com/office/mac/drawingml/2011/main" val="1"/>
+              <ma14:placeholderFlag xmlns:ma14="http://schemas.microsoft.com/office/mac/drawingml/2011/main" xmlns="" val="1"/>
             </a:ext>
             <a:ext uri="{909E8E84-426E-40dd-AFC4-6F175D3DCCD1}">
-              <a14:hiddenFill xmlns:a14="http://schemas.microsoft.com/office/drawing/2010/main" xmlns="">
+              <a14:hiddenFill xmlns="" xmlns:a14="http://schemas.microsoft.com/office/drawing/2010/main">
                 <a:solidFill>
                   <a:schemeClr val="accent1"/>
                 </a:solidFill>
               </a14:hiddenFill>
             </a:ext>
             <a:ext uri="{91240B29-F687-4f45-9708-019B960494DF}">
-              <a14:hiddenLine xmlns:a14="http://schemas.microsoft.com/office/drawing/2010/main" xmlns="" w="9525">
+              <a14:hiddenLine xmlns="" xmlns:a14="http://schemas.microsoft.com/office/drawing/2010/main" w="9525">
                 <a:solidFill>
                   <a:schemeClr val="tx1"/>
                 </a:solidFill>
@@ -480,17 +480,17 @@
           </a:ln>
           <a:extLst>
             <a:ext uri="{FAA26D3D-D897-4be2-8F04-BA451C77F1D7}">
-              <ma14:placeholderFlag xmlns="" xmlns:ma14="http://schemas.microsoft.com/office/mac/drawingml/2011/main" val="1"/>
+              <ma14:placeholderFlag xmlns:ma14="http://schemas.microsoft.com/office/mac/drawingml/2011/main" xmlns="" val="1"/>
             </a:ext>
             <a:ext uri="{909E8E84-426E-40dd-AFC4-6F175D3DCCD1}">
-              <a14:hiddenFill xmlns:a14="http://schemas.microsoft.com/office/drawing/2010/main" xmlns="">
+              <a14:hiddenFill xmlns="" xmlns:a14="http://schemas.microsoft.com/office/drawing/2010/main">
                 <a:solidFill>
                   <a:schemeClr val="accent1"/>
                 </a:solidFill>
               </a14:hiddenFill>
             </a:ext>
             <a:ext uri="{91240B29-F687-4f45-9708-019B960494DF}">
-              <a14:hiddenLine xmlns:a14="http://schemas.microsoft.com/office/drawing/2010/main" xmlns="" w="9525">
+              <a14:hiddenLine xmlns="" xmlns:a14="http://schemas.microsoft.com/office/drawing/2010/main" w="9525">
                 <a:solidFill>
                   <a:schemeClr val="tx1"/>
                 </a:solidFill>
@@ -543,17 +543,17 @@
           </a:ln>
           <a:extLst>
             <a:ext uri="{FAA26D3D-D897-4be2-8F04-BA451C77F1D7}">
-              <ma14:placeholderFlag xmlns="" xmlns:ma14="http://schemas.microsoft.com/office/mac/drawingml/2011/main" val="1"/>
+              <ma14:placeholderFlag xmlns:ma14="http://schemas.microsoft.com/office/mac/drawingml/2011/main" xmlns="" val="1"/>
             </a:ext>
             <a:ext uri="{909E8E84-426E-40dd-AFC4-6F175D3DCCD1}">
-              <a14:hiddenFill xmlns:a14="http://schemas.microsoft.com/office/drawing/2010/main" xmlns="">
+              <a14:hiddenFill xmlns="" xmlns:a14="http://schemas.microsoft.com/office/drawing/2010/main">
                 <a:solidFill>
                   <a:schemeClr val="accent1"/>
                 </a:solidFill>
               </a14:hiddenFill>
             </a:ext>
             <a:ext uri="{91240B29-F687-4f45-9708-019B960494DF}">
-              <a14:hiddenLine xmlns:a14="http://schemas.microsoft.com/office/drawing/2010/main" xmlns="" w="9525">
+              <a14:hiddenLine xmlns="" xmlns:a14="http://schemas.microsoft.com/office/drawing/2010/main" w="9525">
                 <a:solidFill>
                   <a:schemeClr val="tx1"/>
                 </a:solidFill>
@@ -794,7 +794,7 @@
           </a:ln>
           <a:extLst>
             <a:ext uri="{FAA26D3D-D897-4be2-8F04-BA451C77F1D7}">
-              <ma14:placeholderFlag xmlns="" xmlns:ma14="http://schemas.microsoft.com/office/mac/drawingml/2011/main" val="1"/>
+              <ma14:placeholderFlag xmlns:ma14="http://schemas.microsoft.com/office/mac/drawingml/2011/main" xmlns="" val="1"/>
             </a:ext>
           </a:extLst>
         </p:spPr>
@@ -830,7 +830,7 @@
           </a:ln>
           <a:extLst>
             <a:ext uri="{FAA26D3D-D897-4be2-8F04-BA451C77F1D7}">
-              <ma14:placeholderFlag xmlns="" xmlns:ma14="http://schemas.microsoft.com/office/mac/drawingml/2011/main" val="1"/>
+              <ma14:placeholderFlag xmlns:ma14="http://schemas.microsoft.com/office/mac/drawingml/2011/main" xmlns="" val="1"/>
             </a:ext>
           </a:extLst>
         </p:spPr>
@@ -924,7 +924,7 @@
           </a:ln>
           <a:extLst>
             <a:ext uri="{FAA26D3D-D897-4be2-8F04-BA451C77F1D7}">
-              <ma14:placeholderFlag xmlns="" xmlns:ma14="http://schemas.microsoft.com/office/mac/drawingml/2011/main" val="1"/>
+              <ma14:placeholderFlag xmlns:ma14="http://schemas.microsoft.com/office/mac/drawingml/2011/main" xmlns="" val="1"/>
             </a:ext>
           </a:extLst>
         </p:spPr>
@@ -960,7 +960,7 @@
           </a:ln>
           <a:extLst>
             <a:ext uri="{FAA26D3D-D897-4be2-8F04-BA451C77F1D7}">
-              <ma14:placeholderFlag xmlns="" xmlns:ma14="http://schemas.microsoft.com/office/mac/drawingml/2011/main" val="1"/>
+              <ma14:placeholderFlag xmlns:ma14="http://schemas.microsoft.com/office/mac/drawingml/2011/main" xmlns="" val="1"/>
             </a:ext>
           </a:extLst>
         </p:spPr>
@@ -1037,7 +1037,7 @@
           <a:ln/>
           <a:extLst>
             <a:ext uri="{FAA26D3D-D897-4be2-8F04-BA451C77F1D7}">
-              <ma14:placeholderFlag xmlns="" xmlns:ma14="http://schemas.microsoft.com/office/mac/drawingml/2011/main" val="1"/>
+              <ma14:placeholderFlag xmlns:ma14="http://schemas.microsoft.com/office/mac/drawingml/2011/main" xmlns="" val="1"/>
             </a:ext>
           </a:extLst>
         </p:spPr>
@@ -1114,12 +1114,12 @@
           <a:effectLst/>
           <a:extLst>
             <a:ext uri="{909E8E84-426E-40dd-AFC4-6F175D3DCCD1}">
-              <a14:hiddenFill xmlns:a14="http://schemas.microsoft.com/office/drawing/2010/main" xmlns="">
+              <a14:hiddenFill xmlns="" xmlns:a14="http://schemas.microsoft.com/office/drawing/2010/main">
                 <a:noFill/>
               </a14:hiddenFill>
             </a:ext>
             <a:ext uri="{AF507438-7753-43e0-B8FC-AC1667EBCBE1}">
-              <a14:hiddenEffects xmlns:a14="http://schemas.microsoft.com/office/drawing/2010/main" xmlns="">
+              <a14:hiddenEffects xmlns="" xmlns:a14="http://schemas.microsoft.com/office/drawing/2010/main">
                 <a:effectLst>
                   <a:outerShdw blurRad="63500" dist="38099" dir="2700000" algn="ctr" rotWithShape="0">
                     <a:schemeClr val="bg2">
@@ -1320,7 +1320,7 @@
             <a:effectLst/>
             <a:extLst>
               <a:ext uri="{91240B29-F687-4f45-9708-019B960494DF}">
-                <a14:hiddenLine xmlns:a14="http://schemas.microsoft.com/office/drawing/2010/main" xmlns="" w="9525">
+                <a14:hiddenLine xmlns="" xmlns:a14="http://schemas.microsoft.com/office/drawing/2010/main" w="9525">
                   <a:solidFill>
                     <a:schemeClr val="tx1"/>
                   </a:solidFill>
@@ -1330,7 +1330,7 @@
                 </a14:hiddenLine>
               </a:ext>
               <a:ext uri="{AF507438-7753-43e0-B8FC-AC1667EBCBE1}">
-                <a14:hiddenEffects xmlns:a14="http://schemas.microsoft.com/office/drawing/2010/main" xmlns="">
+                <a14:hiddenEffects xmlns="" xmlns:a14="http://schemas.microsoft.com/office/drawing/2010/main">
                   <a:effectLst>
                     <a:outerShdw blurRad="63500" dist="38099" dir="2700000" algn="ctr" rotWithShape="0">
                       <a:schemeClr val="bg2">
@@ -1375,7 +1375,7 @@
             <a:effectLst/>
             <a:extLst>
               <a:ext uri="{91240B29-F687-4f45-9708-019B960494DF}">
-                <a14:hiddenLine xmlns:a14="http://schemas.microsoft.com/office/drawing/2010/main" xmlns="" w="9525">
+                <a14:hiddenLine xmlns="" xmlns:a14="http://schemas.microsoft.com/office/drawing/2010/main" w="9525">
                   <a:solidFill>
                     <a:schemeClr val="tx1"/>
                   </a:solidFill>
@@ -1385,7 +1385,7 @@
                 </a14:hiddenLine>
               </a:ext>
               <a:ext uri="{AF507438-7753-43e0-B8FC-AC1667EBCBE1}">
-                <a14:hiddenEffects xmlns:a14="http://schemas.microsoft.com/office/drawing/2010/main" xmlns="">
+                <a14:hiddenEffects xmlns="" xmlns:a14="http://schemas.microsoft.com/office/drawing/2010/main">
                   <a:effectLst>
                     <a:outerShdw blurRad="63500" dist="38099" dir="2700000" algn="ctr" rotWithShape="0">
                       <a:schemeClr val="bg2">
@@ -1430,7 +1430,7 @@
             <a:effectLst/>
             <a:extLst>
               <a:ext uri="{91240B29-F687-4f45-9708-019B960494DF}">
-                <a14:hiddenLine xmlns:a14="http://schemas.microsoft.com/office/drawing/2010/main" xmlns="" w="9525">
+                <a14:hiddenLine xmlns="" xmlns:a14="http://schemas.microsoft.com/office/drawing/2010/main" w="9525">
                   <a:solidFill>
                     <a:schemeClr val="tx1"/>
                   </a:solidFill>
@@ -1440,7 +1440,7 @@
                 </a14:hiddenLine>
               </a:ext>
               <a:ext uri="{AF507438-7753-43e0-B8FC-AC1667EBCBE1}">
-                <a14:hiddenEffects xmlns:a14="http://schemas.microsoft.com/office/drawing/2010/main" xmlns="">
+                <a14:hiddenEffects xmlns="" xmlns:a14="http://schemas.microsoft.com/office/drawing/2010/main">
                   <a:effectLst>
                     <a:outerShdw blurRad="63500" dist="38099" dir="2700000" algn="ctr" rotWithShape="0">
                       <a:schemeClr val="bg2">
@@ -1485,7 +1485,7 @@
             <a:effectLst/>
             <a:extLst>
               <a:ext uri="{91240B29-F687-4f45-9708-019B960494DF}">
-                <a14:hiddenLine xmlns:a14="http://schemas.microsoft.com/office/drawing/2010/main" xmlns="" w="9525">
+                <a14:hiddenLine xmlns="" xmlns:a14="http://schemas.microsoft.com/office/drawing/2010/main" w="9525">
                   <a:solidFill>
                     <a:schemeClr val="tx1"/>
                   </a:solidFill>
@@ -1495,7 +1495,7 @@
                 </a14:hiddenLine>
               </a:ext>
               <a:ext uri="{AF507438-7753-43e0-B8FC-AC1667EBCBE1}">
-                <a14:hiddenEffects xmlns:a14="http://schemas.microsoft.com/office/drawing/2010/main" xmlns="">
+                <a14:hiddenEffects xmlns="" xmlns:a14="http://schemas.microsoft.com/office/drawing/2010/main">
                   <a:effectLst>
                     <a:outerShdw blurRad="63500" dist="38099" dir="2700000" algn="ctr" rotWithShape="0">
                       <a:schemeClr val="bg2">
@@ -1540,7 +1540,7 @@
             <a:effectLst/>
             <a:extLst>
               <a:ext uri="{91240B29-F687-4f45-9708-019B960494DF}">
-                <a14:hiddenLine xmlns:a14="http://schemas.microsoft.com/office/drawing/2010/main" xmlns="" w="9525">
+                <a14:hiddenLine xmlns="" xmlns:a14="http://schemas.microsoft.com/office/drawing/2010/main" w="9525">
                   <a:solidFill>
                     <a:schemeClr val="tx1"/>
                   </a:solidFill>
@@ -1550,7 +1550,7 @@
                 </a14:hiddenLine>
               </a:ext>
               <a:ext uri="{AF507438-7753-43e0-B8FC-AC1667EBCBE1}">
-                <a14:hiddenEffects xmlns:a14="http://schemas.microsoft.com/office/drawing/2010/main" xmlns="">
+                <a14:hiddenEffects xmlns="" xmlns:a14="http://schemas.microsoft.com/office/drawing/2010/main">
                   <a:effectLst>
                     <a:outerShdw blurRad="63500" dist="38099" dir="2700000" algn="ctr" rotWithShape="0">
                       <a:schemeClr val="bg2">
@@ -1595,7 +1595,7 @@
             <a:effectLst/>
             <a:extLst>
               <a:ext uri="{91240B29-F687-4f45-9708-019B960494DF}">
-                <a14:hiddenLine xmlns:a14="http://schemas.microsoft.com/office/drawing/2010/main" xmlns="" w="9525">
+                <a14:hiddenLine xmlns="" xmlns:a14="http://schemas.microsoft.com/office/drawing/2010/main" w="9525">
                   <a:solidFill>
                     <a:schemeClr val="tx1"/>
                   </a:solidFill>
@@ -1605,7 +1605,7 @@
                 </a14:hiddenLine>
               </a:ext>
               <a:ext uri="{AF507438-7753-43e0-B8FC-AC1667EBCBE1}">
-                <a14:hiddenEffects xmlns:a14="http://schemas.microsoft.com/office/drawing/2010/main" xmlns="">
+                <a14:hiddenEffects xmlns="" xmlns:a14="http://schemas.microsoft.com/office/drawing/2010/main">
                   <a:effectLst>
                     <a:outerShdw blurRad="63500" dist="38099" dir="2700000" algn="ctr" rotWithShape="0">
                       <a:schemeClr val="bg2">
@@ -1650,7 +1650,7 @@
             <a:effectLst/>
             <a:extLst>
               <a:ext uri="{91240B29-F687-4f45-9708-019B960494DF}">
-                <a14:hiddenLine xmlns:a14="http://schemas.microsoft.com/office/drawing/2010/main" xmlns="" w="9525">
+                <a14:hiddenLine xmlns="" xmlns:a14="http://schemas.microsoft.com/office/drawing/2010/main" w="9525">
                   <a:solidFill>
                     <a:schemeClr val="tx1"/>
                   </a:solidFill>
@@ -1660,7 +1660,7 @@
                 </a14:hiddenLine>
               </a:ext>
               <a:ext uri="{AF507438-7753-43e0-B8FC-AC1667EBCBE1}">
-                <a14:hiddenEffects xmlns:a14="http://schemas.microsoft.com/office/drawing/2010/main" xmlns="">
+                <a14:hiddenEffects xmlns="" xmlns:a14="http://schemas.microsoft.com/office/drawing/2010/main">
                   <a:effectLst>
                     <a:outerShdw blurRad="63500" dist="38099" dir="2700000" algn="ctr" rotWithShape="0">
                       <a:schemeClr val="bg2">
@@ -1705,7 +1705,7 @@
             <a:effectLst/>
             <a:extLst>
               <a:ext uri="{91240B29-F687-4f45-9708-019B960494DF}">
-                <a14:hiddenLine xmlns:a14="http://schemas.microsoft.com/office/drawing/2010/main" xmlns="" w="9525">
+                <a14:hiddenLine xmlns="" xmlns:a14="http://schemas.microsoft.com/office/drawing/2010/main" w="9525">
                   <a:solidFill>
                     <a:schemeClr val="tx1"/>
                   </a:solidFill>
@@ -1715,7 +1715,7 @@
                 </a14:hiddenLine>
               </a:ext>
               <a:ext uri="{AF507438-7753-43e0-B8FC-AC1667EBCBE1}">
-                <a14:hiddenEffects xmlns:a14="http://schemas.microsoft.com/office/drawing/2010/main" xmlns="">
+                <a14:hiddenEffects xmlns="" xmlns:a14="http://schemas.microsoft.com/office/drawing/2010/main">
                   <a:effectLst>
                     <a:outerShdw blurRad="63500" dist="38099" dir="2700000" algn="ctr" rotWithShape="0">
                       <a:schemeClr val="bg2">
@@ -1760,7 +1760,7 @@
             <a:effectLst/>
             <a:extLst>
               <a:ext uri="{91240B29-F687-4f45-9708-019B960494DF}">
-                <a14:hiddenLine xmlns:a14="http://schemas.microsoft.com/office/drawing/2010/main" xmlns="" w="9525">
+                <a14:hiddenLine xmlns="" xmlns:a14="http://schemas.microsoft.com/office/drawing/2010/main" w="9525">
                   <a:solidFill>
                     <a:schemeClr val="tx1"/>
                   </a:solidFill>
@@ -1770,7 +1770,7 @@
                 </a14:hiddenLine>
               </a:ext>
               <a:ext uri="{AF507438-7753-43e0-B8FC-AC1667EBCBE1}">
-                <a14:hiddenEffects xmlns:a14="http://schemas.microsoft.com/office/drawing/2010/main" xmlns="">
+                <a14:hiddenEffects xmlns="" xmlns:a14="http://schemas.microsoft.com/office/drawing/2010/main">
                   <a:effectLst>
                     <a:outerShdw blurRad="63500" dist="38099" dir="2700000" algn="ctr" rotWithShape="0">
                       <a:schemeClr val="bg2">
@@ -1815,7 +1815,7 @@
             <a:effectLst/>
             <a:extLst>
               <a:ext uri="{91240B29-F687-4f45-9708-019B960494DF}">
-                <a14:hiddenLine xmlns:a14="http://schemas.microsoft.com/office/drawing/2010/main" xmlns="" w="9525">
+                <a14:hiddenLine xmlns="" xmlns:a14="http://schemas.microsoft.com/office/drawing/2010/main" w="9525">
                   <a:solidFill>
                     <a:schemeClr val="tx1"/>
                   </a:solidFill>
@@ -1825,7 +1825,7 @@
                 </a14:hiddenLine>
               </a:ext>
               <a:ext uri="{AF507438-7753-43e0-B8FC-AC1667EBCBE1}">
-                <a14:hiddenEffects xmlns:a14="http://schemas.microsoft.com/office/drawing/2010/main" xmlns="">
+                <a14:hiddenEffects xmlns="" xmlns:a14="http://schemas.microsoft.com/office/drawing/2010/main">
                   <a:effectLst>
                     <a:outerShdw blurRad="63500" dist="38099" dir="2700000" algn="ctr" rotWithShape="0">
                       <a:schemeClr val="bg2">
@@ -1870,7 +1870,7 @@
             <a:effectLst/>
             <a:extLst>
               <a:ext uri="{91240B29-F687-4f45-9708-019B960494DF}">
-                <a14:hiddenLine xmlns:a14="http://schemas.microsoft.com/office/drawing/2010/main" xmlns="" w="9525">
+                <a14:hiddenLine xmlns="" xmlns:a14="http://schemas.microsoft.com/office/drawing/2010/main" w="9525">
                   <a:solidFill>
                     <a:schemeClr val="tx1"/>
                   </a:solidFill>
@@ -1880,7 +1880,7 @@
                 </a14:hiddenLine>
               </a:ext>
               <a:ext uri="{AF507438-7753-43e0-B8FC-AC1667EBCBE1}">
-                <a14:hiddenEffects xmlns:a14="http://schemas.microsoft.com/office/drawing/2010/main" xmlns="">
+                <a14:hiddenEffects xmlns="" xmlns:a14="http://schemas.microsoft.com/office/drawing/2010/main">
                   <a:effectLst>
                     <a:outerShdw blurRad="63500" dist="38099" dir="2700000" algn="ctr" rotWithShape="0">
                       <a:schemeClr val="bg2">
@@ -1925,7 +1925,7 @@
             <a:effectLst/>
             <a:extLst>
               <a:ext uri="{91240B29-F687-4f45-9708-019B960494DF}">
-                <a14:hiddenLine xmlns:a14="http://schemas.microsoft.com/office/drawing/2010/main" xmlns="" w="9525">
+                <a14:hiddenLine xmlns="" xmlns:a14="http://schemas.microsoft.com/office/drawing/2010/main" w="9525">
                   <a:solidFill>
                     <a:schemeClr val="tx1"/>
                   </a:solidFill>
@@ -1935,7 +1935,7 @@
                 </a14:hiddenLine>
               </a:ext>
               <a:ext uri="{AF507438-7753-43e0-B8FC-AC1667EBCBE1}">
-                <a14:hiddenEffects xmlns:a14="http://schemas.microsoft.com/office/drawing/2010/main" xmlns="">
+                <a14:hiddenEffects xmlns="" xmlns:a14="http://schemas.microsoft.com/office/drawing/2010/main">
                   <a:effectLst>
                     <a:outerShdw blurRad="63500" dist="38099" dir="2700000" algn="ctr" rotWithShape="0">
                       <a:schemeClr val="bg2">
@@ -1980,7 +1980,7 @@
             <a:effectLst/>
             <a:extLst>
               <a:ext uri="{91240B29-F687-4f45-9708-019B960494DF}">
-                <a14:hiddenLine xmlns:a14="http://schemas.microsoft.com/office/drawing/2010/main" xmlns="" w="9525">
+                <a14:hiddenLine xmlns="" xmlns:a14="http://schemas.microsoft.com/office/drawing/2010/main" w="9525">
                   <a:solidFill>
                     <a:schemeClr val="tx1"/>
                   </a:solidFill>
@@ -1990,7 +1990,7 @@
                 </a14:hiddenLine>
               </a:ext>
               <a:ext uri="{AF507438-7753-43e0-B8FC-AC1667EBCBE1}">
-                <a14:hiddenEffects xmlns:a14="http://schemas.microsoft.com/office/drawing/2010/main" xmlns="">
+                <a14:hiddenEffects xmlns="" xmlns:a14="http://schemas.microsoft.com/office/drawing/2010/main">
                   <a:effectLst>
                     <a:outerShdw blurRad="63500" dist="38099" dir="2700000" algn="ctr" rotWithShape="0">
                       <a:schemeClr val="bg2">
@@ -2035,7 +2035,7 @@
             <a:effectLst/>
             <a:extLst>
               <a:ext uri="{91240B29-F687-4f45-9708-019B960494DF}">
-                <a14:hiddenLine xmlns:a14="http://schemas.microsoft.com/office/drawing/2010/main" xmlns="" w="9525">
+                <a14:hiddenLine xmlns="" xmlns:a14="http://schemas.microsoft.com/office/drawing/2010/main" w="9525">
                   <a:solidFill>
                     <a:schemeClr val="tx1"/>
                   </a:solidFill>
@@ -2045,7 +2045,7 @@
                 </a14:hiddenLine>
               </a:ext>
               <a:ext uri="{AF507438-7753-43e0-B8FC-AC1667EBCBE1}">
-                <a14:hiddenEffects xmlns:a14="http://schemas.microsoft.com/office/drawing/2010/main" xmlns="">
+                <a14:hiddenEffects xmlns="" xmlns:a14="http://schemas.microsoft.com/office/drawing/2010/main">
                   <a:effectLst>
                     <a:outerShdw blurRad="63500" dist="38099" dir="2700000" algn="ctr" rotWithShape="0">
                       <a:schemeClr val="bg2">
@@ -2090,7 +2090,7 @@
             <a:effectLst/>
             <a:extLst>
               <a:ext uri="{91240B29-F687-4f45-9708-019B960494DF}">
-                <a14:hiddenLine xmlns:a14="http://schemas.microsoft.com/office/drawing/2010/main" xmlns="" w="9525">
+                <a14:hiddenLine xmlns="" xmlns:a14="http://schemas.microsoft.com/office/drawing/2010/main" w="9525">
                   <a:solidFill>
                     <a:schemeClr val="tx1"/>
                   </a:solidFill>
@@ -2100,7 +2100,7 @@
                 </a14:hiddenLine>
               </a:ext>
               <a:ext uri="{AF507438-7753-43e0-B8FC-AC1667EBCBE1}">
-                <a14:hiddenEffects xmlns:a14="http://schemas.microsoft.com/office/drawing/2010/main" xmlns="">
+                <a14:hiddenEffects xmlns="" xmlns:a14="http://schemas.microsoft.com/office/drawing/2010/main">
                   <a:effectLst>
                     <a:outerShdw blurRad="63500" dist="38099" dir="2700000" algn="ctr" rotWithShape="0">
                       <a:schemeClr val="bg2">
@@ -2145,7 +2145,7 @@
             <a:effectLst/>
             <a:extLst>
               <a:ext uri="{91240B29-F687-4f45-9708-019B960494DF}">
-                <a14:hiddenLine xmlns:a14="http://schemas.microsoft.com/office/drawing/2010/main" xmlns="" w="9525">
+                <a14:hiddenLine xmlns="" xmlns:a14="http://schemas.microsoft.com/office/drawing/2010/main" w="9525">
                   <a:solidFill>
                     <a:schemeClr val="tx1"/>
                   </a:solidFill>
@@ -2155,7 +2155,7 @@
                 </a14:hiddenLine>
               </a:ext>
               <a:ext uri="{AF507438-7753-43e0-B8FC-AC1667EBCBE1}">
-                <a14:hiddenEffects xmlns:a14="http://schemas.microsoft.com/office/drawing/2010/main" xmlns="">
+                <a14:hiddenEffects xmlns="" xmlns:a14="http://schemas.microsoft.com/office/drawing/2010/main">
                   <a:effectLst>
                     <a:outerShdw blurRad="63500" dist="38099" dir="2700000" algn="ctr" rotWithShape="0">
                       <a:schemeClr val="bg2">
@@ -2200,7 +2200,7 @@
             <a:effectLst/>
             <a:extLst>
               <a:ext uri="{91240B29-F687-4f45-9708-019B960494DF}">
-                <a14:hiddenLine xmlns:a14="http://schemas.microsoft.com/office/drawing/2010/main" xmlns="" w="9525">
+                <a14:hiddenLine xmlns="" xmlns:a14="http://schemas.microsoft.com/office/drawing/2010/main" w="9525">
                   <a:solidFill>
                     <a:schemeClr val="tx1"/>
                   </a:solidFill>
@@ -2210,7 +2210,7 @@
                 </a14:hiddenLine>
               </a:ext>
               <a:ext uri="{AF507438-7753-43e0-B8FC-AC1667EBCBE1}">
-                <a14:hiddenEffects xmlns:a14="http://schemas.microsoft.com/office/drawing/2010/main" xmlns="">
+                <a14:hiddenEffects xmlns="" xmlns:a14="http://schemas.microsoft.com/office/drawing/2010/main">
                   <a:effectLst>
                     <a:outerShdw blurRad="63500" dist="38099" dir="2700000" algn="ctr" rotWithShape="0">
                       <a:schemeClr val="bg2">
@@ -2255,7 +2255,7 @@
             <a:effectLst/>
             <a:extLst>
               <a:ext uri="{91240B29-F687-4f45-9708-019B960494DF}">
-                <a14:hiddenLine xmlns:a14="http://schemas.microsoft.com/office/drawing/2010/main" xmlns="" w="9525">
+                <a14:hiddenLine xmlns="" xmlns:a14="http://schemas.microsoft.com/office/drawing/2010/main" w="9525">
                   <a:solidFill>
                     <a:schemeClr val="tx1"/>
                   </a:solidFill>
@@ -2265,7 +2265,7 @@
                 </a14:hiddenLine>
               </a:ext>
               <a:ext uri="{AF507438-7753-43e0-B8FC-AC1667EBCBE1}">
-                <a14:hiddenEffects xmlns:a14="http://schemas.microsoft.com/office/drawing/2010/main" xmlns="">
+                <a14:hiddenEffects xmlns="" xmlns:a14="http://schemas.microsoft.com/office/drawing/2010/main">
                   <a:effectLst>
                     <a:outerShdw blurRad="63500" dist="38099" dir="2700000" algn="ctr" rotWithShape="0">
                       <a:schemeClr val="bg2">
@@ -2310,7 +2310,7 @@
             <a:effectLst/>
             <a:extLst>
               <a:ext uri="{91240B29-F687-4f45-9708-019B960494DF}">
-                <a14:hiddenLine xmlns:a14="http://schemas.microsoft.com/office/drawing/2010/main" xmlns="" w="9525">
+                <a14:hiddenLine xmlns="" xmlns:a14="http://schemas.microsoft.com/office/drawing/2010/main" w="9525">
                   <a:solidFill>
                     <a:schemeClr val="tx1"/>
                   </a:solidFill>
@@ -2320,7 +2320,7 @@
                 </a14:hiddenLine>
               </a:ext>
               <a:ext uri="{AF507438-7753-43e0-B8FC-AC1667EBCBE1}">
-                <a14:hiddenEffects xmlns:a14="http://schemas.microsoft.com/office/drawing/2010/main" xmlns="">
+                <a14:hiddenEffects xmlns="" xmlns:a14="http://schemas.microsoft.com/office/drawing/2010/main">
                   <a:effectLst>
                     <a:outerShdw blurRad="63500" dist="38099" dir="2700000" algn="ctr" rotWithShape="0">
                       <a:schemeClr val="bg2">
@@ -2365,7 +2365,7 @@
             <a:effectLst/>
             <a:extLst>
               <a:ext uri="{91240B29-F687-4f45-9708-019B960494DF}">
-                <a14:hiddenLine xmlns:a14="http://schemas.microsoft.com/office/drawing/2010/main" xmlns="" w="9525">
+                <a14:hiddenLine xmlns="" xmlns:a14="http://schemas.microsoft.com/office/drawing/2010/main" w="9525">
                   <a:solidFill>
                     <a:schemeClr val="tx1"/>
                   </a:solidFill>
@@ -2375,7 +2375,7 @@
                 </a14:hiddenLine>
               </a:ext>
               <a:ext uri="{AF507438-7753-43e0-B8FC-AC1667EBCBE1}">
-                <a14:hiddenEffects xmlns:a14="http://schemas.microsoft.com/office/drawing/2010/main" xmlns="">
+                <a14:hiddenEffects xmlns="" xmlns:a14="http://schemas.microsoft.com/office/drawing/2010/main">
                   <a:effectLst>
                     <a:outerShdw blurRad="63500" dist="38099" dir="2700000" algn="ctr" rotWithShape="0">
                       <a:schemeClr val="bg2">
@@ -2420,7 +2420,7 @@
             <a:effectLst/>
             <a:extLst>
               <a:ext uri="{91240B29-F687-4f45-9708-019B960494DF}">
-                <a14:hiddenLine xmlns:a14="http://schemas.microsoft.com/office/drawing/2010/main" xmlns="" w="9525">
+                <a14:hiddenLine xmlns="" xmlns:a14="http://schemas.microsoft.com/office/drawing/2010/main" w="9525">
                   <a:solidFill>
                     <a:schemeClr val="tx1"/>
                   </a:solidFill>
@@ -2430,7 +2430,7 @@
                 </a14:hiddenLine>
               </a:ext>
               <a:ext uri="{AF507438-7753-43e0-B8FC-AC1667EBCBE1}">
-                <a14:hiddenEffects xmlns:a14="http://schemas.microsoft.com/office/drawing/2010/main" xmlns="">
+                <a14:hiddenEffects xmlns="" xmlns:a14="http://schemas.microsoft.com/office/drawing/2010/main">
                   <a:effectLst>
                     <a:outerShdw blurRad="63500" dist="38099" dir="2700000" algn="ctr" rotWithShape="0">
                       <a:schemeClr val="bg2">
@@ -2475,7 +2475,7 @@
             <a:effectLst/>
             <a:extLst>
               <a:ext uri="{91240B29-F687-4f45-9708-019B960494DF}">
-                <a14:hiddenLine xmlns:a14="http://schemas.microsoft.com/office/drawing/2010/main" xmlns="" w="9525">
+                <a14:hiddenLine xmlns="" xmlns:a14="http://schemas.microsoft.com/office/drawing/2010/main" w="9525">
                   <a:solidFill>
                     <a:schemeClr val="tx1"/>
                   </a:solidFill>
@@ -2485,7 +2485,7 @@
                 </a14:hiddenLine>
               </a:ext>
               <a:ext uri="{AF507438-7753-43e0-B8FC-AC1667EBCBE1}">
-                <a14:hiddenEffects xmlns:a14="http://schemas.microsoft.com/office/drawing/2010/main" xmlns="">
+                <a14:hiddenEffects xmlns="" xmlns:a14="http://schemas.microsoft.com/office/drawing/2010/main">
                   <a:effectLst>
                     <a:outerShdw blurRad="63500" dist="38099" dir="2700000" algn="ctr" rotWithShape="0">
                       <a:schemeClr val="bg2">
@@ -2530,7 +2530,7 @@
             <a:effectLst/>
             <a:extLst>
               <a:ext uri="{91240B29-F687-4f45-9708-019B960494DF}">
-                <a14:hiddenLine xmlns:a14="http://schemas.microsoft.com/office/drawing/2010/main" xmlns="" w="9525">
+                <a14:hiddenLine xmlns="" xmlns:a14="http://schemas.microsoft.com/office/drawing/2010/main" w="9525">
                   <a:solidFill>
                     <a:schemeClr val="tx1"/>
                   </a:solidFill>
@@ -2540,7 +2540,7 @@
                 </a14:hiddenLine>
               </a:ext>
               <a:ext uri="{AF507438-7753-43e0-B8FC-AC1667EBCBE1}">
-                <a14:hiddenEffects xmlns:a14="http://schemas.microsoft.com/office/drawing/2010/main" xmlns="">
+                <a14:hiddenEffects xmlns="" xmlns:a14="http://schemas.microsoft.com/office/drawing/2010/main">
                   <a:effectLst>
                     <a:outerShdw blurRad="63500" dist="38099" dir="2700000" algn="ctr" rotWithShape="0">
                       <a:schemeClr val="bg2">
@@ -2585,7 +2585,7 @@
             <a:effectLst/>
             <a:extLst>
               <a:ext uri="{91240B29-F687-4f45-9708-019B960494DF}">
-                <a14:hiddenLine xmlns:a14="http://schemas.microsoft.com/office/drawing/2010/main" xmlns="" w="9525">
+                <a14:hiddenLine xmlns="" xmlns:a14="http://schemas.microsoft.com/office/drawing/2010/main" w="9525">
                   <a:solidFill>
                     <a:schemeClr val="tx1"/>
                   </a:solidFill>
@@ -2595,7 +2595,7 @@
                 </a14:hiddenLine>
               </a:ext>
               <a:ext uri="{AF507438-7753-43e0-B8FC-AC1667EBCBE1}">
-                <a14:hiddenEffects xmlns:a14="http://schemas.microsoft.com/office/drawing/2010/main" xmlns="">
+                <a14:hiddenEffects xmlns="" xmlns:a14="http://schemas.microsoft.com/office/drawing/2010/main">
                   <a:effectLst>
                     <a:outerShdw blurRad="63500" dist="38099" dir="2700000" algn="ctr" rotWithShape="0">
                       <a:schemeClr val="bg2">
@@ -2640,7 +2640,7 @@
             <a:effectLst/>
             <a:extLst>
               <a:ext uri="{91240B29-F687-4f45-9708-019B960494DF}">
-                <a14:hiddenLine xmlns:a14="http://schemas.microsoft.com/office/drawing/2010/main" xmlns="" w="9525">
+                <a14:hiddenLine xmlns="" xmlns:a14="http://schemas.microsoft.com/office/drawing/2010/main" w="9525">
                   <a:solidFill>
                     <a:schemeClr val="tx1"/>
                   </a:solidFill>
@@ -2650,7 +2650,7 @@
                 </a14:hiddenLine>
               </a:ext>
               <a:ext uri="{AF507438-7753-43e0-B8FC-AC1667EBCBE1}">
-                <a14:hiddenEffects xmlns:a14="http://schemas.microsoft.com/office/drawing/2010/main" xmlns="">
+                <a14:hiddenEffects xmlns="" xmlns:a14="http://schemas.microsoft.com/office/drawing/2010/main">
                   <a:effectLst>
                     <a:outerShdw blurRad="63500" dist="38099" dir="2700000" algn="ctr" rotWithShape="0">
                       <a:schemeClr val="bg2">
@@ -2695,7 +2695,7 @@
             <a:effectLst/>
             <a:extLst>
               <a:ext uri="{91240B29-F687-4f45-9708-019B960494DF}">
-                <a14:hiddenLine xmlns:a14="http://schemas.microsoft.com/office/drawing/2010/main" xmlns="" w="9525">
+                <a14:hiddenLine xmlns="" xmlns:a14="http://schemas.microsoft.com/office/drawing/2010/main" w="9525">
                   <a:solidFill>
                     <a:schemeClr val="tx1"/>
                   </a:solidFill>
@@ -2705,7 +2705,7 @@
                 </a14:hiddenLine>
               </a:ext>
               <a:ext uri="{AF507438-7753-43e0-B8FC-AC1667EBCBE1}">
-                <a14:hiddenEffects xmlns:a14="http://schemas.microsoft.com/office/drawing/2010/main" xmlns="">
+                <a14:hiddenEffects xmlns="" xmlns:a14="http://schemas.microsoft.com/office/drawing/2010/main">
                   <a:effectLst>
                     <a:outerShdw blurRad="63500" dist="38099" dir="2700000" algn="ctr" rotWithShape="0">
                       <a:schemeClr val="bg2">
@@ -2750,7 +2750,7 @@
             <a:effectLst/>
             <a:extLst>
               <a:ext uri="{91240B29-F687-4f45-9708-019B960494DF}">
-                <a14:hiddenLine xmlns:a14="http://schemas.microsoft.com/office/drawing/2010/main" xmlns="" w="9525">
+                <a14:hiddenLine xmlns="" xmlns:a14="http://schemas.microsoft.com/office/drawing/2010/main" w="9525">
                   <a:solidFill>
                     <a:schemeClr val="tx1"/>
                   </a:solidFill>
@@ -2760,7 +2760,7 @@
                 </a14:hiddenLine>
               </a:ext>
               <a:ext uri="{AF507438-7753-43e0-B8FC-AC1667EBCBE1}">
-                <a14:hiddenEffects xmlns:a14="http://schemas.microsoft.com/office/drawing/2010/main" xmlns="">
+                <a14:hiddenEffects xmlns="" xmlns:a14="http://schemas.microsoft.com/office/drawing/2010/main">
                   <a:effectLst>
                     <a:outerShdw blurRad="63500" dist="38099" dir="2700000" algn="ctr" rotWithShape="0">
                       <a:schemeClr val="bg2">
@@ -2805,7 +2805,7 @@
             <a:effectLst/>
             <a:extLst>
               <a:ext uri="{91240B29-F687-4f45-9708-019B960494DF}">
-                <a14:hiddenLine xmlns:a14="http://schemas.microsoft.com/office/drawing/2010/main" xmlns="" w="9525">
+                <a14:hiddenLine xmlns="" xmlns:a14="http://schemas.microsoft.com/office/drawing/2010/main" w="9525">
                   <a:solidFill>
                     <a:schemeClr val="tx1"/>
                   </a:solidFill>
@@ -2815,7 +2815,7 @@
                 </a14:hiddenLine>
               </a:ext>
               <a:ext uri="{AF507438-7753-43e0-B8FC-AC1667EBCBE1}">
-                <a14:hiddenEffects xmlns:a14="http://schemas.microsoft.com/office/drawing/2010/main" xmlns="">
+                <a14:hiddenEffects xmlns="" xmlns:a14="http://schemas.microsoft.com/office/drawing/2010/main">
                   <a:effectLst>
                     <a:outerShdw blurRad="63500" dist="38099" dir="2700000" algn="ctr" rotWithShape="0">
                       <a:schemeClr val="bg2">
@@ -2860,7 +2860,7 @@
             <a:effectLst/>
             <a:extLst>
               <a:ext uri="{91240B29-F687-4f45-9708-019B960494DF}">
-                <a14:hiddenLine xmlns:a14="http://schemas.microsoft.com/office/drawing/2010/main" xmlns="" w="9525">
+                <a14:hiddenLine xmlns="" xmlns:a14="http://schemas.microsoft.com/office/drawing/2010/main" w="9525">
                   <a:solidFill>
                     <a:schemeClr val="tx1"/>
                   </a:solidFill>
@@ -2870,7 +2870,7 @@
                 </a14:hiddenLine>
               </a:ext>
               <a:ext uri="{AF507438-7753-43e0-B8FC-AC1667EBCBE1}">
-                <a14:hiddenEffects xmlns:a14="http://schemas.microsoft.com/office/drawing/2010/main" xmlns="">
+                <a14:hiddenEffects xmlns="" xmlns:a14="http://schemas.microsoft.com/office/drawing/2010/main">
                   <a:effectLst>
                     <a:outerShdw blurRad="63500" dist="38099" dir="2700000" algn="ctr" rotWithShape="0">
                       <a:schemeClr val="bg2">
@@ -2915,7 +2915,7 @@
             <a:effectLst/>
             <a:extLst>
               <a:ext uri="{91240B29-F687-4f45-9708-019B960494DF}">
-                <a14:hiddenLine xmlns:a14="http://schemas.microsoft.com/office/drawing/2010/main" xmlns="" w="9525">
+                <a14:hiddenLine xmlns="" xmlns:a14="http://schemas.microsoft.com/office/drawing/2010/main" w="9525">
                   <a:solidFill>
                     <a:schemeClr val="tx1"/>
                   </a:solidFill>
@@ -2925,7 +2925,7 @@
                 </a14:hiddenLine>
               </a:ext>
               <a:ext uri="{AF507438-7753-43e0-B8FC-AC1667EBCBE1}">
-                <a14:hiddenEffects xmlns:a14="http://schemas.microsoft.com/office/drawing/2010/main" xmlns="">
+                <a14:hiddenEffects xmlns="" xmlns:a14="http://schemas.microsoft.com/office/drawing/2010/main">
                   <a:effectLst>
                     <a:outerShdw blurRad="63500" dist="38099" dir="2700000" algn="ctr" rotWithShape="0">
                       <a:schemeClr val="bg2">
@@ -2970,7 +2970,7 @@
             <a:effectLst/>
             <a:extLst>
               <a:ext uri="{91240B29-F687-4f45-9708-019B960494DF}">
-                <a14:hiddenLine xmlns:a14="http://schemas.microsoft.com/office/drawing/2010/main" xmlns="" w="9525">
+                <a14:hiddenLine xmlns="" xmlns:a14="http://schemas.microsoft.com/office/drawing/2010/main" w="9525">
                   <a:solidFill>
                     <a:schemeClr val="tx1"/>
                   </a:solidFill>
@@ -2980,7 +2980,7 @@
                 </a14:hiddenLine>
               </a:ext>
               <a:ext uri="{AF507438-7753-43e0-B8FC-AC1667EBCBE1}">
-                <a14:hiddenEffects xmlns:a14="http://schemas.microsoft.com/office/drawing/2010/main" xmlns="">
+                <a14:hiddenEffects xmlns="" xmlns:a14="http://schemas.microsoft.com/office/drawing/2010/main">
                   <a:effectLst>
                     <a:outerShdw blurRad="63500" dist="38099" dir="2700000" algn="ctr" rotWithShape="0">
                       <a:schemeClr val="bg2">
@@ -3029,12 +3029,12 @@
           <a:effectLst/>
           <a:extLst>
             <a:ext uri="{909E8E84-426E-40dd-AFC4-6F175D3DCCD1}">
-              <a14:hiddenFill xmlns:a14="http://schemas.microsoft.com/office/drawing/2010/main" xmlns="">
+              <a14:hiddenFill xmlns="" xmlns:a14="http://schemas.microsoft.com/office/drawing/2010/main">
                 <a:noFill/>
               </a14:hiddenFill>
             </a:ext>
             <a:ext uri="{AF507438-7753-43e0-B8FC-AC1667EBCBE1}">
-              <a14:hiddenEffects xmlns:a14="http://schemas.microsoft.com/office/drawing/2010/main" xmlns="">
+              <a14:hiddenEffects xmlns="" xmlns:a14="http://schemas.microsoft.com/office/drawing/2010/main">
                 <a:effectLst>
                   <a:outerShdw blurRad="63500" dist="38099" dir="2700000" algn="ctr" rotWithShape="0">
                     <a:schemeClr val="bg2">
@@ -5358,12 +5358,12 @@
           <a:effectLst/>
           <a:extLst>
             <a:ext uri="{909E8E84-426E-40dd-AFC4-6F175D3DCCD1}">
-              <a14:hiddenFill xmlns:a14="http://schemas.microsoft.com/office/drawing/2010/main" xmlns="">
+              <a14:hiddenFill xmlns="" xmlns:a14="http://schemas.microsoft.com/office/drawing/2010/main">
                 <a:noFill/>
               </a14:hiddenFill>
             </a:ext>
             <a:ext uri="{AF507438-7753-43e0-B8FC-AC1667EBCBE1}">
-              <a14:hiddenEffects xmlns:a14="http://schemas.microsoft.com/office/drawing/2010/main" xmlns="">
+              <a14:hiddenEffects xmlns="" xmlns:a14="http://schemas.microsoft.com/office/drawing/2010/main">
                 <a:effectLst>
                   <a:outerShdw blurRad="63500" dist="38099" dir="2700000" algn="ctr" rotWithShape="0">
                     <a:schemeClr val="bg2">
@@ -5408,17 +5408,17 @@
           <a:effectLst/>
           <a:extLst>
             <a:ext uri="{FAA26D3D-D897-4be2-8F04-BA451C77F1D7}">
-              <ma14:placeholderFlag xmlns="" xmlns:ma14="http://schemas.microsoft.com/office/mac/drawingml/2011/main" val="1"/>
+              <ma14:placeholderFlag xmlns:ma14="http://schemas.microsoft.com/office/mac/drawingml/2011/main" xmlns="" val="1"/>
             </a:ext>
             <a:ext uri="{909E8E84-426E-40dd-AFC4-6F175D3DCCD1}">
-              <a14:hiddenFill xmlns:a14="http://schemas.microsoft.com/office/drawing/2010/main" xmlns="">
+              <a14:hiddenFill xmlns="" xmlns:a14="http://schemas.microsoft.com/office/drawing/2010/main">
                 <a:solidFill>
                   <a:schemeClr val="accent1"/>
                 </a:solidFill>
               </a14:hiddenFill>
             </a:ext>
             <a:ext uri="{91240B29-F687-4f45-9708-019B960494DF}">
-              <a14:hiddenLine xmlns:a14="http://schemas.microsoft.com/office/drawing/2010/main" xmlns="" w="9525">
+              <a14:hiddenLine xmlns="" xmlns:a14="http://schemas.microsoft.com/office/drawing/2010/main" w="9525">
                 <a:solidFill>
                   <a:schemeClr val="tx1"/>
                 </a:solidFill>
@@ -5428,7 +5428,7 @@
               </a14:hiddenLine>
             </a:ext>
             <a:ext uri="{AF507438-7753-43e0-B8FC-AC1667EBCBE1}">
-              <a14:hiddenEffects xmlns:a14="http://schemas.microsoft.com/office/drawing/2010/main" xmlns="">
+              <a14:hiddenEffects xmlns="" xmlns:a14="http://schemas.microsoft.com/office/drawing/2010/main">
                 <a:effectLst>
                   <a:outerShdw blurRad="63500" dist="38099" dir="2700000" algn="ctr" rotWithShape="0">
                     <a:schemeClr val="bg2">
@@ -5481,17 +5481,17 @@
           <a:effectLst/>
           <a:extLst>
             <a:ext uri="{FAA26D3D-D897-4be2-8F04-BA451C77F1D7}">
-              <ma14:placeholderFlag xmlns="" xmlns:ma14="http://schemas.microsoft.com/office/mac/drawingml/2011/main" val="1"/>
+              <ma14:placeholderFlag xmlns:ma14="http://schemas.microsoft.com/office/mac/drawingml/2011/main" xmlns="" val="1"/>
             </a:ext>
             <a:ext uri="{909E8E84-426E-40dd-AFC4-6F175D3DCCD1}">
-              <a14:hiddenFill xmlns:a14="http://schemas.microsoft.com/office/drawing/2010/main" xmlns="">
+              <a14:hiddenFill xmlns="" xmlns:a14="http://schemas.microsoft.com/office/drawing/2010/main">
                 <a:solidFill>
                   <a:schemeClr val="accent1"/>
                 </a:solidFill>
               </a14:hiddenFill>
             </a:ext>
             <a:ext uri="{91240B29-F687-4f45-9708-019B960494DF}">
-              <a14:hiddenLine xmlns:a14="http://schemas.microsoft.com/office/drawing/2010/main" xmlns="" w="9525">
+              <a14:hiddenLine xmlns="" xmlns:a14="http://schemas.microsoft.com/office/drawing/2010/main" w="9525">
                 <a:solidFill>
                   <a:schemeClr val="tx1"/>
                 </a:solidFill>
@@ -5501,7 +5501,7 @@
               </a14:hiddenLine>
             </a:ext>
             <a:ext uri="{AF507438-7753-43e0-B8FC-AC1667EBCBE1}">
-              <a14:hiddenEffects xmlns:a14="http://schemas.microsoft.com/office/drawing/2010/main" xmlns="">
+              <a14:hiddenEffects xmlns="" xmlns:a14="http://schemas.microsoft.com/office/drawing/2010/main">
                 <a:effectLst>
                   <a:outerShdw blurRad="63500" dist="38099" dir="2700000" algn="ctr" rotWithShape="0">
                     <a:schemeClr val="bg2">
@@ -5582,17 +5582,17 @@
           <a:effectLst/>
           <a:extLst>
             <a:ext uri="{FAA26D3D-D897-4be2-8F04-BA451C77F1D7}">
-              <ma14:placeholderFlag xmlns="" xmlns:ma14="http://schemas.microsoft.com/office/mac/drawingml/2011/main" val="1"/>
+              <ma14:placeholderFlag xmlns:ma14="http://schemas.microsoft.com/office/mac/drawingml/2011/main" xmlns="" val="1"/>
             </a:ext>
             <a:ext uri="{909E8E84-426E-40dd-AFC4-6F175D3DCCD1}">
-              <a14:hiddenFill xmlns:a14="http://schemas.microsoft.com/office/drawing/2010/main" xmlns="">
+              <a14:hiddenFill xmlns="" xmlns:a14="http://schemas.microsoft.com/office/drawing/2010/main">
                 <a:solidFill>
                   <a:schemeClr val="accent1"/>
                 </a:solidFill>
               </a14:hiddenFill>
             </a:ext>
             <a:ext uri="{91240B29-F687-4f45-9708-019B960494DF}">
-              <a14:hiddenLine xmlns:a14="http://schemas.microsoft.com/office/drawing/2010/main" xmlns="" w="9525">
+              <a14:hiddenLine xmlns="" xmlns:a14="http://schemas.microsoft.com/office/drawing/2010/main" w="9525">
                 <a:solidFill>
                   <a:schemeClr val="tx1"/>
                 </a:solidFill>
@@ -5602,7 +5602,7 @@
               </a14:hiddenLine>
             </a:ext>
             <a:ext uri="{AF507438-7753-43e0-B8FC-AC1667EBCBE1}">
-              <a14:hiddenEffects xmlns:a14="http://schemas.microsoft.com/office/drawing/2010/main" xmlns="">
+              <a14:hiddenEffects xmlns="" xmlns:a14="http://schemas.microsoft.com/office/drawing/2010/main">
                 <a:effectLst>
                   <a:outerShdw blurRad="63500" dist="38099" dir="2700000" algn="ctr" rotWithShape="0">
                     <a:schemeClr val="bg2">
@@ -5657,17 +5657,17 @@
           <a:effectLst/>
           <a:extLst>
             <a:ext uri="{FAA26D3D-D897-4be2-8F04-BA451C77F1D7}">
-              <ma14:placeholderFlag xmlns="" xmlns:ma14="http://schemas.microsoft.com/office/mac/drawingml/2011/main" val="1"/>
+              <ma14:placeholderFlag xmlns:ma14="http://schemas.microsoft.com/office/mac/drawingml/2011/main" xmlns="" val="1"/>
             </a:ext>
             <a:ext uri="{909E8E84-426E-40dd-AFC4-6F175D3DCCD1}">
-              <a14:hiddenFill xmlns:a14="http://schemas.microsoft.com/office/drawing/2010/main" xmlns="">
+              <a14:hiddenFill xmlns="" xmlns:a14="http://schemas.microsoft.com/office/drawing/2010/main">
                 <a:solidFill>
                   <a:schemeClr val="accent1"/>
                 </a:solidFill>
               </a14:hiddenFill>
             </a:ext>
             <a:ext uri="{91240B29-F687-4f45-9708-019B960494DF}">
-              <a14:hiddenLine xmlns:a14="http://schemas.microsoft.com/office/drawing/2010/main" xmlns="" w="9525">
+              <a14:hiddenLine xmlns="" xmlns:a14="http://schemas.microsoft.com/office/drawing/2010/main" w="9525">
                 <a:solidFill>
                   <a:schemeClr val="tx1"/>
                 </a:solidFill>
@@ -5677,7 +5677,7 @@
               </a14:hiddenLine>
             </a:ext>
             <a:ext uri="{AF507438-7753-43e0-B8FC-AC1667EBCBE1}">
-              <a14:hiddenEffects xmlns:a14="http://schemas.microsoft.com/office/drawing/2010/main" xmlns="">
+              <a14:hiddenEffects xmlns="" xmlns:a14="http://schemas.microsoft.com/office/drawing/2010/main">
                 <a:effectLst>
                   <a:outerShdw blurRad="63500" dist="38099" dir="2700000" algn="ctr" rotWithShape="0">
                     <a:schemeClr val="bg2">
@@ -5732,17 +5732,17 @@
           <a:effectLst/>
           <a:extLst>
             <a:ext uri="{FAA26D3D-D897-4be2-8F04-BA451C77F1D7}">
-              <ma14:placeholderFlag xmlns="" xmlns:ma14="http://schemas.microsoft.com/office/mac/drawingml/2011/main" val="1"/>
+              <ma14:placeholderFlag xmlns:ma14="http://schemas.microsoft.com/office/mac/drawingml/2011/main" xmlns="" val="1"/>
             </a:ext>
             <a:ext uri="{909E8E84-426E-40dd-AFC4-6F175D3DCCD1}">
-              <a14:hiddenFill xmlns:a14="http://schemas.microsoft.com/office/drawing/2010/main" xmlns="">
+              <a14:hiddenFill xmlns="" xmlns:a14="http://schemas.microsoft.com/office/drawing/2010/main">
                 <a:solidFill>
                   <a:schemeClr val="accent1"/>
                 </a:solidFill>
               </a14:hiddenFill>
             </a:ext>
             <a:ext uri="{91240B29-F687-4f45-9708-019B960494DF}">
-              <a14:hiddenLine xmlns:a14="http://schemas.microsoft.com/office/drawing/2010/main" xmlns="" w="9525">
+              <a14:hiddenLine xmlns="" xmlns:a14="http://schemas.microsoft.com/office/drawing/2010/main" w="9525">
                 <a:solidFill>
                   <a:schemeClr val="tx1"/>
                 </a:solidFill>
@@ -5752,7 +5752,7 @@
               </a14:hiddenLine>
             </a:ext>
             <a:ext uri="{AF507438-7753-43e0-B8FC-AC1667EBCBE1}">
-              <a14:hiddenEffects xmlns:a14="http://schemas.microsoft.com/office/drawing/2010/main" xmlns="">
+              <a14:hiddenEffects xmlns="" xmlns:a14="http://schemas.microsoft.com/office/drawing/2010/main">
                 <a:effectLst>
                   <a:outerShdw blurRad="63500" dist="38099" dir="2700000" algn="ctr" rotWithShape="0">
                     <a:schemeClr val="bg2">
@@ -5828,7 +5828,7 @@
             <a:effectLst/>
             <a:extLst>
               <a:ext uri="{91240B29-F687-4f45-9708-019B960494DF}">
-                <a14:hiddenLine xmlns:a14="http://schemas.microsoft.com/office/drawing/2010/main" xmlns="" w="9525">
+                <a14:hiddenLine xmlns="" xmlns:a14="http://schemas.microsoft.com/office/drawing/2010/main" w="9525">
                   <a:solidFill>
                     <a:schemeClr val="tx1"/>
                   </a:solidFill>
@@ -5838,7 +5838,7 @@
                 </a14:hiddenLine>
               </a:ext>
               <a:ext uri="{AF507438-7753-43e0-B8FC-AC1667EBCBE1}">
-                <a14:hiddenEffects xmlns:a14="http://schemas.microsoft.com/office/drawing/2010/main" xmlns="">
+                <a14:hiddenEffects xmlns="" xmlns:a14="http://schemas.microsoft.com/office/drawing/2010/main">
                   <a:effectLst>
                     <a:outerShdw blurRad="63500" dist="38099" dir="2700000" algn="ctr" rotWithShape="0">
                       <a:schemeClr val="bg2">
@@ -5883,7 +5883,7 @@
             <a:effectLst/>
             <a:extLst>
               <a:ext uri="{91240B29-F687-4f45-9708-019B960494DF}">
-                <a14:hiddenLine xmlns:a14="http://schemas.microsoft.com/office/drawing/2010/main" xmlns="" w="9525">
+                <a14:hiddenLine xmlns="" xmlns:a14="http://schemas.microsoft.com/office/drawing/2010/main" w="9525">
                   <a:solidFill>
                     <a:schemeClr val="tx1"/>
                   </a:solidFill>
@@ -5893,7 +5893,7 @@
                 </a14:hiddenLine>
               </a:ext>
               <a:ext uri="{AF507438-7753-43e0-B8FC-AC1667EBCBE1}">
-                <a14:hiddenEffects xmlns:a14="http://schemas.microsoft.com/office/drawing/2010/main" xmlns="">
+                <a14:hiddenEffects xmlns="" xmlns:a14="http://schemas.microsoft.com/office/drawing/2010/main">
                   <a:effectLst>
                     <a:outerShdw blurRad="63500" dist="38099" dir="2700000" algn="ctr" rotWithShape="0">
                       <a:schemeClr val="bg2">
@@ -5938,7 +5938,7 @@
             <a:effectLst/>
             <a:extLst>
               <a:ext uri="{91240B29-F687-4f45-9708-019B960494DF}">
-                <a14:hiddenLine xmlns:a14="http://schemas.microsoft.com/office/drawing/2010/main" xmlns="" w="9525">
+                <a14:hiddenLine xmlns="" xmlns:a14="http://schemas.microsoft.com/office/drawing/2010/main" w="9525">
                   <a:solidFill>
                     <a:schemeClr val="tx1"/>
                   </a:solidFill>
@@ -5948,7 +5948,7 @@
                 </a14:hiddenLine>
               </a:ext>
               <a:ext uri="{AF507438-7753-43e0-B8FC-AC1667EBCBE1}">
-                <a14:hiddenEffects xmlns:a14="http://schemas.microsoft.com/office/drawing/2010/main" xmlns="">
+                <a14:hiddenEffects xmlns="" xmlns:a14="http://schemas.microsoft.com/office/drawing/2010/main">
                   <a:effectLst>
                     <a:outerShdw blurRad="63500" dist="38099" dir="2700000" algn="ctr" rotWithShape="0">
                       <a:schemeClr val="bg2">
@@ -5993,7 +5993,7 @@
             <a:effectLst/>
             <a:extLst>
               <a:ext uri="{91240B29-F687-4f45-9708-019B960494DF}">
-                <a14:hiddenLine xmlns:a14="http://schemas.microsoft.com/office/drawing/2010/main" xmlns="" w="9525">
+                <a14:hiddenLine xmlns="" xmlns:a14="http://schemas.microsoft.com/office/drawing/2010/main" w="9525">
                   <a:solidFill>
                     <a:schemeClr val="tx1"/>
                   </a:solidFill>
@@ -6003,7 +6003,7 @@
                 </a14:hiddenLine>
               </a:ext>
               <a:ext uri="{AF507438-7753-43e0-B8FC-AC1667EBCBE1}">
-                <a14:hiddenEffects xmlns:a14="http://schemas.microsoft.com/office/drawing/2010/main" xmlns="">
+                <a14:hiddenEffects xmlns="" xmlns:a14="http://schemas.microsoft.com/office/drawing/2010/main">
                   <a:effectLst>
                     <a:outerShdw blurRad="63500" dist="38099" dir="2700000" algn="ctr" rotWithShape="0">
                       <a:schemeClr val="bg2">
@@ -6048,7 +6048,7 @@
             <a:effectLst/>
             <a:extLst>
               <a:ext uri="{91240B29-F687-4f45-9708-019B960494DF}">
-                <a14:hiddenLine xmlns:a14="http://schemas.microsoft.com/office/drawing/2010/main" xmlns="" w="9525">
+                <a14:hiddenLine xmlns="" xmlns:a14="http://schemas.microsoft.com/office/drawing/2010/main" w="9525">
                   <a:solidFill>
                     <a:schemeClr val="tx1"/>
                   </a:solidFill>
@@ -6058,7 +6058,7 @@
                 </a14:hiddenLine>
               </a:ext>
               <a:ext uri="{AF507438-7753-43e0-B8FC-AC1667EBCBE1}">
-                <a14:hiddenEffects xmlns:a14="http://schemas.microsoft.com/office/drawing/2010/main" xmlns="">
+                <a14:hiddenEffects xmlns="" xmlns:a14="http://schemas.microsoft.com/office/drawing/2010/main">
                   <a:effectLst>
                     <a:outerShdw blurRad="63500" dist="38099" dir="2700000" algn="ctr" rotWithShape="0">
                       <a:schemeClr val="bg2">
@@ -6103,7 +6103,7 @@
             <a:effectLst/>
             <a:extLst>
               <a:ext uri="{91240B29-F687-4f45-9708-019B960494DF}">
-                <a14:hiddenLine xmlns:a14="http://schemas.microsoft.com/office/drawing/2010/main" xmlns="" w="9525">
+                <a14:hiddenLine xmlns="" xmlns:a14="http://schemas.microsoft.com/office/drawing/2010/main" w="9525">
                   <a:solidFill>
                     <a:schemeClr val="tx1"/>
                   </a:solidFill>
@@ -6113,7 +6113,7 @@
                 </a14:hiddenLine>
               </a:ext>
               <a:ext uri="{AF507438-7753-43e0-B8FC-AC1667EBCBE1}">
-                <a14:hiddenEffects xmlns:a14="http://schemas.microsoft.com/office/drawing/2010/main" xmlns="">
+                <a14:hiddenEffects xmlns="" xmlns:a14="http://schemas.microsoft.com/office/drawing/2010/main">
                   <a:effectLst>
                     <a:outerShdw blurRad="63500" dist="38099" dir="2700000" algn="ctr" rotWithShape="0">
                       <a:schemeClr val="bg2">
@@ -6158,7 +6158,7 @@
             <a:effectLst/>
             <a:extLst>
               <a:ext uri="{91240B29-F687-4f45-9708-019B960494DF}">
-                <a14:hiddenLine xmlns:a14="http://schemas.microsoft.com/office/drawing/2010/main" xmlns="" w="9525">
+                <a14:hiddenLine xmlns="" xmlns:a14="http://schemas.microsoft.com/office/drawing/2010/main" w="9525">
                   <a:solidFill>
                     <a:schemeClr val="tx1"/>
                   </a:solidFill>
@@ -6168,7 +6168,7 @@
                 </a14:hiddenLine>
               </a:ext>
               <a:ext uri="{AF507438-7753-43e0-B8FC-AC1667EBCBE1}">
-                <a14:hiddenEffects xmlns:a14="http://schemas.microsoft.com/office/drawing/2010/main" xmlns="">
+                <a14:hiddenEffects xmlns="" xmlns:a14="http://schemas.microsoft.com/office/drawing/2010/main">
                   <a:effectLst>
                     <a:outerShdw blurRad="63500" dist="38099" dir="2700000" algn="ctr" rotWithShape="0">
                       <a:schemeClr val="bg2">
@@ -6213,7 +6213,7 @@
             <a:effectLst/>
             <a:extLst>
               <a:ext uri="{91240B29-F687-4f45-9708-019B960494DF}">
-                <a14:hiddenLine xmlns:a14="http://schemas.microsoft.com/office/drawing/2010/main" xmlns="" w="9525">
+                <a14:hiddenLine xmlns="" xmlns:a14="http://schemas.microsoft.com/office/drawing/2010/main" w="9525">
                   <a:solidFill>
                     <a:schemeClr val="tx1"/>
                   </a:solidFill>
@@ -6223,7 +6223,7 @@
                 </a14:hiddenLine>
               </a:ext>
               <a:ext uri="{AF507438-7753-43e0-B8FC-AC1667EBCBE1}">
-                <a14:hiddenEffects xmlns:a14="http://schemas.microsoft.com/office/drawing/2010/main" xmlns="">
+                <a14:hiddenEffects xmlns="" xmlns:a14="http://schemas.microsoft.com/office/drawing/2010/main">
                   <a:effectLst>
                     <a:outerShdw blurRad="63500" dist="38099" dir="2700000" algn="ctr" rotWithShape="0">
                       <a:schemeClr val="bg2">
@@ -6268,7 +6268,7 @@
             <a:effectLst/>
             <a:extLst>
               <a:ext uri="{91240B29-F687-4f45-9708-019B960494DF}">
-                <a14:hiddenLine xmlns:a14="http://schemas.microsoft.com/office/drawing/2010/main" xmlns="" w="9525">
+                <a14:hiddenLine xmlns="" xmlns:a14="http://schemas.microsoft.com/office/drawing/2010/main" w="9525">
                   <a:solidFill>
                     <a:schemeClr val="tx1"/>
                   </a:solidFill>
@@ -6278,7 +6278,7 @@
                 </a14:hiddenLine>
               </a:ext>
               <a:ext uri="{AF507438-7753-43e0-B8FC-AC1667EBCBE1}">
-                <a14:hiddenEffects xmlns:a14="http://schemas.microsoft.com/office/drawing/2010/main" xmlns="">
+                <a14:hiddenEffects xmlns="" xmlns:a14="http://schemas.microsoft.com/office/drawing/2010/main">
                   <a:effectLst>
                     <a:outerShdw blurRad="63500" dist="38099" dir="2700000" algn="ctr" rotWithShape="0">
                       <a:schemeClr val="bg2">
@@ -6323,7 +6323,7 @@
             <a:effectLst/>
             <a:extLst>
               <a:ext uri="{91240B29-F687-4f45-9708-019B960494DF}">
-                <a14:hiddenLine xmlns:a14="http://schemas.microsoft.com/office/drawing/2010/main" xmlns="" w="9525">
+                <a14:hiddenLine xmlns="" xmlns:a14="http://schemas.microsoft.com/office/drawing/2010/main" w="9525">
                   <a:solidFill>
                     <a:schemeClr val="tx1"/>
                   </a:solidFill>
@@ -6333,7 +6333,7 @@
                 </a14:hiddenLine>
               </a:ext>
               <a:ext uri="{AF507438-7753-43e0-B8FC-AC1667EBCBE1}">
-                <a14:hiddenEffects xmlns:a14="http://schemas.microsoft.com/office/drawing/2010/main" xmlns="">
+                <a14:hiddenEffects xmlns="" xmlns:a14="http://schemas.microsoft.com/office/drawing/2010/main">
                   <a:effectLst>
                     <a:outerShdw blurRad="63500" dist="38099" dir="2700000" algn="ctr" rotWithShape="0">
                       <a:schemeClr val="bg2">
@@ -6378,7 +6378,7 @@
             <a:effectLst/>
             <a:extLst>
               <a:ext uri="{91240B29-F687-4f45-9708-019B960494DF}">
-                <a14:hiddenLine xmlns:a14="http://schemas.microsoft.com/office/drawing/2010/main" xmlns="" w="9525">
+                <a14:hiddenLine xmlns="" xmlns:a14="http://schemas.microsoft.com/office/drawing/2010/main" w="9525">
                   <a:solidFill>
                     <a:schemeClr val="tx1"/>
                   </a:solidFill>
@@ -6388,7 +6388,7 @@
                 </a14:hiddenLine>
               </a:ext>
               <a:ext uri="{AF507438-7753-43e0-B8FC-AC1667EBCBE1}">
-                <a14:hiddenEffects xmlns:a14="http://schemas.microsoft.com/office/drawing/2010/main" xmlns="">
+                <a14:hiddenEffects xmlns="" xmlns:a14="http://schemas.microsoft.com/office/drawing/2010/main">
                   <a:effectLst>
                     <a:outerShdw blurRad="63500" dist="38099" dir="2700000" algn="ctr" rotWithShape="0">
                       <a:schemeClr val="bg2">
@@ -6433,7 +6433,7 @@
             <a:effectLst/>
             <a:extLst>
               <a:ext uri="{91240B29-F687-4f45-9708-019B960494DF}">
-                <a14:hiddenLine xmlns:a14="http://schemas.microsoft.com/office/drawing/2010/main" xmlns="" w="9525">
+                <a14:hiddenLine xmlns="" xmlns:a14="http://schemas.microsoft.com/office/drawing/2010/main" w="9525">
                   <a:solidFill>
                     <a:schemeClr val="tx1"/>
                   </a:solidFill>
@@ -6443,7 +6443,7 @@
                 </a14:hiddenLine>
               </a:ext>
               <a:ext uri="{AF507438-7753-43e0-B8FC-AC1667EBCBE1}">
-                <a14:hiddenEffects xmlns:a14="http://schemas.microsoft.com/office/drawing/2010/main" xmlns="">
+                <a14:hiddenEffects xmlns="" xmlns:a14="http://schemas.microsoft.com/office/drawing/2010/main">
                   <a:effectLst>
                     <a:outerShdw blurRad="63500" dist="38099" dir="2700000" algn="ctr" rotWithShape="0">
                       <a:schemeClr val="bg2">
@@ -6488,7 +6488,7 @@
             <a:effectLst/>
             <a:extLst>
               <a:ext uri="{91240B29-F687-4f45-9708-019B960494DF}">
-                <a14:hiddenLine xmlns:a14="http://schemas.microsoft.com/office/drawing/2010/main" xmlns="" w="9525">
+                <a14:hiddenLine xmlns="" xmlns:a14="http://schemas.microsoft.com/office/drawing/2010/main" w="9525">
                   <a:solidFill>
                     <a:schemeClr val="tx1"/>
                   </a:solidFill>
@@ -6498,7 +6498,7 @@
                 </a14:hiddenLine>
               </a:ext>
               <a:ext uri="{AF507438-7753-43e0-B8FC-AC1667EBCBE1}">
-                <a14:hiddenEffects xmlns:a14="http://schemas.microsoft.com/office/drawing/2010/main" xmlns="">
+                <a14:hiddenEffects xmlns="" xmlns:a14="http://schemas.microsoft.com/office/drawing/2010/main">
                   <a:effectLst>
                     <a:outerShdw blurRad="63500" dist="38099" dir="2700000" algn="ctr" rotWithShape="0">
                       <a:schemeClr val="bg2">
@@ -6543,7 +6543,7 @@
             <a:effectLst/>
             <a:extLst>
               <a:ext uri="{91240B29-F687-4f45-9708-019B960494DF}">
-                <a14:hiddenLine xmlns:a14="http://schemas.microsoft.com/office/drawing/2010/main" xmlns="" w="9525">
+                <a14:hiddenLine xmlns="" xmlns:a14="http://schemas.microsoft.com/office/drawing/2010/main" w="9525">
                   <a:solidFill>
                     <a:schemeClr val="tx1"/>
                   </a:solidFill>
@@ -6553,7 +6553,7 @@
                 </a14:hiddenLine>
               </a:ext>
               <a:ext uri="{AF507438-7753-43e0-B8FC-AC1667EBCBE1}">
-                <a14:hiddenEffects xmlns:a14="http://schemas.microsoft.com/office/drawing/2010/main" xmlns="">
+                <a14:hiddenEffects xmlns="" xmlns:a14="http://schemas.microsoft.com/office/drawing/2010/main">
                   <a:effectLst>
                     <a:outerShdw blurRad="63500" dist="38099" dir="2700000" algn="ctr" rotWithShape="0">
                       <a:schemeClr val="bg2">
@@ -6598,7 +6598,7 @@
             <a:effectLst/>
             <a:extLst>
               <a:ext uri="{91240B29-F687-4f45-9708-019B960494DF}">
-                <a14:hiddenLine xmlns:a14="http://schemas.microsoft.com/office/drawing/2010/main" xmlns="" w="9525">
+                <a14:hiddenLine xmlns="" xmlns:a14="http://schemas.microsoft.com/office/drawing/2010/main" w="9525">
                   <a:solidFill>
                     <a:schemeClr val="tx1"/>
                   </a:solidFill>
@@ -6608,7 +6608,7 @@
                 </a14:hiddenLine>
               </a:ext>
               <a:ext uri="{AF507438-7753-43e0-B8FC-AC1667EBCBE1}">
-                <a14:hiddenEffects xmlns:a14="http://schemas.microsoft.com/office/drawing/2010/main" xmlns="">
+                <a14:hiddenEffects xmlns="" xmlns:a14="http://schemas.microsoft.com/office/drawing/2010/main">
                   <a:effectLst>
                     <a:outerShdw blurRad="63500" dist="38099" dir="2700000" algn="ctr" rotWithShape="0">
                       <a:schemeClr val="bg2">
@@ -6653,7 +6653,7 @@
             <a:effectLst/>
             <a:extLst>
               <a:ext uri="{91240B29-F687-4f45-9708-019B960494DF}">
-                <a14:hiddenLine xmlns:a14="http://schemas.microsoft.com/office/drawing/2010/main" xmlns="" w="9525">
+                <a14:hiddenLine xmlns="" xmlns:a14="http://schemas.microsoft.com/office/drawing/2010/main" w="9525">
                   <a:solidFill>
                     <a:schemeClr val="tx1"/>
                   </a:solidFill>
@@ -6663,7 +6663,7 @@
                 </a14:hiddenLine>
               </a:ext>
               <a:ext uri="{AF507438-7753-43e0-B8FC-AC1667EBCBE1}">
-                <a14:hiddenEffects xmlns:a14="http://schemas.microsoft.com/office/drawing/2010/main" xmlns="">
+                <a14:hiddenEffects xmlns="" xmlns:a14="http://schemas.microsoft.com/office/drawing/2010/main">
                   <a:effectLst>
                     <a:outerShdw blurRad="63500" dist="38099" dir="2700000" algn="ctr" rotWithShape="0">
                       <a:schemeClr val="bg2">
@@ -6708,7 +6708,7 @@
             <a:effectLst/>
             <a:extLst>
               <a:ext uri="{91240B29-F687-4f45-9708-019B960494DF}">
-                <a14:hiddenLine xmlns:a14="http://schemas.microsoft.com/office/drawing/2010/main" xmlns="" w="9525">
+                <a14:hiddenLine xmlns="" xmlns:a14="http://schemas.microsoft.com/office/drawing/2010/main" w="9525">
                   <a:solidFill>
                     <a:schemeClr val="tx1"/>
                   </a:solidFill>
@@ -6718,7 +6718,7 @@
                 </a14:hiddenLine>
               </a:ext>
               <a:ext uri="{AF507438-7753-43e0-B8FC-AC1667EBCBE1}">
-                <a14:hiddenEffects xmlns:a14="http://schemas.microsoft.com/office/drawing/2010/main" xmlns="">
+                <a14:hiddenEffects xmlns="" xmlns:a14="http://schemas.microsoft.com/office/drawing/2010/main">
                   <a:effectLst>
                     <a:outerShdw blurRad="63500" dist="38099" dir="2700000" algn="ctr" rotWithShape="0">
                       <a:schemeClr val="bg2">
@@ -6763,7 +6763,7 @@
             <a:effectLst/>
             <a:extLst>
               <a:ext uri="{91240B29-F687-4f45-9708-019B960494DF}">
-                <a14:hiddenLine xmlns:a14="http://schemas.microsoft.com/office/drawing/2010/main" xmlns="" w="9525">
+                <a14:hiddenLine xmlns="" xmlns:a14="http://schemas.microsoft.com/office/drawing/2010/main" w="9525">
                   <a:solidFill>
                     <a:schemeClr val="tx1"/>
                   </a:solidFill>
@@ -6773,7 +6773,7 @@
                 </a14:hiddenLine>
               </a:ext>
               <a:ext uri="{AF507438-7753-43e0-B8FC-AC1667EBCBE1}">
-                <a14:hiddenEffects xmlns:a14="http://schemas.microsoft.com/office/drawing/2010/main" xmlns="">
+                <a14:hiddenEffects xmlns="" xmlns:a14="http://schemas.microsoft.com/office/drawing/2010/main">
                   <a:effectLst>
                     <a:outerShdw blurRad="63500" dist="38099" dir="2700000" algn="ctr" rotWithShape="0">
                       <a:schemeClr val="bg2">
@@ -6818,7 +6818,7 @@
             <a:effectLst/>
             <a:extLst>
               <a:ext uri="{91240B29-F687-4f45-9708-019B960494DF}">
-                <a14:hiddenLine xmlns:a14="http://schemas.microsoft.com/office/drawing/2010/main" xmlns="" w="9525">
+                <a14:hiddenLine xmlns="" xmlns:a14="http://schemas.microsoft.com/office/drawing/2010/main" w="9525">
                   <a:solidFill>
                     <a:schemeClr val="tx1"/>
                   </a:solidFill>
@@ -6828,7 +6828,7 @@
                 </a14:hiddenLine>
               </a:ext>
               <a:ext uri="{AF507438-7753-43e0-B8FC-AC1667EBCBE1}">
-                <a14:hiddenEffects xmlns:a14="http://schemas.microsoft.com/office/drawing/2010/main" xmlns="">
+                <a14:hiddenEffects xmlns="" xmlns:a14="http://schemas.microsoft.com/office/drawing/2010/main">
                   <a:effectLst>
                     <a:outerShdw blurRad="63500" dist="38099" dir="2700000" algn="ctr" rotWithShape="0">
                       <a:schemeClr val="bg2">
@@ -6873,7 +6873,7 @@
             <a:effectLst/>
             <a:extLst>
               <a:ext uri="{91240B29-F687-4f45-9708-019B960494DF}">
-                <a14:hiddenLine xmlns:a14="http://schemas.microsoft.com/office/drawing/2010/main" xmlns="" w="9525">
+                <a14:hiddenLine xmlns="" xmlns:a14="http://schemas.microsoft.com/office/drawing/2010/main" w="9525">
                   <a:solidFill>
                     <a:schemeClr val="tx1"/>
                   </a:solidFill>
@@ -6883,7 +6883,7 @@
                 </a14:hiddenLine>
               </a:ext>
               <a:ext uri="{AF507438-7753-43e0-B8FC-AC1667EBCBE1}">
-                <a14:hiddenEffects xmlns:a14="http://schemas.microsoft.com/office/drawing/2010/main" xmlns="">
+                <a14:hiddenEffects xmlns="" xmlns:a14="http://schemas.microsoft.com/office/drawing/2010/main">
                   <a:effectLst>
                     <a:outerShdw blurRad="63500" dist="38099" dir="2700000" algn="ctr" rotWithShape="0">
                       <a:schemeClr val="bg2">
@@ -6928,7 +6928,7 @@
             <a:effectLst/>
             <a:extLst>
               <a:ext uri="{91240B29-F687-4f45-9708-019B960494DF}">
-                <a14:hiddenLine xmlns:a14="http://schemas.microsoft.com/office/drawing/2010/main" xmlns="" w="9525">
+                <a14:hiddenLine xmlns="" xmlns:a14="http://schemas.microsoft.com/office/drawing/2010/main" w="9525">
                   <a:solidFill>
                     <a:schemeClr val="tx1"/>
                   </a:solidFill>
@@ -6938,7 +6938,7 @@
                 </a14:hiddenLine>
               </a:ext>
               <a:ext uri="{AF507438-7753-43e0-B8FC-AC1667EBCBE1}">
-                <a14:hiddenEffects xmlns:a14="http://schemas.microsoft.com/office/drawing/2010/main" xmlns="">
+                <a14:hiddenEffects xmlns="" xmlns:a14="http://schemas.microsoft.com/office/drawing/2010/main">
                   <a:effectLst>
                     <a:outerShdw blurRad="63500" dist="38099" dir="2700000" algn="ctr" rotWithShape="0">
                       <a:schemeClr val="bg2">
@@ -6983,7 +6983,7 @@
             <a:effectLst/>
             <a:extLst>
               <a:ext uri="{91240B29-F687-4f45-9708-019B960494DF}">
-                <a14:hiddenLine xmlns:a14="http://schemas.microsoft.com/office/drawing/2010/main" xmlns="" w="9525">
+                <a14:hiddenLine xmlns="" xmlns:a14="http://schemas.microsoft.com/office/drawing/2010/main" w="9525">
                   <a:solidFill>
                     <a:schemeClr val="tx1"/>
                   </a:solidFill>
@@ -6993,7 +6993,7 @@
                 </a14:hiddenLine>
               </a:ext>
               <a:ext uri="{AF507438-7753-43e0-B8FC-AC1667EBCBE1}">
-                <a14:hiddenEffects xmlns:a14="http://schemas.microsoft.com/office/drawing/2010/main" xmlns="">
+                <a14:hiddenEffects xmlns="" xmlns:a14="http://schemas.microsoft.com/office/drawing/2010/main">
                   <a:effectLst>
                     <a:outerShdw blurRad="63500" dist="38099" dir="2700000" algn="ctr" rotWithShape="0">
                       <a:schemeClr val="bg2">
@@ -7038,7 +7038,7 @@
             <a:effectLst/>
             <a:extLst>
               <a:ext uri="{91240B29-F687-4f45-9708-019B960494DF}">
-                <a14:hiddenLine xmlns:a14="http://schemas.microsoft.com/office/drawing/2010/main" xmlns="" w="9525">
+                <a14:hiddenLine xmlns="" xmlns:a14="http://schemas.microsoft.com/office/drawing/2010/main" w="9525">
                   <a:solidFill>
                     <a:schemeClr val="tx1"/>
                   </a:solidFill>
@@ -7048,7 +7048,7 @@
                 </a14:hiddenLine>
               </a:ext>
               <a:ext uri="{AF507438-7753-43e0-B8FC-AC1667EBCBE1}">
-                <a14:hiddenEffects xmlns:a14="http://schemas.microsoft.com/office/drawing/2010/main" xmlns="">
+                <a14:hiddenEffects xmlns="" xmlns:a14="http://schemas.microsoft.com/office/drawing/2010/main">
                   <a:effectLst>
                     <a:outerShdw blurRad="63500" dist="38099" dir="2700000" algn="ctr" rotWithShape="0">
                       <a:schemeClr val="bg2">
@@ -7093,7 +7093,7 @@
             <a:effectLst/>
             <a:extLst>
               <a:ext uri="{91240B29-F687-4f45-9708-019B960494DF}">
-                <a14:hiddenLine xmlns:a14="http://schemas.microsoft.com/office/drawing/2010/main" xmlns="" w="9525">
+                <a14:hiddenLine xmlns="" xmlns:a14="http://schemas.microsoft.com/office/drawing/2010/main" w="9525">
                   <a:solidFill>
                     <a:schemeClr val="tx1"/>
                   </a:solidFill>
@@ -7103,7 +7103,7 @@
                 </a14:hiddenLine>
               </a:ext>
               <a:ext uri="{AF507438-7753-43e0-B8FC-AC1667EBCBE1}">
-                <a14:hiddenEffects xmlns:a14="http://schemas.microsoft.com/office/drawing/2010/main" xmlns="">
+                <a14:hiddenEffects xmlns="" xmlns:a14="http://schemas.microsoft.com/office/drawing/2010/main">
                   <a:effectLst>
                     <a:outerShdw blurRad="63500" dist="38099" dir="2700000" algn="ctr" rotWithShape="0">
                       <a:schemeClr val="bg2">
@@ -7148,7 +7148,7 @@
             <a:effectLst/>
             <a:extLst>
               <a:ext uri="{91240B29-F687-4f45-9708-019B960494DF}">
-                <a14:hiddenLine xmlns:a14="http://schemas.microsoft.com/office/drawing/2010/main" xmlns="" w="9525">
+                <a14:hiddenLine xmlns="" xmlns:a14="http://schemas.microsoft.com/office/drawing/2010/main" w="9525">
                   <a:solidFill>
                     <a:schemeClr val="tx1"/>
                   </a:solidFill>
@@ -7158,7 +7158,7 @@
                 </a14:hiddenLine>
               </a:ext>
               <a:ext uri="{AF507438-7753-43e0-B8FC-AC1667EBCBE1}">
-                <a14:hiddenEffects xmlns:a14="http://schemas.microsoft.com/office/drawing/2010/main" xmlns="">
+                <a14:hiddenEffects xmlns="" xmlns:a14="http://schemas.microsoft.com/office/drawing/2010/main">
                   <a:effectLst>
                     <a:outerShdw blurRad="63500" dist="38099" dir="2700000" algn="ctr" rotWithShape="0">
                       <a:schemeClr val="bg2">
@@ -7203,7 +7203,7 @@
             <a:effectLst/>
             <a:extLst>
               <a:ext uri="{91240B29-F687-4f45-9708-019B960494DF}">
-                <a14:hiddenLine xmlns:a14="http://schemas.microsoft.com/office/drawing/2010/main" xmlns="" w="9525">
+                <a14:hiddenLine xmlns="" xmlns:a14="http://schemas.microsoft.com/office/drawing/2010/main" w="9525">
                   <a:solidFill>
                     <a:schemeClr val="tx1"/>
                   </a:solidFill>
@@ -7213,7 +7213,7 @@
                 </a14:hiddenLine>
               </a:ext>
               <a:ext uri="{AF507438-7753-43e0-B8FC-AC1667EBCBE1}">
-                <a14:hiddenEffects xmlns:a14="http://schemas.microsoft.com/office/drawing/2010/main" xmlns="">
+                <a14:hiddenEffects xmlns="" xmlns:a14="http://schemas.microsoft.com/office/drawing/2010/main">
                   <a:effectLst>
                     <a:outerShdw blurRad="63500" dist="38099" dir="2700000" algn="ctr" rotWithShape="0">
                       <a:schemeClr val="bg2">
@@ -7258,7 +7258,7 @@
             <a:effectLst/>
             <a:extLst>
               <a:ext uri="{91240B29-F687-4f45-9708-019B960494DF}">
-                <a14:hiddenLine xmlns:a14="http://schemas.microsoft.com/office/drawing/2010/main" xmlns="" w="9525">
+                <a14:hiddenLine xmlns="" xmlns:a14="http://schemas.microsoft.com/office/drawing/2010/main" w="9525">
                   <a:solidFill>
                     <a:schemeClr val="tx1"/>
                   </a:solidFill>
@@ -7268,7 +7268,7 @@
                 </a14:hiddenLine>
               </a:ext>
               <a:ext uri="{AF507438-7753-43e0-B8FC-AC1667EBCBE1}">
-                <a14:hiddenEffects xmlns:a14="http://schemas.microsoft.com/office/drawing/2010/main" xmlns="">
+                <a14:hiddenEffects xmlns="" xmlns:a14="http://schemas.microsoft.com/office/drawing/2010/main">
                   <a:effectLst>
                     <a:outerShdw blurRad="63500" dist="38099" dir="2700000" algn="ctr" rotWithShape="0">
                       <a:schemeClr val="bg2">
@@ -7313,7 +7313,7 @@
             <a:effectLst/>
             <a:extLst>
               <a:ext uri="{91240B29-F687-4f45-9708-019B960494DF}">
-                <a14:hiddenLine xmlns:a14="http://schemas.microsoft.com/office/drawing/2010/main" xmlns="" w="9525">
+                <a14:hiddenLine xmlns="" xmlns:a14="http://schemas.microsoft.com/office/drawing/2010/main" w="9525">
                   <a:solidFill>
                     <a:schemeClr val="tx1"/>
                   </a:solidFill>
@@ -7323,7 +7323,7 @@
                 </a14:hiddenLine>
               </a:ext>
               <a:ext uri="{AF507438-7753-43e0-B8FC-AC1667EBCBE1}">
-                <a14:hiddenEffects xmlns:a14="http://schemas.microsoft.com/office/drawing/2010/main" xmlns="">
+                <a14:hiddenEffects xmlns="" xmlns:a14="http://schemas.microsoft.com/office/drawing/2010/main">
                   <a:effectLst>
                     <a:outerShdw blurRad="63500" dist="38099" dir="2700000" algn="ctr" rotWithShape="0">
                       <a:schemeClr val="bg2">
@@ -7368,7 +7368,7 @@
             <a:effectLst/>
             <a:extLst>
               <a:ext uri="{91240B29-F687-4f45-9708-019B960494DF}">
-                <a14:hiddenLine xmlns:a14="http://schemas.microsoft.com/office/drawing/2010/main" xmlns="" w="9525">
+                <a14:hiddenLine xmlns="" xmlns:a14="http://schemas.microsoft.com/office/drawing/2010/main" w="9525">
                   <a:solidFill>
                     <a:schemeClr val="tx1"/>
                   </a:solidFill>
@@ -7378,7 +7378,7 @@
                 </a14:hiddenLine>
               </a:ext>
               <a:ext uri="{AF507438-7753-43e0-B8FC-AC1667EBCBE1}">
-                <a14:hiddenEffects xmlns:a14="http://schemas.microsoft.com/office/drawing/2010/main" xmlns="">
+                <a14:hiddenEffects xmlns="" xmlns:a14="http://schemas.microsoft.com/office/drawing/2010/main">
                   <a:effectLst>
                     <a:outerShdw blurRad="63500" dist="38099" dir="2700000" algn="ctr" rotWithShape="0">
                       <a:schemeClr val="bg2">
@@ -7423,7 +7423,7 @@
             <a:effectLst/>
             <a:extLst>
               <a:ext uri="{91240B29-F687-4f45-9708-019B960494DF}">
-                <a14:hiddenLine xmlns:a14="http://schemas.microsoft.com/office/drawing/2010/main" xmlns="" w="9525">
+                <a14:hiddenLine xmlns="" xmlns:a14="http://schemas.microsoft.com/office/drawing/2010/main" w="9525">
                   <a:solidFill>
                     <a:schemeClr val="tx1"/>
                   </a:solidFill>
@@ -7433,7 +7433,7 @@
                 </a14:hiddenLine>
               </a:ext>
               <a:ext uri="{AF507438-7753-43e0-B8FC-AC1667EBCBE1}">
-                <a14:hiddenEffects xmlns:a14="http://schemas.microsoft.com/office/drawing/2010/main" xmlns="">
+                <a14:hiddenEffects xmlns="" xmlns:a14="http://schemas.microsoft.com/office/drawing/2010/main">
                   <a:effectLst>
                     <a:outerShdw blurRad="63500" dist="38099" dir="2700000" algn="ctr" rotWithShape="0">
                       <a:schemeClr val="bg2">
@@ -7478,7 +7478,7 @@
             <a:effectLst/>
             <a:extLst>
               <a:ext uri="{91240B29-F687-4f45-9708-019B960494DF}">
-                <a14:hiddenLine xmlns:a14="http://schemas.microsoft.com/office/drawing/2010/main" xmlns="" w="9525">
+                <a14:hiddenLine xmlns="" xmlns:a14="http://schemas.microsoft.com/office/drawing/2010/main" w="9525">
                   <a:solidFill>
                     <a:schemeClr val="tx1"/>
                   </a:solidFill>
@@ -7488,7 +7488,7 @@
                 </a14:hiddenLine>
               </a:ext>
               <a:ext uri="{AF507438-7753-43e0-B8FC-AC1667EBCBE1}">
-                <a14:hiddenEffects xmlns:a14="http://schemas.microsoft.com/office/drawing/2010/main" xmlns="">
+                <a14:hiddenEffects xmlns="" xmlns:a14="http://schemas.microsoft.com/office/drawing/2010/main">
                   <a:effectLst>
                     <a:outerShdw blurRad="63500" dist="38099" dir="2700000" algn="ctr" rotWithShape="0">
                       <a:schemeClr val="bg2">
@@ -8093,7 +8093,7 @@
             </a:pPr>
             <a:r>
               <a:rPr lang="en-US" sz="1800" dirty="0"/>
-              <a:t>whereas the phrase structure is specified with CFGs.</a:t>
+              <a:t>whereas the phrase structure is specified with grammars.</a:t>
             </a:r>
           </a:p>
           <a:p>
@@ -8148,20 +8148,17 @@
             </a:pPr>
             <a:r>
               <a:rPr lang="en-US" sz="2200" dirty="0"/>
-              <a:t>A </a:t>
-            </a:r>
-            <a:r>
-              <a:rPr lang="en-US" sz="2200" dirty="0" err="1"/>
-              <a:t>lexer</a:t>
-            </a:r>
-            <a:r>
-              <a:rPr lang="en-US" sz="2200" dirty="0"/>
-              <a:t> converts words and symbols into </a:t>
+              <a:t>The output of a lexer is usually given in terms of </a:t>
             </a:r>
             <a:r>
               <a:rPr lang="en-US" sz="2200" u="sng" dirty="0"/>
               <a:t>tokens</a:t>
             </a:r>
+            <a:r>
+              <a:rPr lang="en-US" sz="2200" dirty="0"/>
+              <a:t>.</a:t>
+            </a:r>
+            <a:endParaRPr lang="en-US" sz="2200" u="sng" dirty="0"/>
           </a:p>
           <a:p>
             <a:pPr>
@@ -8170,6 +8167,43 @@
               </a:lnSpc>
             </a:pPr>
             <a:endParaRPr lang="en-US" sz="2200" dirty="0"/>
+          </a:p>
+        </p:txBody>
+      </p:sp>
+      <p:sp>
+        <p:nvSpPr>
+          <p:cNvPr id="2" name="TextBox 1">
+            <a:extLst>
+              <a:ext uri="{FF2B5EF4-FFF2-40B4-BE49-F238E27FC236}">
+                <a16:creationId xmlns:a16="http://schemas.microsoft.com/office/drawing/2014/main" id="{B08E2DB1-3AC4-5F48-9686-C9E0058AD770}"/>
+              </a:ext>
+            </a:extLst>
+          </p:cNvPr>
+          <p:cNvSpPr txBox="1"/>
+          <p:nvPr/>
+        </p:nvSpPr>
+        <p:spPr>
+          <a:xfrm>
+            <a:off x="4686300" y="6286500"/>
+            <a:ext cx="1391728" cy="338554"/>
+          </a:xfrm>
+          <a:prstGeom prst="rect">
+            <a:avLst/>
+          </a:prstGeom>
+          <a:noFill/>
+        </p:spPr>
+        <p:txBody>
+          <a:bodyPr wrap="none" rtlCol="0">
+            <a:spAutoFit/>
+          </a:bodyPr>
+          <a:lstStyle/>
+          <a:p>
+            <a:r>
+              <a:rPr lang="en-US" dirty="0">
+                <a:latin typeface="+mn-lt"/>
+              </a:rPr>
+              <a:t>Read Chap 2</a:t>
+            </a:r>
           </a:p>
         </p:txBody>
       </p:sp>
@@ -9184,14 +9218,14 @@
           </a:ln>
           <a:extLst>
             <a:ext uri="{909E8E84-426E-40dd-AFC4-6F175D3DCCD1}">
-              <a14:hiddenFill xmlns:a14="http://schemas.microsoft.com/office/drawing/2010/main" xmlns="">
+              <a14:hiddenFill xmlns="" xmlns:a14="http://schemas.microsoft.com/office/drawing/2010/main">
                 <a:solidFill>
                   <a:schemeClr val="accent1"/>
                 </a:solidFill>
               </a14:hiddenFill>
             </a:ext>
             <a:ext uri="{91240B29-F687-4f45-9708-019B960494DF}">
-              <a14:hiddenLine xmlns:a14="http://schemas.microsoft.com/office/drawing/2010/main" xmlns="" w="9525">
+              <a14:hiddenLine xmlns="" xmlns:a14="http://schemas.microsoft.com/office/drawing/2010/main" w="9525">
                 <a:solidFill>
                   <a:schemeClr val="tx1"/>
                 </a:solidFill>
@@ -9239,14 +9273,14 @@
           </a:ln>
           <a:extLst>
             <a:ext uri="{909E8E84-426E-40dd-AFC4-6F175D3DCCD1}">
-              <a14:hiddenFill xmlns:a14="http://schemas.microsoft.com/office/drawing/2010/main" xmlns="">
+              <a14:hiddenFill xmlns="" xmlns:a14="http://schemas.microsoft.com/office/drawing/2010/main">
                 <a:solidFill>
                   <a:schemeClr val="accent1"/>
                 </a:solidFill>
               </a14:hiddenFill>
             </a:ext>
             <a:ext uri="{91240B29-F687-4f45-9708-019B960494DF}">
-              <a14:hiddenLine xmlns:a14="http://schemas.microsoft.com/office/drawing/2010/main" xmlns="" w="9525">
+              <a14:hiddenLine xmlns="" xmlns:a14="http://schemas.microsoft.com/office/drawing/2010/main" w="9525">
                 <a:solidFill>
                   <a:schemeClr val="tx1"/>
                 </a:solidFill>
@@ -9294,14 +9328,14 @@
           </a:ln>
           <a:extLst>
             <a:ext uri="{909E8E84-426E-40dd-AFC4-6F175D3DCCD1}">
-              <a14:hiddenFill xmlns:a14="http://schemas.microsoft.com/office/drawing/2010/main" xmlns="">
+              <a14:hiddenFill xmlns="" xmlns:a14="http://schemas.microsoft.com/office/drawing/2010/main">
                 <a:solidFill>
                   <a:schemeClr val="accent1"/>
                 </a:solidFill>
               </a14:hiddenFill>
             </a:ext>
             <a:ext uri="{91240B29-F687-4f45-9708-019B960494DF}">
-              <a14:hiddenLine xmlns:a14="http://schemas.microsoft.com/office/drawing/2010/main" xmlns="" w="9525">
+              <a14:hiddenLine xmlns="" xmlns:a14="http://schemas.microsoft.com/office/drawing/2010/main" w="9525">
                 <a:solidFill>
                   <a:schemeClr val="tx1"/>
                 </a:solidFill>
@@ -9349,14 +9383,14 @@
           </a:ln>
           <a:extLst>
             <a:ext uri="{909E8E84-426E-40dd-AFC4-6F175D3DCCD1}">
-              <a14:hiddenFill xmlns:a14="http://schemas.microsoft.com/office/drawing/2010/main" xmlns="">
+              <a14:hiddenFill xmlns="" xmlns:a14="http://schemas.microsoft.com/office/drawing/2010/main">
                 <a:solidFill>
                   <a:schemeClr val="accent1"/>
                 </a:solidFill>
               </a14:hiddenFill>
             </a:ext>
             <a:ext uri="{91240B29-F687-4f45-9708-019B960494DF}">
-              <a14:hiddenLine xmlns:a14="http://schemas.microsoft.com/office/drawing/2010/main" xmlns="" w="9525">
+              <a14:hiddenLine xmlns="" xmlns:a14="http://schemas.microsoft.com/office/drawing/2010/main" w="9525">
                 <a:solidFill>
                   <a:schemeClr val="tx1"/>
                 </a:solidFill>
@@ -9409,7 +9443,7 @@
           </a:ln>
           <a:extLst>
             <a:ext uri="{909E8E84-426E-40dd-AFC4-6F175D3DCCD1}">
-              <a14:hiddenFill xmlns:a14="http://schemas.microsoft.com/office/drawing/2010/main" xmlns="">
+              <a14:hiddenFill xmlns="" xmlns:a14="http://schemas.microsoft.com/office/drawing/2010/main">
                 <a:noFill/>
               </a14:hiddenFill>
             </a:ext>
@@ -9445,7 +9479,7 @@
           </a:ln>
           <a:extLst>
             <a:ext uri="{909E8E84-426E-40dd-AFC4-6F175D3DCCD1}">
-              <a14:hiddenFill xmlns:a14="http://schemas.microsoft.com/office/drawing/2010/main" xmlns="">
+              <a14:hiddenFill xmlns="" xmlns:a14="http://schemas.microsoft.com/office/drawing/2010/main">
                 <a:noFill/>
               </a14:hiddenFill>
             </a:ext>
@@ -9479,7 +9513,7 @@
           </a:ln>
           <a:extLst>
             <a:ext uri="{909E8E84-426E-40dd-AFC4-6F175D3DCCD1}">
-              <a14:hiddenFill xmlns:a14="http://schemas.microsoft.com/office/drawing/2010/main" xmlns="">
+              <a14:hiddenFill xmlns="" xmlns:a14="http://schemas.microsoft.com/office/drawing/2010/main">
                 <a:noFill/>
               </a14:hiddenFill>
             </a:ext>
@@ -9515,7 +9549,7 @@
           </a:ln>
           <a:extLst>
             <a:ext uri="{909E8E84-426E-40dd-AFC4-6F175D3DCCD1}">
-              <a14:hiddenFill xmlns:a14="http://schemas.microsoft.com/office/drawing/2010/main" xmlns="">
+              <a14:hiddenFill xmlns="" xmlns:a14="http://schemas.microsoft.com/office/drawing/2010/main">
                 <a:noFill/>
               </a14:hiddenFill>
             </a:ext>
@@ -9551,7 +9585,7 @@
           </a:ln>
           <a:extLst>
             <a:ext uri="{909E8E84-426E-40dd-AFC4-6F175D3DCCD1}">
-              <a14:hiddenFill xmlns:a14="http://schemas.microsoft.com/office/drawing/2010/main" xmlns="">
+              <a14:hiddenFill xmlns="" xmlns:a14="http://schemas.microsoft.com/office/drawing/2010/main">
                 <a:noFill/>
               </a14:hiddenFill>
             </a:ext>
@@ -9588,7 +9622,7 @@
           </a:ln>
           <a:extLst>
             <a:ext uri="{909E8E84-426E-40dd-AFC4-6F175D3DCCD1}">
-              <a14:hiddenFill xmlns:a14="http://schemas.microsoft.com/office/drawing/2010/main" xmlns="">
+              <a14:hiddenFill xmlns="" xmlns:a14="http://schemas.microsoft.com/office/drawing/2010/main">
                 <a:solidFill>
                   <a:schemeClr val="accent1"/>
                 </a:solidFill>
@@ -9626,14 +9660,14 @@
           </a:ln>
           <a:extLst>
             <a:ext uri="{909E8E84-426E-40dd-AFC4-6F175D3DCCD1}">
-              <a14:hiddenFill xmlns:a14="http://schemas.microsoft.com/office/drawing/2010/main" xmlns="">
+              <a14:hiddenFill xmlns="" xmlns:a14="http://schemas.microsoft.com/office/drawing/2010/main">
                 <a:solidFill>
                   <a:schemeClr val="accent1"/>
                 </a:solidFill>
               </a14:hiddenFill>
             </a:ext>
             <a:ext uri="{91240B29-F687-4f45-9708-019B960494DF}">
-              <a14:hiddenLine xmlns:a14="http://schemas.microsoft.com/office/drawing/2010/main" xmlns="" w="9525">
+              <a14:hiddenLine xmlns="" xmlns:a14="http://schemas.microsoft.com/office/drawing/2010/main" w="9525">
                 <a:solidFill>
                   <a:schemeClr val="tx1"/>
                 </a:solidFill>
@@ -9689,7 +9723,7 @@
           </a:ln>
           <a:extLst>
             <a:ext uri="{909E8E84-426E-40dd-AFC4-6F175D3DCCD1}">
-              <a14:hiddenFill xmlns:a14="http://schemas.microsoft.com/office/drawing/2010/main" xmlns="">
+              <a14:hiddenFill xmlns="" xmlns:a14="http://schemas.microsoft.com/office/drawing/2010/main">
                 <a:solidFill>
                   <a:schemeClr val="accent1"/>
                 </a:solidFill>
@@ -9727,14 +9761,14 @@
           </a:ln>
           <a:extLst>
             <a:ext uri="{909E8E84-426E-40dd-AFC4-6F175D3DCCD1}">
-              <a14:hiddenFill xmlns:a14="http://schemas.microsoft.com/office/drawing/2010/main" xmlns="">
+              <a14:hiddenFill xmlns="" xmlns:a14="http://schemas.microsoft.com/office/drawing/2010/main">
                 <a:solidFill>
                   <a:schemeClr val="accent1"/>
                 </a:solidFill>
               </a14:hiddenFill>
             </a:ext>
             <a:ext uri="{91240B29-F687-4f45-9708-019B960494DF}">
-              <a14:hiddenLine xmlns:a14="http://schemas.microsoft.com/office/drawing/2010/main" xmlns="" w="9525">
+              <a14:hiddenLine xmlns="" xmlns:a14="http://schemas.microsoft.com/office/drawing/2010/main" w="9525">
                 <a:solidFill>
                   <a:schemeClr val="tx1"/>
                 </a:solidFill>
@@ -9871,7 +9905,15 @@
             <a:pPr lvl="1"/>
             <a:r>
               <a:rPr lang="en-US" dirty="0"/>
-              <a:t>Note that actual values and op names are now encoded as tokens in the grammar, e.g. NUM, PLUS</a:t>
+              <a:t>Note that actual values and op names are now encoded as </a:t>
+            </a:r>
+            <a:r>
+              <a:rPr lang="en-US" u="sng" dirty="0"/>
+              <a:t>tokens</a:t>
+            </a:r>
+            <a:r>
+              <a:rPr lang="en-US" dirty="0"/>
+              <a:t> in the grammar, e.g. NUM, PLUS</a:t>
             </a:r>
           </a:p>
         </p:txBody>
@@ -9898,7 +9940,7 @@
         </p:blipFill>
         <p:spPr>
           <a:xfrm>
-            <a:off x="609600" y="1524000"/>
+            <a:off x="609600" y="1669472"/>
             <a:ext cx="7543800" cy="2140528"/>
           </a:xfrm>
           <a:prstGeom prst="rect">
@@ -9915,13 +9957,15 @@
               </a:ext>
             </a:extLst>
           </p:cNvPr>
-          <p:cNvCxnSpPr/>
+          <p:cNvCxnSpPr>
+            <a:cxnSpLocks/>
+          </p:cNvCxnSpPr>
           <p:nvPr/>
         </p:nvCxnSpPr>
         <p:spPr bwMode="auto">
           <a:xfrm>
             <a:off x="1524000" y="1676400"/>
-            <a:ext cx="457200" cy="304800"/>
+            <a:ext cx="457200" cy="457200"/>
           </a:xfrm>
           <a:prstGeom prst="straightConnector1">
             <a:avLst/>
@@ -9941,7 +9985,7 @@
           <a:effectLst/>
           <a:extLst>
             <a:ext uri="{AF507438-7753-43e0-B8FC-AC1667EBCBE1}">
-              <a14:hiddenEffects xmlns="" xmlns:a14="http://schemas.microsoft.com/office/drawing/2010/main">
+              <a14:hiddenEffects xmlns:a14="http://schemas.microsoft.com/office/drawing/2010/main" xmlns="">
                 <a:effectLst>
                   <a:outerShdw blurRad="63500" dist="38099" dir="2700000" algn="ctr" rotWithShape="0">
                     <a:schemeClr val="bg2">
@@ -9969,7 +10013,7 @@
         <p:spPr>
           <a:xfrm>
             <a:off x="540638" y="1371600"/>
-            <a:ext cx="1516762" cy="338554"/>
+            <a:ext cx="5097870" cy="307777"/>
           </a:xfrm>
           <a:prstGeom prst="rect">
             <a:avLst/>
@@ -9983,14 +10027,286 @@
           <a:lstStyle/>
           <a:p>
             <a:r>
-              <a:rPr lang="en-US" dirty="0">
+              <a:rPr lang="en-US" sz="1400" dirty="0">
                 <a:latin typeface="+mn-lt"/>
               </a:rPr>
-              <a:t>EBNF notation</a:t>
+              <a:t>EBNF notation stating that exp can appear zero or more times</a:t>
             </a:r>
           </a:p>
         </p:txBody>
       </p:sp>
+      <p:sp>
+        <p:nvSpPr>
+          <p:cNvPr id="10" name="TextBox 9">
+            <a:extLst>
+              <a:ext uri="{FF2B5EF4-FFF2-40B4-BE49-F238E27FC236}">
+                <a16:creationId xmlns:a16="http://schemas.microsoft.com/office/drawing/2014/main" id="{FFFB27E1-554F-A741-B1DC-072258F6A609}"/>
+              </a:ext>
+            </a:extLst>
+          </p:cNvPr>
+          <p:cNvSpPr txBox="1"/>
+          <p:nvPr/>
+        </p:nvSpPr>
+        <p:spPr>
+          <a:xfrm>
+            <a:off x="4229100" y="2309505"/>
+            <a:ext cx="751488" cy="307777"/>
+          </a:xfrm>
+          <a:prstGeom prst="rect">
+            <a:avLst/>
+          </a:prstGeom>
+          <a:noFill/>
+        </p:spPr>
+        <p:txBody>
+          <a:bodyPr wrap="none" rtlCol="0">
+            <a:spAutoFit/>
+          </a:bodyPr>
+          <a:lstStyle/>
+          <a:p>
+            <a:r>
+              <a:rPr lang="en-US" sz="1400" dirty="0">
+                <a:latin typeface="+mn-lt"/>
+              </a:rPr>
+              <a:t>Tokens</a:t>
+            </a:r>
+          </a:p>
+        </p:txBody>
+      </p:sp>
+      <p:cxnSp>
+        <p:nvCxnSpPr>
+          <p:cNvPr id="12" name="Straight Arrow Connector 11">
+            <a:extLst>
+              <a:ext uri="{FF2B5EF4-FFF2-40B4-BE49-F238E27FC236}">
+                <a16:creationId xmlns:a16="http://schemas.microsoft.com/office/drawing/2014/main" id="{E0A87614-60AB-3D41-A2E6-EB15577AD146}"/>
+              </a:ext>
+            </a:extLst>
+          </p:cNvPr>
+          <p:cNvCxnSpPr>
+            <a:cxnSpLocks/>
+          </p:cNvCxnSpPr>
+          <p:nvPr/>
+        </p:nvCxnSpPr>
+        <p:spPr bwMode="auto">
+          <a:xfrm flipH="1">
+            <a:off x="1752600" y="2463393"/>
+            <a:ext cx="2362200" cy="63257"/>
+          </a:xfrm>
+          <a:prstGeom prst="straightConnector1">
+            <a:avLst/>
+          </a:prstGeom>
+          <a:solidFill>
+            <a:schemeClr val="accent1"/>
+          </a:solidFill>
+          <a:ln w="9525" cap="flat" cmpd="sng" algn="ctr">
+            <a:solidFill>
+              <a:schemeClr val="tx1"/>
+            </a:solidFill>
+            <a:prstDash val="solid"/>
+            <a:round/>
+            <a:headEnd type="none" w="med" len="med"/>
+            <a:tailEnd type="triangle"/>
+          </a:ln>
+          <a:effectLst/>
+          <a:extLst>
+            <a:ext uri="{AF507438-7753-43e0-B8FC-AC1667EBCBE1}">
+              <a14:hiddenEffects xmlns:a14="http://schemas.microsoft.com/office/drawing/2010/main" xmlns="">
+                <a:effectLst>
+                  <a:outerShdw blurRad="63500" dist="38099" dir="2700000" algn="ctr" rotWithShape="0">
+                    <a:schemeClr val="bg2">
+                      <a:alpha val="74998"/>
+                    </a:schemeClr>
+                  </a:outerShdw>
+                </a:effectLst>
+              </a14:hiddenEffects>
+            </a:ext>
+          </a:extLst>
+        </p:spPr>
+      </p:cxnSp>
+      <p:cxnSp>
+        <p:nvCxnSpPr>
+          <p:cNvPr id="14" name="Straight Arrow Connector 13">
+            <a:extLst>
+              <a:ext uri="{FF2B5EF4-FFF2-40B4-BE49-F238E27FC236}">
+                <a16:creationId xmlns:a16="http://schemas.microsoft.com/office/drawing/2014/main" id="{95AC83C2-4B6E-274D-A6F6-51D4BBE5B5B3}"/>
+              </a:ext>
+            </a:extLst>
+          </p:cNvPr>
+          <p:cNvCxnSpPr>
+            <a:cxnSpLocks/>
+          </p:cNvCxnSpPr>
+          <p:nvPr/>
+        </p:nvCxnSpPr>
+        <p:spPr bwMode="auto">
+          <a:xfrm flipH="1">
+            <a:off x="4114800" y="2617282"/>
+            <a:ext cx="190500" cy="159598"/>
+          </a:xfrm>
+          <a:prstGeom prst="straightConnector1">
+            <a:avLst/>
+          </a:prstGeom>
+          <a:solidFill>
+            <a:schemeClr val="accent1"/>
+          </a:solidFill>
+          <a:ln w="9525" cap="flat" cmpd="sng" algn="ctr">
+            <a:solidFill>
+              <a:schemeClr val="tx1"/>
+            </a:solidFill>
+            <a:prstDash val="solid"/>
+            <a:round/>
+            <a:headEnd type="none" w="med" len="med"/>
+            <a:tailEnd type="triangle"/>
+          </a:ln>
+          <a:effectLst/>
+          <a:extLst>
+            <a:ext uri="{AF507438-7753-43e0-B8FC-AC1667EBCBE1}">
+              <a14:hiddenEffects xmlns:a14="http://schemas.microsoft.com/office/drawing/2010/main" xmlns="">
+                <a:effectLst>
+                  <a:outerShdw blurRad="63500" dist="38099" dir="2700000" algn="ctr" rotWithShape="0">
+                    <a:schemeClr val="bg2">
+                      <a:alpha val="74998"/>
+                    </a:schemeClr>
+                  </a:outerShdw>
+                </a:effectLst>
+              </a14:hiddenEffects>
+            </a:ext>
+          </a:extLst>
+        </p:spPr>
+      </p:cxnSp>
+      <p:sp>
+        <p:nvSpPr>
+          <p:cNvPr id="19" name="TextBox 18">
+            <a:extLst>
+              <a:ext uri="{FF2B5EF4-FFF2-40B4-BE49-F238E27FC236}">
+                <a16:creationId xmlns:a16="http://schemas.microsoft.com/office/drawing/2014/main" id="{E1350F21-B0BD-A148-A5EA-CDEA38B893BF}"/>
+              </a:ext>
+            </a:extLst>
+          </p:cNvPr>
+          <p:cNvSpPr txBox="1"/>
+          <p:nvPr/>
+        </p:nvSpPr>
+        <p:spPr>
+          <a:xfrm>
+            <a:off x="2933700" y="3119996"/>
+            <a:ext cx="751488" cy="307777"/>
+          </a:xfrm>
+          <a:prstGeom prst="rect">
+            <a:avLst/>
+          </a:prstGeom>
+          <a:noFill/>
+        </p:spPr>
+        <p:txBody>
+          <a:bodyPr wrap="none" rtlCol="0">
+            <a:spAutoFit/>
+          </a:bodyPr>
+          <a:lstStyle/>
+          <a:p>
+            <a:r>
+              <a:rPr lang="en-US" sz="1400" dirty="0">
+                <a:latin typeface="+mn-lt"/>
+              </a:rPr>
+              <a:t>Tokens</a:t>
+            </a:r>
+          </a:p>
+        </p:txBody>
+      </p:sp>
+      <p:cxnSp>
+        <p:nvCxnSpPr>
+          <p:cNvPr id="21" name="Straight Arrow Connector 20">
+            <a:extLst>
+              <a:ext uri="{FF2B5EF4-FFF2-40B4-BE49-F238E27FC236}">
+                <a16:creationId xmlns:a16="http://schemas.microsoft.com/office/drawing/2014/main" id="{C7A42E21-4CFB-2C44-9ABB-67C44F2A2CF7}"/>
+              </a:ext>
+            </a:extLst>
+          </p:cNvPr>
+          <p:cNvCxnSpPr>
+            <a:cxnSpLocks/>
+          </p:cNvCxnSpPr>
+          <p:nvPr/>
+        </p:nvCxnSpPr>
+        <p:spPr bwMode="auto">
+          <a:xfrm flipH="1" flipV="1">
+            <a:off x="1981200" y="2994882"/>
+            <a:ext cx="952500" cy="216445"/>
+          </a:xfrm>
+          <a:prstGeom prst="straightConnector1">
+            <a:avLst/>
+          </a:prstGeom>
+          <a:solidFill>
+            <a:schemeClr val="accent1"/>
+          </a:solidFill>
+          <a:ln w="9525" cap="flat" cmpd="sng" algn="ctr">
+            <a:solidFill>
+              <a:schemeClr val="tx1"/>
+            </a:solidFill>
+            <a:prstDash val="solid"/>
+            <a:round/>
+            <a:headEnd type="none" w="med" len="med"/>
+            <a:tailEnd type="triangle"/>
+          </a:ln>
+          <a:effectLst/>
+          <a:extLst>
+            <a:ext uri="{AF507438-7753-43e0-B8FC-AC1667EBCBE1}">
+              <a14:hiddenEffects xmlns:a14="http://schemas.microsoft.com/office/drawing/2010/main" xmlns="">
+                <a:effectLst>
+                  <a:outerShdw blurRad="63500" dist="38099" dir="2700000" algn="ctr" rotWithShape="0">
+                    <a:schemeClr val="bg2">
+                      <a:alpha val="74998"/>
+                    </a:schemeClr>
+                  </a:outerShdw>
+                </a:effectLst>
+              </a14:hiddenEffects>
+            </a:ext>
+          </a:extLst>
+        </p:spPr>
+      </p:cxnSp>
+      <p:cxnSp>
+        <p:nvCxnSpPr>
+          <p:cNvPr id="24" name="Straight Arrow Connector 23">
+            <a:extLst>
+              <a:ext uri="{FF2B5EF4-FFF2-40B4-BE49-F238E27FC236}">
+                <a16:creationId xmlns:a16="http://schemas.microsoft.com/office/drawing/2014/main" id="{C6C68DE5-C09D-E446-9DD6-65A29A0283D8}"/>
+              </a:ext>
+            </a:extLst>
+          </p:cNvPr>
+          <p:cNvCxnSpPr/>
+          <p:nvPr/>
+        </p:nvCxnSpPr>
+        <p:spPr bwMode="auto">
+          <a:xfrm flipH="1">
+            <a:off x="1828800" y="3273884"/>
+            <a:ext cx="1104900" cy="0"/>
+          </a:xfrm>
+          <a:prstGeom prst="straightConnector1">
+            <a:avLst/>
+          </a:prstGeom>
+          <a:solidFill>
+            <a:schemeClr val="accent1"/>
+          </a:solidFill>
+          <a:ln w="9525" cap="flat" cmpd="sng" algn="ctr">
+            <a:solidFill>
+              <a:schemeClr val="tx1"/>
+            </a:solidFill>
+            <a:prstDash val="solid"/>
+            <a:round/>
+            <a:headEnd type="none" w="med" len="med"/>
+            <a:tailEnd type="triangle"/>
+          </a:ln>
+          <a:effectLst/>
+          <a:extLst>
+            <a:ext uri="{AF507438-7753-43e0-B8FC-AC1667EBCBE1}">
+              <a14:hiddenEffects xmlns:a14="http://schemas.microsoft.com/office/drawing/2010/main" xmlns="">
+                <a:effectLst>
+                  <a:outerShdw blurRad="63500" dist="38099" dir="2700000" algn="ctr" rotWithShape="0">
+                    <a:schemeClr val="bg2">
+                      <a:alpha val="74998"/>
+                    </a:schemeClr>
+                  </a:outerShdw>
+                </a:effectLst>
+              </a14:hiddenEffects>
+            </a:ext>
+          </a:extLst>
+        </p:spPr>
+      </p:cxnSp>
     </p:spTree>
     <p:extLst>
       <p:ext uri="{BB962C8B-B14F-4D97-AF65-F5344CB8AC3E}">
@@ -10356,6 +10672,55 @@
           </a:ln>
         </p:spPr>
       </p:pic>
+      <p:sp>
+        <p:nvSpPr>
+          <p:cNvPr id="5" name="TextBox 4">
+            <a:extLst>
+              <a:ext uri="{FF2B5EF4-FFF2-40B4-BE49-F238E27FC236}">
+                <a16:creationId xmlns:a16="http://schemas.microsoft.com/office/drawing/2014/main" id="{28E9AFA1-EC16-C74D-983E-58FF94516E30}"/>
+              </a:ext>
+            </a:extLst>
+          </p:cNvPr>
+          <p:cNvSpPr txBox="1"/>
+          <p:nvPr/>
+        </p:nvSpPr>
+        <p:spPr>
+          <a:xfrm>
+            <a:off x="1651000" y="6159500"/>
+            <a:ext cx="5093061" cy="338554"/>
+          </a:xfrm>
+          <a:prstGeom prst="rect">
+            <a:avLst/>
+          </a:prstGeom>
+          <a:noFill/>
+        </p:spPr>
+        <p:txBody>
+          <a:bodyPr wrap="none" rtlCol="0">
+            <a:spAutoFit/>
+          </a:bodyPr>
+          <a:lstStyle/>
+          <a:p>
+            <a:r>
+              <a:rPr lang="en-US" dirty="0">
+                <a:latin typeface="+mn-lt"/>
+              </a:rPr>
+              <a:t>Note: same interface as our earlier </a:t>
+            </a:r>
+            <a:r>
+              <a:rPr lang="en-US" dirty="0" err="1">
+                <a:latin typeface="+mn-lt"/>
+              </a:rPr>
+              <a:t>InputStream</a:t>
+            </a:r>
+            <a:r>
+              <a:rPr lang="en-US" dirty="0">
+                <a:latin typeface="+mn-lt"/>
+              </a:rPr>
+              <a:t> class.</a:t>
+            </a:r>
+          </a:p>
+        </p:txBody>
+      </p:sp>
     </p:spTree>
     <p:extLst>
       <p:ext uri="{BB962C8B-B14F-4D97-AF65-F5344CB8AC3E}">
@@ -11035,7 +11400,7 @@
         <a:effectLst/>
         <a:extLst>
           <a:ext uri="{AF507438-7753-43e0-B8FC-AC1667EBCBE1}">
-            <a14:hiddenEffects xmlns:a14="http://schemas.microsoft.com/office/drawing/2010/main" xmlns="">
+            <a14:hiddenEffects xmlns="" xmlns:a14="http://schemas.microsoft.com/office/drawing/2010/main">
               <a:effectLst>
                 <a:outerShdw blurRad="63500" dist="38099" dir="2700000" algn="ctr" rotWithShape="0">
                   <a:schemeClr val="bg2">
@@ -11112,7 +11477,7 @@
         <a:effectLst/>
         <a:extLst>
           <a:ext uri="{AF507438-7753-43e0-B8FC-AC1667EBCBE1}">
-            <a14:hiddenEffects xmlns:a14="http://schemas.microsoft.com/office/drawing/2010/main" xmlns="">
+            <a14:hiddenEffects xmlns="" xmlns:a14="http://schemas.microsoft.com/office/drawing/2010/main">
               <a:effectLst>
                 <a:outerShdw blurRad="63500" dist="38099" dir="2700000" algn="ctr" rotWithShape="0">
                   <a:schemeClr val="bg2">

--- a/notes/csc402-ln004.pptx
+++ b/notes/csc402-ln004.pptx
@@ -5,7 +5,7 @@
     <p:sldMasterId id="2147483649" r:id="rId1"/>
   </p:sldMasterIdLst>
   <p:notesMasterIdLst>
-    <p:notesMasterId r:id="rId17"/>
+    <p:notesMasterId r:id="rId18"/>
   </p:notesMasterIdLst>
   <p:sldIdLst>
     <p:sldId id="262" r:id="rId2"/>
@@ -23,6 +23,7 @@
     <p:sldId id="311" r:id="rId14"/>
     <p:sldId id="312" r:id="rId15"/>
     <p:sldId id="313" r:id="rId16"/>
+    <p:sldId id="314" r:id="rId17"/>
   </p:sldIdLst>
   <p:sldSz cx="9144000" cy="6858000" type="screen4x3"/>
   <p:notesSz cx="6858000" cy="9144000"/>
@@ -219,17 +220,17 @@
           </a:ln>
           <a:extLst>
             <a:ext uri="{FAA26D3D-D897-4be2-8F04-BA451C77F1D7}">
-              <ma14:placeholderFlag xmlns:ma14="http://schemas.microsoft.com/office/mac/drawingml/2011/main" xmlns="" val="1"/>
+              <ma14:placeholderFlag xmlns="" xmlns:ma14="http://schemas.microsoft.com/office/mac/drawingml/2011/main" val="1"/>
             </a:ext>
             <a:ext uri="{909E8E84-426E-40dd-AFC4-6F175D3DCCD1}">
-              <a14:hiddenFill xmlns="" xmlns:a14="http://schemas.microsoft.com/office/drawing/2010/main">
+              <a14:hiddenFill xmlns:a14="http://schemas.microsoft.com/office/drawing/2010/main" xmlns="">
                 <a:solidFill>
                   <a:schemeClr val="accent1"/>
                 </a:solidFill>
               </a14:hiddenFill>
             </a:ext>
             <a:ext uri="{91240B29-F687-4f45-9708-019B960494DF}">
-              <a14:hiddenLine xmlns="" xmlns:a14="http://schemas.microsoft.com/office/drawing/2010/main" w="9525">
+              <a14:hiddenLine xmlns:a14="http://schemas.microsoft.com/office/drawing/2010/main" xmlns="" w="9525">
                 <a:solidFill>
                   <a:schemeClr val="tx1"/>
                 </a:solidFill>
@@ -282,17 +283,17 @@
           </a:ln>
           <a:extLst>
             <a:ext uri="{FAA26D3D-D897-4be2-8F04-BA451C77F1D7}">
-              <ma14:placeholderFlag xmlns:ma14="http://schemas.microsoft.com/office/mac/drawingml/2011/main" xmlns="" val="1"/>
+              <ma14:placeholderFlag xmlns="" xmlns:ma14="http://schemas.microsoft.com/office/mac/drawingml/2011/main" val="1"/>
             </a:ext>
             <a:ext uri="{909E8E84-426E-40dd-AFC4-6F175D3DCCD1}">
-              <a14:hiddenFill xmlns="" xmlns:a14="http://schemas.microsoft.com/office/drawing/2010/main">
+              <a14:hiddenFill xmlns:a14="http://schemas.microsoft.com/office/drawing/2010/main" xmlns="">
                 <a:solidFill>
                   <a:schemeClr val="accent1"/>
                 </a:solidFill>
               </a14:hiddenFill>
             </a:ext>
             <a:ext uri="{91240B29-F687-4f45-9708-019B960494DF}">
-              <a14:hiddenLine xmlns="" xmlns:a14="http://schemas.microsoft.com/office/drawing/2010/main" w="9525">
+              <a14:hiddenLine xmlns:a14="http://schemas.microsoft.com/office/drawing/2010/main" xmlns="" w="9525">
                 <a:solidFill>
                   <a:schemeClr val="tx1"/>
                 </a:solidFill>
@@ -351,7 +352,7 @@
           <a:effectLst/>
           <a:extLst>
             <a:ext uri="{AF507438-7753-43e0-B8FC-AC1667EBCBE1}">
-              <a14:hiddenEffects xmlns="" xmlns:a14="http://schemas.microsoft.com/office/drawing/2010/main">
+              <a14:hiddenEffects xmlns:a14="http://schemas.microsoft.com/office/drawing/2010/main" xmlns="">
                 <a:effectLst>
                   <a:outerShdw blurRad="63500" dist="38099" dir="2700000" algn="ctr" rotWithShape="0">
                     <a:srgbClr val="000000">
@@ -362,7 +363,7 @@
               </a14:hiddenEffects>
             </a:ext>
             <a:ext uri="{53640926-AAD7-44d8-BBD7-CCE9431645EC}">
-              <a14:shadowObscured xmlns="" xmlns:a14="http://schemas.microsoft.com/office/drawing/2010/main" val="1"/>
+              <a14:shadowObscured xmlns:a14="http://schemas.microsoft.com/office/drawing/2010/main" xmlns="" val="1"/>
             </a:ext>
           </a:extLst>
         </p:spPr>
@@ -391,17 +392,17 @@
           </a:ln>
           <a:extLst>
             <a:ext uri="{FAA26D3D-D897-4be2-8F04-BA451C77F1D7}">
-              <ma14:placeholderFlag xmlns:ma14="http://schemas.microsoft.com/office/mac/drawingml/2011/main" xmlns="" val="1"/>
+              <ma14:placeholderFlag xmlns="" xmlns:ma14="http://schemas.microsoft.com/office/mac/drawingml/2011/main" val="1"/>
             </a:ext>
             <a:ext uri="{909E8E84-426E-40dd-AFC4-6F175D3DCCD1}">
-              <a14:hiddenFill xmlns="" xmlns:a14="http://schemas.microsoft.com/office/drawing/2010/main">
+              <a14:hiddenFill xmlns:a14="http://schemas.microsoft.com/office/drawing/2010/main" xmlns="">
                 <a:solidFill>
                   <a:schemeClr val="accent1"/>
                 </a:solidFill>
               </a14:hiddenFill>
             </a:ext>
             <a:ext uri="{91240B29-F687-4f45-9708-019B960494DF}">
-              <a14:hiddenLine xmlns="" xmlns:a14="http://schemas.microsoft.com/office/drawing/2010/main" w="9525">
+              <a14:hiddenLine xmlns:a14="http://schemas.microsoft.com/office/drawing/2010/main" xmlns="" w="9525">
                 <a:solidFill>
                   <a:schemeClr val="tx1"/>
                 </a:solidFill>
@@ -480,17 +481,17 @@
           </a:ln>
           <a:extLst>
             <a:ext uri="{FAA26D3D-D897-4be2-8F04-BA451C77F1D7}">
-              <ma14:placeholderFlag xmlns:ma14="http://schemas.microsoft.com/office/mac/drawingml/2011/main" xmlns="" val="1"/>
+              <ma14:placeholderFlag xmlns="" xmlns:ma14="http://schemas.microsoft.com/office/mac/drawingml/2011/main" val="1"/>
             </a:ext>
             <a:ext uri="{909E8E84-426E-40dd-AFC4-6F175D3DCCD1}">
-              <a14:hiddenFill xmlns="" xmlns:a14="http://schemas.microsoft.com/office/drawing/2010/main">
+              <a14:hiddenFill xmlns:a14="http://schemas.microsoft.com/office/drawing/2010/main" xmlns="">
                 <a:solidFill>
                   <a:schemeClr val="accent1"/>
                 </a:solidFill>
               </a14:hiddenFill>
             </a:ext>
             <a:ext uri="{91240B29-F687-4f45-9708-019B960494DF}">
-              <a14:hiddenLine xmlns="" xmlns:a14="http://schemas.microsoft.com/office/drawing/2010/main" w="9525">
+              <a14:hiddenLine xmlns:a14="http://schemas.microsoft.com/office/drawing/2010/main" xmlns="" w="9525">
                 <a:solidFill>
                   <a:schemeClr val="tx1"/>
                 </a:solidFill>
@@ -543,17 +544,17 @@
           </a:ln>
           <a:extLst>
             <a:ext uri="{FAA26D3D-D897-4be2-8F04-BA451C77F1D7}">
-              <ma14:placeholderFlag xmlns:ma14="http://schemas.microsoft.com/office/mac/drawingml/2011/main" xmlns="" val="1"/>
+              <ma14:placeholderFlag xmlns="" xmlns:ma14="http://schemas.microsoft.com/office/mac/drawingml/2011/main" val="1"/>
             </a:ext>
             <a:ext uri="{909E8E84-426E-40dd-AFC4-6F175D3DCCD1}">
-              <a14:hiddenFill xmlns="" xmlns:a14="http://schemas.microsoft.com/office/drawing/2010/main">
+              <a14:hiddenFill xmlns:a14="http://schemas.microsoft.com/office/drawing/2010/main" xmlns="">
                 <a:solidFill>
                   <a:schemeClr val="accent1"/>
                 </a:solidFill>
               </a14:hiddenFill>
             </a:ext>
             <a:ext uri="{91240B29-F687-4f45-9708-019B960494DF}">
-              <a14:hiddenLine xmlns="" xmlns:a14="http://schemas.microsoft.com/office/drawing/2010/main" w="9525">
+              <a14:hiddenLine xmlns:a14="http://schemas.microsoft.com/office/drawing/2010/main" xmlns="" w="9525">
                 <a:solidFill>
                   <a:schemeClr val="tx1"/>
                 </a:solidFill>
@@ -794,7 +795,7 @@
           </a:ln>
           <a:extLst>
             <a:ext uri="{FAA26D3D-D897-4be2-8F04-BA451C77F1D7}">
-              <ma14:placeholderFlag xmlns:ma14="http://schemas.microsoft.com/office/mac/drawingml/2011/main" xmlns="" val="1"/>
+              <ma14:placeholderFlag xmlns="" xmlns:ma14="http://schemas.microsoft.com/office/mac/drawingml/2011/main" val="1"/>
             </a:ext>
           </a:extLst>
         </p:spPr>
@@ -830,7 +831,7 @@
           </a:ln>
           <a:extLst>
             <a:ext uri="{FAA26D3D-D897-4be2-8F04-BA451C77F1D7}">
-              <ma14:placeholderFlag xmlns:ma14="http://schemas.microsoft.com/office/mac/drawingml/2011/main" xmlns="" val="1"/>
+              <ma14:placeholderFlag xmlns="" xmlns:ma14="http://schemas.microsoft.com/office/mac/drawingml/2011/main" val="1"/>
             </a:ext>
           </a:extLst>
         </p:spPr>
@@ -924,7 +925,7 @@
           </a:ln>
           <a:extLst>
             <a:ext uri="{FAA26D3D-D897-4be2-8F04-BA451C77F1D7}">
-              <ma14:placeholderFlag xmlns:ma14="http://schemas.microsoft.com/office/mac/drawingml/2011/main" xmlns="" val="1"/>
+              <ma14:placeholderFlag xmlns="" xmlns:ma14="http://schemas.microsoft.com/office/mac/drawingml/2011/main" val="1"/>
             </a:ext>
           </a:extLst>
         </p:spPr>
@@ -960,7 +961,7 @@
           </a:ln>
           <a:extLst>
             <a:ext uri="{FAA26D3D-D897-4be2-8F04-BA451C77F1D7}">
-              <ma14:placeholderFlag xmlns:ma14="http://schemas.microsoft.com/office/mac/drawingml/2011/main" xmlns="" val="1"/>
+              <ma14:placeholderFlag xmlns="" xmlns:ma14="http://schemas.microsoft.com/office/mac/drawingml/2011/main" val="1"/>
             </a:ext>
           </a:extLst>
         </p:spPr>
@@ -1037,7 +1038,7 @@
           <a:ln/>
           <a:extLst>
             <a:ext uri="{FAA26D3D-D897-4be2-8F04-BA451C77F1D7}">
-              <ma14:placeholderFlag xmlns:ma14="http://schemas.microsoft.com/office/mac/drawingml/2011/main" xmlns="" val="1"/>
+              <ma14:placeholderFlag xmlns="" xmlns:ma14="http://schemas.microsoft.com/office/mac/drawingml/2011/main" val="1"/>
             </a:ext>
           </a:extLst>
         </p:spPr>
@@ -1114,12 +1115,12 @@
           <a:effectLst/>
           <a:extLst>
             <a:ext uri="{909E8E84-426E-40dd-AFC4-6F175D3DCCD1}">
-              <a14:hiddenFill xmlns="" xmlns:a14="http://schemas.microsoft.com/office/drawing/2010/main">
+              <a14:hiddenFill xmlns:a14="http://schemas.microsoft.com/office/drawing/2010/main" xmlns="">
                 <a:noFill/>
               </a14:hiddenFill>
             </a:ext>
             <a:ext uri="{AF507438-7753-43e0-B8FC-AC1667EBCBE1}">
-              <a14:hiddenEffects xmlns="" xmlns:a14="http://schemas.microsoft.com/office/drawing/2010/main">
+              <a14:hiddenEffects xmlns:a14="http://schemas.microsoft.com/office/drawing/2010/main" xmlns="">
                 <a:effectLst>
                   <a:outerShdw blurRad="63500" dist="38099" dir="2700000" algn="ctr" rotWithShape="0">
                     <a:schemeClr val="bg2">
@@ -1320,7 +1321,7 @@
             <a:effectLst/>
             <a:extLst>
               <a:ext uri="{91240B29-F687-4f45-9708-019B960494DF}">
-                <a14:hiddenLine xmlns="" xmlns:a14="http://schemas.microsoft.com/office/drawing/2010/main" w="9525">
+                <a14:hiddenLine xmlns:a14="http://schemas.microsoft.com/office/drawing/2010/main" xmlns="" w="9525">
                   <a:solidFill>
                     <a:schemeClr val="tx1"/>
                   </a:solidFill>
@@ -1330,7 +1331,7 @@
                 </a14:hiddenLine>
               </a:ext>
               <a:ext uri="{AF507438-7753-43e0-B8FC-AC1667EBCBE1}">
-                <a14:hiddenEffects xmlns="" xmlns:a14="http://schemas.microsoft.com/office/drawing/2010/main">
+                <a14:hiddenEffects xmlns:a14="http://schemas.microsoft.com/office/drawing/2010/main" xmlns="">
                   <a:effectLst>
                     <a:outerShdw blurRad="63500" dist="38099" dir="2700000" algn="ctr" rotWithShape="0">
                       <a:schemeClr val="bg2">
@@ -1375,7 +1376,7 @@
             <a:effectLst/>
             <a:extLst>
               <a:ext uri="{91240B29-F687-4f45-9708-019B960494DF}">
-                <a14:hiddenLine xmlns="" xmlns:a14="http://schemas.microsoft.com/office/drawing/2010/main" w="9525">
+                <a14:hiddenLine xmlns:a14="http://schemas.microsoft.com/office/drawing/2010/main" xmlns="" w="9525">
                   <a:solidFill>
                     <a:schemeClr val="tx1"/>
                   </a:solidFill>
@@ -1385,7 +1386,7 @@
                 </a14:hiddenLine>
               </a:ext>
               <a:ext uri="{AF507438-7753-43e0-B8FC-AC1667EBCBE1}">
-                <a14:hiddenEffects xmlns="" xmlns:a14="http://schemas.microsoft.com/office/drawing/2010/main">
+                <a14:hiddenEffects xmlns:a14="http://schemas.microsoft.com/office/drawing/2010/main" xmlns="">
                   <a:effectLst>
                     <a:outerShdw blurRad="63500" dist="38099" dir="2700000" algn="ctr" rotWithShape="0">
                       <a:schemeClr val="bg2">
@@ -1430,7 +1431,7 @@
             <a:effectLst/>
             <a:extLst>
               <a:ext uri="{91240B29-F687-4f45-9708-019B960494DF}">
-                <a14:hiddenLine xmlns="" xmlns:a14="http://schemas.microsoft.com/office/drawing/2010/main" w="9525">
+                <a14:hiddenLine xmlns:a14="http://schemas.microsoft.com/office/drawing/2010/main" xmlns="" w="9525">
                   <a:solidFill>
                     <a:schemeClr val="tx1"/>
                   </a:solidFill>
@@ -1440,7 +1441,7 @@
                 </a14:hiddenLine>
               </a:ext>
               <a:ext uri="{AF507438-7753-43e0-B8FC-AC1667EBCBE1}">
-                <a14:hiddenEffects xmlns="" xmlns:a14="http://schemas.microsoft.com/office/drawing/2010/main">
+                <a14:hiddenEffects xmlns:a14="http://schemas.microsoft.com/office/drawing/2010/main" xmlns="">
                   <a:effectLst>
                     <a:outerShdw blurRad="63500" dist="38099" dir="2700000" algn="ctr" rotWithShape="0">
                       <a:schemeClr val="bg2">
@@ -1485,7 +1486,7 @@
             <a:effectLst/>
             <a:extLst>
               <a:ext uri="{91240B29-F687-4f45-9708-019B960494DF}">
-                <a14:hiddenLine xmlns="" xmlns:a14="http://schemas.microsoft.com/office/drawing/2010/main" w="9525">
+                <a14:hiddenLine xmlns:a14="http://schemas.microsoft.com/office/drawing/2010/main" xmlns="" w="9525">
                   <a:solidFill>
                     <a:schemeClr val="tx1"/>
                   </a:solidFill>
@@ -1495,7 +1496,7 @@
                 </a14:hiddenLine>
               </a:ext>
               <a:ext uri="{AF507438-7753-43e0-B8FC-AC1667EBCBE1}">
-                <a14:hiddenEffects xmlns="" xmlns:a14="http://schemas.microsoft.com/office/drawing/2010/main">
+                <a14:hiddenEffects xmlns:a14="http://schemas.microsoft.com/office/drawing/2010/main" xmlns="">
                   <a:effectLst>
                     <a:outerShdw blurRad="63500" dist="38099" dir="2700000" algn="ctr" rotWithShape="0">
                       <a:schemeClr val="bg2">
@@ -1540,7 +1541,7 @@
             <a:effectLst/>
             <a:extLst>
               <a:ext uri="{91240B29-F687-4f45-9708-019B960494DF}">
-                <a14:hiddenLine xmlns="" xmlns:a14="http://schemas.microsoft.com/office/drawing/2010/main" w="9525">
+                <a14:hiddenLine xmlns:a14="http://schemas.microsoft.com/office/drawing/2010/main" xmlns="" w="9525">
                   <a:solidFill>
                     <a:schemeClr val="tx1"/>
                   </a:solidFill>
@@ -1550,7 +1551,7 @@
                 </a14:hiddenLine>
               </a:ext>
               <a:ext uri="{AF507438-7753-43e0-B8FC-AC1667EBCBE1}">
-                <a14:hiddenEffects xmlns="" xmlns:a14="http://schemas.microsoft.com/office/drawing/2010/main">
+                <a14:hiddenEffects xmlns:a14="http://schemas.microsoft.com/office/drawing/2010/main" xmlns="">
                   <a:effectLst>
                     <a:outerShdw blurRad="63500" dist="38099" dir="2700000" algn="ctr" rotWithShape="0">
                       <a:schemeClr val="bg2">
@@ -1595,7 +1596,7 @@
             <a:effectLst/>
             <a:extLst>
               <a:ext uri="{91240B29-F687-4f45-9708-019B960494DF}">
-                <a14:hiddenLine xmlns="" xmlns:a14="http://schemas.microsoft.com/office/drawing/2010/main" w="9525">
+                <a14:hiddenLine xmlns:a14="http://schemas.microsoft.com/office/drawing/2010/main" xmlns="" w="9525">
                   <a:solidFill>
                     <a:schemeClr val="tx1"/>
                   </a:solidFill>
@@ -1605,7 +1606,7 @@
                 </a14:hiddenLine>
               </a:ext>
               <a:ext uri="{AF507438-7753-43e0-B8FC-AC1667EBCBE1}">
-                <a14:hiddenEffects xmlns="" xmlns:a14="http://schemas.microsoft.com/office/drawing/2010/main">
+                <a14:hiddenEffects xmlns:a14="http://schemas.microsoft.com/office/drawing/2010/main" xmlns="">
                   <a:effectLst>
                     <a:outerShdw blurRad="63500" dist="38099" dir="2700000" algn="ctr" rotWithShape="0">
                       <a:schemeClr val="bg2">
@@ -1650,7 +1651,7 @@
             <a:effectLst/>
             <a:extLst>
               <a:ext uri="{91240B29-F687-4f45-9708-019B960494DF}">
-                <a14:hiddenLine xmlns="" xmlns:a14="http://schemas.microsoft.com/office/drawing/2010/main" w="9525">
+                <a14:hiddenLine xmlns:a14="http://schemas.microsoft.com/office/drawing/2010/main" xmlns="" w="9525">
                   <a:solidFill>
                     <a:schemeClr val="tx1"/>
                   </a:solidFill>
@@ -1660,7 +1661,7 @@
                 </a14:hiddenLine>
               </a:ext>
               <a:ext uri="{AF507438-7753-43e0-B8FC-AC1667EBCBE1}">
-                <a14:hiddenEffects xmlns="" xmlns:a14="http://schemas.microsoft.com/office/drawing/2010/main">
+                <a14:hiddenEffects xmlns:a14="http://schemas.microsoft.com/office/drawing/2010/main" xmlns="">
                   <a:effectLst>
                     <a:outerShdw blurRad="63500" dist="38099" dir="2700000" algn="ctr" rotWithShape="0">
                       <a:schemeClr val="bg2">
@@ -1705,7 +1706,7 @@
             <a:effectLst/>
             <a:extLst>
               <a:ext uri="{91240B29-F687-4f45-9708-019B960494DF}">
-                <a14:hiddenLine xmlns="" xmlns:a14="http://schemas.microsoft.com/office/drawing/2010/main" w="9525">
+                <a14:hiddenLine xmlns:a14="http://schemas.microsoft.com/office/drawing/2010/main" xmlns="" w="9525">
                   <a:solidFill>
                     <a:schemeClr val="tx1"/>
                   </a:solidFill>
@@ -1715,7 +1716,7 @@
                 </a14:hiddenLine>
               </a:ext>
               <a:ext uri="{AF507438-7753-43e0-B8FC-AC1667EBCBE1}">
-                <a14:hiddenEffects xmlns="" xmlns:a14="http://schemas.microsoft.com/office/drawing/2010/main">
+                <a14:hiddenEffects xmlns:a14="http://schemas.microsoft.com/office/drawing/2010/main" xmlns="">
                   <a:effectLst>
                     <a:outerShdw blurRad="63500" dist="38099" dir="2700000" algn="ctr" rotWithShape="0">
                       <a:schemeClr val="bg2">
@@ -1760,7 +1761,7 @@
             <a:effectLst/>
             <a:extLst>
               <a:ext uri="{91240B29-F687-4f45-9708-019B960494DF}">
-                <a14:hiddenLine xmlns="" xmlns:a14="http://schemas.microsoft.com/office/drawing/2010/main" w="9525">
+                <a14:hiddenLine xmlns:a14="http://schemas.microsoft.com/office/drawing/2010/main" xmlns="" w="9525">
                   <a:solidFill>
                     <a:schemeClr val="tx1"/>
                   </a:solidFill>
@@ -1770,7 +1771,7 @@
                 </a14:hiddenLine>
               </a:ext>
               <a:ext uri="{AF507438-7753-43e0-B8FC-AC1667EBCBE1}">
-                <a14:hiddenEffects xmlns="" xmlns:a14="http://schemas.microsoft.com/office/drawing/2010/main">
+                <a14:hiddenEffects xmlns:a14="http://schemas.microsoft.com/office/drawing/2010/main" xmlns="">
                   <a:effectLst>
                     <a:outerShdw blurRad="63500" dist="38099" dir="2700000" algn="ctr" rotWithShape="0">
                       <a:schemeClr val="bg2">
@@ -1815,7 +1816,7 @@
             <a:effectLst/>
             <a:extLst>
               <a:ext uri="{91240B29-F687-4f45-9708-019B960494DF}">
-                <a14:hiddenLine xmlns="" xmlns:a14="http://schemas.microsoft.com/office/drawing/2010/main" w="9525">
+                <a14:hiddenLine xmlns:a14="http://schemas.microsoft.com/office/drawing/2010/main" xmlns="" w="9525">
                   <a:solidFill>
                     <a:schemeClr val="tx1"/>
                   </a:solidFill>
@@ -1825,7 +1826,7 @@
                 </a14:hiddenLine>
               </a:ext>
               <a:ext uri="{AF507438-7753-43e0-B8FC-AC1667EBCBE1}">
-                <a14:hiddenEffects xmlns="" xmlns:a14="http://schemas.microsoft.com/office/drawing/2010/main">
+                <a14:hiddenEffects xmlns:a14="http://schemas.microsoft.com/office/drawing/2010/main" xmlns="">
                   <a:effectLst>
                     <a:outerShdw blurRad="63500" dist="38099" dir="2700000" algn="ctr" rotWithShape="0">
                       <a:schemeClr val="bg2">
@@ -1870,7 +1871,7 @@
             <a:effectLst/>
             <a:extLst>
               <a:ext uri="{91240B29-F687-4f45-9708-019B960494DF}">
-                <a14:hiddenLine xmlns="" xmlns:a14="http://schemas.microsoft.com/office/drawing/2010/main" w="9525">
+                <a14:hiddenLine xmlns:a14="http://schemas.microsoft.com/office/drawing/2010/main" xmlns="" w="9525">
                   <a:solidFill>
                     <a:schemeClr val="tx1"/>
                   </a:solidFill>
@@ -1880,7 +1881,7 @@
                 </a14:hiddenLine>
               </a:ext>
               <a:ext uri="{AF507438-7753-43e0-B8FC-AC1667EBCBE1}">
-                <a14:hiddenEffects xmlns="" xmlns:a14="http://schemas.microsoft.com/office/drawing/2010/main">
+                <a14:hiddenEffects xmlns:a14="http://schemas.microsoft.com/office/drawing/2010/main" xmlns="">
                   <a:effectLst>
                     <a:outerShdw blurRad="63500" dist="38099" dir="2700000" algn="ctr" rotWithShape="0">
                       <a:schemeClr val="bg2">
@@ -1925,7 +1926,7 @@
             <a:effectLst/>
             <a:extLst>
               <a:ext uri="{91240B29-F687-4f45-9708-019B960494DF}">
-                <a14:hiddenLine xmlns="" xmlns:a14="http://schemas.microsoft.com/office/drawing/2010/main" w="9525">
+                <a14:hiddenLine xmlns:a14="http://schemas.microsoft.com/office/drawing/2010/main" xmlns="" w="9525">
                   <a:solidFill>
                     <a:schemeClr val="tx1"/>
                   </a:solidFill>
@@ -1935,7 +1936,7 @@
                 </a14:hiddenLine>
               </a:ext>
               <a:ext uri="{AF507438-7753-43e0-B8FC-AC1667EBCBE1}">
-                <a14:hiddenEffects xmlns="" xmlns:a14="http://schemas.microsoft.com/office/drawing/2010/main">
+                <a14:hiddenEffects xmlns:a14="http://schemas.microsoft.com/office/drawing/2010/main" xmlns="">
                   <a:effectLst>
                     <a:outerShdw blurRad="63500" dist="38099" dir="2700000" algn="ctr" rotWithShape="0">
                       <a:schemeClr val="bg2">
@@ -1980,7 +1981,7 @@
             <a:effectLst/>
             <a:extLst>
               <a:ext uri="{91240B29-F687-4f45-9708-019B960494DF}">
-                <a14:hiddenLine xmlns="" xmlns:a14="http://schemas.microsoft.com/office/drawing/2010/main" w="9525">
+                <a14:hiddenLine xmlns:a14="http://schemas.microsoft.com/office/drawing/2010/main" xmlns="" w="9525">
                   <a:solidFill>
                     <a:schemeClr val="tx1"/>
                   </a:solidFill>
@@ -1990,7 +1991,7 @@
                 </a14:hiddenLine>
               </a:ext>
               <a:ext uri="{AF507438-7753-43e0-B8FC-AC1667EBCBE1}">
-                <a14:hiddenEffects xmlns="" xmlns:a14="http://schemas.microsoft.com/office/drawing/2010/main">
+                <a14:hiddenEffects xmlns:a14="http://schemas.microsoft.com/office/drawing/2010/main" xmlns="">
                   <a:effectLst>
                     <a:outerShdw blurRad="63500" dist="38099" dir="2700000" algn="ctr" rotWithShape="0">
                       <a:schemeClr val="bg2">
@@ -2035,7 +2036,7 @@
             <a:effectLst/>
             <a:extLst>
               <a:ext uri="{91240B29-F687-4f45-9708-019B960494DF}">
-                <a14:hiddenLine xmlns="" xmlns:a14="http://schemas.microsoft.com/office/drawing/2010/main" w="9525">
+                <a14:hiddenLine xmlns:a14="http://schemas.microsoft.com/office/drawing/2010/main" xmlns="" w="9525">
                   <a:solidFill>
                     <a:schemeClr val="tx1"/>
                   </a:solidFill>
@@ -2045,7 +2046,7 @@
                 </a14:hiddenLine>
               </a:ext>
               <a:ext uri="{AF507438-7753-43e0-B8FC-AC1667EBCBE1}">
-                <a14:hiddenEffects xmlns="" xmlns:a14="http://schemas.microsoft.com/office/drawing/2010/main">
+                <a14:hiddenEffects xmlns:a14="http://schemas.microsoft.com/office/drawing/2010/main" xmlns="">
                   <a:effectLst>
                     <a:outerShdw blurRad="63500" dist="38099" dir="2700000" algn="ctr" rotWithShape="0">
                       <a:schemeClr val="bg2">
@@ -2090,7 +2091,7 @@
             <a:effectLst/>
             <a:extLst>
               <a:ext uri="{91240B29-F687-4f45-9708-019B960494DF}">
-                <a14:hiddenLine xmlns="" xmlns:a14="http://schemas.microsoft.com/office/drawing/2010/main" w="9525">
+                <a14:hiddenLine xmlns:a14="http://schemas.microsoft.com/office/drawing/2010/main" xmlns="" w="9525">
                   <a:solidFill>
                     <a:schemeClr val="tx1"/>
                   </a:solidFill>
@@ -2100,7 +2101,7 @@
                 </a14:hiddenLine>
               </a:ext>
               <a:ext uri="{AF507438-7753-43e0-B8FC-AC1667EBCBE1}">
-                <a14:hiddenEffects xmlns="" xmlns:a14="http://schemas.microsoft.com/office/drawing/2010/main">
+                <a14:hiddenEffects xmlns:a14="http://schemas.microsoft.com/office/drawing/2010/main" xmlns="">
                   <a:effectLst>
                     <a:outerShdw blurRad="63500" dist="38099" dir="2700000" algn="ctr" rotWithShape="0">
                       <a:schemeClr val="bg2">
@@ -2145,7 +2146,7 @@
             <a:effectLst/>
             <a:extLst>
               <a:ext uri="{91240B29-F687-4f45-9708-019B960494DF}">
-                <a14:hiddenLine xmlns="" xmlns:a14="http://schemas.microsoft.com/office/drawing/2010/main" w="9525">
+                <a14:hiddenLine xmlns:a14="http://schemas.microsoft.com/office/drawing/2010/main" xmlns="" w="9525">
                   <a:solidFill>
                     <a:schemeClr val="tx1"/>
                   </a:solidFill>
@@ -2155,7 +2156,7 @@
                 </a14:hiddenLine>
               </a:ext>
               <a:ext uri="{AF507438-7753-43e0-B8FC-AC1667EBCBE1}">
-                <a14:hiddenEffects xmlns="" xmlns:a14="http://schemas.microsoft.com/office/drawing/2010/main">
+                <a14:hiddenEffects xmlns:a14="http://schemas.microsoft.com/office/drawing/2010/main" xmlns="">
                   <a:effectLst>
                     <a:outerShdw blurRad="63500" dist="38099" dir="2700000" algn="ctr" rotWithShape="0">
                       <a:schemeClr val="bg2">
@@ -2200,7 +2201,7 @@
             <a:effectLst/>
             <a:extLst>
               <a:ext uri="{91240B29-F687-4f45-9708-019B960494DF}">
-                <a14:hiddenLine xmlns="" xmlns:a14="http://schemas.microsoft.com/office/drawing/2010/main" w="9525">
+                <a14:hiddenLine xmlns:a14="http://schemas.microsoft.com/office/drawing/2010/main" xmlns="" w="9525">
                   <a:solidFill>
                     <a:schemeClr val="tx1"/>
                   </a:solidFill>
@@ -2210,7 +2211,7 @@
                 </a14:hiddenLine>
               </a:ext>
               <a:ext uri="{AF507438-7753-43e0-B8FC-AC1667EBCBE1}">
-                <a14:hiddenEffects xmlns="" xmlns:a14="http://schemas.microsoft.com/office/drawing/2010/main">
+                <a14:hiddenEffects xmlns:a14="http://schemas.microsoft.com/office/drawing/2010/main" xmlns="">
                   <a:effectLst>
                     <a:outerShdw blurRad="63500" dist="38099" dir="2700000" algn="ctr" rotWithShape="0">
                       <a:schemeClr val="bg2">
@@ -2255,7 +2256,7 @@
             <a:effectLst/>
             <a:extLst>
               <a:ext uri="{91240B29-F687-4f45-9708-019B960494DF}">
-                <a14:hiddenLine xmlns="" xmlns:a14="http://schemas.microsoft.com/office/drawing/2010/main" w="9525">
+                <a14:hiddenLine xmlns:a14="http://schemas.microsoft.com/office/drawing/2010/main" xmlns="" w="9525">
                   <a:solidFill>
                     <a:schemeClr val="tx1"/>
                   </a:solidFill>
@@ -2265,7 +2266,7 @@
                 </a14:hiddenLine>
               </a:ext>
               <a:ext uri="{AF507438-7753-43e0-B8FC-AC1667EBCBE1}">
-                <a14:hiddenEffects xmlns="" xmlns:a14="http://schemas.microsoft.com/office/drawing/2010/main">
+                <a14:hiddenEffects xmlns:a14="http://schemas.microsoft.com/office/drawing/2010/main" xmlns="">
                   <a:effectLst>
                     <a:outerShdw blurRad="63500" dist="38099" dir="2700000" algn="ctr" rotWithShape="0">
                       <a:schemeClr val="bg2">
@@ -2310,7 +2311,7 @@
             <a:effectLst/>
             <a:extLst>
               <a:ext uri="{91240B29-F687-4f45-9708-019B960494DF}">
-                <a14:hiddenLine xmlns="" xmlns:a14="http://schemas.microsoft.com/office/drawing/2010/main" w="9525">
+                <a14:hiddenLine xmlns:a14="http://schemas.microsoft.com/office/drawing/2010/main" xmlns="" w="9525">
                   <a:solidFill>
                     <a:schemeClr val="tx1"/>
                   </a:solidFill>
@@ -2320,7 +2321,7 @@
                 </a14:hiddenLine>
               </a:ext>
               <a:ext uri="{AF507438-7753-43e0-B8FC-AC1667EBCBE1}">
-                <a14:hiddenEffects xmlns="" xmlns:a14="http://schemas.microsoft.com/office/drawing/2010/main">
+                <a14:hiddenEffects xmlns:a14="http://schemas.microsoft.com/office/drawing/2010/main" xmlns="">
                   <a:effectLst>
                     <a:outerShdw blurRad="63500" dist="38099" dir="2700000" algn="ctr" rotWithShape="0">
                       <a:schemeClr val="bg2">
@@ -2365,7 +2366,7 @@
             <a:effectLst/>
             <a:extLst>
               <a:ext uri="{91240B29-F687-4f45-9708-019B960494DF}">
-                <a14:hiddenLine xmlns="" xmlns:a14="http://schemas.microsoft.com/office/drawing/2010/main" w="9525">
+                <a14:hiddenLine xmlns:a14="http://schemas.microsoft.com/office/drawing/2010/main" xmlns="" w="9525">
                   <a:solidFill>
                     <a:schemeClr val="tx1"/>
                   </a:solidFill>
@@ -2375,7 +2376,7 @@
                 </a14:hiddenLine>
               </a:ext>
               <a:ext uri="{AF507438-7753-43e0-B8FC-AC1667EBCBE1}">
-                <a14:hiddenEffects xmlns="" xmlns:a14="http://schemas.microsoft.com/office/drawing/2010/main">
+                <a14:hiddenEffects xmlns:a14="http://schemas.microsoft.com/office/drawing/2010/main" xmlns="">
                   <a:effectLst>
                     <a:outerShdw blurRad="63500" dist="38099" dir="2700000" algn="ctr" rotWithShape="0">
                       <a:schemeClr val="bg2">
@@ -2420,7 +2421,7 @@
             <a:effectLst/>
             <a:extLst>
               <a:ext uri="{91240B29-F687-4f45-9708-019B960494DF}">
-                <a14:hiddenLine xmlns="" xmlns:a14="http://schemas.microsoft.com/office/drawing/2010/main" w="9525">
+                <a14:hiddenLine xmlns:a14="http://schemas.microsoft.com/office/drawing/2010/main" xmlns="" w="9525">
                   <a:solidFill>
                     <a:schemeClr val="tx1"/>
                   </a:solidFill>
@@ -2430,7 +2431,7 @@
                 </a14:hiddenLine>
               </a:ext>
               <a:ext uri="{AF507438-7753-43e0-B8FC-AC1667EBCBE1}">
-                <a14:hiddenEffects xmlns="" xmlns:a14="http://schemas.microsoft.com/office/drawing/2010/main">
+                <a14:hiddenEffects xmlns:a14="http://schemas.microsoft.com/office/drawing/2010/main" xmlns="">
                   <a:effectLst>
                     <a:outerShdw blurRad="63500" dist="38099" dir="2700000" algn="ctr" rotWithShape="0">
                       <a:schemeClr val="bg2">
@@ -2475,7 +2476,7 @@
             <a:effectLst/>
             <a:extLst>
               <a:ext uri="{91240B29-F687-4f45-9708-019B960494DF}">
-                <a14:hiddenLine xmlns="" xmlns:a14="http://schemas.microsoft.com/office/drawing/2010/main" w="9525">
+                <a14:hiddenLine xmlns:a14="http://schemas.microsoft.com/office/drawing/2010/main" xmlns="" w="9525">
                   <a:solidFill>
                     <a:schemeClr val="tx1"/>
                   </a:solidFill>
@@ -2485,7 +2486,7 @@
                 </a14:hiddenLine>
               </a:ext>
               <a:ext uri="{AF507438-7753-43e0-B8FC-AC1667EBCBE1}">
-                <a14:hiddenEffects xmlns="" xmlns:a14="http://schemas.microsoft.com/office/drawing/2010/main">
+                <a14:hiddenEffects xmlns:a14="http://schemas.microsoft.com/office/drawing/2010/main" xmlns="">
                   <a:effectLst>
                     <a:outerShdw blurRad="63500" dist="38099" dir="2700000" algn="ctr" rotWithShape="0">
                       <a:schemeClr val="bg2">
@@ -2530,7 +2531,7 @@
             <a:effectLst/>
             <a:extLst>
               <a:ext uri="{91240B29-F687-4f45-9708-019B960494DF}">
-                <a14:hiddenLine xmlns="" xmlns:a14="http://schemas.microsoft.com/office/drawing/2010/main" w="9525">
+                <a14:hiddenLine xmlns:a14="http://schemas.microsoft.com/office/drawing/2010/main" xmlns="" w="9525">
                   <a:solidFill>
                     <a:schemeClr val="tx1"/>
                   </a:solidFill>
@@ -2540,7 +2541,7 @@
                 </a14:hiddenLine>
               </a:ext>
               <a:ext uri="{AF507438-7753-43e0-B8FC-AC1667EBCBE1}">
-                <a14:hiddenEffects xmlns="" xmlns:a14="http://schemas.microsoft.com/office/drawing/2010/main">
+                <a14:hiddenEffects xmlns:a14="http://schemas.microsoft.com/office/drawing/2010/main" xmlns="">
                   <a:effectLst>
                     <a:outerShdw blurRad="63500" dist="38099" dir="2700000" algn="ctr" rotWithShape="0">
                       <a:schemeClr val="bg2">
@@ -2585,7 +2586,7 @@
             <a:effectLst/>
             <a:extLst>
               <a:ext uri="{91240B29-F687-4f45-9708-019B960494DF}">
-                <a14:hiddenLine xmlns="" xmlns:a14="http://schemas.microsoft.com/office/drawing/2010/main" w="9525">
+                <a14:hiddenLine xmlns:a14="http://schemas.microsoft.com/office/drawing/2010/main" xmlns="" w="9525">
                   <a:solidFill>
                     <a:schemeClr val="tx1"/>
                   </a:solidFill>
@@ -2595,7 +2596,7 @@
                 </a14:hiddenLine>
               </a:ext>
               <a:ext uri="{AF507438-7753-43e0-B8FC-AC1667EBCBE1}">
-                <a14:hiddenEffects xmlns="" xmlns:a14="http://schemas.microsoft.com/office/drawing/2010/main">
+                <a14:hiddenEffects xmlns:a14="http://schemas.microsoft.com/office/drawing/2010/main" xmlns="">
                   <a:effectLst>
                     <a:outerShdw blurRad="63500" dist="38099" dir="2700000" algn="ctr" rotWithShape="0">
                       <a:schemeClr val="bg2">
@@ -2640,7 +2641,7 @@
             <a:effectLst/>
             <a:extLst>
               <a:ext uri="{91240B29-F687-4f45-9708-019B960494DF}">
-                <a14:hiddenLine xmlns="" xmlns:a14="http://schemas.microsoft.com/office/drawing/2010/main" w="9525">
+                <a14:hiddenLine xmlns:a14="http://schemas.microsoft.com/office/drawing/2010/main" xmlns="" w="9525">
                   <a:solidFill>
                     <a:schemeClr val="tx1"/>
                   </a:solidFill>
@@ -2650,7 +2651,7 @@
                 </a14:hiddenLine>
               </a:ext>
               <a:ext uri="{AF507438-7753-43e0-B8FC-AC1667EBCBE1}">
-                <a14:hiddenEffects xmlns="" xmlns:a14="http://schemas.microsoft.com/office/drawing/2010/main">
+                <a14:hiddenEffects xmlns:a14="http://schemas.microsoft.com/office/drawing/2010/main" xmlns="">
                   <a:effectLst>
                     <a:outerShdw blurRad="63500" dist="38099" dir="2700000" algn="ctr" rotWithShape="0">
                       <a:schemeClr val="bg2">
@@ -2695,7 +2696,7 @@
             <a:effectLst/>
             <a:extLst>
               <a:ext uri="{91240B29-F687-4f45-9708-019B960494DF}">
-                <a14:hiddenLine xmlns="" xmlns:a14="http://schemas.microsoft.com/office/drawing/2010/main" w="9525">
+                <a14:hiddenLine xmlns:a14="http://schemas.microsoft.com/office/drawing/2010/main" xmlns="" w="9525">
                   <a:solidFill>
                     <a:schemeClr val="tx1"/>
                   </a:solidFill>
@@ -2705,7 +2706,7 @@
                 </a14:hiddenLine>
               </a:ext>
               <a:ext uri="{AF507438-7753-43e0-B8FC-AC1667EBCBE1}">
-                <a14:hiddenEffects xmlns="" xmlns:a14="http://schemas.microsoft.com/office/drawing/2010/main">
+                <a14:hiddenEffects xmlns:a14="http://schemas.microsoft.com/office/drawing/2010/main" xmlns="">
                   <a:effectLst>
                     <a:outerShdw blurRad="63500" dist="38099" dir="2700000" algn="ctr" rotWithShape="0">
                       <a:schemeClr val="bg2">
@@ -2750,7 +2751,7 @@
             <a:effectLst/>
             <a:extLst>
               <a:ext uri="{91240B29-F687-4f45-9708-019B960494DF}">
-                <a14:hiddenLine xmlns="" xmlns:a14="http://schemas.microsoft.com/office/drawing/2010/main" w="9525">
+                <a14:hiddenLine xmlns:a14="http://schemas.microsoft.com/office/drawing/2010/main" xmlns="" w="9525">
                   <a:solidFill>
                     <a:schemeClr val="tx1"/>
                   </a:solidFill>
@@ -2760,7 +2761,7 @@
                 </a14:hiddenLine>
               </a:ext>
               <a:ext uri="{AF507438-7753-43e0-B8FC-AC1667EBCBE1}">
-                <a14:hiddenEffects xmlns="" xmlns:a14="http://schemas.microsoft.com/office/drawing/2010/main">
+                <a14:hiddenEffects xmlns:a14="http://schemas.microsoft.com/office/drawing/2010/main" xmlns="">
                   <a:effectLst>
                     <a:outerShdw blurRad="63500" dist="38099" dir="2700000" algn="ctr" rotWithShape="0">
                       <a:schemeClr val="bg2">
@@ -2805,7 +2806,7 @@
             <a:effectLst/>
             <a:extLst>
               <a:ext uri="{91240B29-F687-4f45-9708-019B960494DF}">
-                <a14:hiddenLine xmlns="" xmlns:a14="http://schemas.microsoft.com/office/drawing/2010/main" w="9525">
+                <a14:hiddenLine xmlns:a14="http://schemas.microsoft.com/office/drawing/2010/main" xmlns="" w="9525">
                   <a:solidFill>
                     <a:schemeClr val="tx1"/>
                   </a:solidFill>
@@ -2815,7 +2816,7 @@
                 </a14:hiddenLine>
               </a:ext>
               <a:ext uri="{AF507438-7753-43e0-B8FC-AC1667EBCBE1}">
-                <a14:hiddenEffects xmlns="" xmlns:a14="http://schemas.microsoft.com/office/drawing/2010/main">
+                <a14:hiddenEffects xmlns:a14="http://schemas.microsoft.com/office/drawing/2010/main" xmlns="">
                   <a:effectLst>
                     <a:outerShdw blurRad="63500" dist="38099" dir="2700000" algn="ctr" rotWithShape="0">
                       <a:schemeClr val="bg2">
@@ -2860,7 +2861,7 @@
             <a:effectLst/>
             <a:extLst>
               <a:ext uri="{91240B29-F687-4f45-9708-019B960494DF}">
-                <a14:hiddenLine xmlns="" xmlns:a14="http://schemas.microsoft.com/office/drawing/2010/main" w="9525">
+                <a14:hiddenLine xmlns:a14="http://schemas.microsoft.com/office/drawing/2010/main" xmlns="" w="9525">
                   <a:solidFill>
                     <a:schemeClr val="tx1"/>
                   </a:solidFill>
@@ -2870,7 +2871,7 @@
                 </a14:hiddenLine>
               </a:ext>
               <a:ext uri="{AF507438-7753-43e0-B8FC-AC1667EBCBE1}">
-                <a14:hiddenEffects xmlns="" xmlns:a14="http://schemas.microsoft.com/office/drawing/2010/main">
+                <a14:hiddenEffects xmlns:a14="http://schemas.microsoft.com/office/drawing/2010/main" xmlns="">
                   <a:effectLst>
                     <a:outerShdw blurRad="63500" dist="38099" dir="2700000" algn="ctr" rotWithShape="0">
                       <a:schemeClr val="bg2">
@@ -2915,7 +2916,7 @@
             <a:effectLst/>
             <a:extLst>
               <a:ext uri="{91240B29-F687-4f45-9708-019B960494DF}">
-                <a14:hiddenLine xmlns="" xmlns:a14="http://schemas.microsoft.com/office/drawing/2010/main" w="9525">
+                <a14:hiddenLine xmlns:a14="http://schemas.microsoft.com/office/drawing/2010/main" xmlns="" w="9525">
                   <a:solidFill>
                     <a:schemeClr val="tx1"/>
                   </a:solidFill>
@@ -2925,7 +2926,7 @@
                 </a14:hiddenLine>
               </a:ext>
               <a:ext uri="{AF507438-7753-43e0-B8FC-AC1667EBCBE1}">
-                <a14:hiddenEffects xmlns="" xmlns:a14="http://schemas.microsoft.com/office/drawing/2010/main">
+                <a14:hiddenEffects xmlns:a14="http://schemas.microsoft.com/office/drawing/2010/main" xmlns="">
                   <a:effectLst>
                     <a:outerShdw blurRad="63500" dist="38099" dir="2700000" algn="ctr" rotWithShape="0">
                       <a:schemeClr val="bg2">
@@ -2970,7 +2971,7 @@
             <a:effectLst/>
             <a:extLst>
               <a:ext uri="{91240B29-F687-4f45-9708-019B960494DF}">
-                <a14:hiddenLine xmlns="" xmlns:a14="http://schemas.microsoft.com/office/drawing/2010/main" w="9525">
+                <a14:hiddenLine xmlns:a14="http://schemas.microsoft.com/office/drawing/2010/main" xmlns="" w="9525">
                   <a:solidFill>
                     <a:schemeClr val="tx1"/>
                   </a:solidFill>
@@ -2980,7 +2981,7 @@
                 </a14:hiddenLine>
               </a:ext>
               <a:ext uri="{AF507438-7753-43e0-B8FC-AC1667EBCBE1}">
-                <a14:hiddenEffects xmlns="" xmlns:a14="http://schemas.microsoft.com/office/drawing/2010/main">
+                <a14:hiddenEffects xmlns:a14="http://schemas.microsoft.com/office/drawing/2010/main" xmlns="">
                   <a:effectLst>
                     <a:outerShdw blurRad="63500" dist="38099" dir="2700000" algn="ctr" rotWithShape="0">
                       <a:schemeClr val="bg2">
@@ -3029,12 +3030,12 @@
           <a:effectLst/>
           <a:extLst>
             <a:ext uri="{909E8E84-426E-40dd-AFC4-6F175D3DCCD1}">
-              <a14:hiddenFill xmlns="" xmlns:a14="http://schemas.microsoft.com/office/drawing/2010/main">
+              <a14:hiddenFill xmlns:a14="http://schemas.microsoft.com/office/drawing/2010/main" xmlns="">
                 <a:noFill/>
               </a14:hiddenFill>
             </a:ext>
             <a:ext uri="{AF507438-7753-43e0-B8FC-AC1667EBCBE1}">
-              <a14:hiddenEffects xmlns="" xmlns:a14="http://schemas.microsoft.com/office/drawing/2010/main">
+              <a14:hiddenEffects xmlns:a14="http://schemas.microsoft.com/office/drawing/2010/main" xmlns="">
                 <a:effectLst>
                   <a:outerShdw blurRad="63500" dist="38099" dir="2700000" algn="ctr" rotWithShape="0">
                     <a:schemeClr val="bg2">
@@ -5358,12 +5359,12 @@
           <a:effectLst/>
           <a:extLst>
             <a:ext uri="{909E8E84-426E-40dd-AFC4-6F175D3DCCD1}">
-              <a14:hiddenFill xmlns="" xmlns:a14="http://schemas.microsoft.com/office/drawing/2010/main">
+              <a14:hiddenFill xmlns:a14="http://schemas.microsoft.com/office/drawing/2010/main" xmlns="">
                 <a:noFill/>
               </a14:hiddenFill>
             </a:ext>
             <a:ext uri="{AF507438-7753-43e0-B8FC-AC1667EBCBE1}">
-              <a14:hiddenEffects xmlns="" xmlns:a14="http://schemas.microsoft.com/office/drawing/2010/main">
+              <a14:hiddenEffects xmlns:a14="http://schemas.microsoft.com/office/drawing/2010/main" xmlns="">
                 <a:effectLst>
                   <a:outerShdw blurRad="63500" dist="38099" dir="2700000" algn="ctr" rotWithShape="0">
                     <a:schemeClr val="bg2">
@@ -5408,17 +5409,17 @@
           <a:effectLst/>
           <a:extLst>
             <a:ext uri="{FAA26D3D-D897-4be2-8F04-BA451C77F1D7}">
-              <ma14:placeholderFlag xmlns:ma14="http://schemas.microsoft.com/office/mac/drawingml/2011/main" xmlns="" val="1"/>
+              <ma14:placeholderFlag xmlns="" xmlns:ma14="http://schemas.microsoft.com/office/mac/drawingml/2011/main" val="1"/>
             </a:ext>
             <a:ext uri="{909E8E84-426E-40dd-AFC4-6F175D3DCCD1}">
-              <a14:hiddenFill xmlns="" xmlns:a14="http://schemas.microsoft.com/office/drawing/2010/main">
+              <a14:hiddenFill xmlns:a14="http://schemas.microsoft.com/office/drawing/2010/main" xmlns="">
                 <a:solidFill>
                   <a:schemeClr val="accent1"/>
                 </a:solidFill>
               </a14:hiddenFill>
             </a:ext>
             <a:ext uri="{91240B29-F687-4f45-9708-019B960494DF}">
-              <a14:hiddenLine xmlns="" xmlns:a14="http://schemas.microsoft.com/office/drawing/2010/main" w="9525">
+              <a14:hiddenLine xmlns:a14="http://schemas.microsoft.com/office/drawing/2010/main" xmlns="" w="9525">
                 <a:solidFill>
                   <a:schemeClr val="tx1"/>
                 </a:solidFill>
@@ -5428,7 +5429,7 @@
               </a14:hiddenLine>
             </a:ext>
             <a:ext uri="{AF507438-7753-43e0-B8FC-AC1667EBCBE1}">
-              <a14:hiddenEffects xmlns="" xmlns:a14="http://schemas.microsoft.com/office/drawing/2010/main">
+              <a14:hiddenEffects xmlns:a14="http://schemas.microsoft.com/office/drawing/2010/main" xmlns="">
                 <a:effectLst>
                   <a:outerShdw blurRad="63500" dist="38099" dir="2700000" algn="ctr" rotWithShape="0">
                     <a:schemeClr val="bg2">
@@ -5481,17 +5482,17 @@
           <a:effectLst/>
           <a:extLst>
             <a:ext uri="{FAA26D3D-D897-4be2-8F04-BA451C77F1D7}">
-              <ma14:placeholderFlag xmlns:ma14="http://schemas.microsoft.com/office/mac/drawingml/2011/main" xmlns="" val="1"/>
+              <ma14:placeholderFlag xmlns="" xmlns:ma14="http://schemas.microsoft.com/office/mac/drawingml/2011/main" val="1"/>
             </a:ext>
             <a:ext uri="{909E8E84-426E-40dd-AFC4-6F175D3DCCD1}">
-              <a14:hiddenFill xmlns="" xmlns:a14="http://schemas.microsoft.com/office/drawing/2010/main">
+              <a14:hiddenFill xmlns:a14="http://schemas.microsoft.com/office/drawing/2010/main" xmlns="">
                 <a:solidFill>
                   <a:schemeClr val="accent1"/>
                 </a:solidFill>
               </a14:hiddenFill>
             </a:ext>
             <a:ext uri="{91240B29-F687-4f45-9708-019B960494DF}">
-              <a14:hiddenLine xmlns="" xmlns:a14="http://schemas.microsoft.com/office/drawing/2010/main" w="9525">
+              <a14:hiddenLine xmlns:a14="http://schemas.microsoft.com/office/drawing/2010/main" xmlns="" w="9525">
                 <a:solidFill>
                   <a:schemeClr val="tx1"/>
                 </a:solidFill>
@@ -5501,7 +5502,7 @@
               </a14:hiddenLine>
             </a:ext>
             <a:ext uri="{AF507438-7753-43e0-B8FC-AC1667EBCBE1}">
-              <a14:hiddenEffects xmlns="" xmlns:a14="http://schemas.microsoft.com/office/drawing/2010/main">
+              <a14:hiddenEffects xmlns:a14="http://schemas.microsoft.com/office/drawing/2010/main" xmlns="">
                 <a:effectLst>
                   <a:outerShdw blurRad="63500" dist="38099" dir="2700000" algn="ctr" rotWithShape="0">
                     <a:schemeClr val="bg2">
@@ -5582,17 +5583,17 @@
           <a:effectLst/>
           <a:extLst>
             <a:ext uri="{FAA26D3D-D897-4be2-8F04-BA451C77F1D7}">
-              <ma14:placeholderFlag xmlns:ma14="http://schemas.microsoft.com/office/mac/drawingml/2011/main" xmlns="" val="1"/>
+              <ma14:placeholderFlag xmlns="" xmlns:ma14="http://schemas.microsoft.com/office/mac/drawingml/2011/main" val="1"/>
             </a:ext>
             <a:ext uri="{909E8E84-426E-40dd-AFC4-6F175D3DCCD1}">
-              <a14:hiddenFill xmlns="" xmlns:a14="http://schemas.microsoft.com/office/drawing/2010/main">
+              <a14:hiddenFill xmlns:a14="http://schemas.microsoft.com/office/drawing/2010/main" xmlns="">
                 <a:solidFill>
                   <a:schemeClr val="accent1"/>
                 </a:solidFill>
               </a14:hiddenFill>
             </a:ext>
             <a:ext uri="{91240B29-F687-4f45-9708-019B960494DF}">
-              <a14:hiddenLine xmlns="" xmlns:a14="http://schemas.microsoft.com/office/drawing/2010/main" w="9525">
+              <a14:hiddenLine xmlns:a14="http://schemas.microsoft.com/office/drawing/2010/main" xmlns="" w="9525">
                 <a:solidFill>
                   <a:schemeClr val="tx1"/>
                 </a:solidFill>
@@ -5602,7 +5603,7 @@
               </a14:hiddenLine>
             </a:ext>
             <a:ext uri="{AF507438-7753-43e0-B8FC-AC1667EBCBE1}">
-              <a14:hiddenEffects xmlns="" xmlns:a14="http://schemas.microsoft.com/office/drawing/2010/main">
+              <a14:hiddenEffects xmlns:a14="http://schemas.microsoft.com/office/drawing/2010/main" xmlns="">
                 <a:effectLst>
                   <a:outerShdw blurRad="63500" dist="38099" dir="2700000" algn="ctr" rotWithShape="0">
                     <a:schemeClr val="bg2">
@@ -5657,17 +5658,17 @@
           <a:effectLst/>
           <a:extLst>
             <a:ext uri="{FAA26D3D-D897-4be2-8F04-BA451C77F1D7}">
-              <ma14:placeholderFlag xmlns:ma14="http://schemas.microsoft.com/office/mac/drawingml/2011/main" xmlns="" val="1"/>
+              <ma14:placeholderFlag xmlns="" xmlns:ma14="http://schemas.microsoft.com/office/mac/drawingml/2011/main" val="1"/>
             </a:ext>
             <a:ext uri="{909E8E84-426E-40dd-AFC4-6F175D3DCCD1}">
-              <a14:hiddenFill xmlns="" xmlns:a14="http://schemas.microsoft.com/office/drawing/2010/main">
+              <a14:hiddenFill xmlns:a14="http://schemas.microsoft.com/office/drawing/2010/main" xmlns="">
                 <a:solidFill>
                   <a:schemeClr val="accent1"/>
                 </a:solidFill>
               </a14:hiddenFill>
             </a:ext>
             <a:ext uri="{91240B29-F687-4f45-9708-019B960494DF}">
-              <a14:hiddenLine xmlns="" xmlns:a14="http://schemas.microsoft.com/office/drawing/2010/main" w="9525">
+              <a14:hiddenLine xmlns:a14="http://schemas.microsoft.com/office/drawing/2010/main" xmlns="" w="9525">
                 <a:solidFill>
                   <a:schemeClr val="tx1"/>
                 </a:solidFill>
@@ -5677,7 +5678,7 @@
               </a14:hiddenLine>
             </a:ext>
             <a:ext uri="{AF507438-7753-43e0-B8FC-AC1667EBCBE1}">
-              <a14:hiddenEffects xmlns="" xmlns:a14="http://schemas.microsoft.com/office/drawing/2010/main">
+              <a14:hiddenEffects xmlns:a14="http://schemas.microsoft.com/office/drawing/2010/main" xmlns="">
                 <a:effectLst>
                   <a:outerShdw blurRad="63500" dist="38099" dir="2700000" algn="ctr" rotWithShape="0">
                     <a:schemeClr val="bg2">
@@ -5732,17 +5733,17 @@
           <a:effectLst/>
           <a:extLst>
             <a:ext uri="{FAA26D3D-D897-4be2-8F04-BA451C77F1D7}">
-              <ma14:placeholderFlag xmlns:ma14="http://schemas.microsoft.com/office/mac/drawingml/2011/main" xmlns="" val="1"/>
+              <ma14:placeholderFlag xmlns="" xmlns:ma14="http://schemas.microsoft.com/office/mac/drawingml/2011/main" val="1"/>
             </a:ext>
             <a:ext uri="{909E8E84-426E-40dd-AFC4-6F175D3DCCD1}">
-              <a14:hiddenFill xmlns="" xmlns:a14="http://schemas.microsoft.com/office/drawing/2010/main">
+              <a14:hiddenFill xmlns:a14="http://schemas.microsoft.com/office/drawing/2010/main" xmlns="">
                 <a:solidFill>
                   <a:schemeClr val="accent1"/>
                 </a:solidFill>
               </a14:hiddenFill>
             </a:ext>
             <a:ext uri="{91240B29-F687-4f45-9708-019B960494DF}">
-              <a14:hiddenLine xmlns="" xmlns:a14="http://schemas.microsoft.com/office/drawing/2010/main" w="9525">
+              <a14:hiddenLine xmlns:a14="http://schemas.microsoft.com/office/drawing/2010/main" xmlns="" w="9525">
                 <a:solidFill>
                   <a:schemeClr val="tx1"/>
                 </a:solidFill>
@@ -5752,7 +5753,7 @@
               </a14:hiddenLine>
             </a:ext>
             <a:ext uri="{AF507438-7753-43e0-B8FC-AC1667EBCBE1}">
-              <a14:hiddenEffects xmlns="" xmlns:a14="http://schemas.microsoft.com/office/drawing/2010/main">
+              <a14:hiddenEffects xmlns:a14="http://schemas.microsoft.com/office/drawing/2010/main" xmlns="">
                 <a:effectLst>
                   <a:outerShdw blurRad="63500" dist="38099" dir="2700000" algn="ctr" rotWithShape="0">
                     <a:schemeClr val="bg2">
@@ -5828,7 +5829,7 @@
             <a:effectLst/>
             <a:extLst>
               <a:ext uri="{91240B29-F687-4f45-9708-019B960494DF}">
-                <a14:hiddenLine xmlns="" xmlns:a14="http://schemas.microsoft.com/office/drawing/2010/main" w="9525">
+                <a14:hiddenLine xmlns:a14="http://schemas.microsoft.com/office/drawing/2010/main" xmlns="" w="9525">
                   <a:solidFill>
                     <a:schemeClr val="tx1"/>
                   </a:solidFill>
@@ -5838,7 +5839,7 @@
                 </a14:hiddenLine>
               </a:ext>
               <a:ext uri="{AF507438-7753-43e0-B8FC-AC1667EBCBE1}">
-                <a14:hiddenEffects xmlns="" xmlns:a14="http://schemas.microsoft.com/office/drawing/2010/main">
+                <a14:hiddenEffects xmlns:a14="http://schemas.microsoft.com/office/drawing/2010/main" xmlns="">
                   <a:effectLst>
                     <a:outerShdw blurRad="63500" dist="38099" dir="2700000" algn="ctr" rotWithShape="0">
                       <a:schemeClr val="bg2">
@@ -5883,7 +5884,7 @@
             <a:effectLst/>
             <a:extLst>
               <a:ext uri="{91240B29-F687-4f45-9708-019B960494DF}">
-                <a14:hiddenLine xmlns="" xmlns:a14="http://schemas.microsoft.com/office/drawing/2010/main" w="9525">
+                <a14:hiddenLine xmlns:a14="http://schemas.microsoft.com/office/drawing/2010/main" xmlns="" w="9525">
                   <a:solidFill>
                     <a:schemeClr val="tx1"/>
                   </a:solidFill>
@@ -5893,7 +5894,7 @@
                 </a14:hiddenLine>
               </a:ext>
               <a:ext uri="{AF507438-7753-43e0-B8FC-AC1667EBCBE1}">
-                <a14:hiddenEffects xmlns="" xmlns:a14="http://schemas.microsoft.com/office/drawing/2010/main">
+                <a14:hiddenEffects xmlns:a14="http://schemas.microsoft.com/office/drawing/2010/main" xmlns="">
                   <a:effectLst>
                     <a:outerShdw blurRad="63500" dist="38099" dir="2700000" algn="ctr" rotWithShape="0">
                       <a:schemeClr val="bg2">
@@ -5938,7 +5939,7 @@
             <a:effectLst/>
             <a:extLst>
               <a:ext uri="{91240B29-F687-4f45-9708-019B960494DF}">
-                <a14:hiddenLine xmlns="" xmlns:a14="http://schemas.microsoft.com/office/drawing/2010/main" w="9525">
+                <a14:hiddenLine xmlns:a14="http://schemas.microsoft.com/office/drawing/2010/main" xmlns="" w="9525">
                   <a:solidFill>
                     <a:schemeClr val="tx1"/>
                   </a:solidFill>
@@ -5948,7 +5949,7 @@
                 </a14:hiddenLine>
               </a:ext>
               <a:ext uri="{AF507438-7753-43e0-B8FC-AC1667EBCBE1}">
-                <a14:hiddenEffects xmlns="" xmlns:a14="http://schemas.microsoft.com/office/drawing/2010/main">
+                <a14:hiddenEffects xmlns:a14="http://schemas.microsoft.com/office/drawing/2010/main" xmlns="">
                   <a:effectLst>
                     <a:outerShdw blurRad="63500" dist="38099" dir="2700000" algn="ctr" rotWithShape="0">
                       <a:schemeClr val="bg2">
@@ -5993,7 +5994,7 @@
             <a:effectLst/>
             <a:extLst>
               <a:ext uri="{91240B29-F687-4f45-9708-019B960494DF}">
-                <a14:hiddenLine xmlns="" xmlns:a14="http://schemas.microsoft.com/office/drawing/2010/main" w="9525">
+                <a14:hiddenLine xmlns:a14="http://schemas.microsoft.com/office/drawing/2010/main" xmlns="" w="9525">
                   <a:solidFill>
                     <a:schemeClr val="tx1"/>
                   </a:solidFill>
@@ -6003,7 +6004,7 @@
                 </a14:hiddenLine>
               </a:ext>
               <a:ext uri="{AF507438-7753-43e0-B8FC-AC1667EBCBE1}">
-                <a14:hiddenEffects xmlns="" xmlns:a14="http://schemas.microsoft.com/office/drawing/2010/main">
+                <a14:hiddenEffects xmlns:a14="http://schemas.microsoft.com/office/drawing/2010/main" xmlns="">
                   <a:effectLst>
                     <a:outerShdw blurRad="63500" dist="38099" dir="2700000" algn="ctr" rotWithShape="0">
                       <a:schemeClr val="bg2">
@@ -6048,7 +6049,7 @@
             <a:effectLst/>
             <a:extLst>
               <a:ext uri="{91240B29-F687-4f45-9708-019B960494DF}">
-                <a14:hiddenLine xmlns="" xmlns:a14="http://schemas.microsoft.com/office/drawing/2010/main" w="9525">
+                <a14:hiddenLine xmlns:a14="http://schemas.microsoft.com/office/drawing/2010/main" xmlns="" w="9525">
                   <a:solidFill>
                     <a:schemeClr val="tx1"/>
                   </a:solidFill>
@@ -6058,7 +6059,7 @@
                 </a14:hiddenLine>
               </a:ext>
               <a:ext uri="{AF507438-7753-43e0-B8FC-AC1667EBCBE1}">
-                <a14:hiddenEffects xmlns="" xmlns:a14="http://schemas.microsoft.com/office/drawing/2010/main">
+                <a14:hiddenEffects xmlns:a14="http://schemas.microsoft.com/office/drawing/2010/main" xmlns="">
                   <a:effectLst>
                     <a:outerShdw blurRad="63500" dist="38099" dir="2700000" algn="ctr" rotWithShape="0">
                       <a:schemeClr val="bg2">
@@ -6103,7 +6104,7 @@
             <a:effectLst/>
             <a:extLst>
               <a:ext uri="{91240B29-F687-4f45-9708-019B960494DF}">
-                <a14:hiddenLine xmlns="" xmlns:a14="http://schemas.microsoft.com/office/drawing/2010/main" w="9525">
+                <a14:hiddenLine xmlns:a14="http://schemas.microsoft.com/office/drawing/2010/main" xmlns="" w="9525">
                   <a:solidFill>
                     <a:schemeClr val="tx1"/>
                   </a:solidFill>
@@ -6113,7 +6114,7 @@
                 </a14:hiddenLine>
               </a:ext>
               <a:ext uri="{AF507438-7753-43e0-B8FC-AC1667EBCBE1}">
-                <a14:hiddenEffects xmlns="" xmlns:a14="http://schemas.microsoft.com/office/drawing/2010/main">
+                <a14:hiddenEffects xmlns:a14="http://schemas.microsoft.com/office/drawing/2010/main" xmlns="">
                   <a:effectLst>
                     <a:outerShdw blurRad="63500" dist="38099" dir="2700000" algn="ctr" rotWithShape="0">
                       <a:schemeClr val="bg2">
@@ -6158,7 +6159,7 @@
             <a:effectLst/>
             <a:extLst>
               <a:ext uri="{91240B29-F687-4f45-9708-019B960494DF}">
-                <a14:hiddenLine xmlns="" xmlns:a14="http://schemas.microsoft.com/office/drawing/2010/main" w="9525">
+                <a14:hiddenLine xmlns:a14="http://schemas.microsoft.com/office/drawing/2010/main" xmlns="" w="9525">
                   <a:solidFill>
                     <a:schemeClr val="tx1"/>
                   </a:solidFill>
@@ -6168,7 +6169,7 @@
                 </a14:hiddenLine>
               </a:ext>
               <a:ext uri="{AF507438-7753-43e0-B8FC-AC1667EBCBE1}">
-                <a14:hiddenEffects xmlns="" xmlns:a14="http://schemas.microsoft.com/office/drawing/2010/main">
+                <a14:hiddenEffects xmlns:a14="http://schemas.microsoft.com/office/drawing/2010/main" xmlns="">
                   <a:effectLst>
                     <a:outerShdw blurRad="63500" dist="38099" dir="2700000" algn="ctr" rotWithShape="0">
                       <a:schemeClr val="bg2">
@@ -6213,7 +6214,7 @@
             <a:effectLst/>
             <a:extLst>
               <a:ext uri="{91240B29-F687-4f45-9708-019B960494DF}">
-                <a14:hiddenLine xmlns="" xmlns:a14="http://schemas.microsoft.com/office/drawing/2010/main" w="9525">
+                <a14:hiddenLine xmlns:a14="http://schemas.microsoft.com/office/drawing/2010/main" xmlns="" w="9525">
                   <a:solidFill>
                     <a:schemeClr val="tx1"/>
                   </a:solidFill>
@@ -6223,7 +6224,7 @@
                 </a14:hiddenLine>
               </a:ext>
               <a:ext uri="{AF507438-7753-43e0-B8FC-AC1667EBCBE1}">
-                <a14:hiddenEffects xmlns="" xmlns:a14="http://schemas.microsoft.com/office/drawing/2010/main">
+                <a14:hiddenEffects xmlns:a14="http://schemas.microsoft.com/office/drawing/2010/main" xmlns="">
                   <a:effectLst>
                     <a:outerShdw blurRad="63500" dist="38099" dir="2700000" algn="ctr" rotWithShape="0">
                       <a:schemeClr val="bg2">
@@ -6268,7 +6269,7 @@
             <a:effectLst/>
             <a:extLst>
               <a:ext uri="{91240B29-F687-4f45-9708-019B960494DF}">
-                <a14:hiddenLine xmlns="" xmlns:a14="http://schemas.microsoft.com/office/drawing/2010/main" w="9525">
+                <a14:hiddenLine xmlns:a14="http://schemas.microsoft.com/office/drawing/2010/main" xmlns="" w="9525">
                   <a:solidFill>
                     <a:schemeClr val="tx1"/>
                   </a:solidFill>
@@ -6278,7 +6279,7 @@
                 </a14:hiddenLine>
               </a:ext>
               <a:ext uri="{AF507438-7753-43e0-B8FC-AC1667EBCBE1}">
-                <a14:hiddenEffects xmlns="" xmlns:a14="http://schemas.microsoft.com/office/drawing/2010/main">
+                <a14:hiddenEffects xmlns:a14="http://schemas.microsoft.com/office/drawing/2010/main" xmlns="">
                   <a:effectLst>
                     <a:outerShdw blurRad="63500" dist="38099" dir="2700000" algn="ctr" rotWithShape="0">
                       <a:schemeClr val="bg2">
@@ -6323,7 +6324,7 @@
             <a:effectLst/>
             <a:extLst>
               <a:ext uri="{91240B29-F687-4f45-9708-019B960494DF}">
-                <a14:hiddenLine xmlns="" xmlns:a14="http://schemas.microsoft.com/office/drawing/2010/main" w="9525">
+                <a14:hiddenLine xmlns:a14="http://schemas.microsoft.com/office/drawing/2010/main" xmlns="" w="9525">
                   <a:solidFill>
                     <a:schemeClr val="tx1"/>
                   </a:solidFill>
@@ -6333,7 +6334,7 @@
                 </a14:hiddenLine>
               </a:ext>
               <a:ext uri="{AF507438-7753-43e0-B8FC-AC1667EBCBE1}">
-                <a14:hiddenEffects xmlns="" xmlns:a14="http://schemas.microsoft.com/office/drawing/2010/main">
+                <a14:hiddenEffects xmlns:a14="http://schemas.microsoft.com/office/drawing/2010/main" xmlns="">
                   <a:effectLst>
                     <a:outerShdw blurRad="63500" dist="38099" dir="2700000" algn="ctr" rotWithShape="0">
                       <a:schemeClr val="bg2">
@@ -6378,7 +6379,7 @@
             <a:effectLst/>
             <a:extLst>
               <a:ext uri="{91240B29-F687-4f45-9708-019B960494DF}">
-                <a14:hiddenLine xmlns="" xmlns:a14="http://schemas.microsoft.com/office/drawing/2010/main" w="9525">
+                <a14:hiddenLine xmlns:a14="http://schemas.microsoft.com/office/drawing/2010/main" xmlns="" w="9525">
                   <a:solidFill>
                     <a:schemeClr val="tx1"/>
                   </a:solidFill>
@@ -6388,7 +6389,7 @@
                 </a14:hiddenLine>
               </a:ext>
               <a:ext uri="{AF507438-7753-43e0-B8FC-AC1667EBCBE1}">
-                <a14:hiddenEffects xmlns="" xmlns:a14="http://schemas.microsoft.com/office/drawing/2010/main">
+                <a14:hiddenEffects xmlns:a14="http://schemas.microsoft.com/office/drawing/2010/main" xmlns="">
                   <a:effectLst>
                     <a:outerShdw blurRad="63500" dist="38099" dir="2700000" algn="ctr" rotWithShape="0">
                       <a:schemeClr val="bg2">
@@ -6433,7 +6434,7 @@
             <a:effectLst/>
             <a:extLst>
               <a:ext uri="{91240B29-F687-4f45-9708-019B960494DF}">
-                <a14:hiddenLine xmlns="" xmlns:a14="http://schemas.microsoft.com/office/drawing/2010/main" w="9525">
+                <a14:hiddenLine xmlns:a14="http://schemas.microsoft.com/office/drawing/2010/main" xmlns="" w="9525">
                   <a:solidFill>
                     <a:schemeClr val="tx1"/>
                   </a:solidFill>
@@ -6443,7 +6444,7 @@
                 </a14:hiddenLine>
               </a:ext>
               <a:ext uri="{AF507438-7753-43e0-B8FC-AC1667EBCBE1}">
-                <a14:hiddenEffects xmlns="" xmlns:a14="http://schemas.microsoft.com/office/drawing/2010/main">
+                <a14:hiddenEffects xmlns:a14="http://schemas.microsoft.com/office/drawing/2010/main" xmlns="">
                   <a:effectLst>
                     <a:outerShdw blurRad="63500" dist="38099" dir="2700000" algn="ctr" rotWithShape="0">
                       <a:schemeClr val="bg2">
@@ -6488,7 +6489,7 @@
             <a:effectLst/>
             <a:extLst>
               <a:ext uri="{91240B29-F687-4f45-9708-019B960494DF}">
-                <a14:hiddenLine xmlns="" xmlns:a14="http://schemas.microsoft.com/office/drawing/2010/main" w="9525">
+                <a14:hiddenLine xmlns:a14="http://schemas.microsoft.com/office/drawing/2010/main" xmlns="" w="9525">
                   <a:solidFill>
                     <a:schemeClr val="tx1"/>
                   </a:solidFill>
@@ -6498,7 +6499,7 @@
                 </a14:hiddenLine>
               </a:ext>
               <a:ext uri="{AF507438-7753-43e0-B8FC-AC1667EBCBE1}">
-                <a14:hiddenEffects xmlns="" xmlns:a14="http://schemas.microsoft.com/office/drawing/2010/main">
+                <a14:hiddenEffects xmlns:a14="http://schemas.microsoft.com/office/drawing/2010/main" xmlns="">
                   <a:effectLst>
                     <a:outerShdw blurRad="63500" dist="38099" dir="2700000" algn="ctr" rotWithShape="0">
                       <a:schemeClr val="bg2">
@@ -6543,7 +6544,7 @@
             <a:effectLst/>
             <a:extLst>
               <a:ext uri="{91240B29-F687-4f45-9708-019B960494DF}">
-                <a14:hiddenLine xmlns="" xmlns:a14="http://schemas.microsoft.com/office/drawing/2010/main" w="9525">
+                <a14:hiddenLine xmlns:a14="http://schemas.microsoft.com/office/drawing/2010/main" xmlns="" w="9525">
                   <a:solidFill>
                     <a:schemeClr val="tx1"/>
                   </a:solidFill>
@@ -6553,7 +6554,7 @@
                 </a14:hiddenLine>
               </a:ext>
               <a:ext uri="{AF507438-7753-43e0-B8FC-AC1667EBCBE1}">
-                <a14:hiddenEffects xmlns="" xmlns:a14="http://schemas.microsoft.com/office/drawing/2010/main">
+                <a14:hiddenEffects xmlns:a14="http://schemas.microsoft.com/office/drawing/2010/main" xmlns="">
                   <a:effectLst>
                     <a:outerShdw blurRad="63500" dist="38099" dir="2700000" algn="ctr" rotWithShape="0">
                       <a:schemeClr val="bg2">
@@ -6598,7 +6599,7 @@
             <a:effectLst/>
             <a:extLst>
               <a:ext uri="{91240B29-F687-4f45-9708-019B960494DF}">
-                <a14:hiddenLine xmlns="" xmlns:a14="http://schemas.microsoft.com/office/drawing/2010/main" w="9525">
+                <a14:hiddenLine xmlns:a14="http://schemas.microsoft.com/office/drawing/2010/main" xmlns="" w="9525">
                   <a:solidFill>
                     <a:schemeClr val="tx1"/>
                   </a:solidFill>
@@ -6608,7 +6609,7 @@
                 </a14:hiddenLine>
               </a:ext>
               <a:ext uri="{AF507438-7753-43e0-B8FC-AC1667EBCBE1}">
-                <a14:hiddenEffects xmlns="" xmlns:a14="http://schemas.microsoft.com/office/drawing/2010/main">
+                <a14:hiddenEffects xmlns:a14="http://schemas.microsoft.com/office/drawing/2010/main" xmlns="">
                   <a:effectLst>
                     <a:outerShdw blurRad="63500" dist="38099" dir="2700000" algn="ctr" rotWithShape="0">
                       <a:schemeClr val="bg2">
@@ -6653,7 +6654,7 @@
             <a:effectLst/>
             <a:extLst>
               <a:ext uri="{91240B29-F687-4f45-9708-019B960494DF}">
-                <a14:hiddenLine xmlns="" xmlns:a14="http://schemas.microsoft.com/office/drawing/2010/main" w="9525">
+                <a14:hiddenLine xmlns:a14="http://schemas.microsoft.com/office/drawing/2010/main" xmlns="" w="9525">
                   <a:solidFill>
                     <a:schemeClr val="tx1"/>
                   </a:solidFill>
@@ -6663,7 +6664,7 @@
                 </a14:hiddenLine>
               </a:ext>
               <a:ext uri="{AF507438-7753-43e0-B8FC-AC1667EBCBE1}">
-                <a14:hiddenEffects xmlns="" xmlns:a14="http://schemas.microsoft.com/office/drawing/2010/main">
+                <a14:hiddenEffects xmlns:a14="http://schemas.microsoft.com/office/drawing/2010/main" xmlns="">
                   <a:effectLst>
                     <a:outerShdw blurRad="63500" dist="38099" dir="2700000" algn="ctr" rotWithShape="0">
                       <a:schemeClr val="bg2">
@@ -6708,7 +6709,7 @@
             <a:effectLst/>
             <a:extLst>
               <a:ext uri="{91240B29-F687-4f45-9708-019B960494DF}">
-                <a14:hiddenLine xmlns="" xmlns:a14="http://schemas.microsoft.com/office/drawing/2010/main" w="9525">
+                <a14:hiddenLine xmlns:a14="http://schemas.microsoft.com/office/drawing/2010/main" xmlns="" w="9525">
                   <a:solidFill>
                     <a:schemeClr val="tx1"/>
                   </a:solidFill>
@@ -6718,7 +6719,7 @@
                 </a14:hiddenLine>
               </a:ext>
               <a:ext uri="{AF507438-7753-43e0-B8FC-AC1667EBCBE1}">
-                <a14:hiddenEffects xmlns="" xmlns:a14="http://schemas.microsoft.com/office/drawing/2010/main">
+                <a14:hiddenEffects xmlns:a14="http://schemas.microsoft.com/office/drawing/2010/main" xmlns="">
                   <a:effectLst>
                     <a:outerShdw blurRad="63500" dist="38099" dir="2700000" algn="ctr" rotWithShape="0">
                       <a:schemeClr val="bg2">
@@ -6763,7 +6764,7 @@
             <a:effectLst/>
             <a:extLst>
               <a:ext uri="{91240B29-F687-4f45-9708-019B960494DF}">
-                <a14:hiddenLine xmlns="" xmlns:a14="http://schemas.microsoft.com/office/drawing/2010/main" w="9525">
+                <a14:hiddenLine xmlns:a14="http://schemas.microsoft.com/office/drawing/2010/main" xmlns="" w="9525">
                   <a:solidFill>
                     <a:schemeClr val="tx1"/>
                   </a:solidFill>
@@ -6773,7 +6774,7 @@
                 </a14:hiddenLine>
               </a:ext>
               <a:ext uri="{AF507438-7753-43e0-B8FC-AC1667EBCBE1}">
-                <a14:hiddenEffects xmlns="" xmlns:a14="http://schemas.microsoft.com/office/drawing/2010/main">
+                <a14:hiddenEffects xmlns:a14="http://schemas.microsoft.com/office/drawing/2010/main" xmlns="">
                   <a:effectLst>
                     <a:outerShdw blurRad="63500" dist="38099" dir="2700000" algn="ctr" rotWithShape="0">
                       <a:schemeClr val="bg2">
@@ -6818,7 +6819,7 @@
             <a:effectLst/>
             <a:extLst>
               <a:ext uri="{91240B29-F687-4f45-9708-019B960494DF}">
-                <a14:hiddenLine xmlns="" xmlns:a14="http://schemas.microsoft.com/office/drawing/2010/main" w="9525">
+                <a14:hiddenLine xmlns:a14="http://schemas.microsoft.com/office/drawing/2010/main" xmlns="" w="9525">
                   <a:solidFill>
                     <a:schemeClr val="tx1"/>
                   </a:solidFill>
@@ -6828,7 +6829,7 @@
                 </a14:hiddenLine>
               </a:ext>
               <a:ext uri="{AF507438-7753-43e0-B8FC-AC1667EBCBE1}">
-                <a14:hiddenEffects xmlns="" xmlns:a14="http://schemas.microsoft.com/office/drawing/2010/main">
+                <a14:hiddenEffects xmlns:a14="http://schemas.microsoft.com/office/drawing/2010/main" xmlns="">
                   <a:effectLst>
                     <a:outerShdw blurRad="63500" dist="38099" dir="2700000" algn="ctr" rotWithShape="0">
                       <a:schemeClr val="bg2">
@@ -6873,7 +6874,7 @@
             <a:effectLst/>
             <a:extLst>
               <a:ext uri="{91240B29-F687-4f45-9708-019B960494DF}">
-                <a14:hiddenLine xmlns="" xmlns:a14="http://schemas.microsoft.com/office/drawing/2010/main" w="9525">
+                <a14:hiddenLine xmlns:a14="http://schemas.microsoft.com/office/drawing/2010/main" xmlns="" w="9525">
                   <a:solidFill>
                     <a:schemeClr val="tx1"/>
                   </a:solidFill>
@@ -6883,7 +6884,7 @@
                 </a14:hiddenLine>
               </a:ext>
               <a:ext uri="{AF507438-7753-43e0-B8FC-AC1667EBCBE1}">
-                <a14:hiddenEffects xmlns="" xmlns:a14="http://schemas.microsoft.com/office/drawing/2010/main">
+                <a14:hiddenEffects xmlns:a14="http://schemas.microsoft.com/office/drawing/2010/main" xmlns="">
                   <a:effectLst>
                     <a:outerShdw blurRad="63500" dist="38099" dir="2700000" algn="ctr" rotWithShape="0">
                       <a:schemeClr val="bg2">
@@ -6928,7 +6929,7 @@
             <a:effectLst/>
             <a:extLst>
               <a:ext uri="{91240B29-F687-4f45-9708-019B960494DF}">
-                <a14:hiddenLine xmlns="" xmlns:a14="http://schemas.microsoft.com/office/drawing/2010/main" w="9525">
+                <a14:hiddenLine xmlns:a14="http://schemas.microsoft.com/office/drawing/2010/main" xmlns="" w="9525">
                   <a:solidFill>
                     <a:schemeClr val="tx1"/>
                   </a:solidFill>
@@ -6938,7 +6939,7 @@
                 </a14:hiddenLine>
               </a:ext>
               <a:ext uri="{AF507438-7753-43e0-B8FC-AC1667EBCBE1}">
-                <a14:hiddenEffects xmlns="" xmlns:a14="http://schemas.microsoft.com/office/drawing/2010/main">
+                <a14:hiddenEffects xmlns:a14="http://schemas.microsoft.com/office/drawing/2010/main" xmlns="">
                   <a:effectLst>
                     <a:outerShdw blurRad="63500" dist="38099" dir="2700000" algn="ctr" rotWithShape="0">
                       <a:schemeClr val="bg2">
@@ -6983,7 +6984,7 @@
             <a:effectLst/>
             <a:extLst>
               <a:ext uri="{91240B29-F687-4f45-9708-019B960494DF}">
-                <a14:hiddenLine xmlns="" xmlns:a14="http://schemas.microsoft.com/office/drawing/2010/main" w="9525">
+                <a14:hiddenLine xmlns:a14="http://schemas.microsoft.com/office/drawing/2010/main" xmlns="" w="9525">
                   <a:solidFill>
                     <a:schemeClr val="tx1"/>
                   </a:solidFill>
@@ -6993,7 +6994,7 @@
                 </a14:hiddenLine>
               </a:ext>
               <a:ext uri="{AF507438-7753-43e0-B8FC-AC1667EBCBE1}">
-                <a14:hiddenEffects xmlns="" xmlns:a14="http://schemas.microsoft.com/office/drawing/2010/main">
+                <a14:hiddenEffects xmlns:a14="http://schemas.microsoft.com/office/drawing/2010/main" xmlns="">
                   <a:effectLst>
                     <a:outerShdw blurRad="63500" dist="38099" dir="2700000" algn="ctr" rotWithShape="0">
                       <a:schemeClr val="bg2">
@@ -7038,7 +7039,7 @@
             <a:effectLst/>
             <a:extLst>
               <a:ext uri="{91240B29-F687-4f45-9708-019B960494DF}">
-                <a14:hiddenLine xmlns="" xmlns:a14="http://schemas.microsoft.com/office/drawing/2010/main" w="9525">
+                <a14:hiddenLine xmlns:a14="http://schemas.microsoft.com/office/drawing/2010/main" xmlns="" w="9525">
                   <a:solidFill>
                     <a:schemeClr val="tx1"/>
                   </a:solidFill>
@@ -7048,7 +7049,7 @@
                 </a14:hiddenLine>
               </a:ext>
               <a:ext uri="{AF507438-7753-43e0-B8FC-AC1667EBCBE1}">
-                <a14:hiddenEffects xmlns="" xmlns:a14="http://schemas.microsoft.com/office/drawing/2010/main">
+                <a14:hiddenEffects xmlns:a14="http://schemas.microsoft.com/office/drawing/2010/main" xmlns="">
                   <a:effectLst>
                     <a:outerShdw blurRad="63500" dist="38099" dir="2700000" algn="ctr" rotWithShape="0">
                       <a:schemeClr val="bg2">
@@ -7093,7 +7094,7 @@
             <a:effectLst/>
             <a:extLst>
               <a:ext uri="{91240B29-F687-4f45-9708-019B960494DF}">
-                <a14:hiddenLine xmlns="" xmlns:a14="http://schemas.microsoft.com/office/drawing/2010/main" w="9525">
+                <a14:hiddenLine xmlns:a14="http://schemas.microsoft.com/office/drawing/2010/main" xmlns="" w="9525">
                   <a:solidFill>
                     <a:schemeClr val="tx1"/>
                   </a:solidFill>
@@ -7103,7 +7104,7 @@
                 </a14:hiddenLine>
               </a:ext>
               <a:ext uri="{AF507438-7753-43e0-B8FC-AC1667EBCBE1}">
-                <a14:hiddenEffects xmlns="" xmlns:a14="http://schemas.microsoft.com/office/drawing/2010/main">
+                <a14:hiddenEffects xmlns:a14="http://schemas.microsoft.com/office/drawing/2010/main" xmlns="">
                   <a:effectLst>
                     <a:outerShdw blurRad="63500" dist="38099" dir="2700000" algn="ctr" rotWithShape="0">
                       <a:schemeClr val="bg2">
@@ -7148,7 +7149,7 @@
             <a:effectLst/>
             <a:extLst>
               <a:ext uri="{91240B29-F687-4f45-9708-019B960494DF}">
-                <a14:hiddenLine xmlns="" xmlns:a14="http://schemas.microsoft.com/office/drawing/2010/main" w="9525">
+                <a14:hiddenLine xmlns:a14="http://schemas.microsoft.com/office/drawing/2010/main" xmlns="" w="9525">
                   <a:solidFill>
                     <a:schemeClr val="tx1"/>
                   </a:solidFill>
@@ -7158,7 +7159,7 @@
                 </a14:hiddenLine>
               </a:ext>
               <a:ext uri="{AF507438-7753-43e0-B8FC-AC1667EBCBE1}">
-                <a14:hiddenEffects xmlns="" xmlns:a14="http://schemas.microsoft.com/office/drawing/2010/main">
+                <a14:hiddenEffects xmlns:a14="http://schemas.microsoft.com/office/drawing/2010/main" xmlns="">
                   <a:effectLst>
                     <a:outerShdw blurRad="63500" dist="38099" dir="2700000" algn="ctr" rotWithShape="0">
                       <a:schemeClr val="bg2">
@@ -7203,7 +7204,7 @@
             <a:effectLst/>
             <a:extLst>
               <a:ext uri="{91240B29-F687-4f45-9708-019B960494DF}">
-                <a14:hiddenLine xmlns="" xmlns:a14="http://schemas.microsoft.com/office/drawing/2010/main" w="9525">
+                <a14:hiddenLine xmlns:a14="http://schemas.microsoft.com/office/drawing/2010/main" xmlns="" w="9525">
                   <a:solidFill>
                     <a:schemeClr val="tx1"/>
                   </a:solidFill>
@@ -7213,7 +7214,7 @@
                 </a14:hiddenLine>
               </a:ext>
               <a:ext uri="{AF507438-7753-43e0-B8FC-AC1667EBCBE1}">
-                <a14:hiddenEffects xmlns="" xmlns:a14="http://schemas.microsoft.com/office/drawing/2010/main">
+                <a14:hiddenEffects xmlns:a14="http://schemas.microsoft.com/office/drawing/2010/main" xmlns="">
                   <a:effectLst>
                     <a:outerShdw blurRad="63500" dist="38099" dir="2700000" algn="ctr" rotWithShape="0">
                       <a:schemeClr val="bg2">
@@ -7258,7 +7259,7 @@
             <a:effectLst/>
             <a:extLst>
               <a:ext uri="{91240B29-F687-4f45-9708-019B960494DF}">
-                <a14:hiddenLine xmlns="" xmlns:a14="http://schemas.microsoft.com/office/drawing/2010/main" w="9525">
+                <a14:hiddenLine xmlns:a14="http://schemas.microsoft.com/office/drawing/2010/main" xmlns="" w="9525">
                   <a:solidFill>
                     <a:schemeClr val="tx1"/>
                   </a:solidFill>
@@ -7268,7 +7269,7 @@
                 </a14:hiddenLine>
               </a:ext>
               <a:ext uri="{AF507438-7753-43e0-B8FC-AC1667EBCBE1}">
-                <a14:hiddenEffects xmlns="" xmlns:a14="http://schemas.microsoft.com/office/drawing/2010/main">
+                <a14:hiddenEffects xmlns:a14="http://schemas.microsoft.com/office/drawing/2010/main" xmlns="">
                   <a:effectLst>
                     <a:outerShdw blurRad="63500" dist="38099" dir="2700000" algn="ctr" rotWithShape="0">
                       <a:schemeClr val="bg2">
@@ -7313,7 +7314,7 @@
             <a:effectLst/>
             <a:extLst>
               <a:ext uri="{91240B29-F687-4f45-9708-019B960494DF}">
-                <a14:hiddenLine xmlns="" xmlns:a14="http://schemas.microsoft.com/office/drawing/2010/main" w="9525">
+                <a14:hiddenLine xmlns:a14="http://schemas.microsoft.com/office/drawing/2010/main" xmlns="" w="9525">
                   <a:solidFill>
                     <a:schemeClr val="tx1"/>
                   </a:solidFill>
@@ -7323,7 +7324,7 @@
                 </a14:hiddenLine>
               </a:ext>
               <a:ext uri="{AF507438-7753-43e0-B8FC-AC1667EBCBE1}">
-                <a14:hiddenEffects xmlns="" xmlns:a14="http://schemas.microsoft.com/office/drawing/2010/main">
+                <a14:hiddenEffects xmlns:a14="http://schemas.microsoft.com/office/drawing/2010/main" xmlns="">
                   <a:effectLst>
                     <a:outerShdw blurRad="63500" dist="38099" dir="2700000" algn="ctr" rotWithShape="0">
                       <a:schemeClr val="bg2">
@@ -7368,7 +7369,7 @@
             <a:effectLst/>
             <a:extLst>
               <a:ext uri="{91240B29-F687-4f45-9708-019B960494DF}">
-                <a14:hiddenLine xmlns="" xmlns:a14="http://schemas.microsoft.com/office/drawing/2010/main" w="9525">
+                <a14:hiddenLine xmlns:a14="http://schemas.microsoft.com/office/drawing/2010/main" xmlns="" w="9525">
                   <a:solidFill>
                     <a:schemeClr val="tx1"/>
                   </a:solidFill>
@@ -7378,7 +7379,7 @@
                 </a14:hiddenLine>
               </a:ext>
               <a:ext uri="{AF507438-7753-43e0-B8FC-AC1667EBCBE1}">
-                <a14:hiddenEffects xmlns="" xmlns:a14="http://schemas.microsoft.com/office/drawing/2010/main">
+                <a14:hiddenEffects xmlns:a14="http://schemas.microsoft.com/office/drawing/2010/main" xmlns="">
                   <a:effectLst>
                     <a:outerShdw blurRad="63500" dist="38099" dir="2700000" algn="ctr" rotWithShape="0">
                       <a:schemeClr val="bg2">
@@ -7423,7 +7424,7 @@
             <a:effectLst/>
             <a:extLst>
               <a:ext uri="{91240B29-F687-4f45-9708-019B960494DF}">
-                <a14:hiddenLine xmlns="" xmlns:a14="http://schemas.microsoft.com/office/drawing/2010/main" w="9525">
+                <a14:hiddenLine xmlns:a14="http://schemas.microsoft.com/office/drawing/2010/main" xmlns="" w="9525">
                   <a:solidFill>
                     <a:schemeClr val="tx1"/>
                   </a:solidFill>
@@ -7433,7 +7434,7 @@
                 </a14:hiddenLine>
               </a:ext>
               <a:ext uri="{AF507438-7753-43e0-B8FC-AC1667EBCBE1}">
-                <a14:hiddenEffects xmlns="" xmlns:a14="http://schemas.microsoft.com/office/drawing/2010/main">
+                <a14:hiddenEffects xmlns:a14="http://schemas.microsoft.com/office/drawing/2010/main" xmlns="">
                   <a:effectLst>
                     <a:outerShdw blurRad="63500" dist="38099" dir="2700000" algn="ctr" rotWithShape="0">
                       <a:schemeClr val="bg2">
@@ -7478,7 +7479,7 @@
             <a:effectLst/>
             <a:extLst>
               <a:ext uri="{91240B29-F687-4f45-9708-019B960494DF}">
-                <a14:hiddenLine xmlns="" xmlns:a14="http://schemas.microsoft.com/office/drawing/2010/main" w="9525">
+                <a14:hiddenLine xmlns:a14="http://schemas.microsoft.com/office/drawing/2010/main" xmlns="" w="9525">
                   <a:solidFill>
                     <a:schemeClr val="tx1"/>
                   </a:solidFill>
@@ -7488,7 +7489,7 @@
                 </a14:hiddenLine>
               </a:ext>
               <a:ext uri="{AF507438-7753-43e0-B8FC-AC1667EBCBE1}">
-                <a14:hiddenEffects xmlns="" xmlns:a14="http://schemas.microsoft.com/office/drawing/2010/main">
+                <a14:hiddenEffects xmlns:a14="http://schemas.microsoft.com/office/drawing/2010/main" xmlns="">
                   <a:effectLst>
                     <a:outerShdw blurRad="63500" dist="38099" dir="2700000" algn="ctr" rotWithShape="0">
                       <a:schemeClr val="bg2">
@@ -9130,6 +9131,96 @@
 </p:sld>
 </file>
 
+<file path=ppt/slides/slide16.xml><?xml version="1.0" encoding="utf-8"?>
+<p:sld xmlns:a="http://schemas.openxmlformats.org/drawingml/2006/main" xmlns:r="http://schemas.openxmlformats.org/officeDocument/2006/relationships" xmlns:p="http://schemas.openxmlformats.org/presentationml/2006/main">
+  <p:cSld>
+    <p:spTree>
+      <p:nvGrpSpPr>
+        <p:cNvPr id="1" name=""/>
+        <p:cNvGrpSpPr/>
+        <p:nvPr/>
+      </p:nvGrpSpPr>
+      <p:grpSpPr>
+        <a:xfrm>
+          <a:off x="0" y="0"/>
+          <a:ext cx="0" cy="0"/>
+          <a:chOff x="0" y="0"/>
+          <a:chExt cx="0" cy="0"/>
+        </a:xfrm>
+      </p:grpSpPr>
+      <p:sp>
+        <p:nvSpPr>
+          <p:cNvPr id="2" name="Title 1">
+            <a:extLst>
+              <a:ext uri="{FF2B5EF4-FFF2-40B4-BE49-F238E27FC236}">
+                <a16:creationId xmlns:a16="http://schemas.microsoft.com/office/drawing/2014/main" id="{3DE41C18-6F57-B748-AC2B-EA3E7D25176B}"/>
+              </a:ext>
+            </a:extLst>
+          </p:cNvPr>
+          <p:cNvSpPr>
+            <a:spLocks noGrp="1"/>
+          </p:cNvSpPr>
+          <p:nvPr>
+            <p:ph type="title"/>
+          </p:nvPr>
+        </p:nvSpPr>
+        <p:spPr/>
+        <p:txBody>
+          <a:bodyPr/>
+          <a:lstStyle/>
+          <a:p>
+            <a:r>
+              <a:rPr lang="en-US" dirty="0"/>
+              <a:t>Class Exercise 1a</a:t>
+            </a:r>
+          </a:p>
+        </p:txBody>
+      </p:sp>
+      <p:sp>
+        <p:nvSpPr>
+          <p:cNvPr id="3" name="Content Placeholder 2">
+            <a:extLst>
+              <a:ext uri="{FF2B5EF4-FFF2-40B4-BE49-F238E27FC236}">
+                <a16:creationId xmlns:a16="http://schemas.microsoft.com/office/drawing/2014/main" id="{26D97AAB-2343-704C-B6C4-1D20D027DBEA}"/>
+              </a:ext>
+            </a:extLst>
+          </p:cNvPr>
+          <p:cNvSpPr>
+            <a:spLocks noGrp="1"/>
+          </p:cNvSpPr>
+          <p:nvPr>
+            <p:ph idx="1"/>
+          </p:nvPr>
+        </p:nvSpPr>
+        <p:spPr/>
+        <p:txBody>
+          <a:bodyPr/>
+          <a:lstStyle/>
+          <a:p>
+            <a:r>
+              <a:rPr lang="en-US" dirty="0"/>
+              <a:t>Please see </a:t>
+            </a:r>
+            <a:r>
+              <a:rPr lang="en-US"/>
+              <a:t>BrightSpace</a:t>
+            </a:r>
+          </a:p>
+        </p:txBody>
+      </p:sp>
+    </p:spTree>
+    <p:extLst>
+      <p:ext uri="{BB962C8B-B14F-4D97-AF65-F5344CB8AC3E}">
+        <p14:creationId xmlns:p14="http://schemas.microsoft.com/office/powerpoint/2010/main" val="2011065405"/>
+      </p:ext>
+    </p:extLst>
+  </p:cSld>
+  <p:clrMapOvr>
+    <a:masterClrMapping/>
+  </p:clrMapOvr>
+</p:sld>
+</file>
+
 <file path=ppt/slides/slide2.xml><?xml version="1.0" encoding="utf-8"?>
 <p:sld xmlns:a="http://schemas.openxmlformats.org/drawingml/2006/main" xmlns:r="http://schemas.openxmlformats.org/officeDocument/2006/relationships" xmlns:p="http://schemas.openxmlformats.org/presentationml/2006/main">
   <p:cSld>
@@ -9218,14 +9309,14 @@
           </a:ln>
           <a:extLst>
             <a:ext uri="{909E8E84-426E-40dd-AFC4-6F175D3DCCD1}">
-              <a14:hiddenFill xmlns="" xmlns:a14="http://schemas.microsoft.com/office/drawing/2010/main">
+              <a14:hiddenFill xmlns:a14="http://schemas.microsoft.com/office/drawing/2010/main" xmlns="">
                 <a:solidFill>
                   <a:schemeClr val="accent1"/>
                 </a:solidFill>
               </a14:hiddenFill>
             </a:ext>
             <a:ext uri="{91240B29-F687-4f45-9708-019B960494DF}">
-              <a14:hiddenLine xmlns="" xmlns:a14="http://schemas.microsoft.com/office/drawing/2010/main" w="9525">
+              <a14:hiddenLine xmlns:a14="http://schemas.microsoft.com/office/drawing/2010/main" xmlns="" w="9525">
                 <a:solidFill>
                   <a:schemeClr val="tx1"/>
                 </a:solidFill>
@@ -9273,14 +9364,14 @@
           </a:ln>
           <a:extLst>
             <a:ext uri="{909E8E84-426E-40dd-AFC4-6F175D3DCCD1}">
-              <a14:hiddenFill xmlns="" xmlns:a14="http://schemas.microsoft.com/office/drawing/2010/main">
+              <a14:hiddenFill xmlns:a14="http://schemas.microsoft.com/office/drawing/2010/main" xmlns="">
                 <a:solidFill>
                   <a:schemeClr val="accent1"/>
                 </a:solidFill>
               </a14:hiddenFill>
             </a:ext>
             <a:ext uri="{91240B29-F687-4f45-9708-019B960494DF}">
-              <a14:hiddenLine xmlns="" xmlns:a14="http://schemas.microsoft.com/office/drawing/2010/main" w="9525">
+              <a14:hiddenLine xmlns:a14="http://schemas.microsoft.com/office/drawing/2010/main" xmlns="" w="9525">
                 <a:solidFill>
                   <a:schemeClr val="tx1"/>
                 </a:solidFill>
@@ -9328,14 +9419,14 @@
           </a:ln>
           <a:extLst>
             <a:ext uri="{909E8E84-426E-40dd-AFC4-6F175D3DCCD1}">
-              <a14:hiddenFill xmlns="" xmlns:a14="http://schemas.microsoft.com/office/drawing/2010/main">
+              <a14:hiddenFill xmlns:a14="http://schemas.microsoft.com/office/drawing/2010/main" xmlns="">
                 <a:solidFill>
                   <a:schemeClr val="accent1"/>
                 </a:solidFill>
               </a14:hiddenFill>
             </a:ext>
             <a:ext uri="{91240B29-F687-4f45-9708-019B960494DF}">
-              <a14:hiddenLine xmlns="" xmlns:a14="http://schemas.microsoft.com/office/drawing/2010/main" w="9525">
+              <a14:hiddenLine xmlns:a14="http://schemas.microsoft.com/office/drawing/2010/main" xmlns="" w="9525">
                 <a:solidFill>
                   <a:schemeClr val="tx1"/>
                 </a:solidFill>
@@ -9383,14 +9474,14 @@
           </a:ln>
           <a:extLst>
             <a:ext uri="{909E8E84-426E-40dd-AFC4-6F175D3DCCD1}">
-              <a14:hiddenFill xmlns="" xmlns:a14="http://schemas.microsoft.com/office/drawing/2010/main">
+              <a14:hiddenFill xmlns:a14="http://schemas.microsoft.com/office/drawing/2010/main" xmlns="">
                 <a:solidFill>
                   <a:schemeClr val="accent1"/>
                 </a:solidFill>
               </a14:hiddenFill>
             </a:ext>
             <a:ext uri="{91240B29-F687-4f45-9708-019B960494DF}">
-              <a14:hiddenLine xmlns="" xmlns:a14="http://schemas.microsoft.com/office/drawing/2010/main" w="9525">
+              <a14:hiddenLine xmlns:a14="http://schemas.microsoft.com/office/drawing/2010/main" xmlns="" w="9525">
                 <a:solidFill>
                   <a:schemeClr val="tx1"/>
                 </a:solidFill>
@@ -9443,7 +9534,7 @@
           </a:ln>
           <a:extLst>
             <a:ext uri="{909E8E84-426E-40dd-AFC4-6F175D3DCCD1}">
-              <a14:hiddenFill xmlns="" xmlns:a14="http://schemas.microsoft.com/office/drawing/2010/main">
+              <a14:hiddenFill xmlns:a14="http://schemas.microsoft.com/office/drawing/2010/main" xmlns="">
                 <a:noFill/>
               </a14:hiddenFill>
             </a:ext>
@@ -9479,7 +9570,7 @@
           </a:ln>
           <a:extLst>
             <a:ext uri="{909E8E84-426E-40dd-AFC4-6F175D3DCCD1}">
-              <a14:hiddenFill xmlns="" xmlns:a14="http://schemas.microsoft.com/office/drawing/2010/main">
+              <a14:hiddenFill xmlns:a14="http://schemas.microsoft.com/office/drawing/2010/main" xmlns="">
                 <a:noFill/>
               </a14:hiddenFill>
             </a:ext>
@@ -9513,7 +9604,7 @@
           </a:ln>
           <a:extLst>
             <a:ext uri="{909E8E84-426E-40dd-AFC4-6F175D3DCCD1}">
-              <a14:hiddenFill xmlns="" xmlns:a14="http://schemas.microsoft.com/office/drawing/2010/main">
+              <a14:hiddenFill xmlns:a14="http://schemas.microsoft.com/office/drawing/2010/main" xmlns="">
                 <a:noFill/>
               </a14:hiddenFill>
             </a:ext>
@@ -9549,7 +9640,7 @@
           </a:ln>
           <a:extLst>
             <a:ext uri="{909E8E84-426E-40dd-AFC4-6F175D3DCCD1}">
-              <a14:hiddenFill xmlns="" xmlns:a14="http://schemas.microsoft.com/office/drawing/2010/main">
+              <a14:hiddenFill xmlns:a14="http://schemas.microsoft.com/office/drawing/2010/main" xmlns="">
                 <a:noFill/>
               </a14:hiddenFill>
             </a:ext>
@@ -9585,7 +9676,7 @@
           </a:ln>
           <a:extLst>
             <a:ext uri="{909E8E84-426E-40dd-AFC4-6F175D3DCCD1}">
-              <a14:hiddenFill xmlns="" xmlns:a14="http://schemas.microsoft.com/office/drawing/2010/main">
+              <a14:hiddenFill xmlns:a14="http://schemas.microsoft.com/office/drawing/2010/main" xmlns="">
                 <a:noFill/>
               </a14:hiddenFill>
             </a:ext>
@@ -9622,7 +9713,7 @@
           </a:ln>
           <a:extLst>
             <a:ext uri="{909E8E84-426E-40dd-AFC4-6F175D3DCCD1}">
-              <a14:hiddenFill xmlns="" xmlns:a14="http://schemas.microsoft.com/office/drawing/2010/main">
+              <a14:hiddenFill xmlns:a14="http://schemas.microsoft.com/office/drawing/2010/main" xmlns="">
                 <a:solidFill>
                   <a:schemeClr val="accent1"/>
                 </a:solidFill>
@@ -9660,14 +9751,14 @@
           </a:ln>
           <a:extLst>
             <a:ext uri="{909E8E84-426E-40dd-AFC4-6F175D3DCCD1}">
-              <a14:hiddenFill xmlns="" xmlns:a14="http://schemas.microsoft.com/office/drawing/2010/main">
+              <a14:hiddenFill xmlns:a14="http://schemas.microsoft.com/office/drawing/2010/main" xmlns="">
                 <a:solidFill>
                   <a:schemeClr val="accent1"/>
                 </a:solidFill>
               </a14:hiddenFill>
             </a:ext>
             <a:ext uri="{91240B29-F687-4f45-9708-019B960494DF}">
-              <a14:hiddenLine xmlns="" xmlns:a14="http://schemas.microsoft.com/office/drawing/2010/main" w="9525">
+              <a14:hiddenLine xmlns:a14="http://schemas.microsoft.com/office/drawing/2010/main" xmlns="" w="9525">
                 <a:solidFill>
                   <a:schemeClr val="tx1"/>
                 </a:solidFill>
@@ -9723,7 +9814,7 @@
           </a:ln>
           <a:extLst>
             <a:ext uri="{909E8E84-426E-40dd-AFC4-6F175D3DCCD1}">
-              <a14:hiddenFill xmlns="" xmlns:a14="http://schemas.microsoft.com/office/drawing/2010/main">
+              <a14:hiddenFill xmlns:a14="http://schemas.microsoft.com/office/drawing/2010/main" xmlns="">
                 <a:solidFill>
                   <a:schemeClr val="accent1"/>
                 </a:solidFill>
@@ -9761,14 +9852,14 @@
           </a:ln>
           <a:extLst>
             <a:ext uri="{909E8E84-426E-40dd-AFC4-6F175D3DCCD1}">
-              <a14:hiddenFill xmlns="" xmlns:a14="http://schemas.microsoft.com/office/drawing/2010/main">
+              <a14:hiddenFill xmlns:a14="http://schemas.microsoft.com/office/drawing/2010/main" xmlns="">
                 <a:solidFill>
                   <a:schemeClr val="accent1"/>
                 </a:solidFill>
               </a14:hiddenFill>
             </a:ext>
             <a:ext uri="{91240B29-F687-4f45-9708-019B960494DF}">
-              <a14:hiddenLine xmlns="" xmlns:a14="http://schemas.microsoft.com/office/drawing/2010/main" w="9525">
+              <a14:hiddenLine xmlns:a14="http://schemas.microsoft.com/office/drawing/2010/main" xmlns="" w="9525">
                 <a:solidFill>
                   <a:schemeClr val="tx1"/>
                 </a:solidFill>
@@ -9985,7 +10076,7 @@
           <a:effectLst/>
           <a:extLst>
             <a:ext uri="{AF507438-7753-43e0-B8FC-AC1667EBCBE1}">
-              <a14:hiddenEffects xmlns:a14="http://schemas.microsoft.com/office/drawing/2010/main" xmlns="">
+              <a14:hiddenEffects xmlns="" xmlns:a14="http://schemas.microsoft.com/office/drawing/2010/main">
                 <a:effectLst>
                   <a:outerShdw blurRad="63500" dist="38099" dir="2700000" algn="ctr" rotWithShape="0">
                     <a:schemeClr val="bg2">
@@ -10109,7 +10200,7 @@
           <a:effectLst/>
           <a:extLst>
             <a:ext uri="{AF507438-7753-43e0-B8FC-AC1667EBCBE1}">
-              <a14:hiddenEffects xmlns:a14="http://schemas.microsoft.com/office/drawing/2010/main" xmlns="">
+              <a14:hiddenEffects xmlns="" xmlns:a14="http://schemas.microsoft.com/office/drawing/2010/main">
                 <a:effectLst>
                   <a:outerShdw blurRad="63500" dist="38099" dir="2700000" algn="ctr" rotWithShape="0">
                     <a:schemeClr val="bg2">
@@ -10159,7 +10250,7 @@
           <a:effectLst/>
           <a:extLst>
             <a:ext uri="{AF507438-7753-43e0-B8FC-AC1667EBCBE1}">
-              <a14:hiddenEffects xmlns:a14="http://schemas.microsoft.com/office/drawing/2010/main" xmlns="">
+              <a14:hiddenEffects xmlns="" xmlns:a14="http://schemas.microsoft.com/office/drawing/2010/main">
                 <a:effectLst>
                   <a:outerShdw blurRad="63500" dist="38099" dir="2700000" algn="ctr" rotWithShape="0">
                     <a:schemeClr val="bg2">
@@ -10246,7 +10337,7 @@
           <a:effectLst/>
           <a:extLst>
             <a:ext uri="{AF507438-7753-43e0-B8FC-AC1667EBCBE1}">
-              <a14:hiddenEffects xmlns:a14="http://schemas.microsoft.com/office/drawing/2010/main" xmlns="">
+              <a14:hiddenEffects xmlns="" xmlns:a14="http://schemas.microsoft.com/office/drawing/2010/main">
                 <a:effectLst>
                   <a:outerShdw blurRad="63500" dist="38099" dir="2700000" algn="ctr" rotWithShape="0">
                     <a:schemeClr val="bg2">
@@ -10294,7 +10385,7 @@
           <a:effectLst/>
           <a:extLst>
             <a:ext uri="{AF507438-7753-43e0-B8FC-AC1667EBCBE1}">
-              <a14:hiddenEffects xmlns:a14="http://schemas.microsoft.com/office/drawing/2010/main" xmlns="">
+              <a14:hiddenEffects xmlns="" xmlns:a14="http://schemas.microsoft.com/office/drawing/2010/main">
                 <a:effectLst>
                   <a:outerShdw blurRad="63500" dist="38099" dir="2700000" algn="ctr" rotWithShape="0">
                     <a:schemeClr val="bg2">
@@ -11400,7 +11491,7 @@
         <a:effectLst/>
         <a:extLst>
           <a:ext uri="{AF507438-7753-43e0-B8FC-AC1667EBCBE1}">
-            <a14:hiddenEffects xmlns="" xmlns:a14="http://schemas.microsoft.com/office/drawing/2010/main">
+            <a14:hiddenEffects xmlns:a14="http://schemas.microsoft.com/office/drawing/2010/main" xmlns="">
               <a:effectLst>
                 <a:outerShdw blurRad="63500" dist="38099" dir="2700000" algn="ctr" rotWithShape="0">
                   <a:schemeClr val="bg2">
@@ -11477,7 +11568,7 @@
         <a:effectLst/>
         <a:extLst>
           <a:ext uri="{AF507438-7753-43e0-B8FC-AC1667EBCBE1}">
-            <a14:hiddenEffects xmlns="" xmlns:a14="http://schemas.microsoft.com/office/drawing/2010/main">
+            <a14:hiddenEffects xmlns:a14="http://schemas.microsoft.com/office/drawing/2010/main" xmlns="">
               <a:effectLst>
                 <a:outerShdw blurRad="63500" dist="38099" dir="2700000" algn="ctr" rotWithShape="0">
                   <a:schemeClr val="bg2">

--- a/notes/csc402-ln004.pptx
+++ b/notes/csc402-ln004.pptx
@@ -220,17 +220,17 @@
           </a:ln>
           <a:extLst>
             <a:ext uri="{FAA26D3D-D897-4be2-8F04-BA451C77F1D7}">
-              <ma14:placeholderFlag xmlns="" xmlns:ma14="http://schemas.microsoft.com/office/mac/drawingml/2011/main" val="1"/>
+              <ma14:placeholderFlag xmlns:ma14="http://schemas.microsoft.com/office/mac/drawingml/2011/main" xmlns="" val="1"/>
             </a:ext>
             <a:ext uri="{909E8E84-426E-40dd-AFC4-6F175D3DCCD1}">
-              <a14:hiddenFill xmlns:a14="http://schemas.microsoft.com/office/drawing/2010/main" xmlns="">
+              <a14:hiddenFill xmlns="" xmlns:a14="http://schemas.microsoft.com/office/drawing/2010/main">
                 <a:solidFill>
                   <a:schemeClr val="accent1"/>
                 </a:solidFill>
               </a14:hiddenFill>
             </a:ext>
             <a:ext uri="{91240B29-F687-4f45-9708-019B960494DF}">
-              <a14:hiddenLine xmlns:a14="http://schemas.microsoft.com/office/drawing/2010/main" xmlns="" w="9525">
+              <a14:hiddenLine xmlns="" xmlns:a14="http://schemas.microsoft.com/office/drawing/2010/main" w="9525">
                 <a:solidFill>
                   <a:schemeClr val="tx1"/>
                 </a:solidFill>
@@ -283,17 +283,17 @@
           </a:ln>
           <a:extLst>
             <a:ext uri="{FAA26D3D-D897-4be2-8F04-BA451C77F1D7}">
-              <ma14:placeholderFlag xmlns="" xmlns:ma14="http://schemas.microsoft.com/office/mac/drawingml/2011/main" val="1"/>
+              <ma14:placeholderFlag xmlns:ma14="http://schemas.microsoft.com/office/mac/drawingml/2011/main" xmlns="" val="1"/>
             </a:ext>
             <a:ext uri="{909E8E84-426E-40dd-AFC4-6F175D3DCCD1}">
-              <a14:hiddenFill xmlns:a14="http://schemas.microsoft.com/office/drawing/2010/main" xmlns="">
+              <a14:hiddenFill xmlns="" xmlns:a14="http://schemas.microsoft.com/office/drawing/2010/main">
                 <a:solidFill>
                   <a:schemeClr val="accent1"/>
                 </a:solidFill>
               </a14:hiddenFill>
             </a:ext>
             <a:ext uri="{91240B29-F687-4f45-9708-019B960494DF}">
-              <a14:hiddenLine xmlns:a14="http://schemas.microsoft.com/office/drawing/2010/main" xmlns="" w="9525">
+              <a14:hiddenLine xmlns="" xmlns:a14="http://schemas.microsoft.com/office/drawing/2010/main" w="9525">
                 <a:solidFill>
                   <a:schemeClr val="tx1"/>
                 </a:solidFill>
@@ -352,7 +352,7 @@
           <a:effectLst/>
           <a:extLst>
             <a:ext uri="{AF507438-7753-43e0-B8FC-AC1667EBCBE1}">
-              <a14:hiddenEffects xmlns:a14="http://schemas.microsoft.com/office/drawing/2010/main" xmlns="">
+              <a14:hiddenEffects xmlns="" xmlns:a14="http://schemas.microsoft.com/office/drawing/2010/main">
                 <a:effectLst>
                   <a:outerShdw blurRad="63500" dist="38099" dir="2700000" algn="ctr" rotWithShape="0">
                     <a:srgbClr val="000000">
@@ -363,7 +363,7 @@
               </a14:hiddenEffects>
             </a:ext>
             <a:ext uri="{53640926-AAD7-44d8-BBD7-CCE9431645EC}">
-              <a14:shadowObscured xmlns:a14="http://schemas.microsoft.com/office/drawing/2010/main" xmlns="" val="1"/>
+              <a14:shadowObscured xmlns="" xmlns:a14="http://schemas.microsoft.com/office/drawing/2010/main" val="1"/>
             </a:ext>
           </a:extLst>
         </p:spPr>
@@ -392,17 +392,17 @@
           </a:ln>
           <a:extLst>
             <a:ext uri="{FAA26D3D-D897-4be2-8F04-BA451C77F1D7}">
-              <ma14:placeholderFlag xmlns="" xmlns:ma14="http://schemas.microsoft.com/office/mac/drawingml/2011/main" val="1"/>
+              <ma14:placeholderFlag xmlns:ma14="http://schemas.microsoft.com/office/mac/drawingml/2011/main" xmlns="" val="1"/>
             </a:ext>
             <a:ext uri="{909E8E84-426E-40dd-AFC4-6F175D3DCCD1}">
-              <a14:hiddenFill xmlns:a14="http://schemas.microsoft.com/office/drawing/2010/main" xmlns="">
+              <a14:hiddenFill xmlns="" xmlns:a14="http://schemas.microsoft.com/office/drawing/2010/main">
                 <a:solidFill>
                   <a:schemeClr val="accent1"/>
                 </a:solidFill>
               </a14:hiddenFill>
             </a:ext>
             <a:ext uri="{91240B29-F687-4f45-9708-019B960494DF}">
-              <a14:hiddenLine xmlns:a14="http://schemas.microsoft.com/office/drawing/2010/main" xmlns="" w="9525">
+              <a14:hiddenLine xmlns="" xmlns:a14="http://schemas.microsoft.com/office/drawing/2010/main" w="9525">
                 <a:solidFill>
                   <a:schemeClr val="tx1"/>
                 </a:solidFill>
@@ -481,17 +481,17 @@
           </a:ln>
           <a:extLst>
             <a:ext uri="{FAA26D3D-D897-4be2-8F04-BA451C77F1D7}">
-              <ma14:placeholderFlag xmlns="" xmlns:ma14="http://schemas.microsoft.com/office/mac/drawingml/2011/main" val="1"/>
+              <ma14:placeholderFlag xmlns:ma14="http://schemas.microsoft.com/office/mac/drawingml/2011/main" xmlns="" val="1"/>
             </a:ext>
             <a:ext uri="{909E8E84-426E-40dd-AFC4-6F175D3DCCD1}">
-              <a14:hiddenFill xmlns:a14="http://schemas.microsoft.com/office/drawing/2010/main" xmlns="">
+              <a14:hiddenFill xmlns="" xmlns:a14="http://schemas.microsoft.com/office/drawing/2010/main">
                 <a:solidFill>
                   <a:schemeClr val="accent1"/>
                 </a:solidFill>
               </a14:hiddenFill>
             </a:ext>
             <a:ext uri="{91240B29-F687-4f45-9708-019B960494DF}">
-              <a14:hiddenLine xmlns:a14="http://schemas.microsoft.com/office/drawing/2010/main" xmlns="" w="9525">
+              <a14:hiddenLine xmlns="" xmlns:a14="http://schemas.microsoft.com/office/drawing/2010/main" w="9525">
                 <a:solidFill>
                   <a:schemeClr val="tx1"/>
                 </a:solidFill>
@@ -544,17 +544,17 @@
           </a:ln>
           <a:extLst>
             <a:ext uri="{FAA26D3D-D897-4be2-8F04-BA451C77F1D7}">
-              <ma14:placeholderFlag xmlns="" xmlns:ma14="http://schemas.microsoft.com/office/mac/drawingml/2011/main" val="1"/>
+              <ma14:placeholderFlag xmlns:ma14="http://schemas.microsoft.com/office/mac/drawingml/2011/main" xmlns="" val="1"/>
             </a:ext>
             <a:ext uri="{909E8E84-426E-40dd-AFC4-6F175D3DCCD1}">
-              <a14:hiddenFill xmlns:a14="http://schemas.microsoft.com/office/drawing/2010/main" xmlns="">
+              <a14:hiddenFill xmlns="" xmlns:a14="http://schemas.microsoft.com/office/drawing/2010/main">
                 <a:solidFill>
                   <a:schemeClr val="accent1"/>
                 </a:solidFill>
               </a14:hiddenFill>
             </a:ext>
             <a:ext uri="{91240B29-F687-4f45-9708-019B960494DF}">
-              <a14:hiddenLine xmlns:a14="http://schemas.microsoft.com/office/drawing/2010/main" xmlns="" w="9525">
+              <a14:hiddenLine xmlns="" xmlns:a14="http://schemas.microsoft.com/office/drawing/2010/main" w="9525">
                 <a:solidFill>
                   <a:schemeClr val="tx1"/>
                 </a:solidFill>
@@ -795,7 +795,7 @@
           </a:ln>
           <a:extLst>
             <a:ext uri="{FAA26D3D-D897-4be2-8F04-BA451C77F1D7}">
-              <ma14:placeholderFlag xmlns="" xmlns:ma14="http://schemas.microsoft.com/office/mac/drawingml/2011/main" val="1"/>
+              <ma14:placeholderFlag xmlns:ma14="http://schemas.microsoft.com/office/mac/drawingml/2011/main" xmlns="" val="1"/>
             </a:ext>
           </a:extLst>
         </p:spPr>
@@ -831,7 +831,7 @@
           </a:ln>
           <a:extLst>
             <a:ext uri="{FAA26D3D-D897-4be2-8F04-BA451C77F1D7}">
-              <ma14:placeholderFlag xmlns="" xmlns:ma14="http://schemas.microsoft.com/office/mac/drawingml/2011/main" val="1"/>
+              <ma14:placeholderFlag xmlns:ma14="http://schemas.microsoft.com/office/mac/drawingml/2011/main" xmlns="" val="1"/>
             </a:ext>
           </a:extLst>
         </p:spPr>
@@ -925,7 +925,7 @@
           </a:ln>
           <a:extLst>
             <a:ext uri="{FAA26D3D-D897-4be2-8F04-BA451C77F1D7}">
-              <ma14:placeholderFlag xmlns="" xmlns:ma14="http://schemas.microsoft.com/office/mac/drawingml/2011/main" val="1"/>
+              <ma14:placeholderFlag xmlns:ma14="http://schemas.microsoft.com/office/mac/drawingml/2011/main" xmlns="" val="1"/>
             </a:ext>
           </a:extLst>
         </p:spPr>
@@ -961,7 +961,7 @@
           </a:ln>
           <a:extLst>
             <a:ext uri="{FAA26D3D-D897-4be2-8F04-BA451C77F1D7}">
-              <ma14:placeholderFlag xmlns="" xmlns:ma14="http://schemas.microsoft.com/office/mac/drawingml/2011/main" val="1"/>
+              <ma14:placeholderFlag xmlns:ma14="http://schemas.microsoft.com/office/mac/drawingml/2011/main" xmlns="" val="1"/>
             </a:ext>
           </a:extLst>
         </p:spPr>
@@ -1038,7 +1038,7 @@
           <a:ln/>
           <a:extLst>
             <a:ext uri="{FAA26D3D-D897-4be2-8F04-BA451C77F1D7}">
-              <ma14:placeholderFlag xmlns="" xmlns:ma14="http://schemas.microsoft.com/office/mac/drawingml/2011/main" val="1"/>
+              <ma14:placeholderFlag xmlns:ma14="http://schemas.microsoft.com/office/mac/drawingml/2011/main" xmlns="" val="1"/>
             </a:ext>
           </a:extLst>
         </p:spPr>
@@ -1115,12 +1115,12 @@
           <a:effectLst/>
           <a:extLst>
             <a:ext uri="{909E8E84-426E-40dd-AFC4-6F175D3DCCD1}">
-              <a14:hiddenFill xmlns:a14="http://schemas.microsoft.com/office/drawing/2010/main" xmlns="">
+              <a14:hiddenFill xmlns="" xmlns:a14="http://schemas.microsoft.com/office/drawing/2010/main">
                 <a:noFill/>
               </a14:hiddenFill>
             </a:ext>
             <a:ext uri="{AF507438-7753-43e0-B8FC-AC1667EBCBE1}">
-              <a14:hiddenEffects xmlns:a14="http://schemas.microsoft.com/office/drawing/2010/main" xmlns="">
+              <a14:hiddenEffects xmlns="" xmlns:a14="http://schemas.microsoft.com/office/drawing/2010/main">
                 <a:effectLst>
                   <a:outerShdw blurRad="63500" dist="38099" dir="2700000" algn="ctr" rotWithShape="0">
                     <a:schemeClr val="bg2">
@@ -1321,7 +1321,7 @@
             <a:effectLst/>
             <a:extLst>
               <a:ext uri="{91240B29-F687-4f45-9708-019B960494DF}">
-                <a14:hiddenLine xmlns:a14="http://schemas.microsoft.com/office/drawing/2010/main" xmlns="" w="9525">
+                <a14:hiddenLine xmlns="" xmlns:a14="http://schemas.microsoft.com/office/drawing/2010/main" w="9525">
                   <a:solidFill>
                     <a:schemeClr val="tx1"/>
                   </a:solidFill>
@@ -1331,7 +1331,7 @@
                 </a14:hiddenLine>
               </a:ext>
               <a:ext uri="{AF507438-7753-43e0-B8FC-AC1667EBCBE1}">
-                <a14:hiddenEffects xmlns:a14="http://schemas.microsoft.com/office/drawing/2010/main" xmlns="">
+                <a14:hiddenEffects xmlns="" xmlns:a14="http://schemas.microsoft.com/office/drawing/2010/main">
                   <a:effectLst>
                     <a:outerShdw blurRad="63500" dist="38099" dir="2700000" algn="ctr" rotWithShape="0">
                       <a:schemeClr val="bg2">
@@ -1376,7 +1376,7 @@
             <a:effectLst/>
             <a:extLst>
               <a:ext uri="{91240B29-F687-4f45-9708-019B960494DF}">
-                <a14:hiddenLine xmlns:a14="http://schemas.microsoft.com/office/drawing/2010/main" xmlns="" w="9525">
+                <a14:hiddenLine xmlns="" xmlns:a14="http://schemas.microsoft.com/office/drawing/2010/main" w="9525">
                   <a:solidFill>
                     <a:schemeClr val="tx1"/>
                   </a:solidFill>
@@ -1386,7 +1386,7 @@
                 </a14:hiddenLine>
               </a:ext>
               <a:ext uri="{AF507438-7753-43e0-B8FC-AC1667EBCBE1}">
-                <a14:hiddenEffects xmlns:a14="http://schemas.microsoft.com/office/drawing/2010/main" xmlns="">
+                <a14:hiddenEffects xmlns="" xmlns:a14="http://schemas.microsoft.com/office/drawing/2010/main">
                   <a:effectLst>
                     <a:outerShdw blurRad="63500" dist="38099" dir="2700000" algn="ctr" rotWithShape="0">
                       <a:schemeClr val="bg2">
@@ -1431,7 +1431,7 @@
             <a:effectLst/>
             <a:extLst>
               <a:ext uri="{91240B29-F687-4f45-9708-019B960494DF}">
-                <a14:hiddenLine xmlns:a14="http://schemas.microsoft.com/office/drawing/2010/main" xmlns="" w="9525">
+                <a14:hiddenLine xmlns="" xmlns:a14="http://schemas.microsoft.com/office/drawing/2010/main" w="9525">
                   <a:solidFill>
                     <a:schemeClr val="tx1"/>
                   </a:solidFill>
@@ -1441,7 +1441,7 @@
                 </a14:hiddenLine>
               </a:ext>
               <a:ext uri="{AF507438-7753-43e0-B8FC-AC1667EBCBE1}">
-                <a14:hiddenEffects xmlns:a14="http://schemas.microsoft.com/office/drawing/2010/main" xmlns="">
+                <a14:hiddenEffects xmlns="" xmlns:a14="http://schemas.microsoft.com/office/drawing/2010/main">
                   <a:effectLst>
                     <a:outerShdw blurRad="63500" dist="38099" dir="2700000" algn="ctr" rotWithShape="0">
                       <a:schemeClr val="bg2">
@@ -1486,7 +1486,7 @@
             <a:effectLst/>
             <a:extLst>
               <a:ext uri="{91240B29-F687-4f45-9708-019B960494DF}">
-                <a14:hiddenLine xmlns:a14="http://schemas.microsoft.com/office/drawing/2010/main" xmlns="" w="9525">
+                <a14:hiddenLine xmlns="" xmlns:a14="http://schemas.microsoft.com/office/drawing/2010/main" w="9525">
                   <a:solidFill>
                     <a:schemeClr val="tx1"/>
                   </a:solidFill>
@@ -1496,7 +1496,7 @@
                 </a14:hiddenLine>
               </a:ext>
               <a:ext uri="{AF507438-7753-43e0-B8FC-AC1667EBCBE1}">
-                <a14:hiddenEffects xmlns:a14="http://schemas.microsoft.com/office/drawing/2010/main" xmlns="">
+                <a14:hiddenEffects xmlns="" xmlns:a14="http://schemas.microsoft.com/office/drawing/2010/main">
                   <a:effectLst>
                     <a:outerShdw blurRad="63500" dist="38099" dir="2700000" algn="ctr" rotWithShape="0">
                       <a:schemeClr val="bg2">
@@ -1541,7 +1541,7 @@
             <a:effectLst/>
             <a:extLst>
               <a:ext uri="{91240B29-F687-4f45-9708-019B960494DF}">
-                <a14:hiddenLine xmlns:a14="http://schemas.microsoft.com/office/drawing/2010/main" xmlns="" w="9525">
+                <a14:hiddenLine xmlns="" xmlns:a14="http://schemas.microsoft.com/office/drawing/2010/main" w="9525">
                   <a:solidFill>
                     <a:schemeClr val="tx1"/>
                   </a:solidFill>
@@ -1551,7 +1551,7 @@
                 </a14:hiddenLine>
               </a:ext>
               <a:ext uri="{AF507438-7753-43e0-B8FC-AC1667EBCBE1}">
-                <a14:hiddenEffects xmlns:a14="http://schemas.microsoft.com/office/drawing/2010/main" xmlns="">
+                <a14:hiddenEffects xmlns="" xmlns:a14="http://schemas.microsoft.com/office/drawing/2010/main">
                   <a:effectLst>
                     <a:outerShdw blurRad="63500" dist="38099" dir="2700000" algn="ctr" rotWithShape="0">
                       <a:schemeClr val="bg2">
@@ -1596,7 +1596,7 @@
             <a:effectLst/>
             <a:extLst>
               <a:ext uri="{91240B29-F687-4f45-9708-019B960494DF}">
-                <a14:hiddenLine xmlns:a14="http://schemas.microsoft.com/office/drawing/2010/main" xmlns="" w="9525">
+                <a14:hiddenLine xmlns="" xmlns:a14="http://schemas.microsoft.com/office/drawing/2010/main" w="9525">
                   <a:solidFill>
                     <a:schemeClr val="tx1"/>
                   </a:solidFill>
@@ -1606,7 +1606,7 @@
                 </a14:hiddenLine>
               </a:ext>
               <a:ext uri="{AF507438-7753-43e0-B8FC-AC1667EBCBE1}">
-                <a14:hiddenEffects xmlns:a14="http://schemas.microsoft.com/office/drawing/2010/main" xmlns="">
+                <a14:hiddenEffects xmlns="" xmlns:a14="http://schemas.microsoft.com/office/drawing/2010/main">
                   <a:effectLst>
                     <a:outerShdw blurRad="63500" dist="38099" dir="2700000" algn="ctr" rotWithShape="0">
                       <a:schemeClr val="bg2">
@@ -1651,7 +1651,7 @@
             <a:effectLst/>
             <a:extLst>
               <a:ext uri="{91240B29-F687-4f45-9708-019B960494DF}">
-                <a14:hiddenLine xmlns:a14="http://schemas.microsoft.com/office/drawing/2010/main" xmlns="" w="9525">
+                <a14:hiddenLine xmlns="" xmlns:a14="http://schemas.microsoft.com/office/drawing/2010/main" w="9525">
                   <a:solidFill>
                     <a:schemeClr val="tx1"/>
                   </a:solidFill>
@@ -1661,7 +1661,7 @@
                 </a14:hiddenLine>
               </a:ext>
               <a:ext uri="{AF507438-7753-43e0-B8FC-AC1667EBCBE1}">
-                <a14:hiddenEffects xmlns:a14="http://schemas.microsoft.com/office/drawing/2010/main" xmlns="">
+                <a14:hiddenEffects xmlns="" xmlns:a14="http://schemas.microsoft.com/office/drawing/2010/main">
                   <a:effectLst>
                     <a:outerShdw blurRad="63500" dist="38099" dir="2700000" algn="ctr" rotWithShape="0">
                       <a:schemeClr val="bg2">
@@ -1706,7 +1706,7 @@
             <a:effectLst/>
             <a:extLst>
               <a:ext uri="{91240B29-F687-4f45-9708-019B960494DF}">
-                <a14:hiddenLine xmlns:a14="http://schemas.microsoft.com/office/drawing/2010/main" xmlns="" w="9525">
+                <a14:hiddenLine xmlns="" xmlns:a14="http://schemas.microsoft.com/office/drawing/2010/main" w="9525">
                   <a:solidFill>
                     <a:schemeClr val="tx1"/>
                   </a:solidFill>
@@ -1716,7 +1716,7 @@
                 </a14:hiddenLine>
               </a:ext>
               <a:ext uri="{AF507438-7753-43e0-B8FC-AC1667EBCBE1}">
-                <a14:hiddenEffects xmlns:a14="http://schemas.microsoft.com/office/drawing/2010/main" xmlns="">
+                <a14:hiddenEffects xmlns="" xmlns:a14="http://schemas.microsoft.com/office/drawing/2010/main">
                   <a:effectLst>
                     <a:outerShdw blurRad="63500" dist="38099" dir="2700000" algn="ctr" rotWithShape="0">
                       <a:schemeClr val="bg2">
@@ -1761,7 +1761,7 @@
             <a:effectLst/>
             <a:extLst>
               <a:ext uri="{91240B29-F687-4f45-9708-019B960494DF}">
-                <a14:hiddenLine xmlns:a14="http://schemas.microsoft.com/office/drawing/2010/main" xmlns="" w="9525">
+                <a14:hiddenLine xmlns="" xmlns:a14="http://schemas.microsoft.com/office/drawing/2010/main" w="9525">
                   <a:solidFill>
                     <a:schemeClr val="tx1"/>
                   </a:solidFill>
@@ -1771,7 +1771,7 @@
                 </a14:hiddenLine>
               </a:ext>
               <a:ext uri="{AF507438-7753-43e0-B8FC-AC1667EBCBE1}">
-                <a14:hiddenEffects xmlns:a14="http://schemas.microsoft.com/office/drawing/2010/main" xmlns="">
+                <a14:hiddenEffects xmlns="" xmlns:a14="http://schemas.microsoft.com/office/drawing/2010/main">
                   <a:effectLst>
                     <a:outerShdw blurRad="63500" dist="38099" dir="2700000" algn="ctr" rotWithShape="0">
                       <a:schemeClr val="bg2">
@@ -1816,7 +1816,7 @@
             <a:effectLst/>
             <a:extLst>
               <a:ext uri="{91240B29-F687-4f45-9708-019B960494DF}">
-                <a14:hiddenLine xmlns:a14="http://schemas.microsoft.com/office/drawing/2010/main" xmlns="" w="9525">
+                <a14:hiddenLine xmlns="" xmlns:a14="http://schemas.microsoft.com/office/drawing/2010/main" w="9525">
                   <a:solidFill>
                     <a:schemeClr val="tx1"/>
                   </a:solidFill>
@@ -1826,7 +1826,7 @@
                 </a14:hiddenLine>
               </a:ext>
               <a:ext uri="{AF507438-7753-43e0-B8FC-AC1667EBCBE1}">
-                <a14:hiddenEffects xmlns:a14="http://schemas.microsoft.com/office/drawing/2010/main" xmlns="">
+                <a14:hiddenEffects xmlns="" xmlns:a14="http://schemas.microsoft.com/office/drawing/2010/main">
                   <a:effectLst>
                     <a:outerShdw blurRad="63500" dist="38099" dir="2700000" algn="ctr" rotWithShape="0">
                       <a:schemeClr val="bg2">
@@ -1871,7 +1871,7 @@
             <a:effectLst/>
             <a:extLst>
               <a:ext uri="{91240B29-F687-4f45-9708-019B960494DF}">
-                <a14:hiddenLine xmlns:a14="http://schemas.microsoft.com/office/drawing/2010/main" xmlns="" w="9525">
+                <a14:hiddenLine xmlns="" xmlns:a14="http://schemas.microsoft.com/office/drawing/2010/main" w="9525">
                   <a:solidFill>
                     <a:schemeClr val="tx1"/>
                   </a:solidFill>
@@ -1881,7 +1881,7 @@
                 </a14:hiddenLine>
               </a:ext>
               <a:ext uri="{AF507438-7753-43e0-B8FC-AC1667EBCBE1}">
-                <a14:hiddenEffects xmlns:a14="http://schemas.microsoft.com/office/drawing/2010/main" xmlns="">
+                <a14:hiddenEffects xmlns="" xmlns:a14="http://schemas.microsoft.com/office/drawing/2010/main">
                   <a:effectLst>
                     <a:outerShdw blurRad="63500" dist="38099" dir="2700000" algn="ctr" rotWithShape="0">
                       <a:schemeClr val="bg2">
@@ -1926,7 +1926,7 @@
             <a:effectLst/>
             <a:extLst>
               <a:ext uri="{91240B29-F687-4f45-9708-019B960494DF}">
-                <a14:hiddenLine xmlns:a14="http://schemas.microsoft.com/office/drawing/2010/main" xmlns="" w="9525">
+                <a14:hiddenLine xmlns="" xmlns:a14="http://schemas.microsoft.com/office/drawing/2010/main" w="9525">
                   <a:solidFill>
                     <a:schemeClr val="tx1"/>
                   </a:solidFill>
@@ -1936,7 +1936,7 @@
                 </a14:hiddenLine>
               </a:ext>
               <a:ext uri="{AF507438-7753-43e0-B8FC-AC1667EBCBE1}">
-                <a14:hiddenEffects xmlns:a14="http://schemas.microsoft.com/office/drawing/2010/main" xmlns="">
+                <a14:hiddenEffects xmlns="" xmlns:a14="http://schemas.microsoft.com/office/drawing/2010/main">
                   <a:effectLst>
                     <a:outerShdw blurRad="63500" dist="38099" dir="2700000" algn="ctr" rotWithShape="0">
                       <a:schemeClr val="bg2">
@@ -1981,7 +1981,7 @@
             <a:effectLst/>
             <a:extLst>
               <a:ext uri="{91240B29-F687-4f45-9708-019B960494DF}">
-                <a14:hiddenLine xmlns:a14="http://schemas.microsoft.com/office/drawing/2010/main" xmlns="" w="9525">
+                <a14:hiddenLine xmlns="" xmlns:a14="http://schemas.microsoft.com/office/drawing/2010/main" w="9525">
                   <a:solidFill>
                     <a:schemeClr val="tx1"/>
                   </a:solidFill>
@@ -1991,7 +1991,7 @@
                 </a14:hiddenLine>
               </a:ext>
               <a:ext uri="{AF507438-7753-43e0-B8FC-AC1667EBCBE1}">
-                <a14:hiddenEffects xmlns:a14="http://schemas.microsoft.com/office/drawing/2010/main" xmlns="">
+                <a14:hiddenEffects xmlns="" xmlns:a14="http://schemas.microsoft.com/office/drawing/2010/main">
                   <a:effectLst>
                     <a:outerShdw blurRad="63500" dist="38099" dir="2700000" algn="ctr" rotWithShape="0">
                       <a:schemeClr val="bg2">
@@ -2036,7 +2036,7 @@
             <a:effectLst/>
             <a:extLst>
               <a:ext uri="{91240B29-F687-4f45-9708-019B960494DF}">
-                <a14:hiddenLine xmlns:a14="http://schemas.microsoft.com/office/drawing/2010/main" xmlns="" w="9525">
+                <a14:hiddenLine xmlns="" xmlns:a14="http://schemas.microsoft.com/office/drawing/2010/main" w="9525">
                   <a:solidFill>
                     <a:schemeClr val="tx1"/>
                   </a:solidFill>
@@ -2046,7 +2046,7 @@
                 </a14:hiddenLine>
               </a:ext>
               <a:ext uri="{AF507438-7753-43e0-B8FC-AC1667EBCBE1}">
-                <a14:hiddenEffects xmlns:a14="http://schemas.microsoft.com/office/drawing/2010/main" xmlns="">
+                <a14:hiddenEffects xmlns="" xmlns:a14="http://schemas.microsoft.com/office/drawing/2010/main">
                   <a:effectLst>
                     <a:outerShdw blurRad="63500" dist="38099" dir="2700000" algn="ctr" rotWithShape="0">
                       <a:schemeClr val="bg2">
@@ -2091,7 +2091,7 @@
             <a:effectLst/>
             <a:extLst>
               <a:ext uri="{91240B29-F687-4f45-9708-019B960494DF}">
-                <a14:hiddenLine xmlns:a14="http://schemas.microsoft.com/office/drawing/2010/main" xmlns="" w="9525">
+                <a14:hiddenLine xmlns="" xmlns:a14="http://schemas.microsoft.com/office/drawing/2010/main" w="9525">
                   <a:solidFill>
                     <a:schemeClr val="tx1"/>
                   </a:solidFill>
@@ -2101,7 +2101,7 @@
                 </a14:hiddenLine>
               </a:ext>
               <a:ext uri="{AF507438-7753-43e0-B8FC-AC1667EBCBE1}">
-                <a14:hiddenEffects xmlns:a14="http://schemas.microsoft.com/office/drawing/2010/main" xmlns="">
+                <a14:hiddenEffects xmlns="" xmlns:a14="http://schemas.microsoft.com/office/drawing/2010/main">
                   <a:effectLst>
                     <a:outerShdw blurRad="63500" dist="38099" dir="2700000" algn="ctr" rotWithShape="0">
                       <a:schemeClr val="bg2">
@@ -2146,7 +2146,7 @@
             <a:effectLst/>
             <a:extLst>
               <a:ext uri="{91240B29-F687-4f45-9708-019B960494DF}">
-                <a14:hiddenLine xmlns:a14="http://schemas.microsoft.com/office/drawing/2010/main" xmlns="" w="9525">
+                <a14:hiddenLine xmlns="" xmlns:a14="http://schemas.microsoft.com/office/drawing/2010/main" w="9525">
                   <a:solidFill>
                     <a:schemeClr val="tx1"/>
                   </a:solidFill>
@@ -2156,7 +2156,7 @@
                 </a14:hiddenLine>
               </a:ext>
               <a:ext uri="{AF507438-7753-43e0-B8FC-AC1667EBCBE1}">
-                <a14:hiddenEffects xmlns:a14="http://schemas.microsoft.com/office/drawing/2010/main" xmlns="">
+                <a14:hiddenEffects xmlns="" xmlns:a14="http://schemas.microsoft.com/office/drawing/2010/main">
                   <a:effectLst>
                     <a:outerShdw blurRad="63500" dist="38099" dir="2700000" algn="ctr" rotWithShape="0">
                       <a:schemeClr val="bg2">
@@ -2201,7 +2201,7 @@
             <a:effectLst/>
             <a:extLst>
               <a:ext uri="{91240B29-F687-4f45-9708-019B960494DF}">
-                <a14:hiddenLine xmlns:a14="http://schemas.microsoft.com/office/drawing/2010/main" xmlns="" w="9525">
+                <a14:hiddenLine xmlns="" xmlns:a14="http://schemas.microsoft.com/office/drawing/2010/main" w="9525">
                   <a:solidFill>
                     <a:schemeClr val="tx1"/>
                   </a:solidFill>
@@ -2211,7 +2211,7 @@
                 </a14:hiddenLine>
               </a:ext>
               <a:ext uri="{AF507438-7753-43e0-B8FC-AC1667EBCBE1}">
-                <a14:hiddenEffects xmlns:a14="http://schemas.microsoft.com/office/drawing/2010/main" xmlns="">
+                <a14:hiddenEffects xmlns="" xmlns:a14="http://schemas.microsoft.com/office/drawing/2010/main">
                   <a:effectLst>
                     <a:outerShdw blurRad="63500" dist="38099" dir="2700000" algn="ctr" rotWithShape="0">
                       <a:schemeClr val="bg2">
@@ -2256,7 +2256,7 @@
             <a:effectLst/>
             <a:extLst>
               <a:ext uri="{91240B29-F687-4f45-9708-019B960494DF}">
-                <a14:hiddenLine xmlns:a14="http://schemas.microsoft.com/office/drawing/2010/main" xmlns="" w="9525">
+                <a14:hiddenLine xmlns="" xmlns:a14="http://schemas.microsoft.com/office/drawing/2010/main" w="9525">
                   <a:solidFill>
                     <a:schemeClr val="tx1"/>
                   </a:solidFill>
@@ -2266,7 +2266,7 @@
                 </a14:hiddenLine>
               </a:ext>
               <a:ext uri="{AF507438-7753-43e0-B8FC-AC1667EBCBE1}">
-                <a14:hiddenEffects xmlns:a14="http://schemas.microsoft.com/office/drawing/2010/main" xmlns="">
+                <a14:hiddenEffects xmlns="" xmlns:a14="http://schemas.microsoft.com/office/drawing/2010/main">
                   <a:effectLst>
                     <a:outerShdw blurRad="63500" dist="38099" dir="2700000" algn="ctr" rotWithShape="0">
                       <a:schemeClr val="bg2">
@@ -2311,7 +2311,7 @@
             <a:effectLst/>
             <a:extLst>
               <a:ext uri="{91240B29-F687-4f45-9708-019B960494DF}">
-                <a14:hiddenLine xmlns:a14="http://schemas.microsoft.com/office/drawing/2010/main" xmlns="" w="9525">
+                <a14:hiddenLine xmlns="" xmlns:a14="http://schemas.microsoft.com/office/drawing/2010/main" w="9525">
                   <a:solidFill>
                     <a:schemeClr val="tx1"/>
                   </a:solidFill>
@@ -2321,7 +2321,7 @@
                 </a14:hiddenLine>
               </a:ext>
               <a:ext uri="{AF507438-7753-43e0-B8FC-AC1667EBCBE1}">
-                <a14:hiddenEffects xmlns:a14="http://schemas.microsoft.com/office/drawing/2010/main" xmlns="">
+                <a14:hiddenEffects xmlns="" xmlns:a14="http://schemas.microsoft.com/office/drawing/2010/main">
                   <a:effectLst>
                     <a:outerShdw blurRad="63500" dist="38099" dir="2700000" algn="ctr" rotWithShape="0">
                       <a:schemeClr val="bg2">
@@ -2366,7 +2366,7 @@
             <a:effectLst/>
             <a:extLst>
               <a:ext uri="{91240B29-F687-4f45-9708-019B960494DF}">
-                <a14:hiddenLine xmlns:a14="http://schemas.microsoft.com/office/drawing/2010/main" xmlns="" w="9525">
+                <a14:hiddenLine xmlns="" xmlns:a14="http://schemas.microsoft.com/office/drawing/2010/main" w="9525">
                   <a:solidFill>
                     <a:schemeClr val="tx1"/>
                   </a:solidFill>
@@ -2376,7 +2376,7 @@
                 </a14:hiddenLine>
               </a:ext>
               <a:ext uri="{AF507438-7753-43e0-B8FC-AC1667EBCBE1}">
-                <a14:hiddenEffects xmlns:a14="http://schemas.microsoft.com/office/drawing/2010/main" xmlns="">
+                <a14:hiddenEffects xmlns="" xmlns:a14="http://schemas.microsoft.com/office/drawing/2010/main">
                   <a:effectLst>
                     <a:outerShdw blurRad="63500" dist="38099" dir="2700000" algn="ctr" rotWithShape="0">
                       <a:schemeClr val="bg2">
@@ -2421,7 +2421,7 @@
             <a:effectLst/>
             <a:extLst>
               <a:ext uri="{91240B29-F687-4f45-9708-019B960494DF}">
-                <a14:hiddenLine xmlns:a14="http://schemas.microsoft.com/office/drawing/2010/main" xmlns="" w="9525">
+                <a14:hiddenLine xmlns="" xmlns:a14="http://schemas.microsoft.com/office/drawing/2010/main" w="9525">
                   <a:solidFill>
                     <a:schemeClr val="tx1"/>
                   </a:solidFill>
@@ -2431,7 +2431,7 @@
                 </a14:hiddenLine>
               </a:ext>
               <a:ext uri="{AF507438-7753-43e0-B8FC-AC1667EBCBE1}">
-                <a14:hiddenEffects xmlns:a14="http://schemas.microsoft.com/office/drawing/2010/main" xmlns="">
+                <a14:hiddenEffects xmlns="" xmlns:a14="http://schemas.microsoft.com/office/drawing/2010/main">
                   <a:effectLst>
                     <a:outerShdw blurRad="63500" dist="38099" dir="2700000" algn="ctr" rotWithShape="0">
                       <a:schemeClr val="bg2">
@@ -2476,7 +2476,7 @@
             <a:effectLst/>
             <a:extLst>
               <a:ext uri="{91240B29-F687-4f45-9708-019B960494DF}">
-                <a14:hiddenLine xmlns:a14="http://schemas.microsoft.com/office/drawing/2010/main" xmlns="" w="9525">
+                <a14:hiddenLine xmlns="" xmlns:a14="http://schemas.microsoft.com/office/drawing/2010/main" w="9525">
                   <a:solidFill>
                     <a:schemeClr val="tx1"/>
                   </a:solidFill>
@@ -2486,7 +2486,7 @@
                 </a14:hiddenLine>
               </a:ext>
               <a:ext uri="{AF507438-7753-43e0-B8FC-AC1667EBCBE1}">
-                <a14:hiddenEffects xmlns:a14="http://schemas.microsoft.com/office/drawing/2010/main" xmlns="">
+                <a14:hiddenEffects xmlns="" xmlns:a14="http://schemas.microsoft.com/office/drawing/2010/main">
                   <a:effectLst>
                     <a:outerShdw blurRad="63500" dist="38099" dir="2700000" algn="ctr" rotWithShape="0">
                       <a:schemeClr val="bg2">
@@ -2531,7 +2531,7 @@
             <a:effectLst/>
             <a:extLst>
               <a:ext uri="{91240B29-F687-4f45-9708-019B960494DF}">
-                <a14:hiddenLine xmlns:a14="http://schemas.microsoft.com/office/drawing/2010/main" xmlns="" w="9525">
+                <a14:hiddenLine xmlns="" xmlns:a14="http://schemas.microsoft.com/office/drawing/2010/main" w="9525">
                   <a:solidFill>
                     <a:schemeClr val="tx1"/>
                   </a:solidFill>
@@ -2541,7 +2541,7 @@
                 </a14:hiddenLine>
               </a:ext>
               <a:ext uri="{AF507438-7753-43e0-B8FC-AC1667EBCBE1}">
-                <a14:hiddenEffects xmlns:a14="http://schemas.microsoft.com/office/drawing/2010/main" xmlns="">
+                <a14:hiddenEffects xmlns="" xmlns:a14="http://schemas.microsoft.com/office/drawing/2010/main">
                   <a:effectLst>
                     <a:outerShdw blurRad="63500" dist="38099" dir="2700000" algn="ctr" rotWithShape="0">
                       <a:schemeClr val="bg2">
@@ -2586,7 +2586,7 @@
             <a:effectLst/>
             <a:extLst>
               <a:ext uri="{91240B29-F687-4f45-9708-019B960494DF}">
-                <a14:hiddenLine xmlns:a14="http://schemas.microsoft.com/office/drawing/2010/main" xmlns="" w="9525">
+                <a14:hiddenLine xmlns="" xmlns:a14="http://schemas.microsoft.com/office/drawing/2010/main" w="9525">
                   <a:solidFill>
                     <a:schemeClr val="tx1"/>
                   </a:solidFill>
@@ -2596,7 +2596,7 @@
                 </a14:hiddenLine>
               </a:ext>
               <a:ext uri="{AF507438-7753-43e0-B8FC-AC1667EBCBE1}">
-                <a14:hiddenEffects xmlns:a14="http://schemas.microsoft.com/office/drawing/2010/main" xmlns="">
+                <a14:hiddenEffects xmlns="" xmlns:a14="http://schemas.microsoft.com/office/drawing/2010/main">
                   <a:effectLst>
                     <a:outerShdw blurRad="63500" dist="38099" dir="2700000" algn="ctr" rotWithShape="0">
                       <a:schemeClr val="bg2">
@@ -2641,7 +2641,7 @@
             <a:effectLst/>
             <a:extLst>
               <a:ext uri="{91240B29-F687-4f45-9708-019B960494DF}">
-                <a14:hiddenLine xmlns:a14="http://schemas.microsoft.com/office/drawing/2010/main" xmlns="" w="9525">
+                <a14:hiddenLine xmlns="" xmlns:a14="http://schemas.microsoft.com/office/drawing/2010/main" w="9525">
                   <a:solidFill>
                     <a:schemeClr val="tx1"/>
                   </a:solidFill>
@@ -2651,7 +2651,7 @@
                 </a14:hiddenLine>
               </a:ext>
               <a:ext uri="{AF507438-7753-43e0-B8FC-AC1667EBCBE1}">
-                <a14:hiddenEffects xmlns:a14="http://schemas.microsoft.com/office/drawing/2010/main" xmlns="">
+                <a14:hiddenEffects xmlns="" xmlns:a14="http://schemas.microsoft.com/office/drawing/2010/main">
                   <a:effectLst>
                     <a:outerShdw blurRad="63500" dist="38099" dir="2700000" algn="ctr" rotWithShape="0">
                       <a:schemeClr val="bg2">
@@ -2696,7 +2696,7 @@
             <a:effectLst/>
             <a:extLst>
               <a:ext uri="{91240B29-F687-4f45-9708-019B960494DF}">
-                <a14:hiddenLine xmlns:a14="http://schemas.microsoft.com/office/drawing/2010/main" xmlns="" w="9525">
+                <a14:hiddenLine xmlns="" xmlns:a14="http://schemas.microsoft.com/office/drawing/2010/main" w="9525">
                   <a:solidFill>
                     <a:schemeClr val="tx1"/>
                   </a:solidFill>
@@ -2706,7 +2706,7 @@
                 </a14:hiddenLine>
               </a:ext>
               <a:ext uri="{AF507438-7753-43e0-B8FC-AC1667EBCBE1}">
-                <a14:hiddenEffects xmlns:a14="http://schemas.microsoft.com/office/drawing/2010/main" xmlns="">
+                <a14:hiddenEffects xmlns="" xmlns:a14="http://schemas.microsoft.com/office/drawing/2010/main">
                   <a:effectLst>
                     <a:outerShdw blurRad="63500" dist="38099" dir="2700000" algn="ctr" rotWithShape="0">
                       <a:schemeClr val="bg2">
@@ -2751,7 +2751,7 @@
             <a:effectLst/>
             <a:extLst>
               <a:ext uri="{91240B29-F687-4f45-9708-019B960494DF}">
-                <a14:hiddenLine xmlns:a14="http://schemas.microsoft.com/office/drawing/2010/main" xmlns="" w="9525">
+                <a14:hiddenLine xmlns="" xmlns:a14="http://schemas.microsoft.com/office/drawing/2010/main" w="9525">
                   <a:solidFill>
                     <a:schemeClr val="tx1"/>
                   </a:solidFill>
@@ -2761,7 +2761,7 @@
                 </a14:hiddenLine>
               </a:ext>
               <a:ext uri="{AF507438-7753-43e0-B8FC-AC1667EBCBE1}">
-                <a14:hiddenEffects xmlns:a14="http://schemas.microsoft.com/office/drawing/2010/main" xmlns="">
+                <a14:hiddenEffects xmlns="" xmlns:a14="http://schemas.microsoft.com/office/drawing/2010/main">
                   <a:effectLst>
                     <a:outerShdw blurRad="63500" dist="38099" dir="2700000" algn="ctr" rotWithShape="0">
                       <a:schemeClr val="bg2">
@@ -2806,7 +2806,7 @@
             <a:effectLst/>
             <a:extLst>
               <a:ext uri="{91240B29-F687-4f45-9708-019B960494DF}">
-                <a14:hiddenLine xmlns:a14="http://schemas.microsoft.com/office/drawing/2010/main" xmlns="" w="9525">
+                <a14:hiddenLine xmlns="" xmlns:a14="http://schemas.microsoft.com/office/drawing/2010/main" w="9525">
                   <a:solidFill>
                     <a:schemeClr val="tx1"/>
                   </a:solidFill>
@@ -2816,7 +2816,7 @@
                 </a14:hiddenLine>
               </a:ext>
               <a:ext uri="{AF507438-7753-43e0-B8FC-AC1667EBCBE1}">
-                <a14:hiddenEffects xmlns:a14="http://schemas.microsoft.com/office/drawing/2010/main" xmlns="">
+                <a14:hiddenEffects xmlns="" xmlns:a14="http://schemas.microsoft.com/office/drawing/2010/main">
                   <a:effectLst>
                     <a:outerShdw blurRad="63500" dist="38099" dir="2700000" algn="ctr" rotWithShape="0">
                       <a:schemeClr val="bg2">
@@ -2861,7 +2861,7 @@
             <a:effectLst/>
             <a:extLst>
               <a:ext uri="{91240B29-F687-4f45-9708-019B960494DF}">
-                <a14:hiddenLine xmlns:a14="http://schemas.microsoft.com/office/drawing/2010/main" xmlns="" w="9525">
+                <a14:hiddenLine xmlns="" xmlns:a14="http://schemas.microsoft.com/office/drawing/2010/main" w="9525">
                   <a:solidFill>
                     <a:schemeClr val="tx1"/>
                   </a:solidFill>
@@ -2871,7 +2871,7 @@
                 </a14:hiddenLine>
               </a:ext>
               <a:ext uri="{AF507438-7753-43e0-B8FC-AC1667EBCBE1}">
-                <a14:hiddenEffects xmlns:a14="http://schemas.microsoft.com/office/drawing/2010/main" xmlns="">
+                <a14:hiddenEffects xmlns="" xmlns:a14="http://schemas.microsoft.com/office/drawing/2010/main">
                   <a:effectLst>
                     <a:outerShdw blurRad="63500" dist="38099" dir="2700000" algn="ctr" rotWithShape="0">
                       <a:schemeClr val="bg2">
@@ -2916,7 +2916,7 @@
             <a:effectLst/>
             <a:extLst>
               <a:ext uri="{91240B29-F687-4f45-9708-019B960494DF}">
-                <a14:hiddenLine xmlns:a14="http://schemas.microsoft.com/office/drawing/2010/main" xmlns="" w="9525">
+                <a14:hiddenLine xmlns="" xmlns:a14="http://schemas.microsoft.com/office/drawing/2010/main" w="9525">
                   <a:solidFill>
                     <a:schemeClr val="tx1"/>
                   </a:solidFill>
@@ -2926,7 +2926,7 @@
                 </a14:hiddenLine>
               </a:ext>
               <a:ext uri="{AF507438-7753-43e0-B8FC-AC1667EBCBE1}">
-                <a14:hiddenEffects xmlns:a14="http://schemas.microsoft.com/office/drawing/2010/main" xmlns="">
+                <a14:hiddenEffects xmlns="" xmlns:a14="http://schemas.microsoft.com/office/drawing/2010/main">
                   <a:effectLst>
                     <a:outerShdw blurRad="63500" dist="38099" dir="2700000" algn="ctr" rotWithShape="0">
                       <a:schemeClr val="bg2">
@@ -2971,7 +2971,7 @@
             <a:effectLst/>
             <a:extLst>
               <a:ext uri="{91240B29-F687-4f45-9708-019B960494DF}">
-                <a14:hiddenLine xmlns:a14="http://schemas.microsoft.com/office/drawing/2010/main" xmlns="" w="9525">
+                <a14:hiddenLine xmlns="" xmlns:a14="http://schemas.microsoft.com/office/drawing/2010/main" w="9525">
                   <a:solidFill>
                     <a:schemeClr val="tx1"/>
                   </a:solidFill>
@@ -2981,7 +2981,7 @@
                 </a14:hiddenLine>
               </a:ext>
               <a:ext uri="{AF507438-7753-43e0-B8FC-AC1667EBCBE1}">
-                <a14:hiddenEffects xmlns:a14="http://schemas.microsoft.com/office/drawing/2010/main" xmlns="">
+                <a14:hiddenEffects xmlns="" xmlns:a14="http://schemas.microsoft.com/office/drawing/2010/main">
                   <a:effectLst>
                     <a:outerShdw blurRad="63500" dist="38099" dir="2700000" algn="ctr" rotWithShape="0">
                       <a:schemeClr val="bg2">
@@ -3030,12 +3030,12 @@
           <a:effectLst/>
           <a:extLst>
             <a:ext uri="{909E8E84-426E-40dd-AFC4-6F175D3DCCD1}">
-              <a14:hiddenFill xmlns:a14="http://schemas.microsoft.com/office/drawing/2010/main" xmlns="">
+              <a14:hiddenFill xmlns="" xmlns:a14="http://schemas.microsoft.com/office/drawing/2010/main">
                 <a:noFill/>
               </a14:hiddenFill>
             </a:ext>
             <a:ext uri="{AF507438-7753-43e0-B8FC-AC1667EBCBE1}">
-              <a14:hiddenEffects xmlns:a14="http://schemas.microsoft.com/office/drawing/2010/main" xmlns="">
+              <a14:hiddenEffects xmlns="" xmlns:a14="http://schemas.microsoft.com/office/drawing/2010/main">
                 <a:effectLst>
                   <a:outerShdw blurRad="63500" dist="38099" dir="2700000" algn="ctr" rotWithShape="0">
                     <a:schemeClr val="bg2">
@@ -5359,12 +5359,12 @@
           <a:effectLst/>
           <a:extLst>
             <a:ext uri="{909E8E84-426E-40dd-AFC4-6F175D3DCCD1}">
-              <a14:hiddenFill xmlns:a14="http://schemas.microsoft.com/office/drawing/2010/main" xmlns="">
+              <a14:hiddenFill xmlns="" xmlns:a14="http://schemas.microsoft.com/office/drawing/2010/main">
                 <a:noFill/>
               </a14:hiddenFill>
             </a:ext>
             <a:ext uri="{AF507438-7753-43e0-B8FC-AC1667EBCBE1}">
-              <a14:hiddenEffects xmlns:a14="http://schemas.microsoft.com/office/drawing/2010/main" xmlns="">
+              <a14:hiddenEffects xmlns="" xmlns:a14="http://schemas.microsoft.com/office/drawing/2010/main">
                 <a:effectLst>
                   <a:outerShdw blurRad="63500" dist="38099" dir="2700000" algn="ctr" rotWithShape="0">
                     <a:schemeClr val="bg2">
@@ -5409,17 +5409,17 @@
           <a:effectLst/>
           <a:extLst>
             <a:ext uri="{FAA26D3D-D897-4be2-8F04-BA451C77F1D7}">
-              <ma14:placeholderFlag xmlns="" xmlns:ma14="http://schemas.microsoft.com/office/mac/drawingml/2011/main" val="1"/>
+              <ma14:placeholderFlag xmlns:ma14="http://schemas.microsoft.com/office/mac/drawingml/2011/main" xmlns="" val="1"/>
             </a:ext>
             <a:ext uri="{909E8E84-426E-40dd-AFC4-6F175D3DCCD1}">
-              <a14:hiddenFill xmlns:a14="http://schemas.microsoft.com/office/drawing/2010/main" xmlns="">
+              <a14:hiddenFill xmlns="" xmlns:a14="http://schemas.microsoft.com/office/drawing/2010/main">
                 <a:solidFill>
                   <a:schemeClr val="accent1"/>
                 </a:solidFill>
               </a14:hiddenFill>
             </a:ext>
             <a:ext uri="{91240B29-F687-4f45-9708-019B960494DF}">
-              <a14:hiddenLine xmlns:a14="http://schemas.microsoft.com/office/drawing/2010/main" xmlns="" w="9525">
+              <a14:hiddenLine xmlns="" xmlns:a14="http://schemas.microsoft.com/office/drawing/2010/main" w="9525">
                 <a:solidFill>
                   <a:schemeClr val="tx1"/>
                 </a:solidFill>
@@ -5429,7 +5429,7 @@
               </a14:hiddenLine>
             </a:ext>
             <a:ext uri="{AF507438-7753-43e0-B8FC-AC1667EBCBE1}">
-              <a14:hiddenEffects xmlns:a14="http://schemas.microsoft.com/office/drawing/2010/main" xmlns="">
+              <a14:hiddenEffects xmlns="" xmlns:a14="http://schemas.microsoft.com/office/drawing/2010/main">
                 <a:effectLst>
                   <a:outerShdw blurRad="63500" dist="38099" dir="2700000" algn="ctr" rotWithShape="0">
                     <a:schemeClr val="bg2">
@@ -5482,17 +5482,17 @@
           <a:effectLst/>
           <a:extLst>
             <a:ext uri="{FAA26D3D-D897-4be2-8F04-BA451C77F1D7}">
-              <ma14:placeholderFlag xmlns="" xmlns:ma14="http://schemas.microsoft.com/office/mac/drawingml/2011/main" val="1"/>
+              <ma14:placeholderFlag xmlns:ma14="http://schemas.microsoft.com/office/mac/drawingml/2011/main" xmlns="" val="1"/>
             </a:ext>
             <a:ext uri="{909E8E84-426E-40dd-AFC4-6F175D3DCCD1}">
-              <a14:hiddenFill xmlns:a14="http://schemas.microsoft.com/office/drawing/2010/main" xmlns="">
+              <a14:hiddenFill xmlns="" xmlns:a14="http://schemas.microsoft.com/office/drawing/2010/main">
                 <a:solidFill>
                   <a:schemeClr val="accent1"/>
                 </a:solidFill>
               </a14:hiddenFill>
             </a:ext>
             <a:ext uri="{91240B29-F687-4f45-9708-019B960494DF}">
-              <a14:hiddenLine xmlns:a14="http://schemas.microsoft.com/office/drawing/2010/main" xmlns="" w="9525">
+              <a14:hiddenLine xmlns="" xmlns:a14="http://schemas.microsoft.com/office/drawing/2010/main" w="9525">
                 <a:solidFill>
                   <a:schemeClr val="tx1"/>
                 </a:solidFill>
@@ -5502,7 +5502,7 @@
               </a14:hiddenLine>
             </a:ext>
             <a:ext uri="{AF507438-7753-43e0-B8FC-AC1667EBCBE1}">
-              <a14:hiddenEffects xmlns:a14="http://schemas.microsoft.com/office/drawing/2010/main" xmlns="">
+              <a14:hiddenEffects xmlns="" xmlns:a14="http://schemas.microsoft.com/office/drawing/2010/main">
                 <a:effectLst>
                   <a:outerShdw blurRad="63500" dist="38099" dir="2700000" algn="ctr" rotWithShape="0">
                     <a:schemeClr val="bg2">
@@ -5583,17 +5583,17 @@
           <a:effectLst/>
           <a:extLst>
             <a:ext uri="{FAA26D3D-D897-4be2-8F04-BA451C77F1D7}">
-              <ma14:placeholderFlag xmlns="" xmlns:ma14="http://schemas.microsoft.com/office/mac/drawingml/2011/main" val="1"/>
+              <ma14:placeholderFlag xmlns:ma14="http://schemas.microsoft.com/office/mac/drawingml/2011/main" xmlns="" val="1"/>
             </a:ext>
             <a:ext uri="{909E8E84-426E-40dd-AFC4-6F175D3DCCD1}">
-              <a14:hiddenFill xmlns:a14="http://schemas.microsoft.com/office/drawing/2010/main" xmlns="">
+              <a14:hiddenFill xmlns="" xmlns:a14="http://schemas.microsoft.com/office/drawing/2010/main">
                 <a:solidFill>
                   <a:schemeClr val="accent1"/>
                 </a:solidFill>
               </a14:hiddenFill>
             </a:ext>
             <a:ext uri="{91240B29-F687-4f45-9708-019B960494DF}">
-              <a14:hiddenLine xmlns:a14="http://schemas.microsoft.com/office/drawing/2010/main" xmlns="" w="9525">
+              <a14:hiddenLine xmlns="" xmlns:a14="http://schemas.microsoft.com/office/drawing/2010/main" w="9525">
                 <a:solidFill>
                   <a:schemeClr val="tx1"/>
                 </a:solidFill>
@@ -5603,7 +5603,7 @@
               </a14:hiddenLine>
             </a:ext>
             <a:ext uri="{AF507438-7753-43e0-B8FC-AC1667EBCBE1}">
-              <a14:hiddenEffects xmlns:a14="http://schemas.microsoft.com/office/drawing/2010/main" xmlns="">
+              <a14:hiddenEffects xmlns="" xmlns:a14="http://schemas.microsoft.com/office/drawing/2010/main">
                 <a:effectLst>
                   <a:outerShdw blurRad="63500" dist="38099" dir="2700000" algn="ctr" rotWithShape="0">
                     <a:schemeClr val="bg2">
@@ -5658,17 +5658,17 @@
           <a:effectLst/>
           <a:extLst>
             <a:ext uri="{FAA26D3D-D897-4be2-8F04-BA451C77F1D7}">
-              <ma14:placeholderFlag xmlns="" xmlns:ma14="http://schemas.microsoft.com/office/mac/drawingml/2011/main" val="1"/>
+              <ma14:placeholderFlag xmlns:ma14="http://schemas.microsoft.com/office/mac/drawingml/2011/main" xmlns="" val="1"/>
             </a:ext>
             <a:ext uri="{909E8E84-426E-40dd-AFC4-6F175D3DCCD1}">
-              <a14:hiddenFill xmlns:a14="http://schemas.microsoft.com/office/drawing/2010/main" xmlns="">
+              <a14:hiddenFill xmlns="" xmlns:a14="http://schemas.microsoft.com/office/drawing/2010/main">
                 <a:solidFill>
                   <a:schemeClr val="accent1"/>
                 </a:solidFill>
               </a14:hiddenFill>
             </a:ext>
             <a:ext uri="{91240B29-F687-4f45-9708-019B960494DF}">
-              <a14:hiddenLine xmlns:a14="http://schemas.microsoft.com/office/drawing/2010/main" xmlns="" w="9525">
+              <a14:hiddenLine xmlns="" xmlns:a14="http://schemas.microsoft.com/office/drawing/2010/main" w="9525">
                 <a:solidFill>
                   <a:schemeClr val="tx1"/>
                 </a:solidFill>
@@ -5678,7 +5678,7 @@
               </a14:hiddenLine>
             </a:ext>
             <a:ext uri="{AF507438-7753-43e0-B8FC-AC1667EBCBE1}">
-              <a14:hiddenEffects xmlns:a14="http://schemas.microsoft.com/office/drawing/2010/main" xmlns="">
+              <a14:hiddenEffects xmlns="" xmlns:a14="http://schemas.microsoft.com/office/drawing/2010/main">
                 <a:effectLst>
                   <a:outerShdw blurRad="63500" dist="38099" dir="2700000" algn="ctr" rotWithShape="0">
                     <a:schemeClr val="bg2">
@@ -5733,17 +5733,17 @@
           <a:effectLst/>
           <a:extLst>
             <a:ext uri="{FAA26D3D-D897-4be2-8F04-BA451C77F1D7}">
-              <ma14:placeholderFlag xmlns="" xmlns:ma14="http://schemas.microsoft.com/office/mac/drawingml/2011/main" val="1"/>
+              <ma14:placeholderFlag xmlns:ma14="http://schemas.microsoft.com/office/mac/drawingml/2011/main" xmlns="" val="1"/>
             </a:ext>
             <a:ext uri="{909E8E84-426E-40dd-AFC4-6F175D3DCCD1}">
-              <a14:hiddenFill xmlns:a14="http://schemas.microsoft.com/office/drawing/2010/main" xmlns="">
+              <a14:hiddenFill xmlns="" xmlns:a14="http://schemas.microsoft.com/office/drawing/2010/main">
                 <a:solidFill>
                   <a:schemeClr val="accent1"/>
                 </a:solidFill>
               </a14:hiddenFill>
             </a:ext>
             <a:ext uri="{91240B29-F687-4f45-9708-019B960494DF}">
-              <a14:hiddenLine xmlns:a14="http://schemas.microsoft.com/office/drawing/2010/main" xmlns="" w="9525">
+              <a14:hiddenLine xmlns="" xmlns:a14="http://schemas.microsoft.com/office/drawing/2010/main" w="9525">
                 <a:solidFill>
                   <a:schemeClr val="tx1"/>
                 </a:solidFill>
@@ -5753,7 +5753,7 @@
               </a14:hiddenLine>
             </a:ext>
             <a:ext uri="{AF507438-7753-43e0-B8FC-AC1667EBCBE1}">
-              <a14:hiddenEffects xmlns:a14="http://schemas.microsoft.com/office/drawing/2010/main" xmlns="">
+              <a14:hiddenEffects xmlns="" xmlns:a14="http://schemas.microsoft.com/office/drawing/2010/main">
                 <a:effectLst>
                   <a:outerShdw blurRad="63500" dist="38099" dir="2700000" algn="ctr" rotWithShape="0">
                     <a:schemeClr val="bg2">
@@ -5829,7 +5829,7 @@
             <a:effectLst/>
             <a:extLst>
               <a:ext uri="{91240B29-F687-4f45-9708-019B960494DF}">
-                <a14:hiddenLine xmlns:a14="http://schemas.microsoft.com/office/drawing/2010/main" xmlns="" w="9525">
+                <a14:hiddenLine xmlns="" xmlns:a14="http://schemas.microsoft.com/office/drawing/2010/main" w="9525">
                   <a:solidFill>
                     <a:schemeClr val="tx1"/>
                   </a:solidFill>
@@ -5839,7 +5839,7 @@
                 </a14:hiddenLine>
               </a:ext>
               <a:ext uri="{AF507438-7753-43e0-B8FC-AC1667EBCBE1}">
-                <a14:hiddenEffects xmlns:a14="http://schemas.microsoft.com/office/drawing/2010/main" xmlns="">
+                <a14:hiddenEffects xmlns="" xmlns:a14="http://schemas.microsoft.com/office/drawing/2010/main">
                   <a:effectLst>
                     <a:outerShdw blurRad="63500" dist="38099" dir="2700000" algn="ctr" rotWithShape="0">
                       <a:schemeClr val="bg2">
@@ -5884,7 +5884,7 @@
             <a:effectLst/>
             <a:extLst>
               <a:ext uri="{91240B29-F687-4f45-9708-019B960494DF}">
-                <a14:hiddenLine xmlns:a14="http://schemas.microsoft.com/office/drawing/2010/main" xmlns="" w="9525">
+                <a14:hiddenLine xmlns="" xmlns:a14="http://schemas.microsoft.com/office/drawing/2010/main" w="9525">
                   <a:solidFill>
                     <a:schemeClr val="tx1"/>
                   </a:solidFill>
@@ -5894,7 +5894,7 @@
                 </a14:hiddenLine>
               </a:ext>
               <a:ext uri="{AF507438-7753-43e0-B8FC-AC1667EBCBE1}">
-                <a14:hiddenEffects xmlns:a14="http://schemas.microsoft.com/office/drawing/2010/main" xmlns="">
+                <a14:hiddenEffects xmlns="" xmlns:a14="http://schemas.microsoft.com/office/drawing/2010/main">
                   <a:effectLst>
                     <a:outerShdw blurRad="63500" dist="38099" dir="2700000" algn="ctr" rotWithShape="0">
                       <a:schemeClr val="bg2">
@@ -5939,7 +5939,7 @@
             <a:effectLst/>
             <a:extLst>
               <a:ext uri="{91240B29-F687-4f45-9708-019B960494DF}">
-                <a14:hiddenLine xmlns:a14="http://schemas.microsoft.com/office/drawing/2010/main" xmlns="" w="9525">
+                <a14:hiddenLine xmlns="" xmlns:a14="http://schemas.microsoft.com/office/drawing/2010/main" w="9525">
                   <a:solidFill>
                     <a:schemeClr val="tx1"/>
                   </a:solidFill>
@@ -5949,7 +5949,7 @@
                 </a14:hiddenLine>
               </a:ext>
               <a:ext uri="{AF507438-7753-43e0-B8FC-AC1667EBCBE1}">
-                <a14:hiddenEffects xmlns:a14="http://schemas.microsoft.com/office/drawing/2010/main" xmlns="">
+                <a14:hiddenEffects xmlns="" xmlns:a14="http://schemas.microsoft.com/office/drawing/2010/main">
                   <a:effectLst>
                     <a:outerShdw blurRad="63500" dist="38099" dir="2700000" algn="ctr" rotWithShape="0">
                       <a:schemeClr val="bg2">
@@ -5994,7 +5994,7 @@
             <a:effectLst/>
             <a:extLst>
               <a:ext uri="{91240B29-F687-4f45-9708-019B960494DF}">
-                <a14:hiddenLine xmlns:a14="http://schemas.microsoft.com/office/drawing/2010/main" xmlns="" w="9525">
+                <a14:hiddenLine xmlns="" xmlns:a14="http://schemas.microsoft.com/office/drawing/2010/main" w="9525">
                   <a:solidFill>
                     <a:schemeClr val="tx1"/>
                   </a:solidFill>
@@ -6004,7 +6004,7 @@
                 </a14:hiddenLine>
               </a:ext>
               <a:ext uri="{AF507438-7753-43e0-B8FC-AC1667EBCBE1}">
-                <a14:hiddenEffects xmlns:a14="http://schemas.microsoft.com/office/drawing/2010/main" xmlns="">
+                <a14:hiddenEffects xmlns="" xmlns:a14="http://schemas.microsoft.com/office/drawing/2010/main">
                   <a:effectLst>
                     <a:outerShdw blurRad="63500" dist="38099" dir="2700000" algn="ctr" rotWithShape="0">
                       <a:schemeClr val="bg2">
@@ -6049,7 +6049,7 @@
             <a:effectLst/>
             <a:extLst>
               <a:ext uri="{91240B29-F687-4f45-9708-019B960494DF}">
-                <a14:hiddenLine xmlns:a14="http://schemas.microsoft.com/office/drawing/2010/main" xmlns="" w="9525">
+                <a14:hiddenLine xmlns="" xmlns:a14="http://schemas.microsoft.com/office/drawing/2010/main" w="9525">
                   <a:solidFill>
                     <a:schemeClr val="tx1"/>
                   </a:solidFill>
@@ -6059,7 +6059,7 @@
                 </a14:hiddenLine>
               </a:ext>
               <a:ext uri="{AF507438-7753-43e0-B8FC-AC1667EBCBE1}">
-                <a14:hiddenEffects xmlns:a14="http://schemas.microsoft.com/office/drawing/2010/main" xmlns="">
+                <a14:hiddenEffects xmlns="" xmlns:a14="http://schemas.microsoft.com/office/drawing/2010/main">
                   <a:effectLst>
                     <a:outerShdw blurRad="63500" dist="38099" dir="2700000" algn="ctr" rotWithShape="0">
                       <a:schemeClr val="bg2">
@@ -6104,7 +6104,7 @@
             <a:effectLst/>
             <a:extLst>
               <a:ext uri="{91240B29-F687-4f45-9708-019B960494DF}">
-                <a14:hiddenLine xmlns:a14="http://schemas.microsoft.com/office/drawing/2010/main" xmlns="" w="9525">
+                <a14:hiddenLine xmlns="" xmlns:a14="http://schemas.microsoft.com/office/drawing/2010/main" w="9525">
                   <a:solidFill>
                     <a:schemeClr val="tx1"/>
                   </a:solidFill>
@@ -6114,7 +6114,7 @@
                 </a14:hiddenLine>
               </a:ext>
               <a:ext uri="{AF507438-7753-43e0-B8FC-AC1667EBCBE1}">
-                <a14:hiddenEffects xmlns:a14="http://schemas.microsoft.com/office/drawing/2010/main" xmlns="">
+                <a14:hiddenEffects xmlns="" xmlns:a14="http://schemas.microsoft.com/office/drawing/2010/main">
                   <a:effectLst>
                     <a:outerShdw blurRad="63500" dist="38099" dir="2700000" algn="ctr" rotWithShape="0">
                       <a:schemeClr val="bg2">
@@ -6159,7 +6159,7 @@
             <a:effectLst/>
             <a:extLst>
               <a:ext uri="{91240B29-F687-4f45-9708-019B960494DF}">
-                <a14:hiddenLine xmlns:a14="http://schemas.microsoft.com/office/drawing/2010/main" xmlns="" w="9525">
+                <a14:hiddenLine xmlns="" xmlns:a14="http://schemas.microsoft.com/office/drawing/2010/main" w="9525">
                   <a:solidFill>
                     <a:schemeClr val="tx1"/>
                   </a:solidFill>
@@ -6169,7 +6169,7 @@
                 </a14:hiddenLine>
               </a:ext>
               <a:ext uri="{AF507438-7753-43e0-B8FC-AC1667EBCBE1}">
-                <a14:hiddenEffects xmlns:a14="http://schemas.microsoft.com/office/drawing/2010/main" xmlns="">
+                <a14:hiddenEffects xmlns="" xmlns:a14="http://schemas.microsoft.com/office/drawing/2010/main">
                   <a:effectLst>
                     <a:outerShdw blurRad="63500" dist="38099" dir="2700000" algn="ctr" rotWithShape="0">
                       <a:schemeClr val="bg2">
@@ -6214,7 +6214,7 @@
             <a:effectLst/>
             <a:extLst>
               <a:ext uri="{91240B29-F687-4f45-9708-019B960494DF}">
-                <a14:hiddenLine xmlns:a14="http://schemas.microsoft.com/office/drawing/2010/main" xmlns="" w="9525">
+                <a14:hiddenLine xmlns="" xmlns:a14="http://schemas.microsoft.com/office/drawing/2010/main" w="9525">
                   <a:solidFill>
                     <a:schemeClr val="tx1"/>
                   </a:solidFill>
@@ -6224,7 +6224,7 @@
                 </a14:hiddenLine>
               </a:ext>
               <a:ext uri="{AF507438-7753-43e0-B8FC-AC1667EBCBE1}">
-                <a14:hiddenEffects xmlns:a14="http://schemas.microsoft.com/office/drawing/2010/main" xmlns="">
+                <a14:hiddenEffects xmlns="" xmlns:a14="http://schemas.microsoft.com/office/drawing/2010/main">
                   <a:effectLst>
                     <a:outerShdw blurRad="63500" dist="38099" dir="2700000" algn="ctr" rotWithShape="0">
                       <a:schemeClr val="bg2">
@@ -6269,7 +6269,7 @@
             <a:effectLst/>
             <a:extLst>
               <a:ext uri="{91240B29-F687-4f45-9708-019B960494DF}">
-                <a14:hiddenLine xmlns:a14="http://schemas.microsoft.com/office/drawing/2010/main" xmlns="" w="9525">
+                <a14:hiddenLine xmlns="" xmlns:a14="http://schemas.microsoft.com/office/drawing/2010/main" w="9525">
                   <a:solidFill>
                     <a:schemeClr val="tx1"/>
                   </a:solidFill>
@@ -6279,7 +6279,7 @@
                 </a14:hiddenLine>
               </a:ext>
               <a:ext uri="{AF507438-7753-43e0-B8FC-AC1667EBCBE1}">
-                <a14:hiddenEffects xmlns:a14="http://schemas.microsoft.com/office/drawing/2010/main" xmlns="">
+                <a14:hiddenEffects xmlns="" xmlns:a14="http://schemas.microsoft.com/office/drawing/2010/main">
                   <a:effectLst>
                     <a:outerShdw blurRad="63500" dist="38099" dir="2700000" algn="ctr" rotWithShape="0">
                       <a:schemeClr val="bg2">
@@ -6324,7 +6324,7 @@
             <a:effectLst/>
             <a:extLst>
               <a:ext uri="{91240B29-F687-4f45-9708-019B960494DF}">
-                <a14:hiddenLine xmlns:a14="http://schemas.microsoft.com/office/drawing/2010/main" xmlns="" w="9525">
+                <a14:hiddenLine xmlns="" xmlns:a14="http://schemas.microsoft.com/office/drawing/2010/main" w="9525">
                   <a:solidFill>
                     <a:schemeClr val="tx1"/>
                   </a:solidFill>
@@ -6334,7 +6334,7 @@
                 </a14:hiddenLine>
               </a:ext>
               <a:ext uri="{AF507438-7753-43e0-B8FC-AC1667EBCBE1}">
-                <a14:hiddenEffects xmlns:a14="http://schemas.microsoft.com/office/drawing/2010/main" xmlns="">
+                <a14:hiddenEffects xmlns="" xmlns:a14="http://schemas.microsoft.com/office/drawing/2010/main">
                   <a:effectLst>
                     <a:outerShdw blurRad="63500" dist="38099" dir="2700000" algn="ctr" rotWithShape="0">
                       <a:schemeClr val="bg2">
@@ -6379,7 +6379,7 @@
             <a:effectLst/>
             <a:extLst>
               <a:ext uri="{91240B29-F687-4f45-9708-019B960494DF}">
-                <a14:hiddenLine xmlns:a14="http://schemas.microsoft.com/office/drawing/2010/main" xmlns="" w="9525">
+                <a14:hiddenLine xmlns="" xmlns:a14="http://schemas.microsoft.com/office/drawing/2010/main" w="9525">
                   <a:solidFill>
                     <a:schemeClr val="tx1"/>
                   </a:solidFill>
@@ -6389,7 +6389,7 @@
                 </a14:hiddenLine>
               </a:ext>
               <a:ext uri="{AF507438-7753-43e0-B8FC-AC1667EBCBE1}">
-                <a14:hiddenEffects xmlns:a14="http://schemas.microsoft.com/office/drawing/2010/main" xmlns="">
+                <a14:hiddenEffects xmlns="" xmlns:a14="http://schemas.microsoft.com/office/drawing/2010/main">
                   <a:effectLst>
                     <a:outerShdw blurRad="63500" dist="38099" dir="2700000" algn="ctr" rotWithShape="0">
                       <a:schemeClr val="bg2">
@@ -6434,7 +6434,7 @@
             <a:effectLst/>
             <a:extLst>
               <a:ext uri="{91240B29-F687-4f45-9708-019B960494DF}">
-                <a14:hiddenLine xmlns:a14="http://schemas.microsoft.com/office/drawing/2010/main" xmlns="" w="9525">
+                <a14:hiddenLine xmlns="" xmlns:a14="http://schemas.microsoft.com/office/drawing/2010/main" w="9525">
                   <a:solidFill>
                     <a:schemeClr val="tx1"/>
                   </a:solidFill>
@@ -6444,7 +6444,7 @@
                 </a14:hiddenLine>
               </a:ext>
               <a:ext uri="{AF507438-7753-43e0-B8FC-AC1667EBCBE1}">
-                <a14:hiddenEffects xmlns:a14="http://schemas.microsoft.com/office/drawing/2010/main" xmlns="">
+                <a14:hiddenEffects xmlns="" xmlns:a14="http://schemas.microsoft.com/office/drawing/2010/main">
                   <a:effectLst>
                     <a:outerShdw blurRad="63500" dist="38099" dir="2700000" algn="ctr" rotWithShape="0">
                       <a:schemeClr val="bg2">
@@ -6489,7 +6489,7 @@
             <a:effectLst/>
             <a:extLst>
               <a:ext uri="{91240B29-F687-4f45-9708-019B960494DF}">
-                <a14:hiddenLine xmlns:a14="http://schemas.microsoft.com/office/drawing/2010/main" xmlns="" w="9525">
+                <a14:hiddenLine xmlns="" xmlns:a14="http://schemas.microsoft.com/office/drawing/2010/main" w="9525">
                   <a:solidFill>
                     <a:schemeClr val="tx1"/>
                   </a:solidFill>
@@ -6499,7 +6499,7 @@
                 </a14:hiddenLine>
               </a:ext>
               <a:ext uri="{AF507438-7753-43e0-B8FC-AC1667EBCBE1}">
-                <a14:hiddenEffects xmlns:a14="http://schemas.microsoft.com/office/drawing/2010/main" xmlns="">
+                <a14:hiddenEffects xmlns="" xmlns:a14="http://schemas.microsoft.com/office/drawing/2010/main">
                   <a:effectLst>
                     <a:outerShdw blurRad="63500" dist="38099" dir="2700000" algn="ctr" rotWithShape="0">
                       <a:schemeClr val="bg2">
@@ -6544,7 +6544,7 @@
             <a:effectLst/>
             <a:extLst>
               <a:ext uri="{91240B29-F687-4f45-9708-019B960494DF}">
-                <a14:hiddenLine xmlns:a14="http://schemas.microsoft.com/office/drawing/2010/main" xmlns="" w="9525">
+                <a14:hiddenLine xmlns="" xmlns:a14="http://schemas.microsoft.com/office/drawing/2010/main" w="9525">
                   <a:solidFill>
                     <a:schemeClr val="tx1"/>
                   </a:solidFill>
@@ -6554,7 +6554,7 @@
                 </a14:hiddenLine>
               </a:ext>
               <a:ext uri="{AF507438-7753-43e0-B8FC-AC1667EBCBE1}">
-                <a14:hiddenEffects xmlns:a14="http://schemas.microsoft.com/office/drawing/2010/main" xmlns="">
+                <a14:hiddenEffects xmlns="" xmlns:a14="http://schemas.microsoft.com/office/drawing/2010/main">
                   <a:effectLst>
                     <a:outerShdw blurRad="63500" dist="38099" dir="2700000" algn="ctr" rotWithShape="0">
                       <a:schemeClr val="bg2">
@@ -6599,7 +6599,7 @@
             <a:effectLst/>
             <a:extLst>
               <a:ext uri="{91240B29-F687-4f45-9708-019B960494DF}">
-                <a14:hiddenLine xmlns:a14="http://schemas.microsoft.com/office/drawing/2010/main" xmlns="" w="9525">
+                <a14:hiddenLine xmlns="" xmlns:a14="http://schemas.microsoft.com/office/drawing/2010/main" w="9525">
                   <a:solidFill>
                     <a:schemeClr val="tx1"/>
                   </a:solidFill>
@@ -6609,7 +6609,7 @@
                 </a14:hiddenLine>
               </a:ext>
               <a:ext uri="{AF507438-7753-43e0-B8FC-AC1667EBCBE1}">
-                <a14:hiddenEffects xmlns:a14="http://schemas.microsoft.com/office/drawing/2010/main" xmlns="">
+                <a14:hiddenEffects xmlns="" xmlns:a14="http://schemas.microsoft.com/office/drawing/2010/main">
                   <a:effectLst>
                     <a:outerShdw blurRad="63500" dist="38099" dir="2700000" algn="ctr" rotWithShape="0">
                       <a:schemeClr val="bg2">
@@ -6654,7 +6654,7 @@
             <a:effectLst/>
             <a:extLst>
               <a:ext uri="{91240B29-F687-4f45-9708-019B960494DF}">
-                <a14:hiddenLine xmlns:a14="http://schemas.microsoft.com/office/drawing/2010/main" xmlns="" w="9525">
+                <a14:hiddenLine xmlns="" xmlns:a14="http://schemas.microsoft.com/office/drawing/2010/main" w="9525">
                   <a:solidFill>
                     <a:schemeClr val="tx1"/>
                   </a:solidFill>
@@ -6664,7 +6664,7 @@
                 </a14:hiddenLine>
               </a:ext>
               <a:ext uri="{AF507438-7753-43e0-B8FC-AC1667EBCBE1}">
-                <a14:hiddenEffects xmlns:a14="http://schemas.microsoft.com/office/drawing/2010/main" xmlns="">
+                <a14:hiddenEffects xmlns="" xmlns:a14="http://schemas.microsoft.com/office/drawing/2010/main">
                   <a:effectLst>
                     <a:outerShdw blurRad="63500" dist="38099" dir="2700000" algn="ctr" rotWithShape="0">
                       <a:schemeClr val="bg2">
@@ -6709,7 +6709,7 @@
             <a:effectLst/>
             <a:extLst>
               <a:ext uri="{91240B29-F687-4f45-9708-019B960494DF}">
-                <a14:hiddenLine xmlns:a14="http://schemas.microsoft.com/office/drawing/2010/main" xmlns="" w="9525">
+                <a14:hiddenLine xmlns="" xmlns:a14="http://schemas.microsoft.com/office/drawing/2010/main" w="9525">
                   <a:solidFill>
                     <a:schemeClr val="tx1"/>
                   </a:solidFill>
@@ -6719,7 +6719,7 @@
                 </a14:hiddenLine>
               </a:ext>
               <a:ext uri="{AF507438-7753-43e0-B8FC-AC1667EBCBE1}">
-                <a14:hiddenEffects xmlns:a14="http://schemas.microsoft.com/office/drawing/2010/main" xmlns="">
+                <a14:hiddenEffects xmlns="" xmlns:a14="http://schemas.microsoft.com/office/drawing/2010/main">
                   <a:effectLst>
                     <a:outerShdw blurRad="63500" dist="38099" dir="2700000" algn="ctr" rotWithShape="0">
                       <a:schemeClr val="bg2">
@@ -6764,7 +6764,7 @@
             <a:effectLst/>
             <a:extLst>
               <a:ext uri="{91240B29-F687-4f45-9708-019B960494DF}">
-                <a14:hiddenLine xmlns:a14="http://schemas.microsoft.com/office/drawing/2010/main" xmlns="" w="9525">
+                <a14:hiddenLine xmlns="" xmlns:a14="http://schemas.microsoft.com/office/drawing/2010/main" w="9525">
                   <a:solidFill>
                     <a:schemeClr val="tx1"/>
                   </a:solidFill>
@@ -6774,7 +6774,7 @@
                 </a14:hiddenLine>
               </a:ext>
               <a:ext uri="{AF507438-7753-43e0-B8FC-AC1667EBCBE1}">
-                <a14:hiddenEffects xmlns:a14="http://schemas.microsoft.com/office/drawing/2010/main" xmlns="">
+                <a14:hiddenEffects xmlns="" xmlns:a14="http://schemas.microsoft.com/office/drawing/2010/main">
                   <a:effectLst>
                     <a:outerShdw blurRad="63500" dist="38099" dir="2700000" algn="ctr" rotWithShape="0">
                       <a:schemeClr val="bg2">
@@ -6819,7 +6819,7 @@
             <a:effectLst/>
             <a:extLst>
               <a:ext uri="{91240B29-F687-4f45-9708-019B960494DF}">
-                <a14:hiddenLine xmlns:a14="http://schemas.microsoft.com/office/drawing/2010/main" xmlns="" w="9525">
+                <a14:hiddenLine xmlns="" xmlns:a14="http://schemas.microsoft.com/office/drawing/2010/main" w="9525">
                   <a:solidFill>
                     <a:schemeClr val="tx1"/>
                   </a:solidFill>
@@ -6829,7 +6829,7 @@
                 </a14:hiddenLine>
               </a:ext>
               <a:ext uri="{AF507438-7753-43e0-B8FC-AC1667EBCBE1}">
-                <a14:hiddenEffects xmlns:a14="http://schemas.microsoft.com/office/drawing/2010/main" xmlns="">
+                <a14:hiddenEffects xmlns="" xmlns:a14="http://schemas.microsoft.com/office/drawing/2010/main">
                   <a:effectLst>
                     <a:outerShdw blurRad="63500" dist="38099" dir="2700000" algn="ctr" rotWithShape="0">
                       <a:schemeClr val="bg2">
@@ -6874,7 +6874,7 @@
             <a:effectLst/>
             <a:extLst>
               <a:ext uri="{91240B29-F687-4f45-9708-019B960494DF}">
-                <a14:hiddenLine xmlns:a14="http://schemas.microsoft.com/office/drawing/2010/main" xmlns="" w="9525">
+                <a14:hiddenLine xmlns="" xmlns:a14="http://schemas.microsoft.com/office/drawing/2010/main" w="9525">
                   <a:solidFill>
                     <a:schemeClr val="tx1"/>
                   </a:solidFill>
@@ -6884,7 +6884,7 @@
                 </a14:hiddenLine>
               </a:ext>
               <a:ext uri="{AF507438-7753-43e0-B8FC-AC1667EBCBE1}">
-                <a14:hiddenEffects xmlns:a14="http://schemas.microsoft.com/office/drawing/2010/main" xmlns="">
+                <a14:hiddenEffects xmlns="" xmlns:a14="http://schemas.microsoft.com/office/drawing/2010/main">
                   <a:effectLst>
                     <a:outerShdw blurRad="63500" dist="38099" dir="2700000" algn="ctr" rotWithShape="0">
                       <a:schemeClr val="bg2">
@@ -6929,7 +6929,7 @@
             <a:effectLst/>
             <a:extLst>
               <a:ext uri="{91240B29-F687-4f45-9708-019B960494DF}">
-                <a14:hiddenLine xmlns:a14="http://schemas.microsoft.com/office/drawing/2010/main" xmlns="" w="9525">
+                <a14:hiddenLine xmlns="" xmlns:a14="http://schemas.microsoft.com/office/drawing/2010/main" w="9525">
                   <a:solidFill>
                     <a:schemeClr val="tx1"/>
                   </a:solidFill>
@@ -6939,7 +6939,7 @@
                 </a14:hiddenLine>
               </a:ext>
               <a:ext uri="{AF507438-7753-43e0-B8FC-AC1667EBCBE1}">
-                <a14:hiddenEffects xmlns:a14="http://schemas.microsoft.com/office/drawing/2010/main" xmlns="">
+                <a14:hiddenEffects xmlns="" xmlns:a14="http://schemas.microsoft.com/office/drawing/2010/main">
                   <a:effectLst>
                     <a:outerShdw blurRad="63500" dist="38099" dir="2700000" algn="ctr" rotWithShape="0">
                       <a:schemeClr val="bg2">
@@ -6984,7 +6984,7 @@
             <a:effectLst/>
             <a:extLst>
               <a:ext uri="{91240B29-F687-4f45-9708-019B960494DF}">
-                <a14:hiddenLine xmlns:a14="http://schemas.microsoft.com/office/drawing/2010/main" xmlns="" w="9525">
+                <a14:hiddenLine xmlns="" xmlns:a14="http://schemas.microsoft.com/office/drawing/2010/main" w="9525">
                   <a:solidFill>
                     <a:schemeClr val="tx1"/>
                   </a:solidFill>
@@ -6994,7 +6994,7 @@
                 </a14:hiddenLine>
               </a:ext>
               <a:ext uri="{AF507438-7753-43e0-B8FC-AC1667EBCBE1}">
-                <a14:hiddenEffects xmlns:a14="http://schemas.microsoft.com/office/drawing/2010/main" xmlns="">
+                <a14:hiddenEffects xmlns="" xmlns:a14="http://schemas.microsoft.com/office/drawing/2010/main">
                   <a:effectLst>
                     <a:outerShdw blurRad="63500" dist="38099" dir="2700000" algn="ctr" rotWithShape="0">
                       <a:schemeClr val="bg2">
@@ -7039,7 +7039,7 @@
             <a:effectLst/>
             <a:extLst>
               <a:ext uri="{91240B29-F687-4f45-9708-019B960494DF}">
-                <a14:hiddenLine xmlns:a14="http://schemas.microsoft.com/office/drawing/2010/main" xmlns="" w="9525">
+                <a14:hiddenLine xmlns="" xmlns:a14="http://schemas.microsoft.com/office/drawing/2010/main" w="9525">
                   <a:solidFill>
                     <a:schemeClr val="tx1"/>
                   </a:solidFill>
@@ -7049,7 +7049,7 @@
                 </a14:hiddenLine>
               </a:ext>
               <a:ext uri="{AF507438-7753-43e0-B8FC-AC1667EBCBE1}">
-                <a14:hiddenEffects xmlns:a14="http://schemas.microsoft.com/office/drawing/2010/main" xmlns="">
+                <a14:hiddenEffects xmlns="" xmlns:a14="http://schemas.microsoft.com/office/drawing/2010/main">
                   <a:effectLst>
                     <a:outerShdw blurRad="63500" dist="38099" dir="2700000" algn="ctr" rotWithShape="0">
                       <a:schemeClr val="bg2">
@@ -7094,7 +7094,7 @@
             <a:effectLst/>
             <a:extLst>
               <a:ext uri="{91240B29-F687-4f45-9708-019B960494DF}">
-                <a14:hiddenLine xmlns:a14="http://schemas.microsoft.com/office/drawing/2010/main" xmlns="" w="9525">
+                <a14:hiddenLine xmlns="" xmlns:a14="http://schemas.microsoft.com/office/drawing/2010/main" w="9525">
                   <a:solidFill>
                     <a:schemeClr val="tx1"/>
                   </a:solidFill>
@@ -7104,7 +7104,7 @@
                 </a14:hiddenLine>
               </a:ext>
               <a:ext uri="{AF507438-7753-43e0-B8FC-AC1667EBCBE1}">
-                <a14:hiddenEffects xmlns:a14="http://schemas.microsoft.com/office/drawing/2010/main" xmlns="">
+                <a14:hiddenEffects xmlns="" xmlns:a14="http://schemas.microsoft.com/office/drawing/2010/main">
                   <a:effectLst>
                     <a:outerShdw blurRad="63500" dist="38099" dir="2700000" algn="ctr" rotWithShape="0">
                       <a:schemeClr val="bg2">
@@ -7149,7 +7149,7 @@
             <a:effectLst/>
             <a:extLst>
               <a:ext uri="{91240B29-F687-4f45-9708-019B960494DF}">
-                <a14:hiddenLine xmlns:a14="http://schemas.microsoft.com/office/drawing/2010/main" xmlns="" w="9525">
+                <a14:hiddenLine xmlns="" xmlns:a14="http://schemas.microsoft.com/office/drawing/2010/main" w="9525">
                   <a:solidFill>
                     <a:schemeClr val="tx1"/>
                   </a:solidFill>
@@ -7159,7 +7159,7 @@
                 </a14:hiddenLine>
               </a:ext>
               <a:ext uri="{AF507438-7753-43e0-B8FC-AC1667EBCBE1}">
-                <a14:hiddenEffects xmlns:a14="http://schemas.microsoft.com/office/drawing/2010/main" xmlns="">
+                <a14:hiddenEffects xmlns="" xmlns:a14="http://schemas.microsoft.com/office/drawing/2010/main">
                   <a:effectLst>
                     <a:outerShdw blurRad="63500" dist="38099" dir="2700000" algn="ctr" rotWithShape="0">
                       <a:schemeClr val="bg2">
@@ -7204,7 +7204,7 @@
             <a:effectLst/>
             <a:extLst>
               <a:ext uri="{91240B29-F687-4f45-9708-019B960494DF}">
-                <a14:hiddenLine xmlns:a14="http://schemas.microsoft.com/office/drawing/2010/main" xmlns="" w="9525">
+                <a14:hiddenLine xmlns="" xmlns:a14="http://schemas.microsoft.com/office/drawing/2010/main" w="9525">
                   <a:solidFill>
                     <a:schemeClr val="tx1"/>
                   </a:solidFill>
@@ -7214,7 +7214,7 @@
                 </a14:hiddenLine>
               </a:ext>
               <a:ext uri="{AF507438-7753-43e0-B8FC-AC1667EBCBE1}">
-                <a14:hiddenEffects xmlns:a14="http://schemas.microsoft.com/office/drawing/2010/main" xmlns="">
+                <a14:hiddenEffects xmlns="" xmlns:a14="http://schemas.microsoft.com/office/drawing/2010/main">
                   <a:effectLst>
                     <a:outerShdw blurRad="63500" dist="38099" dir="2700000" algn="ctr" rotWithShape="0">
                       <a:schemeClr val="bg2">
@@ -7259,7 +7259,7 @@
             <a:effectLst/>
             <a:extLst>
               <a:ext uri="{91240B29-F687-4f45-9708-019B960494DF}">
-                <a14:hiddenLine xmlns:a14="http://schemas.microsoft.com/office/drawing/2010/main" xmlns="" w="9525">
+                <a14:hiddenLine xmlns="" xmlns:a14="http://schemas.microsoft.com/office/drawing/2010/main" w="9525">
                   <a:solidFill>
                     <a:schemeClr val="tx1"/>
                   </a:solidFill>
@@ -7269,7 +7269,7 @@
                 </a14:hiddenLine>
               </a:ext>
               <a:ext uri="{AF507438-7753-43e0-B8FC-AC1667EBCBE1}">
-                <a14:hiddenEffects xmlns:a14="http://schemas.microsoft.com/office/drawing/2010/main" xmlns="">
+                <a14:hiddenEffects xmlns="" xmlns:a14="http://schemas.microsoft.com/office/drawing/2010/main">
                   <a:effectLst>
                     <a:outerShdw blurRad="63500" dist="38099" dir="2700000" algn="ctr" rotWithShape="0">
                       <a:schemeClr val="bg2">
@@ -7314,7 +7314,7 @@
             <a:effectLst/>
             <a:extLst>
               <a:ext uri="{91240B29-F687-4f45-9708-019B960494DF}">
-                <a14:hiddenLine xmlns:a14="http://schemas.microsoft.com/office/drawing/2010/main" xmlns="" w="9525">
+                <a14:hiddenLine xmlns="" xmlns:a14="http://schemas.microsoft.com/office/drawing/2010/main" w="9525">
                   <a:solidFill>
                     <a:schemeClr val="tx1"/>
                   </a:solidFill>
@@ -7324,7 +7324,7 @@
                 </a14:hiddenLine>
               </a:ext>
               <a:ext uri="{AF507438-7753-43e0-B8FC-AC1667EBCBE1}">
-                <a14:hiddenEffects xmlns:a14="http://schemas.microsoft.com/office/drawing/2010/main" xmlns="">
+                <a14:hiddenEffects xmlns="" xmlns:a14="http://schemas.microsoft.com/office/drawing/2010/main">
                   <a:effectLst>
                     <a:outerShdw blurRad="63500" dist="38099" dir="2700000" algn="ctr" rotWithShape="0">
                       <a:schemeClr val="bg2">
@@ -7369,7 +7369,7 @@
             <a:effectLst/>
             <a:extLst>
               <a:ext uri="{91240B29-F687-4f45-9708-019B960494DF}">
-                <a14:hiddenLine xmlns:a14="http://schemas.microsoft.com/office/drawing/2010/main" xmlns="" w="9525">
+                <a14:hiddenLine xmlns="" xmlns:a14="http://schemas.microsoft.com/office/drawing/2010/main" w="9525">
                   <a:solidFill>
                     <a:schemeClr val="tx1"/>
                   </a:solidFill>
@@ -7379,7 +7379,7 @@
                 </a14:hiddenLine>
               </a:ext>
               <a:ext uri="{AF507438-7753-43e0-B8FC-AC1667EBCBE1}">
-                <a14:hiddenEffects xmlns:a14="http://schemas.microsoft.com/office/drawing/2010/main" xmlns="">
+                <a14:hiddenEffects xmlns="" xmlns:a14="http://schemas.microsoft.com/office/drawing/2010/main">
                   <a:effectLst>
                     <a:outerShdw blurRad="63500" dist="38099" dir="2700000" algn="ctr" rotWithShape="0">
                       <a:schemeClr val="bg2">
@@ -7424,7 +7424,7 @@
             <a:effectLst/>
             <a:extLst>
               <a:ext uri="{91240B29-F687-4f45-9708-019B960494DF}">
-                <a14:hiddenLine xmlns:a14="http://schemas.microsoft.com/office/drawing/2010/main" xmlns="" w="9525">
+                <a14:hiddenLine xmlns="" xmlns:a14="http://schemas.microsoft.com/office/drawing/2010/main" w="9525">
                   <a:solidFill>
                     <a:schemeClr val="tx1"/>
                   </a:solidFill>
@@ -7434,7 +7434,7 @@
                 </a14:hiddenLine>
               </a:ext>
               <a:ext uri="{AF507438-7753-43e0-B8FC-AC1667EBCBE1}">
-                <a14:hiddenEffects xmlns:a14="http://schemas.microsoft.com/office/drawing/2010/main" xmlns="">
+                <a14:hiddenEffects xmlns="" xmlns:a14="http://schemas.microsoft.com/office/drawing/2010/main">
                   <a:effectLst>
                     <a:outerShdw blurRad="63500" dist="38099" dir="2700000" algn="ctr" rotWithShape="0">
                       <a:schemeClr val="bg2">
@@ -7479,7 +7479,7 @@
             <a:effectLst/>
             <a:extLst>
               <a:ext uri="{91240B29-F687-4f45-9708-019B960494DF}">
-                <a14:hiddenLine xmlns:a14="http://schemas.microsoft.com/office/drawing/2010/main" xmlns="" w="9525">
+                <a14:hiddenLine xmlns="" xmlns:a14="http://schemas.microsoft.com/office/drawing/2010/main" w="9525">
                   <a:solidFill>
                     <a:schemeClr val="tx1"/>
                   </a:solidFill>
@@ -7489,7 +7489,7 @@
                 </a14:hiddenLine>
               </a:ext>
               <a:ext uri="{AF507438-7753-43e0-B8FC-AC1667EBCBE1}">
-                <a14:hiddenEffects xmlns:a14="http://schemas.microsoft.com/office/drawing/2010/main" xmlns="">
+                <a14:hiddenEffects xmlns="" xmlns:a14="http://schemas.microsoft.com/office/drawing/2010/main">
                   <a:effectLst>
                     <a:outerShdw blurRad="63500" dist="38099" dir="2700000" algn="ctr" rotWithShape="0">
                       <a:schemeClr val="bg2">
@@ -9171,7 +9171,7 @@
           <a:p>
             <a:r>
               <a:rPr lang="en-US" dirty="0"/>
-              <a:t>Class Exercise 1a</a:t>
+              <a:t>Assignment</a:t>
             </a:r>
           </a:p>
         </p:txBody>
@@ -9198,13 +9198,18 @@
           <a:lstStyle/>
           <a:p>
             <a:r>
+              <a:rPr lang="en-US"/>
+              <a:t>Assignment #1 -- Please </a:t>
+            </a:r>
+            <a:r>
               <a:rPr lang="en-US" dirty="0"/>
-              <a:t>Please see </a:t>
-            </a:r>
-            <a:r>
-              <a:rPr lang="en-US"/>
+              <a:t>see </a:t>
+            </a:r>
+            <a:r>
+              <a:rPr lang="en-US" dirty="0" err="1"/>
               <a:t>BrightSpace</a:t>
             </a:r>
+            <a:endParaRPr lang="en-US" dirty="0"/>
           </a:p>
         </p:txBody>
       </p:sp>
@@ -9309,14 +9314,14 @@
           </a:ln>
           <a:extLst>
             <a:ext uri="{909E8E84-426E-40dd-AFC4-6F175D3DCCD1}">
-              <a14:hiddenFill xmlns:a14="http://schemas.microsoft.com/office/drawing/2010/main" xmlns="">
+              <a14:hiddenFill xmlns="" xmlns:a14="http://schemas.microsoft.com/office/drawing/2010/main">
                 <a:solidFill>
                   <a:schemeClr val="accent1"/>
                 </a:solidFill>
               </a14:hiddenFill>
             </a:ext>
             <a:ext uri="{91240B29-F687-4f45-9708-019B960494DF}">
-              <a14:hiddenLine xmlns:a14="http://schemas.microsoft.com/office/drawing/2010/main" xmlns="" w="9525">
+              <a14:hiddenLine xmlns="" xmlns:a14="http://schemas.microsoft.com/office/drawing/2010/main" w="9525">
                 <a:solidFill>
                   <a:schemeClr val="tx1"/>
                 </a:solidFill>
@@ -9364,14 +9369,14 @@
           </a:ln>
           <a:extLst>
             <a:ext uri="{909E8E84-426E-40dd-AFC4-6F175D3DCCD1}">
-              <a14:hiddenFill xmlns:a14="http://schemas.microsoft.com/office/drawing/2010/main" xmlns="">
+              <a14:hiddenFill xmlns="" xmlns:a14="http://schemas.microsoft.com/office/drawing/2010/main">
                 <a:solidFill>
                   <a:schemeClr val="accent1"/>
                 </a:solidFill>
               </a14:hiddenFill>
             </a:ext>
             <a:ext uri="{91240B29-F687-4f45-9708-019B960494DF}">
-              <a14:hiddenLine xmlns:a14="http://schemas.microsoft.com/office/drawing/2010/main" xmlns="" w="9525">
+              <a14:hiddenLine xmlns="" xmlns:a14="http://schemas.microsoft.com/office/drawing/2010/main" w="9525">
                 <a:solidFill>
                   <a:schemeClr val="tx1"/>
                 </a:solidFill>
@@ -9419,14 +9424,14 @@
           </a:ln>
           <a:extLst>
             <a:ext uri="{909E8E84-426E-40dd-AFC4-6F175D3DCCD1}">
-              <a14:hiddenFill xmlns:a14="http://schemas.microsoft.com/office/drawing/2010/main" xmlns="">
+              <a14:hiddenFill xmlns="" xmlns:a14="http://schemas.microsoft.com/office/drawing/2010/main">
                 <a:solidFill>
                   <a:schemeClr val="accent1"/>
                 </a:solidFill>
               </a14:hiddenFill>
             </a:ext>
             <a:ext uri="{91240B29-F687-4f45-9708-019B960494DF}">
-              <a14:hiddenLine xmlns:a14="http://schemas.microsoft.com/office/drawing/2010/main" xmlns="" w="9525">
+              <a14:hiddenLine xmlns="" xmlns:a14="http://schemas.microsoft.com/office/drawing/2010/main" w="9525">
                 <a:solidFill>
                   <a:schemeClr val="tx1"/>
                 </a:solidFill>
@@ -9474,14 +9479,14 @@
           </a:ln>
           <a:extLst>
             <a:ext uri="{909E8E84-426E-40dd-AFC4-6F175D3DCCD1}">
-              <a14:hiddenFill xmlns:a14="http://schemas.microsoft.com/office/drawing/2010/main" xmlns="">
+              <a14:hiddenFill xmlns="" xmlns:a14="http://schemas.microsoft.com/office/drawing/2010/main">
                 <a:solidFill>
                   <a:schemeClr val="accent1"/>
                 </a:solidFill>
               </a14:hiddenFill>
             </a:ext>
             <a:ext uri="{91240B29-F687-4f45-9708-019B960494DF}">
-              <a14:hiddenLine xmlns:a14="http://schemas.microsoft.com/office/drawing/2010/main" xmlns="" w="9525">
+              <a14:hiddenLine xmlns="" xmlns:a14="http://schemas.microsoft.com/office/drawing/2010/main" w="9525">
                 <a:solidFill>
                   <a:schemeClr val="tx1"/>
                 </a:solidFill>
@@ -9534,7 +9539,7 @@
           </a:ln>
           <a:extLst>
             <a:ext uri="{909E8E84-426E-40dd-AFC4-6F175D3DCCD1}">
-              <a14:hiddenFill xmlns:a14="http://schemas.microsoft.com/office/drawing/2010/main" xmlns="">
+              <a14:hiddenFill xmlns="" xmlns:a14="http://schemas.microsoft.com/office/drawing/2010/main">
                 <a:noFill/>
               </a14:hiddenFill>
             </a:ext>
@@ -9570,7 +9575,7 @@
           </a:ln>
           <a:extLst>
             <a:ext uri="{909E8E84-426E-40dd-AFC4-6F175D3DCCD1}">
-              <a14:hiddenFill xmlns:a14="http://schemas.microsoft.com/office/drawing/2010/main" xmlns="">
+              <a14:hiddenFill xmlns="" xmlns:a14="http://schemas.microsoft.com/office/drawing/2010/main">
                 <a:noFill/>
               </a14:hiddenFill>
             </a:ext>
@@ -9604,7 +9609,7 @@
           </a:ln>
           <a:extLst>
             <a:ext uri="{909E8E84-426E-40dd-AFC4-6F175D3DCCD1}">
-              <a14:hiddenFill xmlns:a14="http://schemas.microsoft.com/office/drawing/2010/main" xmlns="">
+              <a14:hiddenFill xmlns="" xmlns:a14="http://schemas.microsoft.com/office/drawing/2010/main">
                 <a:noFill/>
               </a14:hiddenFill>
             </a:ext>
@@ -9640,7 +9645,7 @@
           </a:ln>
           <a:extLst>
             <a:ext uri="{909E8E84-426E-40dd-AFC4-6F175D3DCCD1}">
-              <a14:hiddenFill xmlns:a14="http://schemas.microsoft.com/office/drawing/2010/main" xmlns="">
+              <a14:hiddenFill xmlns="" xmlns:a14="http://schemas.microsoft.com/office/drawing/2010/main">
                 <a:noFill/>
               </a14:hiddenFill>
             </a:ext>
@@ -9676,7 +9681,7 @@
           </a:ln>
           <a:extLst>
             <a:ext uri="{909E8E84-426E-40dd-AFC4-6F175D3DCCD1}">
-              <a14:hiddenFill xmlns:a14="http://schemas.microsoft.com/office/drawing/2010/main" xmlns="">
+              <a14:hiddenFill xmlns="" xmlns:a14="http://schemas.microsoft.com/office/drawing/2010/main">
                 <a:noFill/>
               </a14:hiddenFill>
             </a:ext>
@@ -9713,7 +9718,7 @@
           </a:ln>
           <a:extLst>
             <a:ext uri="{909E8E84-426E-40dd-AFC4-6F175D3DCCD1}">
-              <a14:hiddenFill xmlns:a14="http://schemas.microsoft.com/office/drawing/2010/main" xmlns="">
+              <a14:hiddenFill xmlns="" xmlns:a14="http://schemas.microsoft.com/office/drawing/2010/main">
                 <a:solidFill>
                   <a:schemeClr val="accent1"/>
                 </a:solidFill>
@@ -9751,14 +9756,14 @@
           </a:ln>
           <a:extLst>
             <a:ext uri="{909E8E84-426E-40dd-AFC4-6F175D3DCCD1}">
-              <a14:hiddenFill xmlns:a14="http://schemas.microsoft.com/office/drawing/2010/main" xmlns="">
+              <a14:hiddenFill xmlns="" xmlns:a14="http://schemas.microsoft.com/office/drawing/2010/main">
                 <a:solidFill>
                   <a:schemeClr val="accent1"/>
                 </a:solidFill>
               </a14:hiddenFill>
             </a:ext>
             <a:ext uri="{91240B29-F687-4f45-9708-019B960494DF}">
-              <a14:hiddenLine xmlns:a14="http://schemas.microsoft.com/office/drawing/2010/main" xmlns="" w="9525">
+              <a14:hiddenLine xmlns="" xmlns:a14="http://schemas.microsoft.com/office/drawing/2010/main" w="9525">
                 <a:solidFill>
                   <a:schemeClr val="tx1"/>
                 </a:solidFill>
@@ -9814,7 +9819,7 @@
           </a:ln>
           <a:extLst>
             <a:ext uri="{909E8E84-426E-40dd-AFC4-6F175D3DCCD1}">
-              <a14:hiddenFill xmlns:a14="http://schemas.microsoft.com/office/drawing/2010/main" xmlns="">
+              <a14:hiddenFill xmlns="" xmlns:a14="http://schemas.microsoft.com/office/drawing/2010/main">
                 <a:solidFill>
                   <a:schemeClr val="accent1"/>
                 </a:solidFill>
@@ -9852,14 +9857,14 @@
           </a:ln>
           <a:extLst>
             <a:ext uri="{909E8E84-426E-40dd-AFC4-6F175D3DCCD1}">
-              <a14:hiddenFill xmlns:a14="http://schemas.microsoft.com/office/drawing/2010/main" xmlns="">
+              <a14:hiddenFill xmlns="" xmlns:a14="http://schemas.microsoft.com/office/drawing/2010/main">
                 <a:solidFill>
                   <a:schemeClr val="accent1"/>
                 </a:solidFill>
               </a14:hiddenFill>
             </a:ext>
             <a:ext uri="{91240B29-F687-4f45-9708-019B960494DF}">
-              <a14:hiddenLine xmlns:a14="http://schemas.microsoft.com/office/drawing/2010/main" xmlns="" w="9525">
+              <a14:hiddenLine xmlns="" xmlns:a14="http://schemas.microsoft.com/office/drawing/2010/main" w="9525">
                 <a:solidFill>
                   <a:schemeClr val="tx1"/>
                 </a:solidFill>
@@ -10076,7 +10081,7 @@
           <a:effectLst/>
           <a:extLst>
             <a:ext uri="{AF507438-7753-43e0-B8FC-AC1667EBCBE1}">
-              <a14:hiddenEffects xmlns="" xmlns:a14="http://schemas.microsoft.com/office/drawing/2010/main">
+              <a14:hiddenEffects xmlns:a14="http://schemas.microsoft.com/office/drawing/2010/main" xmlns="">
                 <a:effectLst>
                   <a:outerShdw blurRad="63500" dist="38099" dir="2700000" algn="ctr" rotWithShape="0">
                     <a:schemeClr val="bg2">
@@ -10200,7 +10205,7 @@
           <a:effectLst/>
           <a:extLst>
             <a:ext uri="{AF507438-7753-43e0-B8FC-AC1667EBCBE1}">
-              <a14:hiddenEffects xmlns="" xmlns:a14="http://schemas.microsoft.com/office/drawing/2010/main">
+              <a14:hiddenEffects xmlns:a14="http://schemas.microsoft.com/office/drawing/2010/main" xmlns="">
                 <a:effectLst>
                   <a:outerShdw blurRad="63500" dist="38099" dir="2700000" algn="ctr" rotWithShape="0">
                     <a:schemeClr val="bg2">
@@ -10250,7 +10255,7 @@
           <a:effectLst/>
           <a:extLst>
             <a:ext uri="{AF507438-7753-43e0-B8FC-AC1667EBCBE1}">
-              <a14:hiddenEffects xmlns="" xmlns:a14="http://schemas.microsoft.com/office/drawing/2010/main">
+              <a14:hiddenEffects xmlns:a14="http://schemas.microsoft.com/office/drawing/2010/main" xmlns="">
                 <a:effectLst>
                   <a:outerShdw blurRad="63500" dist="38099" dir="2700000" algn="ctr" rotWithShape="0">
                     <a:schemeClr val="bg2">
@@ -10337,7 +10342,7 @@
           <a:effectLst/>
           <a:extLst>
             <a:ext uri="{AF507438-7753-43e0-B8FC-AC1667EBCBE1}">
-              <a14:hiddenEffects xmlns="" xmlns:a14="http://schemas.microsoft.com/office/drawing/2010/main">
+              <a14:hiddenEffects xmlns:a14="http://schemas.microsoft.com/office/drawing/2010/main" xmlns="">
                 <a:effectLst>
                   <a:outerShdw blurRad="63500" dist="38099" dir="2700000" algn="ctr" rotWithShape="0">
                     <a:schemeClr val="bg2">
@@ -10385,7 +10390,7 @@
           <a:effectLst/>
           <a:extLst>
             <a:ext uri="{AF507438-7753-43e0-B8FC-AC1667EBCBE1}">
-              <a14:hiddenEffects xmlns="" xmlns:a14="http://schemas.microsoft.com/office/drawing/2010/main">
+              <a14:hiddenEffects xmlns:a14="http://schemas.microsoft.com/office/drawing/2010/main" xmlns="">
                 <a:effectLst>
                   <a:outerShdw blurRad="63500" dist="38099" dir="2700000" algn="ctr" rotWithShape="0">
                     <a:schemeClr val="bg2">
@@ -11491,7 +11496,7 @@
         <a:effectLst/>
         <a:extLst>
           <a:ext uri="{AF507438-7753-43e0-B8FC-AC1667EBCBE1}">
-            <a14:hiddenEffects xmlns:a14="http://schemas.microsoft.com/office/drawing/2010/main" xmlns="">
+            <a14:hiddenEffects xmlns="" xmlns:a14="http://schemas.microsoft.com/office/drawing/2010/main">
               <a:effectLst>
                 <a:outerShdw blurRad="63500" dist="38099" dir="2700000" algn="ctr" rotWithShape="0">
                   <a:schemeClr val="bg2">
@@ -11568,7 +11573,7 @@
         <a:effectLst/>
         <a:extLst>
           <a:ext uri="{AF507438-7753-43e0-B8FC-AC1667EBCBE1}">
-            <a14:hiddenEffects xmlns:a14="http://schemas.microsoft.com/office/drawing/2010/main" xmlns="">
+            <a14:hiddenEffects xmlns="" xmlns:a14="http://schemas.microsoft.com/office/drawing/2010/main">
               <a:effectLst>
                 <a:outerShdw blurRad="63500" dist="38099" dir="2700000" algn="ctr" rotWithShape="0">
                   <a:schemeClr val="bg2">
